--- a/documentation/images/diagrams.pptx
+++ b/documentation/images/diagrams.pptx
@@ -6,7 +6,7 @@
   </p:sldMasterIdLst>
   <p:sldIdLst>
     <p:sldId id="257" r:id="rId2"/>
-    <p:sldId id="256" r:id="rId3"/>
+    <p:sldId id="260" r:id="rId3"/>
   </p:sldIdLst>
   <p:sldSz cx="9144000" cy="6858000" type="screen4x3"/>
   <p:notesSz cx="6858000" cy="9144000"/>
@@ -289,7 +289,8 @@
           <a:p>
             <a:fld id="{9222C97E-73C8-43E8-A42B-6C809C4F9F15}" type="datetimeFigureOut">
               <a:rPr lang="en-US" smtClean="0"/>
-              <a:t>1/13/2010</a:t>
+              <a:pPr/>
+              <a:t>3/24/2010</a:t>
             </a:fld>
             <a:endParaRPr lang="en-CA"/>
           </a:p>
@@ -331,6 +332,7 @@
           <a:p>
             <a:fld id="{8A55F237-C9D1-48E0-8724-906FF3B3CD91}" type="slidenum">
               <a:rPr lang="en-CA" smtClean="0"/>
+              <a:pPr/>
               <a:t>‹#›</a:t>
             </a:fld>
             <a:endParaRPr lang="en-CA"/>
@@ -454,7 +456,8 @@
           <a:p>
             <a:fld id="{9222C97E-73C8-43E8-A42B-6C809C4F9F15}" type="datetimeFigureOut">
               <a:rPr lang="en-US" smtClean="0"/>
-              <a:t>1/13/2010</a:t>
+              <a:pPr/>
+              <a:t>3/24/2010</a:t>
             </a:fld>
             <a:endParaRPr lang="en-CA"/>
           </a:p>
@@ -496,6 +499,7 @@
           <a:p>
             <a:fld id="{8A55F237-C9D1-48E0-8724-906FF3B3CD91}" type="slidenum">
               <a:rPr lang="en-CA" smtClean="0"/>
+              <a:pPr/>
               <a:t>‹#›</a:t>
             </a:fld>
             <a:endParaRPr lang="en-CA"/>
@@ -629,7 +633,8 @@
           <a:p>
             <a:fld id="{9222C97E-73C8-43E8-A42B-6C809C4F9F15}" type="datetimeFigureOut">
               <a:rPr lang="en-US" smtClean="0"/>
-              <a:t>1/13/2010</a:t>
+              <a:pPr/>
+              <a:t>3/24/2010</a:t>
             </a:fld>
             <a:endParaRPr lang="en-CA"/>
           </a:p>
@@ -671,6 +676,7 @@
           <a:p>
             <a:fld id="{8A55F237-C9D1-48E0-8724-906FF3B3CD91}" type="slidenum">
               <a:rPr lang="en-CA" smtClean="0"/>
+              <a:pPr/>
               <a:t>‹#›</a:t>
             </a:fld>
             <a:endParaRPr lang="en-CA"/>
@@ -794,7 +800,8 @@
           <a:p>
             <a:fld id="{9222C97E-73C8-43E8-A42B-6C809C4F9F15}" type="datetimeFigureOut">
               <a:rPr lang="en-US" smtClean="0"/>
-              <a:t>1/13/2010</a:t>
+              <a:pPr/>
+              <a:t>3/24/2010</a:t>
             </a:fld>
             <a:endParaRPr lang="en-CA"/>
           </a:p>
@@ -836,6 +843,7 @@
           <a:p>
             <a:fld id="{8A55F237-C9D1-48E0-8724-906FF3B3CD91}" type="slidenum">
               <a:rPr lang="en-CA" smtClean="0"/>
+              <a:pPr/>
               <a:t>‹#›</a:t>
             </a:fld>
             <a:endParaRPr lang="en-CA"/>
@@ -1035,7 +1043,8 @@
           <a:p>
             <a:fld id="{9222C97E-73C8-43E8-A42B-6C809C4F9F15}" type="datetimeFigureOut">
               <a:rPr lang="en-US" smtClean="0"/>
-              <a:t>1/13/2010</a:t>
+              <a:pPr/>
+              <a:t>3/24/2010</a:t>
             </a:fld>
             <a:endParaRPr lang="en-CA"/>
           </a:p>
@@ -1077,6 +1086,7 @@
           <a:p>
             <a:fld id="{8A55F237-C9D1-48E0-8724-906FF3B3CD91}" type="slidenum">
               <a:rPr lang="en-CA" smtClean="0"/>
+              <a:pPr/>
               <a:t>‹#›</a:t>
             </a:fld>
             <a:endParaRPr lang="en-CA"/>
@@ -1318,7 +1328,8 @@
           <a:p>
             <a:fld id="{9222C97E-73C8-43E8-A42B-6C809C4F9F15}" type="datetimeFigureOut">
               <a:rPr lang="en-US" smtClean="0"/>
-              <a:t>1/13/2010</a:t>
+              <a:pPr/>
+              <a:t>3/24/2010</a:t>
             </a:fld>
             <a:endParaRPr lang="en-CA"/>
           </a:p>
@@ -1360,6 +1371,7 @@
           <a:p>
             <a:fld id="{8A55F237-C9D1-48E0-8724-906FF3B3CD91}" type="slidenum">
               <a:rPr lang="en-CA" smtClean="0"/>
+              <a:pPr/>
               <a:t>‹#›</a:t>
             </a:fld>
             <a:endParaRPr lang="en-CA"/>
@@ -1735,7 +1747,8 @@
           <a:p>
             <a:fld id="{9222C97E-73C8-43E8-A42B-6C809C4F9F15}" type="datetimeFigureOut">
               <a:rPr lang="en-US" smtClean="0"/>
-              <a:t>1/13/2010</a:t>
+              <a:pPr/>
+              <a:t>3/24/2010</a:t>
             </a:fld>
             <a:endParaRPr lang="en-CA"/>
           </a:p>
@@ -1777,6 +1790,7 @@
           <a:p>
             <a:fld id="{8A55F237-C9D1-48E0-8724-906FF3B3CD91}" type="slidenum">
               <a:rPr lang="en-CA" smtClean="0"/>
+              <a:pPr/>
               <a:t>‹#›</a:t>
             </a:fld>
             <a:endParaRPr lang="en-CA"/>
@@ -1848,7 +1862,8 @@
           <a:p>
             <a:fld id="{9222C97E-73C8-43E8-A42B-6C809C4F9F15}" type="datetimeFigureOut">
               <a:rPr lang="en-US" smtClean="0"/>
-              <a:t>1/13/2010</a:t>
+              <a:pPr/>
+              <a:t>3/24/2010</a:t>
             </a:fld>
             <a:endParaRPr lang="en-CA"/>
           </a:p>
@@ -1890,6 +1905,7 @@
           <a:p>
             <a:fld id="{8A55F237-C9D1-48E0-8724-906FF3B3CD91}" type="slidenum">
               <a:rPr lang="en-CA" smtClean="0"/>
+              <a:pPr/>
               <a:t>‹#›</a:t>
             </a:fld>
             <a:endParaRPr lang="en-CA"/>
@@ -1938,7 +1954,8 @@
           <a:p>
             <a:fld id="{9222C97E-73C8-43E8-A42B-6C809C4F9F15}" type="datetimeFigureOut">
               <a:rPr lang="en-US" smtClean="0"/>
-              <a:t>1/13/2010</a:t>
+              <a:pPr/>
+              <a:t>3/24/2010</a:t>
             </a:fld>
             <a:endParaRPr lang="en-CA"/>
           </a:p>
@@ -1980,6 +1997,7 @@
           <a:p>
             <a:fld id="{8A55F237-C9D1-48E0-8724-906FF3B3CD91}" type="slidenum">
               <a:rPr lang="en-CA" smtClean="0"/>
+              <a:pPr/>
               <a:t>‹#›</a:t>
             </a:fld>
             <a:endParaRPr lang="en-CA"/>
@@ -2210,7 +2228,8 @@
           <a:p>
             <a:fld id="{9222C97E-73C8-43E8-A42B-6C809C4F9F15}" type="datetimeFigureOut">
               <a:rPr lang="en-US" smtClean="0"/>
-              <a:t>1/13/2010</a:t>
+              <a:pPr/>
+              <a:t>3/24/2010</a:t>
             </a:fld>
             <a:endParaRPr lang="en-CA"/>
           </a:p>
@@ -2252,6 +2271,7 @@
           <a:p>
             <a:fld id="{8A55F237-C9D1-48E0-8724-906FF3B3CD91}" type="slidenum">
               <a:rPr lang="en-CA" smtClean="0"/>
+              <a:pPr/>
               <a:t>‹#›</a:t>
             </a:fld>
             <a:endParaRPr lang="en-CA"/>
@@ -2458,7 +2478,8 @@
           <a:p>
             <a:fld id="{9222C97E-73C8-43E8-A42B-6C809C4F9F15}" type="datetimeFigureOut">
               <a:rPr lang="en-US" smtClean="0"/>
-              <a:t>1/13/2010</a:t>
+              <a:pPr/>
+              <a:t>3/24/2010</a:t>
             </a:fld>
             <a:endParaRPr lang="en-CA"/>
           </a:p>
@@ -2500,6 +2521,7 @@
           <a:p>
             <a:fld id="{8A55F237-C9D1-48E0-8724-906FF3B3CD91}" type="slidenum">
               <a:rPr lang="en-CA" smtClean="0"/>
+              <a:pPr/>
               <a:t>‹#›</a:t>
             </a:fld>
             <a:endParaRPr lang="en-CA"/>
@@ -2666,7 +2688,8 @@
           <a:p>
             <a:fld id="{9222C97E-73C8-43E8-A42B-6C809C4F9F15}" type="datetimeFigureOut">
               <a:rPr lang="en-US" smtClean="0"/>
-              <a:t>1/13/2010</a:t>
+              <a:pPr/>
+              <a:t>3/24/2010</a:t>
             </a:fld>
             <a:endParaRPr lang="en-CA"/>
           </a:p>
@@ -2744,6 +2767,7 @@
           <a:p>
             <a:fld id="{8A55F237-C9D1-48E0-8724-906FF3B3CD91}" type="slidenum">
               <a:rPr lang="en-CA" smtClean="0"/>
+              <a:pPr/>
               <a:t>‹#›</a:t>
             </a:fld>
             <a:endParaRPr lang="en-CA"/>
@@ -3044,7 +3068,7 @@
         </p:nvSpPr>
         <p:spPr>
           <a:xfrm>
-            <a:off x="1785918" y="2071678"/>
+            <a:off x="2000232" y="2857496"/>
             <a:ext cx="1139992" cy="369332"/>
           </a:xfrm>
           <a:prstGeom prst="rect">
@@ -3074,7 +3098,7 @@
         </p:nvSpPr>
         <p:spPr>
           <a:xfrm>
-            <a:off x="1142976" y="2571744"/>
+            <a:off x="1357290" y="3357562"/>
             <a:ext cx="848309" cy="338554"/>
           </a:xfrm>
           <a:prstGeom prst="rect">
@@ -3112,7 +3136,7 @@
         </p:nvSpPr>
         <p:spPr>
           <a:xfrm>
-            <a:off x="1142976" y="3214686"/>
+            <a:off x="1357290" y="4000504"/>
             <a:ext cx="730777" cy="369332"/>
           </a:xfrm>
           <a:prstGeom prst="rect">
@@ -3145,7 +3169,7 @@
         </p:nvCxnSpPr>
         <p:spPr>
           <a:xfrm rot="5400000">
-            <a:off x="1545302" y="2404074"/>
+            <a:off x="1759616" y="3189892"/>
             <a:ext cx="773676" cy="847549"/>
           </a:xfrm>
           <a:prstGeom prst="straightConnector1">
@@ -3181,7 +3205,7 @@
         </p:nvCxnSpPr>
         <p:spPr>
           <a:xfrm rot="16200000" flipH="1">
-            <a:off x="2462049" y="2334875"/>
+            <a:off x="2676363" y="3120693"/>
             <a:ext cx="773676" cy="985946"/>
           </a:xfrm>
           <a:prstGeom prst="straightConnector1">
@@ -3214,7 +3238,7 @@
         </p:nvSpPr>
         <p:spPr>
           <a:xfrm>
-            <a:off x="2789099" y="2571744"/>
+            <a:off x="3003413" y="3357562"/>
             <a:ext cx="1425711" cy="338554"/>
           </a:xfrm>
           <a:prstGeom prst="rect">
@@ -3252,7 +3276,7 @@
         </p:nvSpPr>
         <p:spPr>
           <a:xfrm>
-            <a:off x="2928926" y="3214686"/>
+            <a:off x="3143240" y="4000504"/>
             <a:ext cx="825867" cy="369332"/>
           </a:xfrm>
           <a:prstGeom prst="rect">
@@ -3282,7 +3306,7 @@
         </p:nvSpPr>
         <p:spPr>
           <a:xfrm>
-            <a:off x="1928794" y="3071810"/>
+            <a:off x="2143108" y="3857628"/>
             <a:ext cx="1083951" cy="338554"/>
           </a:xfrm>
           <a:prstGeom prst="rect">
@@ -3320,7 +3344,7 @@
         </p:nvCxnSpPr>
         <p:spPr>
           <a:xfrm>
-            <a:off x="1928794" y="3429000"/>
+            <a:off x="2143108" y="4214818"/>
             <a:ext cx="1009838" cy="1"/>
           </a:xfrm>
           <a:prstGeom prst="straightConnector1">
@@ -3353,8 +3377,8 @@
         </p:nvSpPr>
         <p:spPr>
           <a:xfrm>
-            <a:off x="2357422" y="1500174"/>
-            <a:ext cx="1190134" cy="338554"/>
+            <a:off x="2571736" y="2285992"/>
+            <a:ext cx="1171796" cy="338554"/>
           </a:xfrm>
           <a:prstGeom prst="rect">
             <a:avLst/>
@@ -3373,7 +3397,7 @@
                   <a:schemeClr val="tx2"/>
                 </a:solidFill>
               </a:rPr>
-              <a:t>conforms to</a:t>
+              <a:t>implements</a:t>
             </a:r>
             <a:endParaRPr lang="en-CA" sz="1600" dirty="0">
               <a:solidFill>
@@ -3391,8 +3415,8 @@
         </p:nvSpPr>
         <p:spPr>
           <a:xfrm>
-            <a:off x="1643042" y="1000108"/>
-            <a:ext cx="1363643" cy="369332"/>
+            <a:off x="1928794" y="1643050"/>
+            <a:ext cx="1363643" cy="646331"/>
           </a:xfrm>
           <a:prstGeom prst="rect">
             <a:avLst/>
@@ -3405,6 +3429,18 @@
           </a:bodyPr>
           <a:lstStyle/>
           <a:p>
+            <a:pPr algn="ctr"/>
+            <a:r>
+              <a:rPr lang="en-CA" dirty="0" smtClean="0"/>
+              <a:t>d</a:t>
+            </a:r>
+            <a:r>
+              <a:rPr lang="en-CA" dirty="0" smtClean="0"/>
+              <a:t>ata format</a:t>
+            </a:r>
+          </a:p>
+          <a:p>
+            <a:pPr algn="ctr"/>
             <a:r>
               <a:rPr lang="en-CA" dirty="0" smtClean="0"/>
               <a:t>specification</a:t>
@@ -3423,9 +3459,9 @@
           <p:nvPr/>
         </p:nvCxnSpPr>
         <p:spPr>
-          <a:xfrm rot="16200000" flipV="1">
-            <a:off x="1989270" y="1705034"/>
-            <a:ext cx="702238" cy="31050"/>
+          <a:xfrm rot="5400000" flipH="1" flipV="1">
+            <a:off x="2306365" y="2553245"/>
+            <a:ext cx="568115" cy="40388"/>
           </a:xfrm>
           <a:prstGeom prst="straightConnector1">
             <a:avLst/>
@@ -3457,7 +3493,7 @@
         </p:nvSpPr>
         <p:spPr>
           <a:xfrm>
-            <a:off x="6572264" y="500042"/>
+            <a:off x="5500694" y="2214554"/>
             <a:ext cx="1009444" cy="369332"/>
           </a:xfrm>
           <a:prstGeom prst="rect">
@@ -3487,7 +3523,7 @@
         </p:nvSpPr>
         <p:spPr>
           <a:xfrm>
-            <a:off x="6500826" y="1500174"/>
+            <a:off x="5429256" y="3214686"/>
             <a:ext cx="1093569" cy="369332"/>
           </a:xfrm>
           <a:prstGeom prst="rect">
@@ -3517,8 +3553,8 @@
         </p:nvSpPr>
         <p:spPr>
           <a:xfrm>
-            <a:off x="5929322" y="1071546"/>
-            <a:ext cx="1190134" cy="338554"/>
+            <a:off x="6072198" y="2786058"/>
+            <a:ext cx="1171796" cy="338554"/>
           </a:xfrm>
           <a:prstGeom prst="rect">
             <a:avLst/>
@@ -3537,7 +3573,7 @@
                   <a:schemeClr val="tx2"/>
                 </a:solidFill>
               </a:rPr>
-              <a:t>conforms to</a:t>
+              <a:t>implements</a:t>
             </a:r>
             <a:endParaRPr lang="en-CA" sz="1600" dirty="0">
               <a:solidFill>
@@ -3558,7 +3594,7 @@
         </p:nvCxnSpPr>
         <p:spPr>
           <a:xfrm rot="5400000">
-            <a:off x="6746899" y="1170087"/>
+            <a:off x="5675329" y="2884599"/>
             <a:ext cx="630800" cy="29375"/>
           </a:xfrm>
           <a:prstGeom prst="straightConnector1">
@@ -3591,7 +3627,7 @@
         </p:nvSpPr>
         <p:spPr>
           <a:xfrm>
-            <a:off x="7051920" y="1660064"/>
+            <a:off x="5980350" y="3374576"/>
             <a:ext cx="849086" cy="468085"/>
           </a:xfrm>
           <a:custGeom>
@@ -3687,7 +3723,7 @@
         </p:nvSpPr>
         <p:spPr>
           <a:xfrm>
-            <a:off x="6929454" y="2143116"/>
+            <a:off x="5857884" y="3857628"/>
             <a:ext cx="1154355" cy="338554"/>
           </a:xfrm>
           <a:prstGeom prst="rect">
@@ -3724,8 +3760,8 @@
           <p:nvPr/>
         </p:nvSpPr>
         <p:spPr>
-          <a:xfrm rot="13796189">
-            <a:off x="2357422" y="714356"/>
+          <a:xfrm rot="10800000">
+            <a:off x="1500166" y="1428736"/>
             <a:ext cx="849086" cy="468085"/>
           </a:xfrm>
           <a:custGeom>
@@ -3821,8 +3857,8 @@
         </p:nvSpPr>
         <p:spPr>
           <a:xfrm>
-            <a:off x="2928926" y="500042"/>
-            <a:ext cx="1461554" cy="338554"/>
+            <a:off x="642910" y="1357298"/>
+            <a:ext cx="1007905" cy="584775"/>
           </a:xfrm>
           <a:prstGeom prst="rect">
             <a:avLst/>
@@ -3835,13 +3871,38 @@
           </a:bodyPr>
           <a:lstStyle/>
           <a:p>
+            <a:pPr algn="ctr"/>
             <a:r>
               <a:rPr lang="en-CA" sz="1600" dirty="0" smtClean="0">
                 <a:solidFill>
                   <a:schemeClr val="tx2"/>
                 </a:solidFill>
               </a:rPr>
-              <a:t>prior version of</a:t>
+              <a:t>prior </a:t>
+            </a:r>
+            <a:endParaRPr lang="en-CA" sz="1600" dirty="0" smtClean="0">
+              <a:solidFill>
+                <a:schemeClr val="tx2"/>
+              </a:solidFill>
+            </a:endParaRPr>
+          </a:p>
+          <a:p>
+            <a:pPr algn="ctr"/>
+            <a:r>
+              <a:rPr lang="en-CA" sz="1600" dirty="0" smtClean="0">
+                <a:solidFill>
+                  <a:schemeClr val="tx2"/>
+                </a:solidFill>
+              </a:rPr>
+              <a:t>version </a:t>
+            </a:r>
+            <a:r>
+              <a:rPr lang="en-CA" sz="1600" dirty="0" smtClean="0">
+                <a:solidFill>
+                  <a:schemeClr val="tx2"/>
+                </a:solidFill>
+              </a:rPr>
+              <a:t>of</a:t>
             </a:r>
             <a:endParaRPr lang="en-CA" sz="1600" dirty="0">
               <a:solidFill>
@@ -3851,6 +3912,407 @@
           </a:p>
         </p:txBody>
       </p:sp>
+      <p:cxnSp>
+        <p:nvCxnSpPr>
+          <p:cNvPr id="22" name="Straight Arrow Connector 21"/>
+          <p:cNvCxnSpPr>
+            <a:stCxn id="38" idx="1"/>
+            <a:endCxn id="2" idx="3"/>
+          </p:cNvCxnSpPr>
+          <p:nvPr/>
+        </p:nvCxnSpPr>
+        <p:spPr>
+          <a:xfrm rot="10800000">
+            <a:off x="3140224" y="3042162"/>
+            <a:ext cx="2289032" cy="357190"/>
+          </a:xfrm>
+          <a:prstGeom prst="straightConnector1">
+            <a:avLst/>
+          </a:prstGeom>
+          <a:ln>
+            <a:tailEnd type="arrow"/>
+          </a:ln>
+        </p:spPr>
+        <p:style>
+          <a:lnRef idx="1">
+            <a:schemeClr val="accent1"/>
+          </a:lnRef>
+          <a:fillRef idx="0">
+            <a:schemeClr val="accent1"/>
+          </a:fillRef>
+          <a:effectRef idx="0">
+            <a:schemeClr val="accent1"/>
+          </a:effectRef>
+          <a:fontRef idx="minor">
+            <a:schemeClr val="tx1"/>
+          </a:fontRef>
+        </p:style>
+      </p:cxnSp>
+      <p:sp>
+        <p:nvSpPr>
+          <p:cNvPr id="23" name="TextBox 22"/>
+          <p:cNvSpPr txBox="1"/>
+          <p:nvPr/>
+        </p:nvSpPr>
+        <p:spPr>
+          <a:xfrm>
+            <a:off x="4357686" y="2714620"/>
+            <a:ext cx="1083951" cy="338554"/>
+          </a:xfrm>
+          <a:prstGeom prst="rect">
+            <a:avLst/>
+          </a:prstGeom>
+          <a:noFill/>
+        </p:spPr>
+        <p:txBody>
+          <a:bodyPr wrap="none" rtlCol="0">
+            <a:spAutoFit/>
+          </a:bodyPr>
+          <a:lstStyle/>
+          <a:p>
+            <a:r>
+              <a:rPr lang="en-CA" sz="1600" i="1" dirty="0" smtClean="0">
+                <a:solidFill>
+                  <a:schemeClr val="tx2"/>
+                </a:solidFill>
+              </a:rPr>
+              <a:t>has </a:t>
+            </a:r>
+            <a:r>
+              <a:rPr lang="en-CA" sz="1600" i="1" dirty="0" smtClean="0">
+                <a:solidFill>
+                  <a:schemeClr val="tx2"/>
+                </a:solidFill>
+              </a:rPr>
+              <a:t>output</a:t>
+            </a:r>
+            <a:endParaRPr lang="en-CA" sz="1600" i="1" dirty="0" smtClean="0">
+              <a:solidFill>
+                <a:schemeClr val="tx2"/>
+              </a:solidFill>
+            </a:endParaRPr>
+          </a:p>
+        </p:txBody>
+      </p:sp>
+      <p:cxnSp>
+        <p:nvCxnSpPr>
+          <p:cNvPr id="24" name="Straight Arrow Connector 23"/>
+          <p:cNvCxnSpPr>
+            <a:stCxn id="37" idx="1"/>
+            <a:endCxn id="2" idx="3"/>
+          </p:cNvCxnSpPr>
+          <p:nvPr/>
+        </p:nvCxnSpPr>
+        <p:spPr>
+          <a:xfrm rot="10800000" flipV="1">
+            <a:off x="3140224" y="2399220"/>
+            <a:ext cx="2360470" cy="642942"/>
+          </a:xfrm>
+          <a:prstGeom prst="straightConnector1">
+            <a:avLst/>
+          </a:prstGeom>
+          <a:ln>
+            <a:tailEnd type="arrow"/>
+          </a:ln>
+        </p:spPr>
+        <p:style>
+          <a:lnRef idx="1">
+            <a:schemeClr val="accent1"/>
+          </a:lnRef>
+          <a:fillRef idx="0">
+            <a:schemeClr val="accent1"/>
+          </a:fillRef>
+          <a:effectRef idx="0">
+            <a:schemeClr val="accent1"/>
+          </a:effectRef>
+          <a:fontRef idx="minor">
+            <a:schemeClr val="tx1"/>
+          </a:fontRef>
+        </p:style>
+      </p:cxnSp>
+      <p:sp>
+        <p:nvSpPr>
+          <p:cNvPr id="34" name="TextBox 33"/>
+          <p:cNvSpPr txBox="1"/>
+          <p:nvPr/>
+        </p:nvSpPr>
+        <p:spPr>
+          <a:xfrm>
+            <a:off x="3214678" y="928670"/>
+            <a:ext cx="2157194" cy="646331"/>
+          </a:xfrm>
+          <a:prstGeom prst="rect">
+            <a:avLst/>
+          </a:prstGeom>
+          <a:noFill/>
+        </p:spPr>
+        <p:txBody>
+          <a:bodyPr wrap="none" rtlCol="0">
+            <a:spAutoFit/>
+          </a:bodyPr>
+          <a:lstStyle/>
+          <a:p>
+            <a:r>
+              <a:rPr lang="en-CA" dirty="0" smtClean="0">
+                <a:solidFill>
+                  <a:schemeClr val="tx1">
+                    <a:lumMod val="50000"/>
+                    <a:lumOff val="50000"/>
+                  </a:schemeClr>
+                </a:solidFill>
+              </a:rPr>
+              <a:t>directive information</a:t>
+            </a:r>
+          </a:p>
+          <a:p>
+            <a:pPr algn="ctr"/>
+            <a:r>
+              <a:rPr lang="en-CA" dirty="0" smtClean="0">
+                <a:solidFill>
+                  <a:schemeClr val="tx1">
+                    <a:lumMod val="50000"/>
+                    <a:lumOff val="50000"/>
+                  </a:schemeClr>
+                </a:solidFill>
+              </a:rPr>
+              <a:t>entity</a:t>
+            </a:r>
+          </a:p>
+        </p:txBody>
+      </p:sp>
+      <p:sp>
+        <p:nvSpPr>
+          <p:cNvPr id="35" name="Freeform 34"/>
+          <p:cNvSpPr/>
+          <p:nvPr/>
+        </p:nvSpPr>
+        <p:spPr>
+          <a:xfrm rot="13796189">
+            <a:off x="6110810" y="1928802"/>
+            <a:ext cx="849086" cy="468085"/>
+          </a:xfrm>
+          <a:custGeom>
+            <a:avLst/>
+            <a:gdLst>
+              <a:gd name="connsiteX0" fmla="*/ 544286 w 849086"/>
+              <a:gd name="connsiteY0" fmla="*/ 16328 h 468085"/>
+              <a:gd name="connsiteX1" fmla="*/ 805543 w 849086"/>
+              <a:gd name="connsiteY1" fmla="*/ 70757 h 468085"/>
+              <a:gd name="connsiteX2" fmla="*/ 283029 w 849086"/>
+              <a:gd name="connsiteY2" fmla="*/ 440871 h 468085"/>
+              <a:gd name="connsiteX3" fmla="*/ 54429 w 849086"/>
+              <a:gd name="connsiteY3" fmla="*/ 234042 h 468085"/>
+              <a:gd name="connsiteX4" fmla="*/ 0 w 849086"/>
+              <a:gd name="connsiteY4" fmla="*/ 179614 h 468085"/>
+            </a:gdLst>
+            <a:ahLst/>
+            <a:cxnLst>
+              <a:cxn ang="0">
+                <a:pos x="connsiteX0" y="connsiteY0"/>
+              </a:cxn>
+              <a:cxn ang="0">
+                <a:pos x="connsiteX1" y="connsiteY1"/>
+              </a:cxn>
+              <a:cxn ang="0">
+                <a:pos x="connsiteX2" y="connsiteY2"/>
+              </a:cxn>
+              <a:cxn ang="0">
+                <a:pos x="connsiteX3" y="connsiteY3"/>
+              </a:cxn>
+              <a:cxn ang="0">
+                <a:pos x="connsiteX4" y="connsiteY4"/>
+              </a:cxn>
+            </a:cxnLst>
+            <a:rect l="l" t="t" r="r" b="b"/>
+            <a:pathLst>
+              <a:path w="849086" h="468085">
+                <a:moveTo>
+                  <a:pt x="544286" y="16328"/>
+                </a:moveTo>
+                <a:cubicBezTo>
+                  <a:pt x="696686" y="8164"/>
+                  <a:pt x="849086" y="0"/>
+                  <a:pt x="805543" y="70757"/>
+                </a:cubicBezTo>
+                <a:cubicBezTo>
+                  <a:pt x="762000" y="141514"/>
+                  <a:pt x="408215" y="413657"/>
+                  <a:pt x="283029" y="440871"/>
+                </a:cubicBezTo>
+                <a:cubicBezTo>
+                  <a:pt x="157843" y="468085"/>
+                  <a:pt x="101600" y="277585"/>
+                  <a:pt x="54429" y="234042"/>
+                </a:cubicBezTo>
+                <a:cubicBezTo>
+                  <a:pt x="7258" y="190499"/>
+                  <a:pt x="3629" y="185056"/>
+                  <a:pt x="0" y="179614"/>
+                </a:cubicBezTo>
+              </a:path>
+            </a:pathLst>
+          </a:custGeom>
+        </p:spPr>
+        <p:style>
+          <a:lnRef idx="1">
+            <a:schemeClr val="accent1"/>
+          </a:lnRef>
+          <a:fillRef idx="0">
+            <a:schemeClr val="accent1"/>
+          </a:fillRef>
+          <a:effectRef idx="0">
+            <a:schemeClr val="accent1"/>
+          </a:effectRef>
+          <a:fontRef idx="minor">
+            <a:schemeClr val="tx1"/>
+          </a:fontRef>
+        </p:style>
+        <p:txBody>
+          <a:bodyPr rtlCol="0" anchor="ctr"/>
+          <a:lstStyle/>
+          <a:p>
+            <a:pPr algn="ctr"/>
+            <a:endParaRPr lang="en-CA"/>
+          </a:p>
+        </p:txBody>
+      </p:sp>
+      <p:sp>
+        <p:nvSpPr>
+          <p:cNvPr id="36" name="TextBox 35"/>
+          <p:cNvSpPr txBox="1"/>
+          <p:nvPr/>
+        </p:nvSpPr>
+        <p:spPr>
+          <a:xfrm>
+            <a:off x="6643702" y="1571612"/>
+            <a:ext cx="1007905" cy="584775"/>
+          </a:xfrm>
+          <a:prstGeom prst="rect">
+            <a:avLst/>
+          </a:prstGeom>
+          <a:noFill/>
+        </p:spPr>
+        <p:txBody>
+          <a:bodyPr wrap="none" rtlCol="0">
+            <a:spAutoFit/>
+          </a:bodyPr>
+          <a:lstStyle/>
+          <a:p>
+            <a:pPr algn="ctr"/>
+            <a:r>
+              <a:rPr lang="en-CA" sz="1600" dirty="0" smtClean="0">
+                <a:solidFill>
+                  <a:schemeClr val="tx2"/>
+                </a:solidFill>
+              </a:rPr>
+              <a:t>prior </a:t>
+            </a:r>
+            <a:endParaRPr lang="en-CA" sz="1600" dirty="0" smtClean="0">
+              <a:solidFill>
+                <a:schemeClr val="tx2"/>
+              </a:solidFill>
+            </a:endParaRPr>
+          </a:p>
+          <a:p>
+            <a:pPr algn="ctr"/>
+            <a:r>
+              <a:rPr lang="en-CA" sz="1600" dirty="0" smtClean="0">
+                <a:solidFill>
+                  <a:schemeClr val="tx2"/>
+                </a:solidFill>
+              </a:rPr>
+              <a:t>version </a:t>
+            </a:r>
+            <a:r>
+              <a:rPr lang="en-CA" sz="1600" dirty="0" smtClean="0">
+                <a:solidFill>
+                  <a:schemeClr val="tx2"/>
+                </a:solidFill>
+              </a:rPr>
+              <a:t>of</a:t>
+            </a:r>
+            <a:endParaRPr lang="en-CA" sz="1600" dirty="0">
+              <a:solidFill>
+                <a:schemeClr val="tx2"/>
+              </a:solidFill>
+            </a:endParaRPr>
+          </a:p>
+        </p:txBody>
+      </p:sp>
+      <p:cxnSp>
+        <p:nvCxnSpPr>
+          <p:cNvPr id="45" name="Straight Arrow Connector 44"/>
+          <p:cNvCxnSpPr>
+            <a:stCxn id="31" idx="0"/>
+            <a:endCxn id="34" idx="1"/>
+          </p:cNvCxnSpPr>
+          <p:nvPr/>
+        </p:nvCxnSpPr>
+        <p:spPr>
+          <a:xfrm rot="5400000" flipH="1" flipV="1">
+            <a:off x="2717040" y="1145412"/>
+            <a:ext cx="391214" cy="604062"/>
+          </a:xfrm>
+          <a:prstGeom prst="straightConnector1">
+            <a:avLst/>
+          </a:prstGeom>
+          <a:ln>
+            <a:prstDash val="sysDash"/>
+            <a:tailEnd type="arrow"/>
+          </a:ln>
+        </p:spPr>
+        <p:style>
+          <a:lnRef idx="1">
+            <a:schemeClr val="accent1"/>
+          </a:lnRef>
+          <a:fillRef idx="0">
+            <a:schemeClr val="accent1"/>
+          </a:fillRef>
+          <a:effectRef idx="0">
+            <a:schemeClr val="accent1"/>
+          </a:effectRef>
+          <a:fontRef idx="minor">
+            <a:schemeClr val="tx1"/>
+          </a:fontRef>
+        </p:style>
+      </p:cxnSp>
+      <p:cxnSp>
+        <p:nvCxnSpPr>
+          <p:cNvPr id="48" name="Straight Arrow Connector 47"/>
+          <p:cNvCxnSpPr>
+            <a:stCxn id="37" idx="0"/>
+            <a:endCxn id="34" idx="3"/>
+          </p:cNvCxnSpPr>
+          <p:nvPr/>
+        </p:nvCxnSpPr>
+        <p:spPr>
+          <a:xfrm rot="16200000" flipV="1">
+            <a:off x="5207285" y="1416423"/>
+            <a:ext cx="962718" cy="633544"/>
+          </a:xfrm>
+          <a:prstGeom prst="straightConnector1">
+            <a:avLst/>
+          </a:prstGeom>
+          <a:ln>
+            <a:prstDash val="sysDash"/>
+            <a:tailEnd type="arrow"/>
+          </a:ln>
+        </p:spPr>
+        <p:style>
+          <a:lnRef idx="1">
+            <a:schemeClr val="accent1"/>
+          </a:lnRef>
+          <a:fillRef idx="0">
+            <a:schemeClr val="accent1"/>
+          </a:fillRef>
+          <a:effectRef idx="0">
+            <a:schemeClr val="accent1"/>
+          </a:effectRef>
+          <a:fontRef idx="minor">
+            <a:schemeClr val="tx1"/>
+          </a:fontRef>
+        </p:style>
+      </p:cxnSp>
     </p:spTree>
   </p:cSld>
   <p:clrMapOvr>
@@ -3884,8 +4346,8 @@
         </p:nvSpPr>
         <p:spPr>
           <a:xfrm>
-            <a:off x="3929058" y="3714752"/>
-            <a:ext cx="1009444" cy="369332"/>
+            <a:off x="7429520" y="1142984"/>
+            <a:ext cx="920252" cy="338554"/>
           </a:xfrm>
           <a:prstGeom prst="rect">
             <a:avLst/>
@@ -3899,10 +4361,10 @@
           <a:lstStyle/>
           <a:p>
             <a:r>
-              <a:rPr lang="en-CA" dirty="0" smtClean="0"/>
+              <a:rPr lang="en-CA" sz="1600" dirty="0" smtClean="0"/>
               <a:t>software</a:t>
             </a:r>
-            <a:endParaRPr lang="en-CA" dirty="0"/>
+            <a:endParaRPr lang="en-CA" sz="1600" dirty="0"/>
           </a:p>
         </p:txBody>
       </p:sp>
@@ -3914,8 +4376,8 @@
         </p:nvSpPr>
         <p:spPr>
           <a:xfrm>
-            <a:off x="2643174" y="2357430"/>
-            <a:ext cx="3637599" cy="369332"/>
+            <a:off x="5286380" y="2428868"/>
+            <a:ext cx="2299284" cy="584775"/>
           </a:xfrm>
           <a:prstGeom prst="rect">
             <a:avLst/>
@@ -3929,10 +4391,17 @@
           <a:lstStyle/>
           <a:p>
             <a:r>
-              <a:rPr lang="en-CA" dirty="0" smtClean="0"/>
-              <a:t>parameterized execution of software</a:t>
-            </a:r>
-            <a:endParaRPr lang="en-CA" dirty="0"/>
+              <a:rPr lang="en-CA" sz="1600" dirty="0" smtClean="0"/>
+              <a:t>parameterized execution </a:t>
+            </a:r>
+          </a:p>
+          <a:p>
+            <a:pPr algn="ctr"/>
+            <a:r>
+              <a:rPr lang="en-CA" sz="1600" dirty="0" smtClean="0"/>
+              <a:t>of software</a:t>
+            </a:r>
+            <a:endParaRPr lang="en-CA" sz="1600" dirty="0"/>
           </a:p>
         </p:txBody>
       </p:sp>
@@ -3944,8 +4413,8 @@
         </p:nvSpPr>
         <p:spPr>
           <a:xfrm>
-            <a:off x="1785918" y="3714752"/>
-            <a:ext cx="1139992" cy="369332"/>
+            <a:off x="6500826" y="1142984"/>
+            <a:ext cx="1062022" cy="338554"/>
           </a:xfrm>
           <a:prstGeom prst="rect">
             <a:avLst/>
@@ -3959,10 +4428,10 @@
           <a:lstStyle/>
           <a:p>
             <a:r>
-              <a:rPr lang="en-CA" dirty="0" smtClean="0"/>
-              <a:t>descriptor</a:t>
-            </a:r>
-            <a:endParaRPr lang="en-CA" dirty="0"/>
+              <a:rPr lang="en-CA" sz="1600" dirty="0" smtClean="0"/>
+              <a:t>parameter</a:t>
+            </a:r>
+            <a:endParaRPr lang="en-CA" sz="1600" dirty="0"/>
           </a:p>
         </p:txBody>
       </p:sp>
@@ -3974,8 +4443,8 @@
         </p:nvSpPr>
         <p:spPr>
           <a:xfrm>
-            <a:off x="1785918" y="3000372"/>
-            <a:ext cx="1742785" cy="338554"/>
+            <a:off x="6072198" y="1643050"/>
+            <a:ext cx="1168910" cy="523220"/>
           </a:xfrm>
           <a:prstGeom prst="rect">
             <a:avLst/>
@@ -3989,14 +4458,25 @@
           <a:lstStyle/>
           <a:p>
             <a:r>
-              <a:rPr lang="en-CA" sz="1600" dirty="0" smtClean="0">
+              <a:rPr lang="en-CA" sz="1400" dirty="0" smtClean="0">
                 <a:solidFill>
                   <a:schemeClr val="tx2"/>
                 </a:solidFill>
               </a:rPr>
-              <a:t>has specified input</a:t>
-            </a:r>
-            <a:endParaRPr lang="en-CA" sz="1600" dirty="0">
+              <a:t>has specified </a:t>
+            </a:r>
+          </a:p>
+          <a:p>
+            <a:pPr algn="ctr"/>
+            <a:r>
+              <a:rPr lang="en-CA" sz="1400" dirty="0" smtClean="0">
+                <a:solidFill>
+                  <a:schemeClr val="tx2"/>
+                </a:solidFill>
+              </a:rPr>
+              <a:t>input</a:t>
+            </a:r>
+            <a:endParaRPr lang="en-CA" sz="1400" dirty="0">
               <a:solidFill>
                 <a:schemeClr val="tx2"/>
               </a:solidFill>
@@ -4006,14 +4486,14 @@
       </p:sp>
       <p:sp>
         <p:nvSpPr>
-          <p:cNvPr id="9" name="TextBox 8"/>
+          <p:cNvPr id="10" name="TextBox 9"/>
           <p:cNvSpPr txBox="1"/>
           <p:nvPr/>
         </p:nvSpPr>
         <p:spPr>
           <a:xfrm>
-            <a:off x="6072198" y="3643314"/>
-            <a:ext cx="1139992" cy="369332"/>
+            <a:off x="4000496" y="1714488"/>
+            <a:ext cx="1168910" cy="523220"/>
           </a:xfrm>
           <a:prstGeom prst="rect">
             <a:avLst/>
@@ -4027,44 +4507,25 @@
           <a:lstStyle/>
           <a:p>
             <a:r>
-              <a:rPr lang="en-CA" dirty="0" smtClean="0"/>
-              <a:t>descriptor</a:t>
-            </a:r>
-            <a:endParaRPr lang="en-CA" dirty="0"/>
-          </a:p>
-        </p:txBody>
-      </p:sp>
-      <p:sp>
-        <p:nvSpPr>
-          <p:cNvPr id="10" name="TextBox 9"/>
-          <p:cNvSpPr txBox="1"/>
-          <p:nvPr/>
-        </p:nvSpPr>
-        <p:spPr>
-          <a:xfrm>
-            <a:off x="5643570" y="3000372"/>
-            <a:ext cx="1874231" cy="338554"/>
-          </a:xfrm>
-          <a:prstGeom prst="rect">
-            <a:avLst/>
-          </a:prstGeom>
-          <a:noFill/>
-        </p:spPr>
-        <p:txBody>
-          <a:bodyPr wrap="none" rtlCol="0">
-            <a:spAutoFit/>
-          </a:bodyPr>
-          <a:lstStyle/>
-          <a:p>
-            <a:r>
-              <a:rPr lang="en-CA" sz="1600" dirty="0" smtClean="0">
+              <a:rPr lang="en-CA" sz="1400" dirty="0" smtClean="0">
                 <a:solidFill>
                   <a:schemeClr val="tx2"/>
                 </a:solidFill>
               </a:rPr>
-              <a:t>has specified output</a:t>
-            </a:r>
-            <a:endParaRPr lang="en-CA" sz="1600" dirty="0">
+              <a:t>has specified </a:t>
+            </a:r>
+          </a:p>
+          <a:p>
+            <a:pPr algn="ctr"/>
+            <a:r>
+              <a:rPr lang="en-CA" sz="1400" dirty="0" smtClean="0">
+                <a:solidFill>
+                  <a:schemeClr val="tx2"/>
+                </a:solidFill>
+              </a:rPr>
+              <a:t>output</a:t>
+            </a:r>
+            <a:endParaRPr lang="en-CA" sz="1400" dirty="0">
               <a:solidFill>
                 <a:schemeClr val="tx2"/>
               </a:solidFill>
@@ -4072,57 +4533,19 @@
           </a:p>
         </p:txBody>
       </p:sp>
-      <p:sp>
-        <p:nvSpPr>
-          <p:cNvPr id="11" name="TextBox 10"/>
-          <p:cNvSpPr txBox="1"/>
-          <p:nvPr/>
-        </p:nvSpPr>
-        <p:spPr>
-          <a:xfrm>
-            <a:off x="3786182" y="3143248"/>
-            <a:ext cx="1421864" cy="338554"/>
-          </a:xfrm>
-          <a:prstGeom prst="rect">
-            <a:avLst/>
-          </a:prstGeom>
-          <a:noFill/>
-        </p:spPr>
-        <p:txBody>
-          <a:bodyPr wrap="none" rtlCol="0">
-            <a:spAutoFit/>
-          </a:bodyPr>
-          <a:lstStyle/>
-          <a:p>
-            <a:r>
-              <a:rPr lang="en-CA" sz="1600" dirty="0" smtClean="0">
-                <a:solidFill>
-                  <a:schemeClr val="tx2"/>
-                </a:solidFill>
-              </a:rPr>
-              <a:t>has participant</a:t>
-            </a:r>
-            <a:endParaRPr lang="en-CA" sz="1600" dirty="0">
-              <a:solidFill>
-                <a:schemeClr val="tx2"/>
-              </a:solidFill>
-            </a:endParaRPr>
-          </a:p>
-        </p:txBody>
-      </p:sp>
       <p:cxnSp>
         <p:nvCxnSpPr>
           <p:cNvPr id="18" name="Straight Arrow Connector 17"/>
           <p:cNvCxnSpPr>
-            <a:stCxn id="6" idx="2"/>
-            <a:endCxn id="7" idx="0"/>
+            <a:stCxn id="6" idx="0"/>
+            <a:endCxn id="7" idx="2"/>
           </p:cNvCxnSpPr>
           <p:nvPr/>
         </p:nvCxnSpPr>
         <p:spPr>
-          <a:xfrm rot="5400000">
-            <a:off x="2914949" y="2167727"/>
-            <a:ext cx="987990" cy="2106060"/>
+          <a:xfrm rot="5400000" flipH="1" flipV="1">
+            <a:off x="6260264" y="1657296"/>
+            <a:ext cx="947330" cy="595815"/>
           </a:xfrm>
           <a:prstGeom prst="straightConnector1">
             <a:avLst/>
@@ -4150,15 +4573,15 @@
         <p:nvCxnSpPr>
           <p:cNvPr id="19" name="Straight Arrow Connector 18"/>
           <p:cNvCxnSpPr>
-            <a:stCxn id="6" idx="2"/>
-            <a:endCxn id="4" idx="0"/>
+            <a:stCxn id="6" idx="0"/>
+            <a:endCxn id="4" idx="2"/>
           </p:cNvCxnSpPr>
           <p:nvPr/>
         </p:nvCxnSpPr>
         <p:spPr>
-          <a:xfrm rot="5400000">
-            <a:off x="3953882" y="3206660"/>
-            <a:ext cx="987990" cy="28194"/>
+          <a:xfrm rot="5400000" flipH="1" flipV="1">
+            <a:off x="6689169" y="1228391"/>
+            <a:ext cx="947330" cy="1453624"/>
           </a:xfrm>
           <a:prstGeom prst="straightConnector1">
             <a:avLst/>
@@ -4186,15 +4609,307 @@
         <p:nvCxnSpPr>
           <p:cNvPr id="22" name="Straight Arrow Connector 21"/>
           <p:cNvCxnSpPr>
-            <a:stCxn id="6" idx="2"/>
-            <a:endCxn id="9" idx="0"/>
+            <a:stCxn id="6" idx="0"/>
           </p:cNvCxnSpPr>
           <p:nvPr/>
         </p:nvCxnSpPr>
         <p:spPr>
-          <a:xfrm rot="16200000" flipH="1">
-            <a:off x="5093808" y="2094928"/>
-            <a:ext cx="916552" cy="2180220"/>
+          <a:xfrm rot="16200000" flipV="1">
+            <a:off x="5075383" y="1068229"/>
+            <a:ext cx="1000132" cy="1721146"/>
+          </a:xfrm>
+          <a:prstGeom prst="straightConnector1">
+            <a:avLst/>
+          </a:prstGeom>
+          <a:ln>
+            <a:tailEnd type="arrow"/>
+          </a:ln>
+        </p:spPr>
+        <p:style>
+          <a:lnRef idx="1">
+            <a:schemeClr val="accent1"/>
+          </a:lnRef>
+          <a:fillRef idx="0">
+            <a:schemeClr val="accent1"/>
+          </a:fillRef>
+          <a:effectRef idx="0">
+            <a:schemeClr val="accent1"/>
+          </a:effectRef>
+          <a:fontRef idx="minor">
+            <a:schemeClr val="tx1"/>
+          </a:fontRef>
+        </p:style>
+      </p:cxnSp>
+      <p:sp>
+        <p:nvSpPr>
+          <p:cNvPr id="15" name="TextBox 14"/>
+          <p:cNvSpPr txBox="1"/>
+          <p:nvPr/>
+        </p:nvSpPr>
+        <p:spPr>
+          <a:xfrm>
+            <a:off x="4071934" y="1000108"/>
+            <a:ext cx="1034579" cy="338554"/>
+          </a:xfrm>
+          <a:prstGeom prst="rect">
+            <a:avLst/>
+          </a:prstGeom>
+          <a:noFill/>
+        </p:spPr>
+        <p:txBody>
+          <a:bodyPr wrap="none" rtlCol="0">
+            <a:spAutoFit/>
+          </a:bodyPr>
+          <a:lstStyle/>
+          <a:p>
+            <a:r>
+              <a:rPr lang="en-CA" sz="1600" dirty="0" smtClean="0">
+                <a:solidFill>
+                  <a:schemeClr val="accent2">
+                    <a:lumMod val="75000"/>
+                  </a:schemeClr>
+                </a:solidFill>
+              </a:rPr>
+              <a:t>descriptor</a:t>
+            </a:r>
+            <a:endParaRPr lang="en-CA" sz="1600" dirty="0">
+              <a:solidFill>
+                <a:schemeClr val="accent2">
+                  <a:lumMod val="75000"/>
+                </a:schemeClr>
+              </a:solidFill>
+            </a:endParaRPr>
+          </a:p>
+        </p:txBody>
+      </p:sp>
+      <p:cxnSp>
+        <p:nvCxnSpPr>
+          <p:cNvPr id="45" name="Straight Arrow Connector 44"/>
+          <p:cNvCxnSpPr>
+            <a:stCxn id="6" idx="0"/>
+            <a:endCxn id="52" idx="2"/>
+          </p:cNvCxnSpPr>
+          <p:nvPr/>
+        </p:nvCxnSpPr>
+        <p:spPr>
+          <a:xfrm rot="16200000" flipV="1">
+            <a:off x="5739183" y="1732029"/>
+            <a:ext cx="947330" cy="446348"/>
+          </a:xfrm>
+          <a:prstGeom prst="straightConnector1">
+            <a:avLst/>
+          </a:prstGeom>
+          <a:ln>
+            <a:tailEnd type="arrow"/>
+          </a:ln>
+        </p:spPr>
+        <p:style>
+          <a:lnRef idx="1">
+            <a:schemeClr val="accent1"/>
+          </a:lnRef>
+          <a:fillRef idx="0">
+            <a:schemeClr val="accent1"/>
+          </a:fillRef>
+          <a:effectRef idx="0">
+            <a:schemeClr val="accent1"/>
+          </a:effectRef>
+          <a:fontRef idx="minor">
+            <a:schemeClr val="tx1"/>
+          </a:fontRef>
+        </p:style>
+      </p:cxnSp>
+      <p:sp>
+        <p:nvSpPr>
+          <p:cNvPr id="52" name="TextBox 51"/>
+          <p:cNvSpPr txBox="1"/>
+          <p:nvPr/>
+        </p:nvSpPr>
+        <p:spPr>
+          <a:xfrm>
+            <a:off x="5500694" y="1142984"/>
+            <a:ext cx="977960" cy="338554"/>
+          </a:xfrm>
+          <a:prstGeom prst="rect">
+            <a:avLst/>
+          </a:prstGeom>
+          <a:noFill/>
+        </p:spPr>
+        <p:txBody>
+          <a:bodyPr wrap="none" rtlCol="0">
+            <a:spAutoFit/>
+          </a:bodyPr>
+          <a:lstStyle/>
+          <a:p>
+            <a:r>
+              <a:rPr lang="en-CA" sz="1600" dirty="0" smtClean="0">
+                <a:solidFill>
+                  <a:schemeClr val="tx1">
+                    <a:lumMod val="50000"/>
+                    <a:lumOff val="50000"/>
+                  </a:schemeClr>
+                </a:solidFill>
+              </a:rPr>
+              <a:t>data item</a:t>
+            </a:r>
+            <a:endParaRPr lang="en-CA" sz="1600" dirty="0">
+              <a:solidFill>
+                <a:schemeClr val="tx1">
+                  <a:lumMod val="50000"/>
+                  <a:lumOff val="50000"/>
+                </a:schemeClr>
+              </a:solidFill>
+            </a:endParaRPr>
+          </a:p>
+        </p:txBody>
+      </p:sp>
+      <p:sp>
+        <p:nvSpPr>
+          <p:cNvPr id="44" name="Title 43"/>
+          <p:cNvSpPr>
+            <a:spLocks noGrp="1"/>
+          </p:cNvSpPr>
+          <p:nvPr>
+            <p:ph type="title"/>
+          </p:nvPr>
+        </p:nvSpPr>
+        <p:spPr>
+          <a:xfrm>
+            <a:off x="500034" y="0"/>
+            <a:ext cx="8229600" cy="642918"/>
+          </a:xfrm>
+        </p:spPr>
+        <p:txBody>
+          <a:bodyPr>
+            <a:normAutofit fontScale="90000"/>
+          </a:bodyPr>
+          <a:lstStyle/>
+          <a:p>
+            <a:r>
+              <a:rPr lang="en-US" dirty="0" smtClean="0"/>
+              <a:t>Observed </a:t>
+            </a:r>
+            <a:r>
+              <a:rPr lang="en-US" dirty="0" err="1" smtClean="0"/>
+              <a:t>vs</a:t>
+            </a:r>
+            <a:r>
+              <a:rPr lang="en-US" dirty="0" smtClean="0"/>
+              <a:t> Calculated Descriptors</a:t>
+            </a:r>
+            <a:endParaRPr lang="en-US" dirty="0"/>
+          </a:p>
+        </p:txBody>
+      </p:sp>
+      <p:sp>
+        <p:nvSpPr>
+          <p:cNvPr id="54" name="TextBox 53"/>
+          <p:cNvSpPr txBox="1"/>
+          <p:nvPr/>
+        </p:nvSpPr>
+        <p:spPr>
+          <a:xfrm>
+            <a:off x="2643174" y="1428736"/>
+            <a:ext cx="1105367" cy="338554"/>
+          </a:xfrm>
+          <a:prstGeom prst="rect">
+            <a:avLst/>
+          </a:prstGeom>
+          <a:noFill/>
+        </p:spPr>
+        <p:txBody>
+          <a:bodyPr wrap="none" rtlCol="0">
+            <a:spAutoFit/>
+          </a:bodyPr>
+          <a:lstStyle/>
+          <a:p>
+            <a:r>
+              <a:rPr lang="en-CA" sz="1600" dirty="0" smtClean="0"/>
+              <a:t>instrument</a:t>
+            </a:r>
+            <a:endParaRPr lang="en-CA" sz="1600" dirty="0"/>
+          </a:p>
+        </p:txBody>
+      </p:sp>
+      <p:sp>
+        <p:nvSpPr>
+          <p:cNvPr id="55" name="TextBox 54"/>
+          <p:cNvSpPr txBox="1"/>
+          <p:nvPr/>
+        </p:nvSpPr>
+        <p:spPr>
+          <a:xfrm>
+            <a:off x="714348" y="2571744"/>
+            <a:ext cx="2041008" cy="338554"/>
+          </a:xfrm>
+          <a:prstGeom prst="rect">
+            <a:avLst/>
+          </a:prstGeom>
+          <a:noFill/>
+        </p:spPr>
+        <p:txBody>
+          <a:bodyPr wrap="none" rtlCol="0">
+            <a:spAutoFit/>
+          </a:bodyPr>
+          <a:lstStyle/>
+          <a:p>
+            <a:r>
+              <a:rPr lang="en-CA" sz="1600" dirty="0" smtClean="0"/>
+              <a:t>Measurement process</a:t>
+            </a:r>
+            <a:endParaRPr lang="en-CA" sz="1600" dirty="0"/>
+          </a:p>
+        </p:txBody>
+      </p:sp>
+      <p:sp>
+        <p:nvSpPr>
+          <p:cNvPr id="60" name="TextBox 59"/>
+          <p:cNvSpPr txBox="1"/>
+          <p:nvPr/>
+        </p:nvSpPr>
+        <p:spPr>
+          <a:xfrm>
+            <a:off x="1928794" y="2214554"/>
+            <a:ext cx="1314719" cy="307777"/>
+          </a:xfrm>
+          <a:prstGeom prst="rect">
+            <a:avLst/>
+          </a:prstGeom>
+          <a:noFill/>
+        </p:spPr>
+        <p:txBody>
+          <a:bodyPr wrap="none" rtlCol="0">
+            <a:spAutoFit/>
+          </a:bodyPr>
+          <a:lstStyle/>
+          <a:p>
+            <a:r>
+              <a:rPr lang="en-CA" sz="1400" dirty="0" smtClean="0">
+                <a:solidFill>
+                  <a:schemeClr val="tx2"/>
+                </a:solidFill>
+              </a:rPr>
+              <a:t>has participant </a:t>
+            </a:r>
+            <a:endParaRPr lang="en-CA" sz="1400" dirty="0">
+              <a:solidFill>
+                <a:schemeClr val="tx2"/>
+              </a:solidFill>
+            </a:endParaRPr>
+          </a:p>
+        </p:txBody>
+      </p:sp>
+      <p:cxnSp>
+        <p:nvCxnSpPr>
+          <p:cNvPr id="62" name="Straight Arrow Connector 61"/>
+          <p:cNvCxnSpPr>
+            <a:stCxn id="55" idx="0"/>
+          </p:cNvCxnSpPr>
+          <p:nvPr/>
+        </p:nvCxnSpPr>
+        <p:spPr>
+          <a:xfrm rot="5400000" flipH="1" flipV="1">
+            <a:off x="2010418" y="1510362"/>
+            <a:ext cx="785817" cy="1336949"/>
           </a:xfrm>
           <a:prstGeom prst="straightConnector1">
             <a:avLst/>
@@ -4220,14 +4935,14 @@
       </p:cxnSp>
       <p:cxnSp>
         <p:nvCxnSpPr>
-          <p:cNvPr id="48" name="Straight Arrow Connector 47"/>
+          <p:cNvPr id="63" name="Straight Arrow Connector 62"/>
           <p:cNvCxnSpPr/>
           <p:nvPr/>
         </p:nvCxnSpPr>
         <p:spPr>
-          <a:xfrm rot="5400000" flipH="1" flipV="1">
-            <a:off x="3990457" y="1795965"/>
-            <a:ext cx="1021798" cy="1588"/>
+          <a:xfrm flipV="1">
+            <a:off x="2786051" y="1428736"/>
+            <a:ext cx="1785949" cy="1285884"/>
           </a:xfrm>
           <a:prstGeom prst="straightConnector1">
             <a:avLst/>
@@ -4251,16 +4966,51 @@
           </a:fontRef>
         </p:style>
       </p:cxnSp>
-      <p:sp>
-        <p:nvSpPr>
-          <p:cNvPr id="50" name="TextBox 49"/>
+      <p:cxnSp>
+        <p:nvCxnSpPr>
+          <p:cNvPr id="64" name="Straight Arrow Connector 63"/>
+          <p:cNvCxnSpPr>
+            <a:stCxn id="55" idx="0"/>
+          </p:cNvCxnSpPr>
+          <p:nvPr/>
+        </p:nvCxnSpPr>
+        <p:spPr>
+          <a:xfrm rot="16200000" flipV="1">
+            <a:off x="974567" y="1811458"/>
+            <a:ext cx="785818" cy="734753"/>
+          </a:xfrm>
+          <a:prstGeom prst="straightConnector1">
+            <a:avLst/>
+          </a:prstGeom>
+          <a:ln>
+            <a:tailEnd type="arrow"/>
+          </a:ln>
+        </p:spPr>
+        <p:style>
+          <a:lnRef idx="1">
+            <a:schemeClr val="accent1"/>
+          </a:lnRef>
+          <a:fillRef idx="0">
+            <a:schemeClr val="accent1"/>
+          </a:fillRef>
+          <a:effectRef idx="0">
+            <a:schemeClr val="accent1"/>
+          </a:effectRef>
+          <a:fontRef idx="minor">
+            <a:schemeClr val="tx1"/>
+          </a:fontRef>
+        </p:style>
+      </p:cxnSp>
+      <p:sp>
+        <p:nvSpPr>
+          <p:cNvPr id="67" name="TextBox 66"/>
           <p:cNvSpPr txBox="1"/>
           <p:nvPr/>
         </p:nvSpPr>
         <p:spPr>
           <a:xfrm>
-            <a:off x="3571868" y="785794"/>
-            <a:ext cx="2275110" cy="369332"/>
+            <a:off x="428596" y="1428736"/>
+            <a:ext cx="782587" cy="338554"/>
           </a:xfrm>
           <a:prstGeom prst="rect">
             <a:avLst/>
@@ -4274,27 +5024,37 @@
           <a:lstStyle/>
           <a:p>
             <a:r>
-              <a:rPr lang="en-CA" dirty="0"/>
-              <a:t>o</a:t>
-            </a:r>
-            <a:r>
-              <a:rPr lang="en-CA" dirty="0" smtClean="0"/>
-              <a:t>bjective specification</a:t>
-            </a:r>
-            <a:endParaRPr lang="en-CA" dirty="0"/>
-          </a:p>
-        </p:txBody>
-      </p:sp>
-      <p:sp>
-        <p:nvSpPr>
-          <p:cNvPr id="51" name="TextBox 50"/>
+              <a:rPr lang="en-CA" sz="1600" dirty="0" smtClean="0">
+                <a:solidFill>
+                  <a:schemeClr val="tx1">
+                    <a:lumMod val="50000"/>
+                    <a:lumOff val="50000"/>
+                  </a:schemeClr>
+                </a:solidFill>
+              </a:rPr>
+              <a:t>sample</a:t>
+            </a:r>
+            <a:endParaRPr lang="en-CA" sz="1600" dirty="0">
+              <a:solidFill>
+                <a:schemeClr val="tx1">
+                  <a:lumMod val="50000"/>
+                  <a:lumOff val="50000"/>
+                </a:schemeClr>
+              </a:solidFill>
+            </a:endParaRPr>
+          </a:p>
+        </p:txBody>
+      </p:sp>
+      <p:sp>
+        <p:nvSpPr>
+          <p:cNvPr id="27" name="TextBox 26"/>
           <p:cNvSpPr txBox="1"/>
           <p:nvPr/>
         </p:nvSpPr>
         <p:spPr>
           <a:xfrm>
-            <a:off x="4643438" y="1714488"/>
-            <a:ext cx="2431884" cy="338554"/>
+            <a:off x="2214546" y="785794"/>
+            <a:ext cx="1156855" cy="276999"/>
           </a:xfrm>
           <a:prstGeom prst="rect">
             <a:avLst/>
@@ -4308,14 +5068,146 @@
           <a:lstStyle/>
           <a:p>
             <a:r>
-              <a:rPr lang="en-CA" sz="1600" dirty="0" smtClean="0">
+              <a:rPr lang="en-CA" sz="1200" dirty="0" smtClean="0"/>
+              <a:t>Instrument role</a:t>
+            </a:r>
+            <a:endParaRPr lang="en-CA" sz="1200" dirty="0"/>
+          </a:p>
+        </p:txBody>
+      </p:sp>
+      <p:cxnSp>
+        <p:nvCxnSpPr>
+          <p:cNvPr id="28" name="Straight Arrow Connector 27"/>
+          <p:cNvCxnSpPr>
+            <a:stCxn id="55" idx="0"/>
+            <a:endCxn id="27" idx="2"/>
+          </p:cNvCxnSpPr>
+          <p:nvPr/>
+        </p:nvCxnSpPr>
+        <p:spPr>
+          <a:xfrm rot="5400000" flipH="1" flipV="1">
+            <a:off x="1509438" y="1288208"/>
+            <a:ext cx="1508951" cy="1058122"/>
+          </a:xfrm>
+          <a:prstGeom prst="straightConnector1">
+            <a:avLst/>
+          </a:prstGeom>
+          <a:ln>
+            <a:tailEnd type="arrow"/>
+          </a:ln>
+        </p:spPr>
+        <p:style>
+          <a:lnRef idx="1">
+            <a:schemeClr val="accent1"/>
+          </a:lnRef>
+          <a:fillRef idx="0">
+            <a:schemeClr val="accent1"/>
+          </a:fillRef>
+          <a:effectRef idx="0">
+            <a:schemeClr val="accent1"/>
+          </a:effectRef>
+          <a:fontRef idx="minor">
+            <a:schemeClr val="tx1"/>
+          </a:fontRef>
+        </p:style>
+      </p:cxnSp>
+      <p:sp>
+        <p:nvSpPr>
+          <p:cNvPr id="31" name="TextBox 30"/>
+          <p:cNvSpPr txBox="1"/>
+          <p:nvPr/>
+        </p:nvSpPr>
+        <p:spPr>
+          <a:xfrm>
+            <a:off x="857225" y="785794"/>
+            <a:ext cx="1071570" cy="276999"/>
+          </a:xfrm>
+          <a:prstGeom prst="rect">
+            <a:avLst/>
+          </a:prstGeom>
+          <a:noFill/>
+        </p:spPr>
+        <p:txBody>
+          <a:bodyPr wrap="square" rtlCol="0">
+            <a:spAutoFit/>
+          </a:bodyPr>
+          <a:lstStyle/>
+          <a:p>
+            <a:r>
+              <a:rPr lang="en-CA" sz="1200" dirty="0" smtClean="0"/>
+              <a:t>Sample role</a:t>
+            </a:r>
+            <a:endParaRPr lang="en-CA" sz="1200" dirty="0"/>
+          </a:p>
+        </p:txBody>
+      </p:sp>
+      <p:cxnSp>
+        <p:nvCxnSpPr>
+          <p:cNvPr id="33" name="Straight Arrow Connector 32"/>
+          <p:cNvCxnSpPr>
+            <a:stCxn id="55" idx="0"/>
+            <a:endCxn id="31" idx="2"/>
+          </p:cNvCxnSpPr>
+          <p:nvPr/>
+        </p:nvCxnSpPr>
+        <p:spPr>
+          <a:xfrm rot="16200000" flipV="1">
+            <a:off x="809456" y="1646348"/>
+            <a:ext cx="1508951" cy="341842"/>
+          </a:xfrm>
+          <a:prstGeom prst="straightConnector1">
+            <a:avLst/>
+          </a:prstGeom>
+          <a:ln>
+            <a:tailEnd type="arrow"/>
+          </a:ln>
+        </p:spPr>
+        <p:style>
+          <a:lnRef idx="1">
+            <a:schemeClr val="accent1"/>
+          </a:lnRef>
+          <a:fillRef idx="0">
+            <a:schemeClr val="accent1"/>
+          </a:fillRef>
+          <a:effectRef idx="0">
+            <a:schemeClr val="accent1"/>
+          </a:effectRef>
+          <a:fontRef idx="minor">
+            <a:schemeClr val="tx1"/>
+          </a:fontRef>
+        </p:style>
+      </p:cxnSp>
+      <p:sp>
+        <p:nvSpPr>
+          <p:cNvPr id="36" name="TextBox 35"/>
+          <p:cNvSpPr txBox="1"/>
+          <p:nvPr/>
+        </p:nvSpPr>
+        <p:spPr>
+          <a:xfrm>
+            <a:off x="1643042" y="1571612"/>
+            <a:ext cx="731290" cy="307777"/>
+          </a:xfrm>
+          <a:prstGeom prst="rect">
+            <a:avLst/>
+          </a:prstGeom>
+          <a:noFill/>
+        </p:spPr>
+        <p:txBody>
+          <a:bodyPr wrap="none" rtlCol="0">
+            <a:spAutoFit/>
+          </a:bodyPr>
+          <a:lstStyle/>
+          <a:p>
+            <a:r>
+              <a:rPr lang="en-CA" sz="1400" dirty="0" smtClean="0">
                 <a:solidFill>
                   <a:schemeClr val="tx2"/>
                 </a:solidFill>
               </a:rPr>
-              <a:t>achieves planned objective</a:t>
-            </a:r>
-            <a:endParaRPr lang="en-CA" sz="1600" dirty="0">
+              <a:t>realizes</a:t>
+            </a:r>
+            <a:endParaRPr lang="en-CA" sz="1400" dirty="0">
               <a:solidFill>
                 <a:schemeClr val="tx2"/>
               </a:solidFill>
@@ -4323,6 +5215,427 @@
           </a:p>
         </p:txBody>
       </p:sp>
+      <p:sp>
+        <p:nvSpPr>
+          <p:cNvPr id="37" name="TextBox 36"/>
+          <p:cNvSpPr txBox="1"/>
+          <p:nvPr/>
+        </p:nvSpPr>
+        <p:spPr>
+          <a:xfrm>
+            <a:off x="357158" y="2214554"/>
+            <a:ext cx="1314719" cy="307777"/>
+          </a:xfrm>
+          <a:prstGeom prst="rect">
+            <a:avLst/>
+          </a:prstGeom>
+          <a:noFill/>
+        </p:spPr>
+        <p:txBody>
+          <a:bodyPr wrap="none" rtlCol="0">
+            <a:spAutoFit/>
+          </a:bodyPr>
+          <a:lstStyle/>
+          <a:p>
+            <a:r>
+              <a:rPr lang="en-CA" sz="1400" dirty="0" smtClean="0">
+                <a:solidFill>
+                  <a:schemeClr val="tx2"/>
+                </a:solidFill>
+              </a:rPr>
+              <a:t>has participant </a:t>
+            </a:r>
+            <a:endParaRPr lang="en-CA" sz="1400" dirty="0">
+              <a:solidFill>
+                <a:schemeClr val="tx2"/>
+              </a:solidFill>
+            </a:endParaRPr>
+          </a:p>
+        </p:txBody>
+      </p:sp>
+      <p:cxnSp>
+        <p:nvCxnSpPr>
+          <p:cNvPr id="38" name="Straight Arrow Connector 37"/>
+          <p:cNvCxnSpPr>
+            <a:stCxn id="67" idx="3"/>
+            <a:endCxn id="31" idx="2"/>
+          </p:cNvCxnSpPr>
+          <p:nvPr/>
+        </p:nvCxnSpPr>
+        <p:spPr>
+          <a:xfrm flipV="1">
+            <a:off x="1211183" y="1062793"/>
+            <a:ext cx="181827" cy="535220"/>
+          </a:xfrm>
+          <a:prstGeom prst="straightConnector1">
+            <a:avLst/>
+          </a:prstGeom>
+          <a:ln>
+            <a:tailEnd type="arrow"/>
+          </a:ln>
+        </p:spPr>
+        <p:style>
+          <a:lnRef idx="1">
+            <a:schemeClr val="accent1"/>
+          </a:lnRef>
+          <a:fillRef idx="0">
+            <a:schemeClr val="accent1"/>
+          </a:fillRef>
+          <a:effectRef idx="0">
+            <a:schemeClr val="accent1"/>
+          </a:effectRef>
+          <a:fontRef idx="minor">
+            <a:schemeClr val="tx1"/>
+          </a:fontRef>
+        </p:style>
+      </p:cxnSp>
+      <p:sp>
+        <p:nvSpPr>
+          <p:cNvPr id="41" name="TextBox 40"/>
+          <p:cNvSpPr txBox="1"/>
+          <p:nvPr/>
+        </p:nvSpPr>
+        <p:spPr>
+          <a:xfrm>
+            <a:off x="500034" y="1071546"/>
+            <a:ext cx="762068" cy="307777"/>
+          </a:xfrm>
+          <a:prstGeom prst="rect">
+            <a:avLst/>
+          </a:prstGeom>
+          <a:noFill/>
+        </p:spPr>
+        <p:txBody>
+          <a:bodyPr wrap="none" rtlCol="0">
+            <a:spAutoFit/>
+          </a:bodyPr>
+          <a:lstStyle/>
+          <a:p>
+            <a:r>
+              <a:rPr lang="en-CA" sz="1400" dirty="0" smtClean="0">
+                <a:solidFill>
+                  <a:schemeClr val="tx2"/>
+                </a:solidFill>
+              </a:rPr>
+              <a:t>has role</a:t>
+            </a:r>
+            <a:endParaRPr lang="en-CA" sz="1400" dirty="0">
+              <a:solidFill>
+                <a:schemeClr val="tx2"/>
+              </a:solidFill>
+            </a:endParaRPr>
+          </a:p>
+        </p:txBody>
+      </p:sp>
+      <p:sp>
+        <p:nvSpPr>
+          <p:cNvPr id="42" name="TextBox 41"/>
+          <p:cNvSpPr txBox="1"/>
+          <p:nvPr/>
+        </p:nvSpPr>
+        <p:spPr>
+          <a:xfrm>
+            <a:off x="3000364" y="1142984"/>
+            <a:ext cx="762068" cy="307777"/>
+          </a:xfrm>
+          <a:prstGeom prst="rect">
+            <a:avLst/>
+          </a:prstGeom>
+          <a:noFill/>
+        </p:spPr>
+        <p:txBody>
+          <a:bodyPr wrap="none" rtlCol="0">
+            <a:spAutoFit/>
+          </a:bodyPr>
+          <a:lstStyle/>
+          <a:p>
+            <a:r>
+              <a:rPr lang="en-CA" sz="1400" dirty="0" smtClean="0">
+                <a:solidFill>
+                  <a:schemeClr val="tx2"/>
+                </a:solidFill>
+              </a:rPr>
+              <a:t>has role</a:t>
+            </a:r>
+            <a:endParaRPr lang="en-CA" sz="1400" dirty="0">
+              <a:solidFill>
+                <a:schemeClr val="tx2"/>
+              </a:solidFill>
+            </a:endParaRPr>
+          </a:p>
+        </p:txBody>
+      </p:sp>
+      <p:cxnSp>
+        <p:nvCxnSpPr>
+          <p:cNvPr id="43" name="Straight Arrow Connector 42"/>
+          <p:cNvCxnSpPr>
+            <a:endCxn id="27" idx="2"/>
+          </p:cNvCxnSpPr>
+          <p:nvPr/>
+        </p:nvCxnSpPr>
+        <p:spPr>
+          <a:xfrm rot="16200000" flipV="1">
+            <a:off x="2677979" y="1177788"/>
+            <a:ext cx="437382" cy="207392"/>
+          </a:xfrm>
+          <a:prstGeom prst="straightConnector1">
+            <a:avLst/>
+          </a:prstGeom>
+          <a:ln>
+            <a:tailEnd type="arrow"/>
+          </a:ln>
+        </p:spPr>
+        <p:style>
+          <a:lnRef idx="1">
+            <a:schemeClr val="accent1"/>
+          </a:lnRef>
+          <a:fillRef idx="0">
+            <a:schemeClr val="accent1"/>
+          </a:fillRef>
+          <a:effectRef idx="0">
+            <a:schemeClr val="accent1"/>
+          </a:effectRef>
+          <a:fontRef idx="minor">
+            <a:schemeClr val="tx1"/>
+          </a:fontRef>
+        </p:style>
+      </p:cxnSp>
+      <p:cxnSp>
+        <p:nvCxnSpPr>
+          <p:cNvPr id="58" name="Straight Arrow Connector 57"/>
+          <p:cNvCxnSpPr>
+            <a:stCxn id="82" idx="3"/>
+          </p:cNvCxnSpPr>
+          <p:nvPr/>
+        </p:nvCxnSpPr>
+        <p:spPr>
+          <a:xfrm>
+            <a:off x="4899836" y="3812591"/>
+            <a:ext cx="1100924" cy="473665"/>
+          </a:xfrm>
+          <a:prstGeom prst="straightConnector1">
+            <a:avLst/>
+          </a:prstGeom>
+          <a:ln>
+            <a:tailEnd type="arrow"/>
+          </a:ln>
+        </p:spPr>
+        <p:style>
+          <a:lnRef idx="1">
+            <a:schemeClr val="accent1"/>
+          </a:lnRef>
+          <a:fillRef idx="0">
+            <a:schemeClr val="accent1"/>
+          </a:fillRef>
+          <a:effectRef idx="0">
+            <a:schemeClr val="accent1"/>
+          </a:effectRef>
+          <a:fontRef idx="minor">
+            <a:schemeClr val="tx1"/>
+          </a:fontRef>
+        </p:style>
+      </p:cxnSp>
+      <p:sp>
+        <p:nvSpPr>
+          <p:cNvPr id="61" name="TextBox 60"/>
+          <p:cNvSpPr txBox="1"/>
+          <p:nvPr/>
+        </p:nvSpPr>
+        <p:spPr>
+          <a:xfrm>
+            <a:off x="6072198" y="4000504"/>
+            <a:ext cx="1500198" cy="646331"/>
+          </a:xfrm>
+          <a:prstGeom prst="rect">
+            <a:avLst/>
+          </a:prstGeom>
+          <a:noFill/>
+        </p:spPr>
+        <p:txBody>
+          <a:bodyPr wrap="square" rtlCol="0">
+            <a:spAutoFit/>
+          </a:bodyPr>
+          <a:lstStyle/>
+          <a:p>
+            <a:pPr algn="ctr"/>
+            <a:r>
+              <a:rPr lang="en-CA" dirty="0"/>
+              <a:t>o</a:t>
+            </a:r>
+            <a:r>
+              <a:rPr lang="en-CA" dirty="0" smtClean="0"/>
+              <a:t>bjective specification</a:t>
+            </a:r>
+            <a:endParaRPr lang="en-CA" dirty="0"/>
+          </a:p>
+        </p:txBody>
+      </p:sp>
+      <p:sp>
+        <p:nvSpPr>
+          <p:cNvPr id="66" name="TextBox 65"/>
+          <p:cNvSpPr txBox="1"/>
+          <p:nvPr/>
+        </p:nvSpPr>
+        <p:spPr>
+          <a:xfrm>
+            <a:off x="5143504" y="3500438"/>
+            <a:ext cx="1531060" cy="523220"/>
+          </a:xfrm>
+          <a:prstGeom prst="rect">
+            <a:avLst/>
+          </a:prstGeom>
+          <a:noFill/>
+        </p:spPr>
+        <p:txBody>
+          <a:bodyPr wrap="none" rtlCol="0">
+            <a:spAutoFit/>
+          </a:bodyPr>
+          <a:lstStyle/>
+          <a:p>
+            <a:pPr algn="ctr"/>
+            <a:r>
+              <a:rPr lang="en-CA" sz="1400" dirty="0" smtClean="0">
+                <a:solidFill>
+                  <a:schemeClr val="tx2"/>
+                </a:solidFill>
+              </a:rPr>
+              <a:t>achieves</a:t>
+            </a:r>
+          </a:p>
+          <a:p>
+            <a:pPr algn="ctr"/>
+            <a:r>
+              <a:rPr lang="en-CA" sz="1400" dirty="0" smtClean="0">
+                <a:solidFill>
+                  <a:schemeClr val="tx2"/>
+                </a:solidFill>
+              </a:rPr>
+              <a:t> </a:t>
+            </a:r>
+            <a:r>
+              <a:rPr lang="en-CA" sz="1400" dirty="0" smtClean="0">
+                <a:solidFill>
+                  <a:schemeClr val="tx2"/>
+                </a:solidFill>
+              </a:rPr>
+              <a:t>planned objective</a:t>
+            </a:r>
+            <a:endParaRPr lang="en-CA" sz="1400" dirty="0">
+              <a:solidFill>
+                <a:schemeClr val="tx2"/>
+              </a:solidFill>
+            </a:endParaRPr>
+          </a:p>
+        </p:txBody>
+      </p:sp>
+      <p:sp>
+        <p:nvSpPr>
+          <p:cNvPr id="82" name="TextBox 81"/>
+          <p:cNvSpPr txBox="1"/>
+          <p:nvPr/>
+        </p:nvSpPr>
+        <p:spPr>
+          <a:xfrm>
+            <a:off x="3357554" y="3643314"/>
+            <a:ext cx="1542282" cy="338554"/>
+          </a:xfrm>
+          <a:prstGeom prst="rect">
+            <a:avLst/>
+          </a:prstGeom>
+          <a:noFill/>
+        </p:spPr>
+        <p:txBody>
+          <a:bodyPr wrap="none" rtlCol="0">
+            <a:spAutoFit/>
+          </a:bodyPr>
+          <a:lstStyle/>
+          <a:p>
+            <a:r>
+              <a:rPr lang="en-CA" sz="1600" dirty="0" smtClean="0"/>
+              <a:t>planned </a:t>
+            </a:r>
+            <a:r>
+              <a:rPr lang="en-CA" sz="1600" dirty="0" smtClean="0"/>
+              <a:t>process</a:t>
+            </a:r>
+            <a:endParaRPr lang="en-CA" sz="1600" dirty="0"/>
+          </a:p>
+        </p:txBody>
+      </p:sp>
+      <p:cxnSp>
+        <p:nvCxnSpPr>
+          <p:cNvPr id="85" name="Straight Arrow Connector 84"/>
+          <p:cNvCxnSpPr>
+            <a:stCxn id="55" idx="2"/>
+            <a:endCxn id="82" idx="0"/>
+          </p:cNvCxnSpPr>
+          <p:nvPr/>
+        </p:nvCxnSpPr>
+        <p:spPr>
+          <a:xfrm rot="16200000" flipH="1">
+            <a:off x="2565265" y="2079884"/>
+            <a:ext cx="733016" cy="2393843"/>
+          </a:xfrm>
+          <a:prstGeom prst="straightConnector1">
+            <a:avLst/>
+          </a:prstGeom>
+          <a:ln>
+            <a:prstDash val="sysDash"/>
+            <a:tailEnd type="arrow"/>
+          </a:ln>
+        </p:spPr>
+        <p:style>
+          <a:lnRef idx="1">
+            <a:schemeClr val="accent1"/>
+          </a:lnRef>
+          <a:fillRef idx="0">
+            <a:schemeClr val="accent1"/>
+          </a:fillRef>
+          <a:effectRef idx="0">
+            <a:schemeClr val="accent1"/>
+          </a:effectRef>
+          <a:fontRef idx="minor">
+            <a:schemeClr val="tx1"/>
+          </a:fontRef>
+        </p:style>
+      </p:cxnSp>
+      <p:cxnSp>
+        <p:nvCxnSpPr>
+          <p:cNvPr id="88" name="Straight Arrow Connector 87"/>
+          <p:cNvCxnSpPr>
+            <a:stCxn id="6" idx="2"/>
+            <a:endCxn id="82" idx="0"/>
+          </p:cNvCxnSpPr>
+          <p:nvPr/>
+        </p:nvCxnSpPr>
+        <p:spPr>
+          <a:xfrm rot="5400000">
+            <a:off x="4967524" y="2174815"/>
+            <a:ext cx="629671" cy="2307327"/>
+          </a:xfrm>
+          <a:prstGeom prst="straightConnector1">
+            <a:avLst/>
+          </a:prstGeom>
+          <a:ln>
+            <a:prstDash val="sysDash"/>
+            <a:tailEnd type="arrow"/>
+          </a:ln>
+        </p:spPr>
+        <p:style>
+          <a:lnRef idx="1">
+            <a:schemeClr val="accent1"/>
+          </a:lnRef>
+          <a:fillRef idx="0">
+            <a:schemeClr val="accent1"/>
+          </a:fillRef>
+          <a:effectRef idx="0">
+            <a:schemeClr val="accent1"/>
+          </a:effectRef>
+          <a:fontRef idx="minor">
+            <a:schemeClr val="tx1"/>
+          </a:fontRef>
+        </p:style>
+      </p:cxnSp>
     </p:spTree>
   </p:cSld>
   <p:clrMapOvr>

--- a/documentation/images/diagrams.pptx
+++ b/documentation/images/diagrams.pptx
@@ -9,7 +9,7 @@
     <p:sldId id="260" r:id="rId3"/>
   </p:sldIdLst>
   <p:sldSz cx="9144000" cy="6858000" type="screen4x3"/>
-  <p:notesSz cx="6858000" cy="9144000"/>
+  <p:notesSz cx="7315200" cy="9601200"/>
   <p:defaultTextStyle>
     <a:defPPr>
       <a:defRPr lang="en-US"/>
@@ -290,7 +290,7 @@
             <a:fld id="{9222C97E-73C8-43E8-A42B-6C809C4F9F15}" type="datetimeFigureOut">
               <a:rPr lang="en-US" smtClean="0"/>
               <a:pPr/>
-              <a:t>3/24/2010</a:t>
+              <a:t>3/29/2010</a:t>
             </a:fld>
             <a:endParaRPr lang="en-CA"/>
           </a:p>
@@ -457,7 +457,7 @@
             <a:fld id="{9222C97E-73C8-43E8-A42B-6C809C4F9F15}" type="datetimeFigureOut">
               <a:rPr lang="en-US" smtClean="0"/>
               <a:pPr/>
-              <a:t>3/24/2010</a:t>
+              <a:t>3/29/2010</a:t>
             </a:fld>
             <a:endParaRPr lang="en-CA"/>
           </a:p>
@@ -634,7 +634,7 @@
             <a:fld id="{9222C97E-73C8-43E8-A42B-6C809C4F9F15}" type="datetimeFigureOut">
               <a:rPr lang="en-US" smtClean="0"/>
               <a:pPr/>
-              <a:t>3/24/2010</a:t>
+              <a:t>3/29/2010</a:t>
             </a:fld>
             <a:endParaRPr lang="en-CA"/>
           </a:p>
@@ -801,7 +801,7 @@
             <a:fld id="{9222C97E-73C8-43E8-A42B-6C809C4F9F15}" type="datetimeFigureOut">
               <a:rPr lang="en-US" smtClean="0"/>
               <a:pPr/>
-              <a:t>3/24/2010</a:t>
+              <a:t>3/29/2010</a:t>
             </a:fld>
             <a:endParaRPr lang="en-CA"/>
           </a:p>
@@ -1044,7 +1044,7 @@
             <a:fld id="{9222C97E-73C8-43E8-A42B-6C809C4F9F15}" type="datetimeFigureOut">
               <a:rPr lang="en-US" smtClean="0"/>
               <a:pPr/>
-              <a:t>3/24/2010</a:t>
+              <a:t>3/29/2010</a:t>
             </a:fld>
             <a:endParaRPr lang="en-CA"/>
           </a:p>
@@ -1329,7 +1329,7 @@
             <a:fld id="{9222C97E-73C8-43E8-A42B-6C809C4F9F15}" type="datetimeFigureOut">
               <a:rPr lang="en-US" smtClean="0"/>
               <a:pPr/>
-              <a:t>3/24/2010</a:t>
+              <a:t>3/29/2010</a:t>
             </a:fld>
             <a:endParaRPr lang="en-CA"/>
           </a:p>
@@ -1748,7 +1748,7 @@
             <a:fld id="{9222C97E-73C8-43E8-A42B-6C809C4F9F15}" type="datetimeFigureOut">
               <a:rPr lang="en-US" smtClean="0"/>
               <a:pPr/>
-              <a:t>3/24/2010</a:t>
+              <a:t>3/29/2010</a:t>
             </a:fld>
             <a:endParaRPr lang="en-CA"/>
           </a:p>
@@ -1863,7 +1863,7 @@
             <a:fld id="{9222C97E-73C8-43E8-A42B-6C809C4F9F15}" type="datetimeFigureOut">
               <a:rPr lang="en-US" smtClean="0"/>
               <a:pPr/>
-              <a:t>3/24/2010</a:t>
+              <a:t>3/29/2010</a:t>
             </a:fld>
             <a:endParaRPr lang="en-CA"/>
           </a:p>
@@ -1955,7 +1955,7 @@
             <a:fld id="{9222C97E-73C8-43E8-A42B-6C809C4F9F15}" type="datetimeFigureOut">
               <a:rPr lang="en-US" smtClean="0"/>
               <a:pPr/>
-              <a:t>3/24/2010</a:t>
+              <a:t>3/29/2010</a:t>
             </a:fld>
             <a:endParaRPr lang="en-CA"/>
           </a:p>
@@ -2229,7 +2229,7 @@
             <a:fld id="{9222C97E-73C8-43E8-A42B-6C809C4F9F15}" type="datetimeFigureOut">
               <a:rPr lang="en-US" smtClean="0"/>
               <a:pPr/>
-              <a:t>3/24/2010</a:t>
+              <a:t>3/29/2010</a:t>
             </a:fld>
             <a:endParaRPr lang="en-CA"/>
           </a:p>
@@ -2479,7 +2479,7 @@
             <a:fld id="{9222C97E-73C8-43E8-A42B-6C809C4F9F15}" type="datetimeFigureOut">
               <a:rPr lang="en-US" smtClean="0"/>
               <a:pPr/>
-              <a:t>3/24/2010</a:t>
+              <a:t>3/29/2010</a:t>
             </a:fld>
             <a:endParaRPr lang="en-CA"/>
           </a:p>
@@ -2689,7 +2689,7 @@
             <a:fld id="{9222C97E-73C8-43E8-A42B-6C809C4F9F15}" type="datetimeFigureOut">
               <a:rPr lang="en-US" smtClean="0"/>
               <a:pPr/>
-              <a:t>3/24/2010</a:t>
+              <a:t>3/29/2010</a:t>
             </a:fld>
             <a:endParaRPr lang="en-CA"/>
           </a:p>
@@ -3432,11 +3432,7 @@
             <a:pPr algn="ctr"/>
             <a:r>
               <a:rPr lang="en-CA" dirty="0" smtClean="0"/>
-              <a:t>d</a:t>
-            </a:r>
-            <a:r>
-              <a:rPr lang="en-CA" dirty="0" smtClean="0"/>
-              <a:t>ata format</a:t>
+              <a:t>data format</a:t>
             </a:r>
           </a:p>
           <a:p>
@@ -3880,11 +3876,6 @@
               </a:rPr>
               <a:t>prior </a:t>
             </a:r>
-            <a:endParaRPr lang="en-CA" sz="1600" dirty="0" smtClean="0">
-              <a:solidFill>
-                <a:schemeClr val="tx2"/>
-              </a:solidFill>
-            </a:endParaRPr>
           </a:p>
           <a:p>
             <a:pPr algn="ctr"/>
@@ -3894,15 +3885,7 @@
                   <a:schemeClr val="tx2"/>
                 </a:solidFill>
               </a:rPr>
-              <a:t>version </a:t>
-            </a:r>
-            <a:r>
-              <a:rPr lang="en-CA" sz="1600" dirty="0" smtClean="0">
-                <a:solidFill>
-                  <a:schemeClr val="tx2"/>
-                </a:solidFill>
-              </a:rPr>
-              <a:t>of</a:t>
+              <a:t>version of</a:t>
             </a:r>
             <a:endParaRPr lang="en-CA" sz="1600" dirty="0">
               <a:solidFill>
@@ -3976,21 +3959,8 @@
                   <a:schemeClr val="tx2"/>
                 </a:solidFill>
               </a:rPr>
-              <a:t>has </a:t>
-            </a:r>
-            <a:r>
-              <a:rPr lang="en-CA" sz="1600" i="1" dirty="0" smtClean="0">
-                <a:solidFill>
-                  <a:schemeClr val="tx2"/>
-                </a:solidFill>
-              </a:rPr>
-              <a:t>output</a:t>
-            </a:r>
-            <a:endParaRPr lang="en-CA" sz="1600" i="1" dirty="0" smtClean="0">
-              <a:solidFill>
-                <a:schemeClr val="tx2"/>
-              </a:solidFill>
-            </a:endParaRPr>
+              <a:t>has output</a:t>
+            </a:r>
           </a:p>
         </p:txBody>
       </p:sp>
@@ -4207,11 +4177,6 @@
               </a:rPr>
               <a:t>prior </a:t>
             </a:r>
-            <a:endParaRPr lang="en-CA" sz="1600" dirty="0" smtClean="0">
-              <a:solidFill>
-                <a:schemeClr val="tx2"/>
-              </a:solidFill>
-            </a:endParaRPr>
           </a:p>
           <a:p>
             <a:pPr algn="ctr"/>
@@ -4221,15 +4186,7 @@
                   <a:schemeClr val="tx2"/>
                 </a:solidFill>
               </a:rPr>
-              <a:t>version </a:t>
-            </a:r>
-            <a:r>
-              <a:rPr lang="en-CA" sz="1600" dirty="0" smtClean="0">
-                <a:solidFill>
-                  <a:schemeClr val="tx2"/>
-                </a:solidFill>
-              </a:rPr>
-              <a:t>of</a:t>
+              <a:t>version of</a:t>
             </a:r>
             <a:endParaRPr lang="en-CA" sz="1600" dirty="0">
               <a:solidFill>
@@ -5510,15 +5467,7 @@
                   <a:schemeClr val="tx2"/>
                 </a:solidFill>
               </a:rPr>
-              <a:t> </a:t>
-            </a:r>
-            <a:r>
-              <a:rPr lang="en-CA" sz="1400" dirty="0" smtClean="0">
-                <a:solidFill>
-                  <a:schemeClr val="tx2"/>
-                </a:solidFill>
-              </a:rPr>
-              <a:t>planned objective</a:t>
+              <a:t> planned objective</a:t>
             </a:r>
             <a:endParaRPr lang="en-CA" sz="1400" dirty="0">
               <a:solidFill>
@@ -5552,11 +5501,7 @@
           <a:p>
             <a:r>
               <a:rPr lang="en-CA" sz="1600" dirty="0" smtClean="0"/>
-              <a:t>planned </a:t>
-            </a:r>
-            <a:r>
-              <a:rPr lang="en-CA" sz="1600" dirty="0" smtClean="0"/>
-              <a:t>process</a:t>
+              <a:t>planned process</a:t>
             </a:r>
             <a:endParaRPr lang="en-CA" sz="1600" dirty="0"/>
           </a:p>

--- a/documentation/images/diagrams.pptx
+++ b/documentation/images/diagrams.pptx
@@ -6,7 +6,8 @@
   </p:sldMasterIdLst>
   <p:sldIdLst>
     <p:sldId id="257" r:id="rId2"/>
-    <p:sldId id="260" r:id="rId3"/>
+    <p:sldId id="261" r:id="rId3"/>
+    <p:sldId id="262" r:id="rId4"/>
   </p:sldIdLst>
   <p:sldSz cx="9144000" cy="6858000" type="screen4x3"/>
   <p:notesSz cx="7315200" cy="9601200"/>
@@ -290,7 +291,7 @@
             <a:fld id="{9222C97E-73C8-43E8-A42B-6C809C4F9F15}" type="datetimeFigureOut">
               <a:rPr lang="en-US" smtClean="0"/>
               <a:pPr/>
-              <a:t>3/29/2010</a:t>
+              <a:t>7/5/2010</a:t>
             </a:fld>
             <a:endParaRPr lang="en-CA"/>
           </a:p>
@@ -457,7 +458,7 @@
             <a:fld id="{9222C97E-73C8-43E8-A42B-6C809C4F9F15}" type="datetimeFigureOut">
               <a:rPr lang="en-US" smtClean="0"/>
               <a:pPr/>
-              <a:t>3/29/2010</a:t>
+              <a:t>7/5/2010</a:t>
             </a:fld>
             <a:endParaRPr lang="en-CA"/>
           </a:p>
@@ -634,7 +635,7 @@
             <a:fld id="{9222C97E-73C8-43E8-A42B-6C809C4F9F15}" type="datetimeFigureOut">
               <a:rPr lang="en-US" smtClean="0"/>
               <a:pPr/>
-              <a:t>3/29/2010</a:t>
+              <a:t>7/5/2010</a:t>
             </a:fld>
             <a:endParaRPr lang="en-CA"/>
           </a:p>
@@ -801,7 +802,7 @@
             <a:fld id="{9222C97E-73C8-43E8-A42B-6C809C4F9F15}" type="datetimeFigureOut">
               <a:rPr lang="en-US" smtClean="0"/>
               <a:pPr/>
-              <a:t>3/29/2010</a:t>
+              <a:t>7/5/2010</a:t>
             </a:fld>
             <a:endParaRPr lang="en-CA"/>
           </a:p>
@@ -1044,7 +1045,7 @@
             <a:fld id="{9222C97E-73C8-43E8-A42B-6C809C4F9F15}" type="datetimeFigureOut">
               <a:rPr lang="en-US" smtClean="0"/>
               <a:pPr/>
-              <a:t>3/29/2010</a:t>
+              <a:t>7/5/2010</a:t>
             </a:fld>
             <a:endParaRPr lang="en-CA"/>
           </a:p>
@@ -1329,7 +1330,7 @@
             <a:fld id="{9222C97E-73C8-43E8-A42B-6C809C4F9F15}" type="datetimeFigureOut">
               <a:rPr lang="en-US" smtClean="0"/>
               <a:pPr/>
-              <a:t>3/29/2010</a:t>
+              <a:t>7/5/2010</a:t>
             </a:fld>
             <a:endParaRPr lang="en-CA"/>
           </a:p>
@@ -1748,7 +1749,7 @@
             <a:fld id="{9222C97E-73C8-43E8-A42B-6C809C4F9F15}" type="datetimeFigureOut">
               <a:rPr lang="en-US" smtClean="0"/>
               <a:pPr/>
-              <a:t>3/29/2010</a:t>
+              <a:t>7/5/2010</a:t>
             </a:fld>
             <a:endParaRPr lang="en-CA"/>
           </a:p>
@@ -1863,7 +1864,7 @@
             <a:fld id="{9222C97E-73C8-43E8-A42B-6C809C4F9F15}" type="datetimeFigureOut">
               <a:rPr lang="en-US" smtClean="0"/>
               <a:pPr/>
-              <a:t>3/29/2010</a:t>
+              <a:t>7/5/2010</a:t>
             </a:fld>
             <a:endParaRPr lang="en-CA"/>
           </a:p>
@@ -1955,7 +1956,7 @@
             <a:fld id="{9222C97E-73C8-43E8-A42B-6C809C4F9F15}" type="datetimeFigureOut">
               <a:rPr lang="en-US" smtClean="0"/>
               <a:pPr/>
-              <a:t>3/29/2010</a:t>
+              <a:t>7/5/2010</a:t>
             </a:fld>
             <a:endParaRPr lang="en-CA"/>
           </a:p>
@@ -2229,7 +2230,7 @@
             <a:fld id="{9222C97E-73C8-43E8-A42B-6C809C4F9F15}" type="datetimeFigureOut">
               <a:rPr lang="en-US" smtClean="0"/>
               <a:pPr/>
-              <a:t>3/29/2010</a:t>
+              <a:t>7/5/2010</a:t>
             </a:fld>
             <a:endParaRPr lang="en-CA"/>
           </a:p>
@@ -2479,7 +2480,7 @@
             <a:fld id="{9222C97E-73C8-43E8-A42B-6C809C4F9F15}" type="datetimeFigureOut">
               <a:rPr lang="en-US" smtClean="0"/>
               <a:pPr/>
-              <a:t>3/29/2010</a:t>
+              <a:t>7/5/2010</a:t>
             </a:fld>
             <a:endParaRPr lang="en-CA"/>
           </a:p>
@@ -2689,7 +2690,7 @@
             <a:fld id="{9222C97E-73C8-43E8-A42B-6C809C4F9F15}" type="datetimeFigureOut">
               <a:rPr lang="en-US" smtClean="0"/>
               <a:pPr/>
-              <a:t>3/29/2010</a:t>
+              <a:t>7/5/2010</a:t>
             </a:fld>
             <a:endParaRPr lang="en-CA"/>
           </a:p>
@@ -3068,8 +3069,8 @@
         </p:nvSpPr>
         <p:spPr>
           <a:xfrm>
-            <a:off x="2000232" y="2857496"/>
-            <a:ext cx="1139992" cy="369332"/>
+            <a:off x="1784208" y="1844824"/>
+            <a:ext cx="1139992" cy="646331"/>
           </a:xfrm>
           <a:prstGeom prst="rect">
             <a:avLst/>
@@ -3084,6 +3085,13 @@
           <a:p>
             <a:r>
               <a:rPr lang="en-CA" dirty="0" smtClean="0"/>
+              <a:t>chemical </a:t>
+            </a:r>
+          </a:p>
+          <a:p>
+            <a:pPr algn="ctr"/>
+            <a:r>
+              <a:rPr lang="en-CA" dirty="0" smtClean="0"/>
               <a:t>descriptor</a:t>
             </a:r>
             <a:endParaRPr lang="en-CA" dirty="0"/>
@@ -3098,8 +3106,8 @@
         </p:nvSpPr>
         <p:spPr>
           <a:xfrm>
-            <a:off x="1357290" y="3357562"/>
-            <a:ext cx="848309" cy="338554"/>
+            <a:off x="2267744" y="3861048"/>
+            <a:ext cx="1309397" cy="338554"/>
           </a:xfrm>
           <a:prstGeom prst="rect">
             <a:avLst/>
@@ -3118,7 +3126,7 @@
                   <a:schemeClr val="tx2"/>
                 </a:solidFill>
               </a:rPr>
-              <a:t>is about</a:t>
+              <a:t>is attribute of</a:t>
             </a:r>
             <a:endParaRPr lang="en-CA" sz="1600" dirty="0">
               <a:solidFill>
@@ -3136,8 +3144,8 @@
         </p:nvSpPr>
         <p:spPr>
           <a:xfrm>
-            <a:off x="1357290" y="4000504"/>
-            <a:ext cx="730777" cy="369332"/>
+            <a:off x="1907704" y="4437112"/>
+            <a:ext cx="1016304" cy="646331"/>
           </a:xfrm>
           <a:prstGeom prst="rect">
             <a:avLst/>
@@ -3150,6 +3158,14 @@
           </a:bodyPr>
           <a:lstStyle/>
           <a:p>
+            <a:pPr algn="ctr"/>
+            <a:r>
+              <a:rPr lang="en-CA" dirty="0" smtClean="0"/>
+              <a:t>chemical</a:t>
+            </a:r>
+          </a:p>
+          <a:p>
+            <a:pPr algn="ctr"/>
             <a:r>
               <a:rPr lang="en-CA" dirty="0" smtClean="0"/>
               <a:t>entity</a:t>
@@ -3158,22 +3174,216 @@
           </a:p>
         </p:txBody>
       </p:sp>
+      <p:sp>
+        <p:nvSpPr>
+          <p:cNvPr id="16" name="TextBox 15"/>
+          <p:cNvSpPr txBox="1"/>
+          <p:nvPr/>
+        </p:nvSpPr>
+        <p:spPr>
+          <a:xfrm>
+            <a:off x="2282193" y="2586390"/>
+            <a:ext cx="1425711" cy="338554"/>
+          </a:xfrm>
+          <a:prstGeom prst="rect">
+            <a:avLst/>
+          </a:prstGeom>
+          <a:noFill/>
+        </p:spPr>
+        <p:txBody>
+          <a:bodyPr wrap="none" rtlCol="0">
+            <a:spAutoFit/>
+          </a:bodyPr>
+          <a:lstStyle/>
+          <a:p>
+            <a:r>
+              <a:rPr lang="en-CA" sz="1600" dirty="0" smtClean="0">
+                <a:solidFill>
+                  <a:schemeClr val="tx2"/>
+                </a:solidFill>
+              </a:rPr>
+              <a:t>is descriptor of</a:t>
+            </a:r>
+            <a:endParaRPr lang="en-CA" sz="1600" dirty="0">
+              <a:solidFill>
+                <a:schemeClr val="tx2"/>
+              </a:solidFill>
+            </a:endParaRPr>
+          </a:p>
+        </p:txBody>
+      </p:sp>
+      <p:sp>
+        <p:nvSpPr>
+          <p:cNvPr id="18" name="TextBox 17"/>
+          <p:cNvSpPr txBox="1"/>
+          <p:nvPr/>
+        </p:nvSpPr>
+        <p:spPr>
+          <a:xfrm>
+            <a:off x="1691680" y="3068960"/>
+            <a:ext cx="1081899" cy="646331"/>
+          </a:xfrm>
+          <a:prstGeom prst="rect">
+            <a:avLst/>
+          </a:prstGeom>
+          <a:noFill/>
+        </p:spPr>
+        <p:txBody>
+          <a:bodyPr wrap="none" rtlCol="0">
+            <a:spAutoFit/>
+          </a:bodyPr>
+          <a:lstStyle/>
+          <a:p>
+            <a:r>
+              <a:rPr lang="en-CA" dirty="0" smtClean="0"/>
+              <a:t>quality </a:t>
+            </a:r>
+            <a:r>
+              <a:rPr lang="en-CA" i="1" dirty="0" smtClean="0"/>
+              <a:t>or</a:t>
+            </a:r>
+          </a:p>
+          <a:p>
+            <a:r>
+              <a:rPr lang="en-CA" dirty="0" smtClean="0"/>
+              <a:t>realizable</a:t>
+            </a:r>
+            <a:endParaRPr lang="en-CA" dirty="0"/>
+          </a:p>
+        </p:txBody>
+      </p:sp>
+      <p:sp>
+        <p:nvSpPr>
+          <p:cNvPr id="27" name="TextBox 26"/>
+          <p:cNvSpPr txBox="1"/>
+          <p:nvPr/>
+        </p:nvSpPr>
+        <p:spPr>
+          <a:xfrm>
+            <a:off x="323528" y="2780928"/>
+            <a:ext cx="1250086" cy="338554"/>
+          </a:xfrm>
+          <a:prstGeom prst="rect">
+            <a:avLst/>
+          </a:prstGeom>
+          <a:noFill/>
+        </p:spPr>
+        <p:txBody>
+          <a:bodyPr wrap="none" rtlCol="0">
+            <a:spAutoFit/>
+          </a:bodyPr>
+          <a:lstStyle/>
+          <a:p>
+            <a:r>
+              <a:rPr lang="en-CA" sz="1600" dirty="0" smtClean="0">
+                <a:solidFill>
+                  <a:schemeClr val="tx2"/>
+                </a:solidFill>
+              </a:rPr>
+              <a:t>has attribute</a:t>
+            </a:r>
+            <a:endParaRPr lang="en-CA" sz="1600" dirty="0">
+              <a:solidFill>
+                <a:schemeClr val="tx2"/>
+              </a:solidFill>
+            </a:endParaRPr>
+          </a:p>
+        </p:txBody>
+      </p:sp>
+      <p:sp>
+        <p:nvSpPr>
+          <p:cNvPr id="30" name="TextBox 29"/>
+          <p:cNvSpPr txBox="1"/>
+          <p:nvPr/>
+        </p:nvSpPr>
+        <p:spPr>
+          <a:xfrm>
+            <a:off x="2339752" y="1421896"/>
+            <a:ext cx="1345818" cy="338554"/>
+          </a:xfrm>
+          <a:prstGeom prst="rect">
+            <a:avLst/>
+          </a:prstGeom>
+          <a:noFill/>
+        </p:spPr>
+        <p:txBody>
+          <a:bodyPr wrap="none" rtlCol="0">
+            <a:spAutoFit/>
+          </a:bodyPr>
+          <a:lstStyle/>
+          <a:p>
+            <a:r>
+              <a:rPr lang="en-CA" sz="1600" dirty="0" smtClean="0">
+                <a:solidFill>
+                  <a:schemeClr val="tx2"/>
+                </a:solidFill>
+              </a:rPr>
+              <a:t>is specified by</a:t>
+            </a:r>
+            <a:endParaRPr lang="en-CA" sz="1600" dirty="0">
+              <a:solidFill>
+                <a:schemeClr val="tx2"/>
+              </a:solidFill>
+            </a:endParaRPr>
+          </a:p>
+        </p:txBody>
+      </p:sp>
+      <p:sp>
+        <p:nvSpPr>
+          <p:cNvPr id="31" name="TextBox 30"/>
+          <p:cNvSpPr txBox="1"/>
+          <p:nvPr/>
+        </p:nvSpPr>
+        <p:spPr>
+          <a:xfrm>
+            <a:off x="1346525" y="692696"/>
+            <a:ext cx="2053960" cy="646331"/>
+          </a:xfrm>
+          <a:prstGeom prst="rect">
+            <a:avLst/>
+          </a:prstGeom>
+          <a:noFill/>
+        </p:spPr>
+        <p:txBody>
+          <a:bodyPr wrap="none" rtlCol="0">
+            <a:spAutoFit/>
+          </a:bodyPr>
+          <a:lstStyle/>
+          <a:p>
+            <a:pPr algn="ctr"/>
+            <a:r>
+              <a:rPr lang="en-CA" dirty="0" smtClean="0"/>
+              <a:t>chemical data </a:t>
+            </a:r>
+          </a:p>
+          <a:p>
+            <a:pPr algn="ctr"/>
+            <a:r>
+              <a:rPr lang="en-CA" dirty="0" smtClean="0"/>
+              <a:t>format specification</a:t>
+            </a:r>
+            <a:endParaRPr lang="en-CA" dirty="0"/>
+          </a:p>
+        </p:txBody>
+      </p:sp>
       <p:cxnSp>
         <p:nvCxnSpPr>
-          <p:cNvPr id="5" name="Straight Arrow Connector 4"/>
+          <p:cNvPr id="57" name="Elbow Connector 56"/>
           <p:cNvCxnSpPr>
-            <a:stCxn id="2" idx="2"/>
-            <a:endCxn id="4" idx="0"/>
+            <a:stCxn id="4" idx="1"/>
+            <a:endCxn id="2" idx="1"/>
           </p:cNvCxnSpPr>
           <p:nvPr/>
         </p:nvCxnSpPr>
         <p:spPr>
-          <a:xfrm rot="5400000">
-            <a:off x="1759616" y="3189892"/>
-            <a:ext cx="773676" cy="847549"/>
-          </a:xfrm>
-          <a:prstGeom prst="straightConnector1">
-            <a:avLst/>
+          <a:xfrm rot="10800000">
+            <a:off x="1784208" y="2167990"/>
+            <a:ext cx="123496" cy="2592288"/>
+          </a:xfrm>
+          <a:prstGeom prst="bentConnector3">
+            <a:avLst>
+              <a:gd name="adj1" fmla="val 285107"/>
+            </a:avLst>
           </a:prstGeom>
           <a:ln>
             <a:tailEnd type="arrow"/>
@@ -3196,1025 +3406,19 @@
       </p:cxnSp>
       <p:cxnSp>
         <p:nvCxnSpPr>
-          <p:cNvPr id="12" name="Straight Arrow Connector 11"/>
-          <p:cNvCxnSpPr>
-            <a:stCxn id="2" idx="2"/>
-            <a:endCxn id="18" idx="0"/>
-          </p:cNvCxnSpPr>
+          <p:cNvPr id="67" name="Straight Arrow Connector 66"/>
+          <p:cNvCxnSpPr/>
           <p:nvPr/>
         </p:nvCxnSpPr>
         <p:spPr>
-          <a:xfrm rot="16200000" flipH="1">
-            <a:off x="2676363" y="3120693"/>
-            <a:ext cx="773676" cy="985946"/>
+          <a:xfrm rot="16200000" flipV="1">
+            <a:off x="2124521" y="1628007"/>
+            <a:ext cx="432050" cy="1588"/>
           </a:xfrm>
           <a:prstGeom prst="straightConnector1">
             <a:avLst/>
           </a:prstGeom>
           <a:ln>
-            <a:tailEnd type="arrow"/>
-          </a:ln>
-        </p:spPr>
-        <p:style>
-          <a:lnRef idx="1">
-            <a:schemeClr val="accent1"/>
-          </a:lnRef>
-          <a:fillRef idx="0">
-            <a:schemeClr val="accent1"/>
-          </a:fillRef>
-          <a:effectRef idx="0">
-            <a:schemeClr val="accent1"/>
-          </a:effectRef>
-          <a:fontRef idx="minor">
-            <a:schemeClr val="tx1"/>
-          </a:fontRef>
-        </p:style>
-      </p:cxnSp>
-      <p:sp>
-        <p:nvSpPr>
-          <p:cNvPr id="16" name="TextBox 15"/>
-          <p:cNvSpPr txBox="1"/>
-          <p:nvPr/>
-        </p:nvSpPr>
-        <p:spPr>
-          <a:xfrm>
-            <a:off x="3003413" y="3357562"/>
-            <a:ext cx="1425711" cy="338554"/>
-          </a:xfrm>
-          <a:prstGeom prst="rect">
-            <a:avLst/>
-          </a:prstGeom>
-          <a:noFill/>
-        </p:spPr>
-        <p:txBody>
-          <a:bodyPr wrap="none" rtlCol="0">
-            <a:spAutoFit/>
-          </a:bodyPr>
-          <a:lstStyle/>
-          <a:p>
-            <a:r>
-              <a:rPr lang="en-CA" sz="1600" dirty="0" smtClean="0">
-                <a:solidFill>
-                  <a:schemeClr val="tx2"/>
-                </a:solidFill>
-              </a:rPr>
-              <a:t>is descriptor of</a:t>
-            </a:r>
-            <a:endParaRPr lang="en-CA" sz="1600" dirty="0">
-              <a:solidFill>
-                <a:schemeClr val="tx2"/>
-              </a:solidFill>
-            </a:endParaRPr>
-          </a:p>
-        </p:txBody>
-      </p:sp>
-      <p:sp>
-        <p:nvSpPr>
-          <p:cNvPr id="18" name="TextBox 17"/>
-          <p:cNvSpPr txBox="1"/>
-          <p:nvPr/>
-        </p:nvSpPr>
-        <p:spPr>
-          <a:xfrm>
-            <a:off x="3143240" y="4000504"/>
-            <a:ext cx="825867" cy="369332"/>
-          </a:xfrm>
-          <a:prstGeom prst="rect">
-            <a:avLst/>
-          </a:prstGeom>
-          <a:noFill/>
-        </p:spPr>
-        <p:txBody>
-          <a:bodyPr wrap="none" rtlCol="0">
-            <a:spAutoFit/>
-          </a:bodyPr>
-          <a:lstStyle/>
-          <a:p>
-            <a:r>
-              <a:rPr lang="en-CA" dirty="0" smtClean="0"/>
-              <a:t>quality</a:t>
-            </a:r>
-            <a:endParaRPr lang="en-CA" dirty="0"/>
-          </a:p>
-        </p:txBody>
-      </p:sp>
-      <p:sp>
-        <p:nvSpPr>
-          <p:cNvPr id="27" name="TextBox 26"/>
-          <p:cNvSpPr txBox="1"/>
-          <p:nvPr/>
-        </p:nvSpPr>
-        <p:spPr>
-          <a:xfrm>
-            <a:off x="2143108" y="3857628"/>
-            <a:ext cx="1083951" cy="338554"/>
-          </a:xfrm>
-          <a:prstGeom prst="rect">
-            <a:avLst/>
-          </a:prstGeom>
-          <a:noFill/>
-        </p:spPr>
-        <p:txBody>
-          <a:bodyPr wrap="none" rtlCol="0">
-            <a:spAutoFit/>
-          </a:bodyPr>
-          <a:lstStyle/>
-          <a:p>
-            <a:r>
-              <a:rPr lang="en-CA" sz="1600" dirty="0" smtClean="0">
-                <a:solidFill>
-                  <a:schemeClr val="tx2"/>
-                </a:solidFill>
-              </a:rPr>
-              <a:t>has quality</a:t>
-            </a:r>
-            <a:endParaRPr lang="en-CA" sz="1600" dirty="0">
-              <a:solidFill>
-                <a:schemeClr val="tx2"/>
-              </a:solidFill>
-            </a:endParaRPr>
-          </a:p>
-        </p:txBody>
-      </p:sp>
-      <p:cxnSp>
-        <p:nvCxnSpPr>
-          <p:cNvPr id="28" name="Straight Arrow Connector 27"/>
-          <p:cNvCxnSpPr/>
-          <p:nvPr/>
-        </p:nvCxnSpPr>
-        <p:spPr>
-          <a:xfrm>
-            <a:off x="2143108" y="4214818"/>
-            <a:ext cx="1009838" cy="1"/>
-          </a:xfrm>
-          <a:prstGeom prst="straightConnector1">
-            <a:avLst/>
-          </a:prstGeom>
-          <a:ln>
-            <a:tailEnd type="arrow"/>
-          </a:ln>
-        </p:spPr>
-        <p:style>
-          <a:lnRef idx="1">
-            <a:schemeClr val="accent1"/>
-          </a:lnRef>
-          <a:fillRef idx="0">
-            <a:schemeClr val="accent1"/>
-          </a:fillRef>
-          <a:effectRef idx="0">
-            <a:schemeClr val="accent1"/>
-          </a:effectRef>
-          <a:fontRef idx="minor">
-            <a:schemeClr val="tx1"/>
-          </a:fontRef>
-        </p:style>
-      </p:cxnSp>
-      <p:sp>
-        <p:nvSpPr>
-          <p:cNvPr id="30" name="TextBox 29"/>
-          <p:cNvSpPr txBox="1"/>
-          <p:nvPr/>
-        </p:nvSpPr>
-        <p:spPr>
-          <a:xfrm>
-            <a:off x="2571736" y="2285992"/>
-            <a:ext cx="1171796" cy="338554"/>
-          </a:xfrm>
-          <a:prstGeom prst="rect">
-            <a:avLst/>
-          </a:prstGeom>
-          <a:noFill/>
-        </p:spPr>
-        <p:txBody>
-          <a:bodyPr wrap="none" rtlCol="0">
-            <a:spAutoFit/>
-          </a:bodyPr>
-          <a:lstStyle/>
-          <a:p>
-            <a:r>
-              <a:rPr lang="en-CA" sz="1600" dirty="0" smtClean="0">
-                <a:solidFill>
-                  <a:schemeClr val="tx2"/>
-                </a:solidFill>
-              </a:rPr>
-              <a:t>implements</a:t>
-            </a:r>
-            <a:endParaRPr lang="en-CA" sz="1600" dirty="0">
-              <a:solidFill>
-                <a:schemeClr val="tx2"/>
-              </a:solidFill>
-            </a:endParaRPr>
-          </a:p>
-        </p:txBody>
-      </p:sp>
-      <p:sp>
-        <p:nvSpPr>
-          <p:cNvPr id="31" name="TextBox 30"/>
-          <p:cNvSpPr txBox="1"/>
-          <p:nvPr/>
-        </p:nvSpPr>
-        <p:spPr>
-          <a:xfrm>
-            <a:off x="1928794" y="1643050"/>
-            <a:ext cx="1363643" cy="646331"/>
-          </a:xfrm>
-          <a:prstGeom prst="rect">
-            <a:avLst/>
-          </a:prstGeom>
-          <a:noFill/>
-        </p:spPr>
-        <p:txBody>
-          <a:bodyPr wrap="none" rtlCol="0">
-            <a:spAutoFit/>
-          </a:bodyPr>
-          <a:lstStyle/>
-          <a:p>
-            <a:pPr algn="ctr"/>
-            <a:r>
-              <a:rPr lang="en-CA" dirty="0" smtClean="0"/>
-              <a:t>data format</a:t>
-            </a:r>
-          </a:p>
-          <a:p>
-            <a:pPr algn="ctr"/>
-            <a:r>
-              <a:rPr lang="en-CA" dirty="0" smtClean="0"/>
-              <a:t>specification</a:t>
-            </a:r>
-            <a:endParaRPr lang="en-CA" dirty="0"/>
-          </a:p>
-        </p:txBody>
-      </p:sp>
-      <p:cxnSp>
-        <p:nvCxnSpPr>
-          <p:cNvPr id="32" name="Straight Arrow Connector 31"/>
-          <p:cNvCxnSpPr>
-            <a:stCxn id="2" idx="0"/>
-            <a:endCxn id="31" idx="2"/>
-          </p:cNvCxnSpPr>
-          <p:nvPr/>
-        </p:nvCxnSpPr>
-        <p:spPr>
-          <a:xfrm rot="5400000" flipH="1" flipV="1">
-            <a:off x="2306365" y="2553245"/>
-            <a:ext cx="568115" cy="40388"/>
-          </a:xfrm>
-          <a:prstGeom prst="straightConnector1">
-            <a:avLst/>
-          </a:prstGeom>
-          <a:ln>
-            <a:tailEnd type="arrow"/>
-          </a:ln>
-        </p:spPr>
-        <p:style>
-          <a:lnRef idx="1">
-            <a:schemeClr val="accent1"/>
-          </a:lnRef>
-          <a:fillRef idx="0">
-            <a:schemeClr val="accent1"/>
-          </a:fillRef>
-          <a:effectRef idx="0">
-            <a:schemeClr val="accent1"/>
-          </a:effectRef>
-          <a:fontRef idx="minor">
-            <a:schemeClr val="tx1"/>
-          </a:fontRef>
-        </p:style>
-      </p:cxnSp>
-      <p:sp>
-        <p:nvSpPr>
-          <p:cNvPr id="37" name="TextBox 36"/>
-          <p:cNvSpPr txBox="1"/>
-          <p:nvPr/>
-        </p:nvSpPr>
-        <p:spPr>
-          <a:xfrm>
-            <a:off x="5500694" y="2214554"/>
-            <a:ext cx="1009444" cy="369332"/>
-          </a:xfrm>
-          <a:prstGeom prst="rect">
-            <a:avLst/>
-          </a:prstGeom>
-          <a:noFill/>
-        </p:spPr>
-        <p:txBody>
-          <a:bodyPr wrap="none" rtlCol="0">
-            <a:spAutoFit/>
-          </a:bodyPr>
-          <a:lstStyle/>
-          <a:p>
-            <a:r>
-              <a:rPr lang="en-CA" dirty="0" smtClean="0"/>
-              <a:t>software</a:t>
-            </a:r>
-            <a:endParaRPr lang="en-CA" dirty="0"/>
-          </a:p>
-        </p:txBody>
-      </p:sp>
-      <p:sp>
-        <p:nvSpPr>
-          <p:cNvPr id="38" name="TextBox 37"/>
-          <p:cNvSpPr txBox="1"/>
-          <p:nvPr/>
-        </p:nvSpPr>
-        <p:spPr>
-          <a:xfrm>
-            <a:off x="5429256" y="3214686"/>
-            <a:ext cx="1093569" cy="369332"/>
-          </a:xfrm>
-          <a:prstGeom prst="rect">
-            <a:avLst/>
-          </a:prstGeom>
-          <a:noFill/>
-        </p:spPr>
-        <p:txBody>
-          <a:bodyPr wrap="none" rtlCol="0">
-            <a:spAutoFit/>
-          </a:bodyPr>
-          <a:lstStyle/>
-          <a:p>
-            <a:r>
-              <a:rPr lang="en-CA" dirty="0" smtClean="0"/>
-              <a:t>algorithm</a:t>
-            </a:r>
-            <a:endParaRPr lang="en-CA" dirty="0"/>
-          </a:p>
-        </p:txBody>
-      </p:sp>
-      <p:sp>
-        <p:nvSpPr>
-          <p:cNvPr id="39" name="TextBox 38"/>
-          <p:cNvSpPr txBox="1"/>
-          <p:nvPr/>
-        </p:nvSpPr>
-        <p:spPr>
-          <a:xfrm>
-            <a:off x="6072198" y="2786058"/>
-            <a:ext cx="1171796" cy="338554"/>
-          </a:xfrm>
-          <a:prstGeom prst="rect">
-            <a:avLst/>
-          </a:prstGeom>
-          <a:noFill/>
-        </p:spPr>
-        <p:txBody>
-          <a:bodyPr wrap="none" rtlCol="0">
-            <a:spAutoFit/>
-          </a:bodyPr>
-          <a:lstStyle/>
-          <a:p>
-            <a:r>
-              <a:rPr lang="en-CA" sz="1600" dirty="0" smtClean="0">
-                <a:solidFill>
-                  <a:schemeClr val="tx2"/>
-                </a:solidFill>
-              </a:rPr>
-              <a:t>implements</a:t>
-            </a:r>
-            <a:endParaRPr lang="en-CA" sz="1600" dirty="0">
-              <a:solidFill>
-                <a:schemeClr val="tx2"/>
-              </a:solidFill>
-            </a:endParaRPr>
-          </a:p>
-        </p:txBody>
-      </p:sp>
-      <p:cxnSp>
-        <p:nvCxnSpPr>
-          <p:cNvPr id="40" name="Straight Arrow Connector 39"/>
-          <p:cNvCxnSpPr>
-            <a:stCxn id="37" idx="2"/>
-            <a:endCxn id="38" idx="0"/>
-          </p:cNvCxnSpPr>
-          <p:nvPr/>
-        </p:nvCxnSpPr>
-        <p:spPr>
-          <a:xfrm rot="5400000">
-            <a:off x="5675329" y="2884599"/>
-            <a:ext cx="630800" cy="29375"/>
-          </a:xfrm>
-          <a:prstGeom prst="straightConnector1">
-            <a:avLst/>
-          </a:prstGeom>
-          <a:ln>
-            <a:tailEnd type="arrow"/>
-          </a:ln>
-        </p:spPr>
-        <p:style>
-          <a:lnRef idx="1">
-            <a:schemeClr val="accent1"/>
-          </a:lnRef>
-          <a:fillRef idx="0">
-            <a:schemeClr val="accent1"/>
-          </a:fillRef>
-          <a:effectRef idx="0">
-            <a:schemeClr val="accent1"/>
-          </a:effectRef>
-          <a:fontRef idx="minor">
-            <a:schemeClr val="tx1"/>
-          </a:fontRef>
-        </p:style>
-      </p:cxnSp>
-      <p:sp>
-        <p:nvSpPr>
-          <p:cNvPr id="41" name="Freeform 40"/>
-          <p:cNvSpPr/>
-          <p:nvPr/>
-        </p:nvSpPr>
-        <p:spPr>
-          <a:xfrm>
-            <a:off x="5980350" y="3374576"/>
-            <a:ext cx="849086" cy="468085"/>
-          </a:xfrm>
-          <a:custGeom>
-            <a:avLst/>
-            <a:gdLst>
-              <a:gd name="connsiteX0" fmla="*/ 544286 w 849086"/>
-              <a:gd name="connsiteY0" fmla="*/ 16328 h 468085"/>
-              <a:gd name="connsiteX1" fmla="*/ 805543 w 849086"/>
-              <a:gd name="connsiteY1" fmla="*/ 70757 h 468085"/>
-              <a:gd name="connsiteX2" fmla="*/ 283029 w 849086"/>
-              <a:gd name="connsiteY2" fmla="*/ 440871 h 468085"/>
-              <a:gd name="connsiteX3" fmla="*/ 54429 w 849086"/>
-              <a:gd name="connsiteY3" fmla="*/ 234042 h 468085"/>
-              <a:gd name="connsiteX4" fmla="*/ 0 w 849086"/>
-              <a:gd name="connsiteY4" fmla="*/ 179614 h 468085"/>
-            </a:gdLst>
-            <a:ahLst/>
-            <a:cxnLst>
-              <a:cxn ang="0">
-                <a:pos x="connsiteX0" y="connsiteY0"/>
-              </a:cxn>
-              <a:cxn ang="0">
-                <a:pos x="connsiteX1" y="connsiteY1"/>
-              </a:cxn>
-              <a:cxn ang="0">
-                <a:pos x="connsiteX2" y="connsiteY2"/>
-              </a:cxn>
-              <a:cxn ang="0">
-                <a:pos x="connsiteX3" y="connsiteY3"/>
-              </a:cxn>
-              <a:cxn ang="0">
-                <a:pos x="connsiteX4" y="connsiteY4"/>
-              </a:cxn>
-            </a:cxnLst>
-            <a:rect l="l" t="t" r="r" b="b"/>
-            <a:pathLst>
-              <a:path w="849086" h="468085">
-                <a:moveTo>
-                  <a:pt x="544286" y="16328"/>
-                </a:moveTo>
-                <a:cubicBezTo>
-                  <a:pt x="696686" y="8164"/>
-                  <a:pt x="849086" y="0"/>
-                  <a:pt x="805543" y="70757"/>
-                </a:cubicBezTo>
-                <a:cubicBezTo>
-                  <a:pt x="762000" y="141514"/>
-                  <a:pt x="408215" y="413657"/>
-                  <a:pt x="283029" y="440871"/>
-                </a:cubicBezTo>
-                <a:cubicBezTo>
-                  <a:pt x="157843" y="468085"/>
-                  <a:pt x="101600" y="277585"/>
-                  <a:pt x="54429" y="234042"/>
-                </a:cubicBezTo>
-                <a:cubicBezTo>
-                  <a:pt x="7258" y="190499"/>
-                  <a:pt x="3629" y="185056"/>
-                  <a:pt x="0" y="179614"/>
-                </a:cubicBezTo>
-              </a:path>
-            </a:pathLst>
-          </a:custGeom>
-        </p:spPr>
-        <p:style>
-          <a:lnRef idx="1">
-            <a:schemeClr val="accent1"/>
-          </a:lnRef>
-          <a:fillRef idx="0">
-            <a:schemeClr val="accent1"/>
-          </a:fillRef>
-          <a:effectRef idx="0">
-            <a:schemeClr val="accent1"/>
-          </a:effectRef>
-          <a:fontRef idx="minor">
-            <a:schemeClr val="tx1"/>
-          </a:fontRef>
-        </p:style>
-        <p:txBody>
-          <a:bodyPr rtlCol="0" anchor="ctr"/>
-          <a:lstStyle/>
-          <a:p>
-            <a:pPr algn="ctr"/>
-            <a:endParaRPr lang="en-CA"/>
-          </a:p>
-        </p:txBody>
-      </p:sp>
-      <p:sp>
-        <p:nvSpPr>
-          <p:cNvPr id="42" name="TextBox 41"/>
-          <p:cNvSpPr txBox="1"/>
-          <p:nvPr/>
-        </p:nvSpPr>
-        <p:spPr>
-          <a:xfrm>
-            <a:off x="5857884" y="3857628"/>
-            <a:ext cx="1154355" cy="338554"/>
-          </a:xfrm>
-          <a:prstGeom prst="rect">
-            <a:avLst/>
-          </a:prstGeom>
-          <a:noFill/>
-        </p:spPr>
-        <p:txBody>
-          <a:bodyPr wrap="none" rtlCol="0">
-            <a:spAutoFit/>
-          </a:bodyPr>
-          <a:lstStyle/>
-          <a:p>
-            <a:r>
-              <a:rPr lang="en-CA" sz="1600" dirty="0" smtClean="0">
-                <a:solidFill>
-                  <a:schemeClr val="tx2"/>
-                </a:solidFill>
-              </a:rPr>
-              <a:t>is variant of</a:t>
-            </a:r>
-            <a:endParaRPr lang="en-CA" sz="1600" dirty="0">
-              <a:solidFill>
-                <a:schemeClr val="tx2"/>
-              </a:solidFill>
-            </a:endParaRPr>
-          </a:p>
-        </p:txBody>
-      </p:sp>
-      <p:sp>
-        <p:nvSpPr>
-          <p:cNvPr id="43" name="Freeform 42"/>
-          <p:cNvSpPr/>
-          <p:nvPr/>
-        </p:nvSpPr>
-        <p:spPr>
-          <a:xfrm rot="10800000">
-            <a:off x="1500166" y="1428736"/>
-            <a:ext cx="849086" cy="468085"/>
-          </a:xfrm>
-          <a:custGeom>
-            <a:avLst/>
-            <a:gdLst>
-              <a:gd name="connsiteX0" fmla="*/ 544286 w 849086"/>
-              <a:gd name="connsiteY0" fmla="*/ 16328 h 468085"/>
-              <a:gd name="connsiteX1" fmla="*/ 805543 w 849086"/>
-              <a:gd name="connsiteY1" fmla="*/ 70757 h 468085"/>
-              <a:gd name="connsiteX2" fmla="*/ 283029 w 849086"/>
-              <a:gd name="connsiteY2" fmla="*/ 440871 h 468085"/>
-              <a:gd name="connsiteX3" fmla="*/ 54429 w 849086"/>
-              <a:gd name="connsiteY3" fmla="*/ 234042 h 468085"/>
-              <a:gd name="connsiteX4" fmla="*/ 0 w 849086"/>
-              <a:gd name="connsiteY4" fmla="*/ 179614 h 468085"/>
-            </a:gdLst>
-            <a:ahLst/>
-            <a:cxnLst>
-              <a:cxn ang="0">
-                <a:pos x="connsiteX0" y="connsiteY0"/>
-              </a:cxn>
-              <a:cxn ang="0">
-                <a:pos x="connsiteX1" y="connsiteY1"/>
-              </a:cxn>
-              <a:cxn ang="0">
-                <a:pos x="connsiteX2" y="connsiteY2"/>
-              </a:cxn>
-              <a:cxn ang="0">
-                <a:pos x="connsiteX3" y="connsiteY3"/>
-              </a:cxn>
-              <a:cxn ang="0">
-                <a:pos x="connsiteX4" y="connsiteY4"/>
-              </a:cxn>
-            </a:cxnLst>
-            <a:rect l="l" t="t" r="r" b="b"/>
-            <a:pathLst>
-              <a:path w="849086" h="468085">
-                <a:moveTo>
-                  <a:pt x="544286" y="16328"/>
-                </a:moveTo>
-                <a:cubicBezTo>
-                  <a:pt x="696686" y="8164"/>
-                  <a:pt x="849086" y="0"/>
-                  <a:pt x="805543" y="70757"/>
-                </a:cubicBezTo>
-                <a:cubicBezTo>
-                  <a:pt x="762000" y="141514"/>
-                  <a:pt x="408215" y="413657"/>
-                  <a:pt x="283029" y="440871"/>
-                </a:cubicBezTo>
-                <a:cubicBezTo>
-                  <a:pt x="157843" y="468085"/>
-                  <a:pt x="101600" y="277585"/>
-                  <a:pt x="54429" y="234042"/>
-                </a:cubicBezTo>
-                <a:cubicBezTo>
-                  <a:pt x="7258" y="190499"/>
-                  <a:pt x="3629" y="185056"/>
-                  <a:pt x="0" y="179614"/>
-                </a:cubicBezTo>
-              </a:path>
-            </a:pathLst>
-          </a:custGeom>
-        </p:spPr>
-        <p:style>
-          <a:lnRef idx="1">
-            <a:schemeClr val="accent1"/>
-          </a:lnRef>
-          <a:fillRef idx="0">
-            <a:schemeClr val="accent1"/>
-          </a:fillRef>
-          <a:effectRef idx="0">
-            <a:schemeClr val="accent1"/>
-          </a:effectRef>
-          <a:fontRef idx="minor">
-            <a:schemeClr val="tx1"/>
-          </a:fontRef>
-        </p:style>
-        <p:txBody>
-          <a:bodyPr rtlCol="0" anchor="ctr"/>
-          <a:lstStyle/>
-          <a:p>
-            <a:pPr algn="ctr"/>
-            <a:endParaRPr lang="en-CA"/>
-          </a:p>
-        </p:txBody>
-      </p:sp>
-      <p:sp>
-        <p:nvSpPr>
-          <p:cNvPr id="44" name="TextBox 43"/>
-          <p:cNvSpPr txBox="1"/>
-          <p:nvPr/>
-        </p:nvSpPr>
-        <p:spPr>
-          <a:xfrm>
-            <a:off x="642910" y="1357298"/>
-            <a:ext cx="1007905" cy="584775"/>
-          </a:xfrm>
-          <a:prstGeom prst="rect">
-            <a:avLst/>
-          </a:prstGeom>
-          <a:noFill/>
-        </p:spPr>
-        <p:txBody>
-          <a:bodyPr wrap="none" rtlCol="0">
-            <a:spAutoFit/>
-          </a:bodyPr>
-          <a:lstStyle/>
-          <a:p>
-            <a:pPr algn="ctr"/>
-            <a:r>
-              <a:rPr lang="en-CA" sz="1600" dirty="0" smtClean="0">
-                <a:solidFill>
-                  <a:schemeClr val="tx2"/>
-                </a:solidFill>
-              </a:rPr>
-              <a:t>prior </a:t>
-            </a:r>
-          </a:p>
-          <a:p>
-            <a:pPr algn="ctr"/>
-            <a:r>
-              <a:rPr lang="en-CA" sz="1600" dirty="0" smtClean="0">
-                <a:solidFill>
-                  <a:schemeClr val="tx2"/>
-                </a:solidFill>
-              </a:rPr>
-              <a:t>version of</a:t>
-            </a:r>
-            <a:endParaRPr lang="en-CA" sz="1600" dirty="0">
-              <a:solidFill>
-                <a:schemeClr val="tx2"/>
-              </a:solidFill>
-            </a:endParaRPr>
-          </a:p>
-        </p:txBody>
-      </p:sp>
-      <p:cxnSp>
-        <p:nvCxnSpPr>
-          <p:cNvPr id="22" name="Straight Arrow Connector 21"/>
-          <p:cNvCxnSpPr>
-            <a:stCxn id="38" idx="1"/>
-            <a:endCxn id="2" idx="3"/>
-          </p:cNvCxnSpPr>
-          <p:nvPr/>
-        </p:nvCxnSpPr>
-        <p:spPr>
-          <a:xfrm rot="10800000">
-            <a:off x="3140224" y="3042162"/>
-            <a:ext cx="2289032" cy="357190"/>
-          </a:xfrm>
-          <a:prstGeom prst="straightConnector1">
-            <a:avLst/>
-          </a:prstGeom>
-          <a:ln>
-            <a:tailEnd type="arrow"/>
-          </a:ln>
-        </p:spPr>
-        <p:style>
-          <a:lnRef idx="1">
-            <a:schemeClr val="accent1"/>
-          </a:lnRef>
-          <a:fillRef idx="0">
-            <a:schemeClr val="accent1"/>
-          </a:fillRef>
-          <a:effectRef idx="0">
-            <a:schemeClr val="accent1"/>
-          </a:effectRef>
-          <a:fontRef idx="minor">
-            <a:schemeClr val="tx1"/>
-          </a:fontRef>
-        </p:style>
-      </p:cxnSp>
-      <p:sp>
-        <p:nvSpPr>
-          <p:cNvPr id="23" name="TextBox 22"/>
-          <p:cNvSpPr txBox="1"/>
-          <p:nvPr/>
-        </p:nvSpPr>
-        <p:spPr>
-          <a:xfrm>
-            <a:off x="4357686" y="2714620"/>
-            <a:ext cx="1083951" cy="338554"/>
-          </a:xfrm>
-          <a:prstGeom prst="rect">
-            <a:avLst/>
-          </a:prstGeom>
-          <a:noFill/>
-        </p:spPr>
-        <p:txBody>
-          <a:bodyPr wrap="none" rtlCol="0">
-            <a:spAutoFit/>
-          </a:bodyPr>
-          <a:lstStyle/>
-          <a:p>
-            <a:r>
-              <a:rPr lang="en-CA" sz="1600" i="1" dirty="0" smtClean="0">
-                <a:solidFill>
-                  <a:schemeClr val="tx2"/>
-                </a:solidFill>
-              </a:rPr>
-              <a:t>has output</a:t>
-            </a:r>
-          </a:p>
-        </p:txBody>
-      </p:sp>
-      <p:cxnSp>
-        <p:nvCxnSpPr>
-          <p:cNvPr id="24" name="Straight Arrow Connector 23"/>
-          <p:cNvCxnSpPr>
-            <a:stCxn id="37" idx="1"/>
-            <a:endCxn id="2" idx="3"/>
-          </p:cNvCxnSpPr>
-          <p:nvPr/>
-        </p:nvCxnSpPr>
-        <p:spPr>
-          <a:xfrm rot="10800000" flipV="1">
-            <a:off x="3140224" y="2399220"/>
-            <a:ext cx="2360470" cy="642942"/>
-          </a:xfrm>
-          <a:prstGeom prst="straightConnector1">
-            <a:avLst/>
-          </a:prstGeom>
-          <a:ln>
-            <a:tailEnd type="arrow"/>
-          </a:ln>
-        </p:spPr>
-        <p:style>
-          <a:lnRef idx="1">
-            <a:schemeClr val="accent1"/>
-          </a:lnRef>
-          <a:fillRef idx="0">
-            <a:schemeClr val="accent1"/>
-          </a:fillRef>
-          <a:effectRef idx="0">
-            <a:schemeClr val="accent1"/>
-          </a:effectRef>
-          <a:fontRef idx="minor">
-            <a:schemeClr val="tx1"/>
-          </a:fontRef>
-        </p:style>
-      </p:cxnSp>
-      <p:sp>
-        <p:nvSpPr>
-          <p:cNvPr id="34" name="TextBox 33"/>
-          <p:cNvSpPr txBox="1"/>
-          <p:nvPr/>
-        </p:nvSpPr>
-        <p:spPr>
-          <a:xfrm>
-            <a:off x="3214678" y="928670"/>
-            <a:ext cx="2157194" cy="646331"/>
-          </a:xfrm>
-          <a:prstGeom prst="rect">
-            <a:avLst/>
-          </a:prstGeom>
-          <a:noFill/>
-        </p:spPr>
-        <p:txBody>
-          <a:bodyPr wrap="none" rtlCol="0">
-            <a:spAutoFit/>
-          </a:bodyPr>
-          <a:lstStyle/>
-          <a:p>
-            <a:r>
-              <a:rPr lang="en-CA" dirty="0" smtClean="0">
-                <a:solidFill>
-                  <a:schemeClr val="tx1">
-                    <a:lumMod val="50000"/>
-                    <a:lumOff val="50000"/>
-                  </a:schemeClr>
-                </a:solidFill>
-              </a:rPr>
-              <a:t>directive information</a:t>
-            </a:r>
-          </a:p>
-          <a:p>
-            <a:pPr algn="ctr"/>
-            <a:r>
-              <a:rPr lang="en-CA" dirty="0" smtClean="0">
-                <a:solidFill>
-                  <a:schemeClr val="tx1">
-                    <a:lumMod val="50000"/>
-                    <a:lumOff val="50000"/>
-                  </a:schemeClr>
-                </a:solidFill>
-              </a:rPr>
-              <a:t>entity</a:t>
-            </a:r>
-          </a:p>
-        </p:txBody>
-      </p:sp>
-      <p:sp>
-        <p:nvSpPr>
-          <p:cNvPr id="35" name="Freeform 34"/>
-          <p:cNvSpPr/>
-          <p:nvPr/>
-        </p:nvSpPr>
-        <p:spPr>
-          <a:xfrm rot="13796189">
-            <a:off x="6110810" y="1928802"/>
-            <a:ext cx="849086" cy="468085"/>
-          </a:xfrm>
-          <a:custGeom>
-            <a:avLst/>
-            <a:gdLst>
-              <a:gd name="connsiteX0" fmla="*/ 544286 w 849086"/>
-              <a:gd name="connsiteY0" fmla="*/ 16328 h 468085"/>
-              <a:gd name="connsiteX1" fmla="*/ 805543 w 849086"/>
-              <a:gd name="connsiteY1" fmla="*/ 70757 h 468085"/>
-              <a:gd name="connsiteX2" fmla="*/ 283029 w 849086"/>
-              <a:gd name="connsiteY2" fmla="*/ 440871 h 468085"/>
-              <a:gd name="connsiteX3" fmla="*/ 54429 w 849086"/>
-              <a:gd name="connsiteY3" fmla="*/ 234042 h 468085"/>
-              <a:gd name="connsiteX4" fmla="*/ 0 w 849086"/>
-              <a:gd name="connsiteY4" fmla="*/ 179614 h 468085"/>
-            </a:gdLst>
-            <a:ahLst/>
-            <a:cxnLst>
-              <a:cxn ang="0">
-                <a:pos x="connsiteX0" y="connsiteY0"/>
-              </a:cxn>
-              <a:cxn ang="0">
-                <a:pos x="connsiteX1" y="connsiteY1"/>
-              </a:cxn>
-              <a:cxn ang="0">
-                <a:pos x="connsiteX2" y="connsiteY2"/>
-              </a:cxn>
-              <a:cxn ang="0">
-                <a:pos x="connsiteX3" y="connsiteY3"/>
-              </a:cxn>
-              <a:cxn ang="0">
-                <a:pos x="connsiteX4" y="connsiteY4"/>
-              </a:cxn>
-            </a:cxnLst>
-            <a:rect l="l" t="t" r="r" b="b"/>
-            <a:pathLst>
-              <a:path w="849086" h="468085">
-                <a:moveTo>
-                  <a:pt x="544286" y="16328"/>
-                </a:moveTo>
-                <a:cubicBezTo>
-                  <a:pt x="696686" y="8164"/>
-                  <a:pt x="849086" y="0"/>
-                  <a:pt x="805543" y="70757"/>
-                </a:cubicBezTo>
-                <a:cubicBezTo>
-                  <a:pt x="762000" y="141514"/>
-                  <a:pt x="408215" y="413657"/>
-                  <a:pt x="283029" y="440871"/>
-                </a:cubicBezTo>
-                <a:cubicBezTo>
-                  <a:pt x="157843" y="468085"/>
-                  <a:pt x="101600" y="277585"/>
-                  <a:pt x="54429" y="234042"/>
-                </a:cubicBezTo>
-                <a:cubicBezTo>
-                  <a:pt x="7258" y="190499"/>
-                  <a:pt x="3629" y="185056"/>
-                  <a:pt x="0" y="179614"/>
-                </a:cubicBezTo>
-              </a:path>
-            </a:pathLst>
-          </a:custGeom>
-        </p:spPr>
-        <p:style>
-          <a:lnRef idx="1">
-            <a:schemeClr val="accent1"/>
-          </a:lnRef>
-          <a:fillRef idx="0">
-            <a:schemeClr val="accent1"/>
-          </a:fillRef>
-          <a:effectRef idx="0">
-            <a:schemeClr val="accent1"/>
-          </a:effectRef>
-          <a:fontRef idx="minor">
-            <a:schemeClr val="tx1"/>
-          </a:fontRef>
-        </p:style>
-        <p:txBody>
-          <a:bodyPr rtlCol="0" anchor="ctr"/>
-          <a:lstStyle/>
-          <a:p>
-            <a:pPr algn="ctr"/>
-            <a:endParaRPr lang="en-CA"/>
-          </a:p>
-        </p:txBody>
-      </p:sp>
-      <p:sp>
-        <p:nvSpPr>
-          <p:cNvPr id="36" name="TextBox 35"/>
-          <p:cNvSpPr txBox="1"/>
-          <p:nvPr/>
-        </p:nvSpPr>
-        <p:spPr>
-          <a:xfrm>
-            <a:off x="6643702" y="1571612"/>
-            <a:ext cx="1007905" cy="584775"/>
-          </a:xfrm>
-          <a:prstGeom prst="rect">
-            <a:avLst/>
-          </a:prstGeom>
-          <a:noFill/>
-        </p:spPr>
-        <p:txBody>
-          <a:bodyPr wrap="none" rtlCol="0">
-            <a:spAutoFit/>
-          </a:bodyPr>
-          <a:lstStyle/>
-          <a:p>
-            <a:pPr algn="ctr"/>
-            <a:r>
-              <a:rPr lang="en-CA" sz="1600" dirty="0" smtClean="0">
-                <a:solidFill>
-                  <a:schemeClr val="tx2"/>
-                </a:solidFill>
-              </a:rPr>
-              <a:t>prior </a:t>
-            </a:r>
-          </a:p>
-          <a:p>
-            <a:pPr algn="ctr"/>
-            <a:r>
-              <a:rPr lang="en-CA" sz="1600" dirty="0" smtClean="0">
-                <a:solidFill>
-                  <a:schemeClr val="tx2"/>
-                </a:solidFill>
-              </a:rPr>
-              <a:t>version of</a:t>
-            </a:r>
-            <a:endParaRPr lang="en-CA" sz="1600" dirty="0">
-              <a:solidFill>
-                <a:schemeClr val="tx2"/>
-              </a:solidFill>
-            </a:endParaRPr>
-          </a:p>
-        </p:txBody>
-      </p:sp>
-      <p:cxnSp>
-        <p:nvCxnSpPr>
-          <p:cNvPr id="45" name="Straight Arrow Connector 44"/>
-          <p:cNvCxnSpPr>
-            <a:stCxn id="31" idx="0"/>
-            <a:endCxn id="34" idx="1"/>
-          </p:cNvCxnSpPr>
-          <p:nvPr/>
-        </p:nvCxnSpPr>
-        <p:spPr>
-          <a:xfrm rot="5400000" flipH="1" flipV="1">
-            <a:off x="2717040" y="1145412"/>
-            <a:ext cx="391214" cy="604062"/>
-          </a:xfrm>
-          <a:prstGeom prst="straightConnector1">
-            <a:avLst/>
-          </a:prstGeom>
-          <a:ln>
-            <a:prstDash val="sysDash"/>
             <a:tailEnd type="arrow"/>
           </a:ln>
         </p:spPr>
@@ -4235,23 +3439,90 @@
       </p:cxnSp>
       <p:cxnSp>
         <p:nvCxnSpPr>
-          <p:cNvPr id="48" name="Straight Arrow Connector 47"/>
-          <p:cNvCxnSpPr>
-            <a:stCxn id="37" idx="0"/>
-            <a:endCxn id="34" idx="3"/>
-          </p:cNvCxnSpPr>
+          <p:cNvPr id="68" name="Straight Arrow Connector 67"/>
+          <p:cNvCxnSpPr/>
           <p:nvPr/>
         </p:nvCxnSpPr>
         <p:spPr>
-          <a:xfrm rot="16200000" flipV="1">
-            <a:off x="5207285" y="1416423"/>
-            <a:ext cx="962718" cy="633544"/>
+          <a:xfrm rot="5400000">
+            <a:off x="2052514" y="2708126"/>
+            <a:ext cx="576064" cy="1588"/>
           </a:xfrm>
           <a:prstGeom prst="straightConnector1">
             <a:avLst/>
           </a:prstGeom>
           <a:ln>
-            <a:prstDash val="sysDash"/>
+            <a:tailEnd type="arrow"/>
+          </a:ln>
+        </p:spPr>
+        <p:style>
+          <a:lnRef idx="1">
+            <a:schemeClr val="accent1"/>
+          </a:lnRef>
+          <a:fillRef idx="0">
+            <a:schemeClr val="accent1"/>
+          </a:fillRef>
+          <a:effectRef idx="0">
+            <a:schemeClr val="accent1"/>
+          </a:effectRef>
+          <a:fontRef idx="minor">
+            <a:schemeClr val="tx1"/>
+          </a:fontRef>
+        </p:style>
+      </p:cxnSp>
+      <p:cxnSp>
+        <p:nvCxnSpPr>
+          <p:cNvPr id="69" name="Straight Arrow Connector 68"/>
+          <p:cNvCxnSpPr/>
+          <p:nvPr/>
+        </p:nvCxnSpPr>
+        <p:spPr>
+          <a:xfrm rot="5400000">
+            <a:off x="2050926" y="4076278"/>
+            <a:ext cx="576064" cy="1588"/>
+          </a:xfrm>
+          <a:prstGeom prst="straightConnector1">
+            <a:avLst/>
+          </a:prstGeom>
+          <a:ln>
+            <a:tailEnd type="arrow"/>
+          </a:ln>
+        </p:spPr>
+        <p:style>
+          <a:lnRef idx="1">
+            <a:schemeClr val="accent1"/>
+          </a:lnRef>
+          <a:fillRef idx="0">
+            <a:schemeClr val="accent1"/>
+          </a:fillRef>
+          <a:effectRef idx="0">
+            <a:schemeClr val="accent1"/>
+          </a:effectRef>
+          <a:fontRef idx="minor">
+            <a:schemeClr val="tx1"/>
+          </a:fontRef>
+        </p:style>
+      </p:cxnSp>
+      <p:cxnSp>
+        <p:nvCxnSpPr>
+          <p:cNvPr id="17" name="Elbow Connector 16"/>
+          <p:cNvCxnSpPr>
+            <a:stCxn id="4" idx="1"/>
+            <a:endCxn id="18" idx="1"/>
+          </p:cNvCxnSpPr>
+          <p:nvPr/>
+        </p:nvCxnSpPr>
+        <p:spPr>
+          <a:xfrm rot="10800000">
+            <a:off x="1691680" y="3392126"/>
+            <a:ext cx="216024" cy="1368152"/>
+          </a:xfrm>
+          <a:prstGeom prst="bentConnector3">
+            <a:avLst>
+              <a:gd name="adj1" fmla="val 161265"/>
+            </a:avLst>
+          </a:prstGeom>
+          <a:ln>
             <a:tailEnd type="arrow"/>
           </a:ln>
         </p:spPr>
@@ -4297,14 +3568,14 @@
       </p:grpSpPr>
       <p:sp>
         <p:nvSpPr>
-          <p:cNvPr id="4" name="TextBox 3"/>
+          <p:cNvPr id="2" name="TextBox 1"/>
           <p:cNvSpPr txBox="1"/>
           <p:nvPr/>
         </p:nvSpPr>
         <p:spPr>
           <a:xfrm>
-            <a:off x="7429520" y="1142984"/>
-            <a:ext cx="920252" cy="338554"/>
+            <a:off x="3347864" y="2852936"/>
+            <a:ext cx="1009444" cy="369332"/>
           </a:xfrm>
           <a:prstGeom prst="rect">
             <a:avLst/>
@@ -4318,23 +3589,23 @@
           <a:lstStyle/>
           <a:p>
             <a:r>
-              <a:rPr lang="en-CA" sz="1600" dirty="0" smtClean="0"/>
+              <a:rPr lang="en-CA" dirty="0" smtClean="0"/>
               <a:t>software</a:t>
             </a:r>
-            <a:endParaRPr lang="en-CA" sz="1600" dirty="0"/>
-          </a:p>
-        </p:txBody>
-      </p:sp>
-      <p:sp>
-        <p:nvSpPr>
-          <p:cNvPr id="6" name="TextBox 5"/>
+            <a:endParaRPr lang="en-CA" dirty="0"/>
+          </a:p>
+        </p:txBody>
+      </p:sp>
+      <p:sp>
+        <p:nvSpPr>
+          <p:cNvPr id="3" name="TextBox 2"/>
           <p:cNvSpPr txBox="1"/>
           <p:nvPr/>
         </p:nvSpPr>
         <p:spPr>
           <a:xfrm>
-            <a:off x="5286380" y="2428868"/>
-            <a:ext cx="2299284" cy="584775"/>
+            <a:off x="3347864" y="1772816"/>
+            <a:ext cx="1093569" cy="369332"/>
           </a:xfrm>
           <a:prstGeom prst="rect">
             <a:avLst/>
@@ -4348,30 +3619,23 @@
           <a:lstStyle/>
           <a:p>
             <a:r>
-              <a:rPr lang="en-CA" sz="1600" dirty="0" smtClean="0"/>
-              <a:t>parameterized execution </a:t>
-            </a:r>
-          </a:p>
-          <a:p>
-            <a:pPr algn="ctr"/>
-            <a:r>
-              <a:rPr lang="en-CA" sz="1600" dirty="0" smtClean="0"/>
-              <a:t>of software</a:t>
-            </a:r>
-            <a:endParaRPr lang="en-CA" sz="1600" dirty="0"/>
-          </a:p>
-        </p:txBody>
-      </p:sp>
-      <p:sp>
-        <p:nvSpPr>
-          <p:cNvPr id="7" name="TextBox 6"/>
+              <a:rPr lang="en-CA" dirty="0" smtClean="0"/>
+              <a:t>algorithm</a:t>
+            </a:r>
+            <a:endParaRPr lang="en-CA" dirty="0"/>
+          </a:p>
+        </p:txBody>
+      </p:sp>
+      <p:sp>
+        <p:nvSpPr>
+          <p:cNvPr id="4" name="TextBox 3"/>
           <p:cNvSpPr txBox="1"/>
           <p:nvPr/>
         </p:nvSpPr>
         <p:spPr>
           <a:xfrm>
-            <a:off x="6500826" y="1142984"/>
-            <a:ext cx="1062022" cy="338554"/>
+            <a:off x="4283968" y="1650286"/>
+            <a:ext cx="1345818" cy="338554"/>
           </a:xfrm>
           <a:prstGeom prst="rect">
             <a:avLst/>
@@ -4385,23 +3649,31 @@
           <a:lstStyle/>
           <a:p>
             <a:r>
-              <a:rPr lang="en-CA" sz="1600" dirty="0" smtClean="0"/>
-              <a:t>parameter</a:t>
-            </a:r>
-            <a:endParaRPr lang="en-CA" sz="1600" dirty="0"/>
-          </a:p>
-        </p:txBody>
-      </p:sp>
-      <p:sp>
-        <p:nvSpPr>
-          <p:cNvPr id="8" name="TextBox 7"/>
+              <a:rPr lang="en-CA" sz="1600" dirty="0" smtClean="0">
+                <a:solidFill>
+                  <a:schemeClr val="tx2"/>
+                </a:solidFill>
+              </a:rPr>
+              <a:t>is specified by</a:t>
+            </a:r>
+            <a:endParaRPr lang="en-CA" sz="1600" dirty="0">
+              <a:solidFill>
+                <a:schemeClr val="tx2"/>
+              </a:solidFill>
+            </a:endParaRPr>
+          </a:p>
+        </p:txBody>
+      </p:sp>
+      <p:sp>
+        <p:nvSpPr>
+          <p:cNvPr id="5" name="TextBox 4"/>
           <p:cNvSpPr txBox="1"/>
           <p:nvPr/>
         </p:nvSpPr>
         <p:spPr>
           <a:xfrm>
-            <a:off x="6072198" y="1643050"/>
-            <a:ext cx="1168910" cy="523220"/>
+            <a:off x="1763688" y="3068960"/>
+            <a:ext cx="1083951" cy="338554"/>
           </a:xfrm>
           <a:prstGeom prst="rect">
             <a:avLst/>
@@ -4415,42 +3687,104 @@
           <a:lstStyle/>
           <a:p>
             <a:r>
-              <a:rPr lang="en-CA" sz="1400" dirty="0" smtClean="0">
+              <a:rPr lang="en-CA" sz="1600" dirty="0" smtClean="0">
                 <a:solidFill>
                   <a:schemeClr val="tx2"/>
                 </a:solidFill>
               </a:rPr>
-              <a:t>has specified </a:t>
-            </a:r>
-          </a:p>
+              <a:t>has output</a:t>
+            </a:r>
+          </a:p>
+        </p:txBody>
+      </p:sp>
+      <p:sp>
+        <p:nvSpPr>
+          <p:cNvPr id="6" name="TextBox 5"/>
+          <p:cNvSpPr txBox="1"/>
+          <p:nvPr/>
+        </p:nvSpPr>
+        <p:spPr>
+          <a:xfrm>
+            <a:off x="1907704" y="1476073"/>
+            <a:ext cx="1250663" cy="584775"/>
+          </a:xfrm>
+          <a:prstGeom prst="rect">
+            <a:avLst/>
+          </a:prstGeom>
+          <a:noFill/>
+        </p:spPr>
+        <p:txBody>
+          <a:bodyPr wrap="none" rtlCol="0">
+            <a:spAutoFit/>
+          </a:bodyPr>
+          <a:lstStyle/>
           <a:p>
             <a:pPr algn="ctr"/>
             <a:r>
-              <a:rPr lang="en-CA" sz="1400" dirty="0" smtClean="0">
+              <a:rPr lang="en-CA" sz="1600" i="1" dirty="0" smtClean="0">
                 <a:solidFill>
                   <a:schemeClr val="tx2"/>
                 </a:solidFill>
               </a:rPr>
-              <a:t>input</a:t>
-            </a:r>
-            <a:endParaRPr lang="en-CA" sz="1400" dirty="0">
-              <a:solidFill>
-                <a:schemeClr val="tx2"/>
-              </a:solidFill>
-            </a:endParaRPr>
-          </a:p>
-        </p:txBody>
-      </p:sp>
-      <p:sp>
-        <p:nvSpPr>
-          <p:cNvPr id="10" name="TextBox 9"/>
+              <a:t>has specified</a:t>
+            </a:r>
+          </a:p>
+          <a:p>
+            <a:pPr algn="ctr"/>
+            <a:r>
+              <a:rPr lang="en-CA" sz="1600" i="1" dirty="0" smtClean="0">
+                <a:solidFill>
+                  <a:schemeClr val="tx2"/>
+                </a:solidFill>
+              </a:rPr>
+              <a:t> output</a:t>
+            </a:r>
+          </a:p>
+        </p:txBody>
+      </p:sp>
+      <p:cxnSp>
+        <p:nvCxnSpPr>
+          <p:cNvPr id="7" name="Straight Arrow Connector 6"/>
+          <p:cNvCxnSpPr/>
+          <p:nvPr/>
+        </p:nvCxnSpPr>
+        <p:spPr>
+          <a:xfrm rot="16200000" flipV="1">
+            <a:off x="3492674" y="2564110"/>
+            <a:ext cx="720080" cy="1588"/>
+          </a:xfrm>
+          <a:prstGeom prst="straightConnector1">
+            <a:avLst/>
+          </a:prstGeom>
+          <a:ln>
+            <a:tailEnd type="arrow"/>
+          </a:ln>
+        </p:spPr>
+        <p:style>
+          <a:lnRef idx="1">
+            <a:schemeClr val="accent1"/>
+          </a:lnRef>
+          <a:fillRef idx="0">
+            <a:schemeClr val="accent1"/>
+          </a:fillRef>
+          <a:effectRef idx="0">
+            <a:schemeClr val="accent1"/>
+          </a:effectRef>
+          <a:fontRef idx="minor">
+            <a:schemeClr val="tx1"/>
+          </a:fontRef>
+        </p:style>
+      </p:cxnSp>
+      <p:sp>
+        <p:nvSpPr>
+          <p:cNvPr id="8" name="TextBox 7"/>
           <p:cNvSpPr txBox="1"/>
           <p:nvPr/>
         </p:nvSpPr>
         <p:spPr>
           <a:xfrm>
-            <a:off x="4000496" y="1714488"/>
-            <a:ext cx="1168910" cy="523220"/>
+            <a:off x="755576" y="1772816"/>
+            <a:ext cx="1139992" cy="369332"/>
           </a:xfrm>
           <a:prstGeom prst="rect">
             <a:avLst/>
@@ -4464,48 +3798,28 @@
           <a:lstStyle/>
           <a:p>
             <a:r>
-              <a:rPr lang="en-CA" sz="1400" dirty="0" smtClean="0">
-                <a:solidFill>
-                  <a:schemeClr val="tx2"/>
-                </a:solidFill>
-              </a:rPr>
-              <a:t>has specified </a:t>
-            </a:r>
-          </a:p>
-          <a:p>
-            <a:pPr algn="ctr"/>
-            <a:r>
-              <a:rPr lang="en-CA" sz="1400" dirty="0" smtClean="0">
-                <a:solidFill>
-                  <a:schemeClr val="tx2"/>
-                </a:solidFill>
-              </a:rPr>
-              <a:t>output</a:t>
-            </a:r>
-            <a:endParaRPr lang="en-CA" sz="1400" dirty="0">
-              <a:solidFill>
-                <a:schemeClr val="tx2"/>
-              </a:solidFill>
-            </a:endParaRPr>
+              <a:rPr lang="en-CA" dirty="0" smtClean="0"/>
+              <a:t>descriptor</a:t>
+            </a:r>
+            <a:endParaRPr lang="en-CA" dirty="0"/>
           </a:p>
         </p:txBody>
       </p:sp>
       <p:cxnSp>
         <p:nvCxnSpPr>
-          <p:cNvPr id="18" name="Straight Arrow Connector 17"/>
-          <p:cNvCxnSpPr>
-            <a:stCxn id="6" idx="0"/>
-            <a:endCxn id="7" idx="2"/>
-          </p:cNvCxnSpPr>
+          <p:cNvPr id="9" name="Shape 8"/>
+          <p:cNvCxnSpPr/>
           <p:nvPr/>
         </p:nvCxnSpPr>
         <p:spPr>
-          <a:xfrm rot="5400000" flipH="1" flipV="1">
-            <a:off x="6260264" y="1657296"/>
-            <a:ext cx="947330" cy="595815"/>
-          </a:xfrm>
-          <a:prstGeom prst="straightConnector1">
-            <a:avLst/>
+          <a:xfrm rot="10800000">
+            <a:off x="1979712" y="1988840"/>
+            <a:ext cx="1224136" cy="1588"/>
+          </a:xfrm>
+          <a:prstGeom prst="bentConnector3">
+            <a:avLst>
+              <a:gd name="adj1" fmla="val 50000"/>
+            </a:avLst>
           </a:prstGeom>
           <a:ln>
             <a:tailEnd type="arrow"/>
@@ -4528,17 +3842,126 @@
       </p:cxnSp>
       <p:cxnSp>
         <p:nvCxnSpPr>
-          <p:cNvPr id="19" name="Straight Arrow Connector 18"/>
+          <p:cNvPr id="10" name="Shape 9"/>
           <p:cNvCxnSpPr>
-            <a:stCxn id="6" idx="0"/>
-            <a:endCxn id="4" idx="2"/>
+            <a:stCxn id="2" idx="1"/>
+            <a:endCxn id="8" idx="2"/>
           </p:cNvCxnSpPr>
           <p:nvPr/>
         </p:nvCxnSpPr>
         <p:spPr>
-          <a:xfrm rot="5400000" flipH="1" flipV="1">
-            <a:off x="6689169" y="1228391"/>
-            <a:ext cx="947330" cy="1453624"/>
+          <a:xfrm rot="10800000">
+            <a:off x="1325572" y="2142148"/>
+            <a:ext cx="2022292" cy="895454"/>
+          </a:xfrm>
+          <a:prstGeom prst="bentConnector2">
+            <a:avLst/>
+          </a:prstGeom>
+          <a:ln>
+            <a:tailEnd type="arrow"/>
+          </a:ln>
+        </p:spPr>
+        <p:style>
+          <a:lnRef idx="1">
+            <a:schemeClr val="accent1"/>
+          </a:lnRef>
+          <a:fillRef idx="0">
+            <a:schemeClr val="accent1"/>
+          </a:fillRef>
+          <a:effectRef idx="0">
+            <a:schemeClr val="accent1"/>
+          </a:effectRef>
+          <a:fontRef idx="minor">
+            <a:schemeClr val="tx1"/>
+          </a:fontRef>
+        </p:style>
+      </p:cxnSp>
+      <p:sp>
+        <p:nvSpPr>
+          <p:cNvPr id="31" name="TextBox 30"/>
+          <p:cNvSpPr txBox="1"/>
+          <p:nvPr/>
+        </p:nvSpPr>
+        <p:spPr>
+          <a:xfrm>
+            <a:off x="5364088" y="1628800"/>
+            <a:ext cx="1591077" cy="646331"/>
+          </a:xfrm>
+          <a:prstGeom prst="rect">
+            <a:avLst/>
+          </a:prstGeom>
+          <a:noFill/>
+        </p:spPr>
+        <p:txBody>
+          <a:bodyPr wrap="none" rtlCol="0">
+            <a:spAutoFit/>
+          </a:bodyPr>
+          <a:lstStyle/>
+          <a:p>
+            <a:pPr algn="ctr"/>
+            <a:r>
+              <a:rPr lang="en-CA" dirty="0" smtClean="0"/>
+              <a:t>data</a:t>
+            </a:r>
+          </a:p>
+          <a:p>
+            <a:pPr algn="ctr"/>
+            <a:r>
+              <a:rPr lang="en-CA" dirty="0" smtClean="0"/>
+              <a:t>transformation</a:t>
+            </a:r>
+            <a:endParaRPr lang="en-CA" dirty="0"/>
+          </a:p>
+        </p:txBody>
+      </p:sp>
+      <p:sp>
+        <p:nvSpPr>
+          <p:cNvPr id="32" name="TextBox 31"/>
+          <p:cNvSpPr txBox="1"/>
+          <p:nvPr/>
+        </p:nvSpPr>
+        <p:spPr>
+          <a:xfrm>
+            <a:off x="2555776" y="2420888"/>
+            <a:ext cx="1345818" cy="338554"/>
+          </a:xfrm>
+          <a:prstGeom prst="rect">
+            <a:avLst/>
+          </a:prstGeom>
+          <a:noFill/>
+        </p:spPr>
+        <p:txBody>
+          <a:bodyPr wrap="none" rtlCol="0">
+            <a:spAutoFit/>
+          </a:bodyPr>
+          <a:lstStyle/>
+          <a:p>
+            <a:r>
+              <a:rPr lang="en-CA" sz="1600" dirty="0" smtClean="0">
+                <a:solidFill>
+                  <a:schemeClr val="tx2"/>
+                </a:solidFill>
+              </a:rPr>
+              <a:t>is specified by</a:t>
+            </a:r>
+            <a:endParaRPr lang="en-CA" sz="1600" dirty="0">
+              <a:solidFill>
+                <a:schemeClr val="tx2"/>
+              </a:solidFill>
+            </a:endParaRPr>
+          </a:p>
+        </p:txBody>
+      </p:sp>
+      <p:cxnSp>
+        <p:nvCxnSpPr>
+          <p:cNvPr id="22" name="Straight Arrow Connector 21"/>
+          <p:cNvCxnSpPr/>
+          <p:nvPr/>
+        </p:nvCxnSpPr>
+        <p:spPr>
+          <a:xfrm rot="10800000">
+            <a:off x="4499992" y="1988840"/>
+            <a:ext cx="864096" cy="1588"/>
           </a:xfrm>
           <a:prstGeom prst="straightConnector1">
             <a:avLst/>
@@ -4564,312 +3987,22 @@
       </p:cxnSp>
       <p:cxnSp>
         <p:nvCxnSpPr>
-          <p:cNvPr id="22" name="Straight Arrow Connector 21"/>
+          <p:cNvPr id="29" name="Elbow Connector 28"/>
           <p:cNvCxnSpPr>
-            <a:stCxn id="6" idx="0"/>
+            <a:stCxn id="31" idx="2"/>
+            <a:endCxn id="8" idx="2"/>
           </p:cNvCxnSpPr>
           <p:nvPr/>
         </p:nvCxnSpPr>
         <p:spPr>
-          <a:xfrm rot="16200000" flipV="1">
-            <a:off x="5075383" y="1068229"/>
-            <a:ext cx="1000132" cy="1721146"/>
-          </a:xfrm>
-          <a:prstGeom prst="straightConnector1">
-            <a:avLst/>
-          </a:prstGeom>
-          <a:ln>
-            <a:tailEnd type="arrow"/>
-          </a:ln>
-        </p:spPr>
-        <p:style>
-          <a:lnRef idx="1">
-            <a:schemeClr val="accent1"/>
-          </a:lnRef>
-          <a:fillRef idx="0">
-            <a:schemeClr val="accent1"/>
-          </a:fillRef>
-          <a:effectRef idx="0">
-            <a:schemeClr val="accent1"/>
-          </a:effectRef>
-          <a:fontRef idx="minor">
-            <a:schemeClr val="tx1"/>
-          </a:fontRef>
-        </p:style>
-      </p:cxnSp>
-      <p:sp>
-        <p:nvSpPr>
-          <p:cNvPr id="15" name="TextBox 14"/>
-          <p:cNvSpPr txBox="1"/>
-          <p:nvPr/>
-        </p:nvSpPr>
-        <p:spPr>
-          <a:xfrm>
-            <a:off x="4071934" y="1000108"/>
-            <a:ext cx="1034579" cy="338554"/>
-          </a:xfrm>
-          <a:prstGeom prst="rect">
-            <a:avLst/>
-          </a:prstGeom>
-          <a:noFill/>
-        </p:spPr>
-        <p:txBody>
-          <a:bodyPr wrap="none" rtlCol="0">
-            <a:spAutoFit/>
-          </a:bodyPr>
-          <a:lstStyle/>
-          <a:p>
-            <a:r>
-              <a:rPr lang="en-CA" sz="1600" dirty="0" smtClean="0">
-                <a:solidFill>
-                  <a:schemeClr val="accent2">
-                    <a:lumMod val="75000"/>
-                  </a:schemeClr>
-                </a:solidFill>
-              </a:rPr>
-              <a:t>descriptor</a:t>
-            </a:r>
-            <a:endParaRPr lang="en-CA" sz="1600" dirty="0">
-              <a:solidFill>
-                <a:schemeClr val="accent2">
-                  <a:lumMod val="75000"/>
-                </a:schemeClr>
-              </a:solidFill>
-            </a:endParaRPr>
-          </a:p>
-        </p:txBody>
-      </p:sp>
-      <p:cxnSp>
-        <p:nvCxnSpPr>
-          <p:cNvPr id="45" name="Straight Arrow Connector 44"/>
-          <p:cNvCxnSpPr>
-            <a:stCxn id="6" idx="0"/>
-            <a:endCxn id="52" idx="2"/>
-          </p:cNvCxnSpPr>
-          <p:nvPr/>
-        </p:nvCxnSpPr>
-        <p:spPr>
-          <a:xfrm rot="16200000" flipV="1">
-            <a:off x="5739183" y="1732029"/>
-            <a:ext cx="947330" cy="446348"/>
-          </a:xfrm>
-          <a:prstGeom prst="straightConnector1">
-            <a:avLst/>
-          </a:prstGeom>
-          <a:ln>
-            <a:tailEnd type="arrow"/>
-          </a:ln>
-        </p:spPr>
-        <p:style>
-          <a:lnRef idx="1">
-            <a:schemeClr val="accent1"/>
-          </a:lnRef>
-          <a:fillRef idx="0">
-            <a:schemeClr val="accent1"/>
-          </a:fillRef>
-          <a:effectRef idx="0">
-            <a:schemeClr val="accent1"/>
-          </a:effectRef>
-          <a:fontRef idx="minor">
-            <a:schemeClr val="tx1"/>
-          </a:fontRef>
-        </p:style>
-      </p:cxnSp>
-      <p:sp>
-        <p:nvSpPr>
-          <p:cNvPr id="52" name="TextBox 51"/>
-          <p:cNvSpPr txBox="1"/>
-          <p:nvPr/>
-        </p:nvSpPr>
-        <p:spPr>
-          <a:xfrm>
-            <a:off x="5500694" y="1142984"/>
-            <a:ext cx="977960" cy="338554"/>
-          </a:xfrm>
-          <a:prstGeom prst="rect">
-            <a:avLst/>
-          </a:prstGeom>
-          <a:noFill/>
-        </p:spPr>
-        <p:txBody>
-          <a:bodyPr wrap="none" rtlCol="0">
-            <a:spAutoFit/>
-          </a:bodyPr>
-          <a:lstStyle/>
-          <a:p>
-            <a:r>
-              <a:rPr lang="en-CA" sz="1600" dirty="0" smtClean="0">
-                <a:solidFill>
-                  <a:schemeClr val="tx1">
-                    <a:lumMod val="50000"/>
-                    <a:lumOff val="50000"/>
-                  </a:schemeClr>
-                </a:solidFill>
-              </a:rPr>
-              <a:t>data item</a:t>
-            </a:r>
-            <a:endParaRPr lang="en-CA" sz="1600" dirty="0">
-              <a:solidFill>
-                <a:schemeClr val="tx1">
-                  <a:lumMod val="50000"/>
-                  <a:lumOff val="50000"/>
-                </a:schemeClr>
-              </a:solidFill>
-            </a:endParaRPr>
-          </a:p>
-        </p:txBody>
-      </p:sp>
-      <p:sp>
-        <p:nvSpPr>
-          <p:cNvPr id="44" name="Title 43"/>
-          <p:cNvSpPr>
-            <a:spLocks noGrp="1"/>
-          </p:cNvSpPr>
-          <p:nvPr>
-            <p:ph type="title"/>
-          </p:nvPr>
-        </p:nvSpPr>
-        <p:spPr>
-          <a:xfrm>
-            <a:off x="500034" y="0"/>
-            <a:ext cx="8229600" cy="642918"/>
-          </a:xfrm>
-        </p:spPr>
-        <p:txBody>
-          <a:bodyPr>
-            <a:normAutofit fontScale="90000"/>
-          </a:bodyPr>
-          <a:lstStyle/>
-          <a:p>
-            <a:r>
-              <a:rPr lang="en-US" dirty="0" smtClean="0"/>
-              <a:t>Observed </a:t>
-            </a:r>
-            <a:r>
-              <a:rPr lang="en-US" dirty="0" err="1" smtClean="0"/>
-              <a:t>vs</a:t>
-            </a:r>
-            <a:r>
-              <a:rPr lang="en-US" dirty="0" smtClean="0"/>
-              <a:t> Calculated Descriptors</a:t>
-            </a:r>
-            <a:endParaRPr lang="en-US" dirty="0"/>
-          </a:p>
-        </p:txBody>
-      </p:sp>
-      <p:sp>
-        <p:nvSpPr>
-          <p:cNvPr id="54" name="TextBox 53"/>
-          <p:cNvSpPr txBox="1"/>
-          <p:nvPr/>
-        </p:nvSpPr>
-        <p:spPr>
-          <a:xfrm>
-            <a:off x="2643174" y="1428736"/>
-            <a:ext cx="1105367" cy="338554"/>
-          </a:xfrm>
-          <a:prstGeom prst="rect">
-            <a:avLst/>
-          </a:prstGeom>
-          <a:noFill/>
-        </p:spPr>
-        <p:txBody>
-          <a:bodyPr wrap="none" rtlCol="0">
-            <a:spAutoFit/>
-          </a:bodyPr>
-          <a:lstStyle/>
-          <a:p>
-            <a:r>
-              <a:rPr lang="en-CA" sz="1600" dirty="0" smtClean="0"/>
-              <a:t>instrument</a:t>
-            </a:r>
-            <a:endParaRPr lang="en-CA" sz="1600" dirty="0"/>
-          </a:p>
-        </p:txBody>
-      </p:sp>
-      <p:sp>
-        <p:nvSpPr>
-          <p:cNvPr id="55" name="TextBox 54"/>
-          <p:cNvSpPr txBox="1"/>
-          <p:nvPr/>
-        </p:nvSpPr>
-        <p:spPr>
-          <a:xfrm>
-            <a:off x="714348" y="2571744"/>
-            <a:ext cx="2041008" cy="338554"/>
-          </a:xfrm>
-          <a:prstGeom prst="rect">
-            <a:avLst/>
-          </a:prstGeom>
-          <a:noFill/>
-        </p:spPr>
-        <p:txBody>
-          <a:bodyPr wrap="none" rtlCol="0">
-            <a:spAutoFit/>
-          </a:bodyPr>
-          <a:lstStyle/>
-          <a:p>
-            <a:r>
-              <a:rPr lang="en-CA" sz="1600" dirty="0" smtClean="0"/>
-              <a:t>Measurement process</a:t>
-            </a:r>
-            <a:endParaRPr lang="en-CA" sz="1600" dirty="0"/>
-          </a:p>
-        </p:txBody>
-      </p:sp>
-      <p:sp>
-        <p:nvSpPr>
-          <p:cNvPr id="60" name="TextBox 59"/>
-          <p:cNvSpPr txBox="1"/>
-          <p:nvPr/>
-        </p:nvSpPr>
-        <p:spPr>
-          <a:xfrm>
-            <a:off x="1928794" y="2214554"/>
-            <a:ext cx="1314719" cy="307777"/>
-          </a:xfrm>
-          <a:prstGeom prst="rect">
-            <a:avLst/>
-          </a:prstGeom>
-          <a:noFill/>
-        </p:spPr>
-        <p:txBody>
-          <a:bodyPr wrap="none" rtlCol="0">
-            <a:spAutoFit/>
-          </a:bodyPr>
-          <a:lstStyle/>
-          <a:p>
-            <a:r>
-              <a:rPr lang="en-CA" sz="1400" dirty="0" smtClean="0">
-                <a:solidFill>
-                  <a:schemeClr val="tx2"/>
-                </a:solidFill>
-              </a:rPr>
-              <a:t>has participant </a:t>
-            </a:r>
-            <a:endParaRPr lang="en-CA" sz="1400" dirty="0">
-              <a:solidFill>
-                <a:schemeClr val="tx2"/>
-              </a:solidFill>
-            </a:endParaRPr>
-          </a:p>
-        </p:txBody>
-      </p:sp>
-      <p:cxnSp>
-        <p:nvCxnSpPr>
-          <p:cNvPr id="62" name="Straight Arrow Connector 61"/>
-          <p:cNvCxnSpPr>
-            <a:stCxn id="55" idx="0"/>
-          </p:cNvCxnSpPr>
-          <p:nvPr/>
-        </p:nvCxnSpPr>
-        <p:spPr>
-          <a:xfrm rot="5400000" flipH="1" flipV="1">
-            <a:off x="2010418" y="1510362"/>
-            <a:ext cx="785817" cy="1336949"/>
-          </a:xfrm>
-          <a:prstGeom prst="straightConnector1">
-            <a:avLst/>
+          <a:xfrm rot="5400000" flipH="1">
+            <a:off x="3676108" y="-208387"/>
+            <a:ext cx="132983" cy="4834055"/>
+          </a:xfrm>
+          <a:prstGeom prst="bentConnector3">
+            <a:avLst>
+              <a:gd name="adj1" fmla="val -1076648"/>
+            </a:avLst>
           </a:prstGeom>
           <a:ln>
             <a:tailEnd type="arrow"/>
@@ -4892,14 +4025,713 @@
       </p:cxnSp>
       <p:cxnSp>
         <p:nvCxnSpPr>
-          <p:cNvPr id="63" name="Straight Arrow Connector 62"/>
+          <p:cNvPr id="36" name="Elbow Connector 35"/>
+          <p:cNvCxnSpPr>
+            <a:endCxn id="2" idx="3"/>
+          </p:cNvCxnSpPr>
+          <p:nvPr/>
+        </p:nvCxnSpPr>
+        <p:spPr>
+          <a:xfrm rot="10800000" flipV="1">
+            <a:off x="4357308" y="2348880"/>
+            <a:ext cx="1510836" cy="688722"/>
+          </a:xfrm>
+          <a:prstGeom prst="bentConnector3">
+            <a:avLst>
+              <a:gd name="adj1" fmla="val -1763"/>
+            </a:avLst>
+          </a:prstGeom>
+          <a:ln>
+            <a:tailEnd type="arrow"/>
+          </a:ln>
+        </p:spPr>
+        <p:style>
+          <a:lnRef idx="1">
+            <a:schemeClr val="accent1"/>
+          </a:lnRef>
+          <a:fillRef idx="0">
+            <a:schemeClr val="accent1"/>
+          </a:fillRef>
+          <a:effectRef idx="0">
+            <a:schemeClr val="accent1"/>
+          </a:effectRef>
+          <a:fontRef idx="minor">
+            <a:schemeClr val="tx1"/>
+          </a:fontRef>
+        </p:style>
+      </p:cxnSp>
+      <p:sp>
+        <p:nvSpPr>
+          <p:cNvPr id="42" name="TextBox 41"/>
+          <p:cNvSpPr txBox="1"/>
+          <p:nvPr/>
+        </p:nvSpPr>
+        <p:spPr>
+          <a:xfrm>
+            <a:off x="4716016" y="2636912"/>
+            <a:ext cx="985719" cy="338554"/>
+          </a:xfrm>
+          <a:prstGeom prst="rect">
+            <a:avLst/>
+          </a:prstGeom>
+          <a:noFill/>
+        </p:spPr>
+        <p:txBody>
+          <a:bodyPr wrap="none" rtlCol="0">
+            <a:spAutoFit/>
+          </a:bodyPr>
+          <a:lstStyle/>
+          <a:p>
+            <a:r>
+              <a:rPr lang="en-CA" sz="1600" dirty="0" smtClean="0">
+                <a:solidFill>
+                  <a:schemeClr val="tx2"/>
+                </a:solidFill>
+              </a:rPr>
+              <a:t>has agent</a:t>
+            </a:r>
+            <a:endParaRPr lang="en-CA" sz="1600" dirty="0">
+              <a:solidFill>
+                <a:schemeClr val="tx2"/>
+              </a:solidFill>
+            </a:endParaRPr>
+          </a:p>
+        </p:txBody>
+      </p:sp>
+      <p:sp>
+        <p:nvSpPr>
+          <p:cNvPr id="43" name="TextBox 42"/>
+          <p:cNvSpPr txBox="1"/>
+          <p:nvPr/>
+        </p:nvSpPr>
+        <p:spPr>
+          <a:xfrm>
+            <a:off x="3347864" y="3429000"/>
+            <a:ext cx="1083951" cy="338554"/>
+          </a:xfrm>
+          <a:prstGeom prst="rect">
+            <a:avLst/>
+          </a:prstGeom>
+          <a:noFill/>
+        </p:spPr>
+        <p:txBody>
+          <a:bodyPr wrap="none" rtlCol="0">
+            <a:spAutoFit/>
+          </a:bodyPr>
+          <a:lstStyle/>
+          <a:p>
+            <a:r>
+              <a:rPr lang="en-CA" sz="1600" dirty="0" smtClean="0">
+                <a:solidFill>
+                  <a:schemeClr val="tx2"/>
+                </a:solidFill>
+              </a:rPr>
+              <a:t>has output</a:t>
+            </a:r>
+          </a:p>
+        </p:txBody>
+      </p:sp>
+      <p:cxnSp>
+        <p:nvCxnSpPr>
+          <p:cNvPr id="52" name="Elbow Connector 51"/>
+          <p:cNvCxnSpPr>
+            <a:stCxn id="31" idx="0"/>
+            <a:endCxn id="56" idx="3"/>
+          </p:cNvCxnSpPr>
+          <p:nvPr/>
+        </p:nvCxnSpPr>
+        <p:spPr>
+          <a:xfrm rot="16200000" flipV="1">
+            <a:off x="4881882" y="351055"/>
+            <a:ext cx="823446" cy="1732044"/>
+          </a:xfrm>
+          <a:prstGeom prst="bentConnector2">
+            <a:avLst/>
+          </a:prstGeom>
+          <a:ln>
+            <a:tailEnd type="arrow"/>
+          </a:ln>
+        </p:spPr>
+        <p:style>
+          <a:lnRef idx="1">
+            <a:schemeClr val="accent1"/>
+          </a:lnRef>
+          <a:fillRef idx="0">
+            <a:schemeClr val="accent1"/>
+          </a:fillRef>
+          <a:effectRef idx="0">
+            <a:schemeClr val="accent1"/>
+          </a:effectRef>
+          <a:fontRef idx="minor">
+            <a:schemeClr val="tx1"/>
+          </a:fontRef>
+        </p:style>
+      </p:cxnSp>
+      <p:sp>
+        <p:nvSpPr>
+          <p:cNvPr id="56" name="TextBox 55"/>
+          <p:cNvSpPr txBox="1"/>
+          <p:nvPr/>
+        </p:nvSpPr>
+        <p:spPr>
+          <a:xfrm>
+            <a:off x="3347864" y="620688"/>
+            <a:ext cx="1079719" cy="369332"/>
+          </a:xfrm>
+          <a:prstGeom prst="rect">
+            <a:avLst/>
+          </a:prstGeom>
+          <a:noFill/>
+        </p:spPr>
+        <p:txBody>
+          <a:bodyPr wrap="none" rtlCol="0">
+            <a:spAutoFit/>
+          </a:bodyPr>
+          <a:lstStyle/>
+          <a:p>
+            <a:r>
+              <a:rPr lang="en-CA" dirty="0" smtClean="0"/>
+              <a:t>data item</a:t>
+            </a:r>
+            <a:endParaRPr lang="en-CA" dirty="0"/>
+          </a:p>
+        </p:txBody>
+      </p:sp>
+      <p:sp>
+        <p:nvSpPr>
+          <p:cNvPr id="58" name="TextBox 57"/>
+          <p:cNvSpPr txBox="1"/>
+          <p:nvPr/>
+        </p:nvSpPr>
+        <p:spPr>
+          <a:xfrm>
+            <a:off x="3851920" y="980728"/>
+            <a:ext cx="1250663" cy="584775"/>
+          </a:xfrm>
+          <a:prstGeom prst="rect">
+            <a:avLst/>
+          </a:prstGeom>
+          <a:noFill/>
+        </p:spPr>
+        <p:txBody>
+          <a:bodyPr wrap="none" rtlCol="0">
+            <a:spAutoFit/>
+          </a:bodyPr>
+          <a:lstStyle/>
+          <a:p>
+            <a:pPr algn="ctr"/>
+            <a:r>
+              <a:rPr lang="en-CA" sz="1600" i="1" dirty="0" smtClean="0">
+                <a:solidFill>
+                  <a:schemeClr val="tx2"/>
+                </a:solidFill>
+              </a:rPr>
+              <a:t>has specified</a:t>
+            </a:r>
+          </a:p>
+          <a:p>
+            <a:pPr algn="ctr"/>
+            <a:r>
+              <a:rPr lang="en-CA" sz="1600" i="1" dirty="0" smtClean="0">
+                <a:solidFill>
+                  <a:schemeClr val="tx2"/>
+                </a:solidFill>
+              </a:rPr>
+              <a:t> </a:t>
+            </a:r>
+            <a:r>
+              <a:rPr lang="en-CA" sz="1600" i="1" dirty="0" smtClean="0">
+                <a:solidFill>
+                  <a:schemeClr val="tx2"/>
+                </a:solidFill>
+              </a:rPr>
+              <a:t>input</a:t>
+            </a:r>
+            <a:endParaRPr lang="en-CA" sz="1600" i="1" dirty="0" smtClean="0">
+              <a:solidFill>
+                <a:schemeClr val="tx2"/>
+              </a:solidFill>
+            </a:endParaRPr>
+          </a:p>
+        </p:txBody>
+      </p:sp>
+      <p:sp>
+        <p:nvSpPr>
+          <p:cNvPr id="59" name="TextBox 58"/>
+          <p:cNvSpPr txBox="1"/>
+          <p:nvPr/>
+        </p:nvSpPr>
+        <p:spPr>
+          <a:xfrm>
+            <a:off x="6228184" y="908720"/>
+            <a:ext cx="663964" cy="584775"/>
+          </a:xfrm>
+          <a:prstGeom prst="rect">
+            <a:avLst/>
+          </a:prstGeom>
+          <a:noFill/>
+        </p:spPr>
+        <p:txBody>
+          <a:bodyPr wrap="none" rtlCol="0">
+            <a:spAutoFit/>
+          </a:bodyPr>
+          <a:lstStyle/>
+          <a:p>
+            <a:pPr algn="ctr"/>
+            <a:r>
+              <a:rPr lang="en-CA" sz="1600" i="1" dirty="0" smtClean="0">
+                <a:solidFill>
+                  <a:schemeClr val="tx2"/>
+                </a:solidFill>
+              </a:rPr>
+              <a:t>has</a:t>
+            </a:r>
+            <a:endParaRPr lang="en-CA" sz="1600" i="1" dirty="0" smtClean="0">
+              <a:solidFill>
+                <a:schemeClr val="tx2"/>
+              </a:solidFill>
+            </a:endParaRPr>
+          </a:p>
+          <a:p>
+            <a:pPr algn="ctr"/>
+            <a:r>
+              <a:rPr lang="en-CA" sz="1600" i="1" dirty="0" smtClean="0">
+                <a:solidFill>
+                  <a:schemeClr val="tx2"/>
+                </a:solidFill>
+              </a:rPr>
+              <a:t> </a:t>
+            </a:r>
+            <a:r>
+              <a:rPr lang="en-CA" sz="1600" i="1" dirty="0" smtClean="0">
+                <a:solidFill>
+                  <a:schemeClr val="tx2"/>
+                </a:solidFill>
+              </a:rPr>
+              <a:t>input</a:t>
+            </a:r>
+            <a:endParaRPr lang="en-CA" sz="1600" i="1" dirty="0" smtClean="0">
+              <a:solidFill>
+                <a:schemeClr val="tx2"/>
+              </a:solidFill>
+            </a:endParaRPr>
+          </a:p>
+        </p:txBody>
+      </p:sp>
+      <p:cxnSp>
+        <p:nvCxnSpPr>
+          <p:cNvPr id="60" name="Straight Arrow Connector 59"/>
           <p:cNvCxnSpPr/>
           <p:nvPr/>
         </p:nvCxnSpPr>
         <p:spPr>
-          <a:xfrm flipV="1">
-            <a:off x="2786051" y="1428736"/>
-            <a:ext cx="1785949" cy="1285884"/>
+          <a:xfrm rot="5400000" flipH="1" flipV="1">
+            <a:off x="3527884" y="1376772"/>
+            <a:ext cx="648072" cy="1588"/>
+          </a:xfrm>
+          <a:prstGeom prst="straightConnector1">
+            <a:avLst/>
+          </a:prstGeom>
+          <a:ln>
+            <a:tailEnd type="arrow"/>
+          </a:ln>
+        </p:spPr>
+        <p:style>
+          <a:lnRef idx="1">
+            <a:schemeClr val="accent1"/>
+          </a:lnRef>
+          <a:fillRef idx="0">
+            <a:schemeClr val="accent1"/>
+          </a:fillRef>
+          <a:effectRef idx="0">
+            <a:schemeClr val="accent1"/>
+          </a:effectRef>
+          <a:fontRef idx="minor">
+            <a:schemeClr val="tx1"/>
+          </a:fontRef>
+        </p:style>
+      </p:cxnSp>
+    </p:spTree>
+  </p:cSld>
+  <p:clrMapOvr>
+    <a:masterClrMapping/>
+  </p:clrMapOvr>
+</p:sld>
+</file>
+
+<file path=ppt/slides/slide3.xml><?xml version="1.0" encoding="utf-8"?>
+<p:sld xmlns:a="http://schemas.openxmlformats.org/drawingml/2006/main" xmlns:r="http://schemas.openxmlformats.org/officeDocument/2006/relationships" xmlns:p="http://schemas.openxmlformats.org/presentationml/2006/main">
+  <p:cSld>
+    <p:spTree>
+      <p:nvGrpSpPr>
+        <p:cNvPr id="1" name=""/>
+        <p:cNvGrpSpPr/>
+        <p:nvPr/>
+      </p:nvGrpSpPr>
+      <p:grpSpPr>
+        <a:xfrm>
+          <a:off x="0" y="0"/>
+          <a:ext cx="0" cy="0"/>
+          <a:chOff x="0" y="0"/>
+          <a:chExt cx="0" cy="0"/>
+        </a:xfrm>
+      </p:grpSpPr>
+      <p:sp>
+        <p:nvSpPr>
+          <p:cNvPr id="2" name="TextBox 1"/>
+          <p:cNvSpPr txBox="1"/>
+          <p:nvPr/>
+        </p:nvSpPr>
+        <p:spPr>
+          <a:xfrm>
+            <a:off x="1259632" y="332656"/>
+            <a:ext cx="1856086" cy="584775"/>
+          </a:xfrm>
+          <a:prstGeom prst="rect">
+            <a:avLst/>
+          </a:prstGeom>
+          <a:noFill/>
+        </p:spPr>
+        <p:txBody>
+          <a:bodyPr wrap="none" rtlCol="0">
+            <a:spAutoFit/>
+          </a:bodyPr>
+          <a:lstStyle/>
+          <a:p>
+            <a:r>
+              <a:rPr lang="en-CA" sz="1600" dirty="0" smtClean="0"/>
+              <a:t>parameterized </a:t>
+            </a:r>
+            <a:r>
+              <a:rPr lang="en-CA" sz="1600" dirty="0" smtClean="0"/>
+              <a:t>data </a:t>
+            </a:r>
+          </a:p>
+          <a:p>
+            <a:pPr algn="ctr"/>
+            <a:r>
+              <a:rPr lang="en-CA" sz="1600" dirty="0" smtClean="0"/>
+              <a:t>transformation</a:t>
+            </a:r>
+            <a:endParaRPr lang="en-CA" sz="1600" dirty="0"/>
+          </a:p>
+        </p:txBody>
+      </p:sp>
+      <p:sp>
+        <p:nvSpPr>
+          <p:cNvPr id="3" name="TextBox 2"/>
+          <p:cNvSpPr txBox="1"/>
+          <p:nvPr/>
+        </p:nvSpPr>
+        <p:spPr>
+          <a:xfrm>
+            <a:off x="1565762" y="1866310"/>
+            <a:ext cx="1062022" cy="338554"/>
+          </a:xfrm>
+          <a:prstGeom prst="rect">
+            <a:avLst/>
+          </a:prstGeom>
+          <a:noFill/>
+        </p:spPr>
+        <p:txBody>
+          <a:bodyPr wrap="none" rtlCol="0">
+            <a:spAutoFit/>
+          </a:bodyPr>
+          <a:lstStyle/>
+          <a:p>
+            <a:r>
+              <a:rPr lang="en-CA" sz="1600" dirty="0" smtClean="0"/>
+              <a:t>parameter</a:t>
+            </a:r>
+            <a:endParaRPr lang="en-CA" sz="1600" dirty="0"/>
+          </a:p>
+        </p:txBody>
+      </p:sp>
+      <p:sp>
+        <p:nvSpPr>
+          <p:cNvPr id="4" name="TextBox 3"/>
+          <p:cNvSpPr txBox="1"/>
+          <p:nvPr/>
+        </p:nvSpPr>
+        <p:spPr>
+          <a:xfrm>
+            <a:off x="827584" y="980728"/>
+            <a:ext cx="570990" cy="523220"/>
+          </a:xfrm>
+          <a:prstGeom prst="rect">
+            <a:avLst/>
+          </a:prstGeom>
+          <a:noFill/>
+        </p:spPr>
+        <p:txBody>
+          <a:bodyPr wrap="none" rtlCol="0">
+            <a:spAutoFit/>
+          </a:bodyPr>
+          <a:lstStyle/>
+          <a:p>
+            <a:pPr algn="ctr"/>
+            <a:r>
+              <a:rPr lang="en-CA" sz="1400" dirty="0" smtClean="0">
+                <a:solidFill>
+                  <a:schemeClr val="tx2"/>
+                </a:solidFill>
+              </a:rPr>
+              <a:t>has</a:t>
+            </a:r>
+          </a:p>
+          <a:p>
+            <a:pPr algn="ctr"/>
+            <a:r>
+              <a:rPr lang="en-CA" sz="1400" dirty="0" smtClean="0">
+                <a:solidFill>
+                  <a:schemeClr val="tx2"/>
+                </a:solidFill>
+              </a:rPr>
+              <a:t>input</a:t>
+            </a:r>
+            <a:endParaRPr lang="en-CA" sz="1400" dirty="0">
+              <a:solidFill>
+                <a:schemeClr val="tx2"/>
+              </a:solidFill>
+            </a:endParaRPr>
+          </a:p>
+        </p:txBody>
+      </p:sp>
+      <p:sp>
+        <p:nvSpPr>
+          <p:cNvPr id="5" name="TextBox 4"/>
+          <p:cNvSpPr txBox="1"/>
+          <p:nvPr/>
+        </p:nvSpPr>
+        <p:spPr>
+          <a:xfrm>
+            <a:off x="2895712" y="1033572"/>
+            <a:ext cx="684803" cy="523220"/>
+          </a:xfrm>
+          <a:prstGeom prst="rect">
+            <a:avLst/>
+          </a:prstGeom>
+          <a:noFill/>
+        </p:spPr>
+        <p:txBody>
+          <a:bodyPr wrap="none" rtlCol="0">
+            <a:spAutoFit/>
+          </a:bodyPr>
+          <a:lstStyle/>
+          <a:p>
+            <a:pPr algn="ctr"/>
+            <a:r>
+              <a:rPr lang="en-CA" sz="1400" dirty="0" smtClean="0">
+                <a:solidFill>
+                  <a:schemeClr val="tx2"/>
+                </a:solidFill>
+              </a:rPr>
+              <a:t>has</a:t>
+            </a:r>
+          </a:p>
+          <a:p>
+            <a:pPr algn="ctr"/>
+            <a:r>
+              <a:rPr lang="en-CA" sz="1400" dirty="0" smtClean="0">
+                <a:solidFill>
+                  <a:schemeClr val="tx2"/>
+                </a:solidFill>
+              </a:rPr>
+              <a:t>output</a:t>
+            </a:r>
+            <a:endParaRPr lang="en-CA" sz="1400" dirty="0">
+              <a:solidFill>
+                <a:schemeClr val="tx2"/>
+              </a:solidFill>
+            </a:endParaRPr>
+          </a:p>
+        </p:txBody>
+      </p:sp>
+      <p:sp>
+        <p:nvSpPr>
+          <p:cNvPr id="9" name="TextBox 8"/>
+          <p:cNvSpPr txBox="1"/>
+          <p:nvPr/>
+        </p:nvSpPr>
+        <p:spPr>
+          <a:xfrm>
+            <a:off x="2843808" y="1772816"/>
+            <a:ext cx="1034579" cy="338554"/>
+          </a:xfrm>
+          <a:prstGeom prst="rect">
+            <a:avLst/>
+          </a:prstGeom>
+          <a:noFill/>
+        </p:spPr>
+        <p:txBody>
+          <a:bodyPr wrap="none" rtlCol="0">
+            <a:spAutoFit/>
+          </a:bodyPr>
+          <a:lstStyle/>
+          <a:p>
+            <a:r>
+              <a:rPr lang="en-CA" sz="1600" dirty="0" smtClean="0">
+                <a:solidFill>
+                  <a:schemeClr val="accent2">
+                    <a:lumMod val="75000"/>
+                  </a:schemeClr>
+                </a:solidFill>
+              </a:rPr>
+              <a:t>descriptor</a:t>
+            </a:r>
+            <a:endParaRPr lang="en-CA" sz="1600" dirty="0">
+              <a:solidFill>
+                <a:schemeClr val="accent2">
+                  <a:lumMod val="75000"/>
+                </a:schemeClr>
+              </a:solidFill>
+            </a:endParaRPr>
+          </a:p>
+        </p:txBody>
+      </p:sp>
+      <p:sp>
+        <p:nvSpPr>
+          <p:cNvPr id="11" name="TextBox 10"/>
+          <p:cNvSpPr txBox="1"/>
+          <p:nvPr/>
+        </p:nvSpPr>
+        <p:spPr>
+          <a:xfrm>
+            <a:off x="425688" y="1772816"/>
+            <a:ext cx="977960" cy="338554"/>
+          </a:xfrm>
+          <a:prstGeom prst="rect">
+            <a:avLst/>
+          </a:prstGeom>
+          <a:noFill/>
+        </p:spPr>
+        <p:txBody>
+          <a:bodyPr wrap="none" rtlCol="0">
+            <a:spAutoFit/>
+          </a:bodyPr>
+          <a:lstStyle/>
+          <a:p>
+            <a:r>
+              <a:rPr lang="en-CA" sz="1600" dirty="0" smtClean="0">
+                <a:solidFill>
+                  <a:schemeClr val="tx1">
+                    <a:lumMod val="50000"/>
+                    <a:lumOff val="50000"/>
+                  </a:schemeClr>
+                </a:solidFill>
+              </a:rPr>
+              <a:t>data item</a:t>
+            </a:r>
+            <a:endParaRPr lang="en-CA" sz="1600" dirty="0">
+              <a:solidFill>
+                <a:schemeClr val="tx1">
+                  <a:lumMod val="50000"/>
+                  <a:lumOff val="50000"/>
+                </a:schemeClr>
+              </a:solidFill>
+            </a:endParaRPr>
+          </a:p>
+        </p:txBody>
+      </p:sp>
+      <p:cxnSp>
+        <p:nvCxnSpPr>
+          <p:cNvPr id="12" name="Straight Arrow Connector 11"/>
+          <p:cNvCxnSpPr/>
+          <p:nvPr/>
+        </p:nvCxnSpPr>
+        <p:spPr>
+          <a:xfrm rot="10800000" flipV="1">
+            <a:off x="971600" y="908720"/>
+            <a:ext cx="1080120" cy="864096"/>
+          </a:xfrm>
+          <a:prstGeom prst="straightConnector1">
+            <a:avLst/>
+          </a:prstGeom>
+          <a:ln>
+            <a:tailEnd type="arrow"/>
+          </a:ln>
+        </p:spPr>
+        <p:style>
+          <a:lnRef idx="1">
+            <a:schemeClr val="accent1"/>
+          </a:lnRef>
+          <a:fillRef idx="0">
+            <a:schemeClr val="accent1"/>
+          </a:fillRef>
+          <a:effectRef idx="0">
+            <a:schemeClr val="accent1"/>
+          </a:effectRef>
+          <a:fontRef idx="minor">
+            <a:schemeClr val="tx1"/>
+          </a:fontRef>
+        </p:style>
+      </p:cxnSp>
+      <p:sp>
+        <p:nvSpPr>
+          <p:cNvPr id="17" name="TextBox 16"/>
+          <p:cNvSpPr txBox="1"/>
+          <p:nvPr/>
+        </p:nvSpPr>
+        <p:spPr>
+          <a:xfrm>
+            <a:off x="1619672" y="1124744"/>
+            <a:ext cx="953979" cy="523220"/>
+          </a:xfrm>
+          <a:prstGeom prst="rect">
+            <a:avLst/>
+          </a:prstGeom>
+          <a:noFill/>
+        </p:spPr>
+        <p:txBody>
+          <a:bodyPr wrap="none" rtlCol="0">
+            <a:spAutoFit/>
+          </a:bodyPr>
+          <a:lstStyle/>
+          <a:p>
+            <a:pPr algn="ctr"/>
+            <a:r>
+              <a:rPr lang="en-CA" sz="1400" dirty="0" smtClean="0">
+                <a:solidFill>
+                  <a:schemeClr val="tx2"/>
+                </a:solidFill>
+              </a:rPr>
+              <a:t>has input</a:t>
+            </a:r>
+            <a:br>
+              <a:rPr lang="en-CA" sz="1400" dirty="0" smtClean="0">
+                <a:solidFill>
+                  <a:schemeClr val="tx2"/>
+                </a:solidFill>
+              </a:rPr>
+            </a:br>
+            <a:r>
+              <a:rPr lang="en-CA" sz="1400" dirty="0" smtClean="0">
+                <a:solidFill>
+                  <a:schemeClr val="tx2"/>
+                </a:solidFill>
+              </a:rPr>
+              <a:t>parameter</a:t>
+            </a:r>
+            <a:endParaRPr lang="en-CA" sz="1400" dirty="0">
+              <a:solidFill>
+                <a:schemeClr val="tx2"/>
+              </a:solidFill>
+            </a:endParaRPr>
+          </a:p>
+        </p:txBody>
+      </p:sp>
+      <p:cxnSp>
+        <p:nvCxnSpPr>
+          <p:cNvPr id="21" name="Straight Arrow Connector 20"/>
+          <p:cNvCxnSpPr>
+            <a:stCxn id="2" idx="2"/>
+          </p:cNvCxnSpPr>
+          <p:nvPr/>
+        </p:nvCxnSpPr>
+        <p:spPr>
+          <a:xfrm rot="16200000" flipH="1">
+            <a:off x="1764013" y="1341092"/>
+            <a:ext cx="855385" cy="8061"/>
           </a:xfrm>
           <a:prstGeom prst="straightConnector1">
             <a:avLst/>
@@ -4925,644 +4757,19 @@
       </p:cxnSp>
       <p:cxnSp>
         <p:nvCxnSpPr>
-          <p:cNvPr id="64" name="Straight Arrow Connector 63"/>
-          <p:cNvCxnSpPr>
-            <a:stCxn id="55" idx="0"/>
-          </p:cNvCxnSpPr>
+          <p:cNvPr id="26" name="Straight Arrow Connector 25"/>
+          <p:cNvCxnSpPr/>
           <p:nvPr/>
         </p:nvCxnSpPr>
         <p:spPr>
-          <a:xfrm rot="16200000" flipV="1">
-            <a:off x="974567" y="1811458"/>
-            <a:ext cx="785818" cy="734753"/>
+          <a:xfrm>
+            <a:off x="2267744" y="908720"/>
+            <a:ext cx="936104" cy="864096"/>
           </a:xfrm>
           <a:prstGeom prst="straightConnector1">
             <a:avLst/>
           </a:prstGeom>
           <a:ln>
-            <a:tailEnd type="arrow"/>
-          </a:ln>
-        </p:spPr>
-        <p:style>
-          <a:lnRef idx="1">
-            <a:schemeClr val="accent1"/>
-          </a:lnRef>
-          <a:fillRef idx="0">
-            <a:schemeClr val="accent1"/>
-          </a:fillRef>
-          <a:effectRef idx="0">
-            <a:schemeClr val="accent1"/>
-          </a:effectRef>
-          <a:fontRef idx="minor">
-            <a:schemeClr val="tx1"/>
-          </a:fontRef>
-        </p:style>
-      </p:cxnSp>
-      <p:sp>
-        <p:nvSpPr>
-          <p:cNvPr id="67" name="TextBox 66"/>
-          <p:cNvSpPr txBox="1"/>
-          <p:nvPr/>
-        </p:nvSpPr>
-        <p:spPr>
-          <a:xfrm>
-            <a:off x="428596" y="1428736"/>
-            <a:ext cx="782587" cy="338554"/>
-          </a:xfrm>
-          <a:prstGeom prst="rect">
-            <a:avLst/>
-          </a:prstGeom>
-          <a:noFill/>
-        </p:spPr>
-        <p:txBody>
-          <a:bodyPr wrap="none" rtlCol="0">
-            <a:spAutoFit/>
-          </a:bodyPr>
-          <a:lstStyle/>
-          <a:p>
-            <a:r>
-              <a:rPr lang="en-CA" sz="1600" dirty="0" smtClean="0">
-                <a:solidFill>
-                  <a:schemeClr val="tx1">
-                    <a:lumMod val="50000"/>
-                    <a:lumOff val="50000"/>
-                  </a:schemeClr>
-                </a:solidFill>
-              </a:rPr>
-              <a:t>sample</a:t>
-            </a:r>
-            <a:endParaRPr lang="en-CA" sz="1600" dirty="0">
-              <a:solidFill>
-                <a:schemeClr val="tx1">
-                  <a:lumMod val="50000"/>
-                  <a:lumOff val="50000"/>
-                </a:schemeClr>
-              </a:solidFill>
-            </a:endParaRPr>
-          </a:p>
-        </p:txBody>
-      </p:sp>
-      <p:sp>
-        <p:nvSpPr>
-          <p:cNvPr id="27" name="TextBox 26"/>
-          <p:cNvSpPr txBox="1"/>
-          <p:nvPr/>
-        </p:nvSpPr>
-        <p:spPr>
-          <a:xfrm>
-            <a:off x="2214546" y="785794"/>
-            <a:ext cx="1156855" cy="276999"/>
-          </a:xfrm>
-          <a:prstGeom prst="rect">
-            <a:avLst/>
-          </a:prstGeom>
-          <a:noFill/>
-        </p:spPr>
-        <p:txBody>
-          <a:bodyPr wrap="none" rtlCol="0">
-            <a:spAutoFit/>
-          </a:bodyPr>
-          <a:lstStyle/>
-          <a:p>
-            <a:r>
-              <a:rPr lang="en-CA" sz="1200" dirty="0" smtClean="0"/>
-              <a:t>Instrument role</a:t>
-            </a:r>
-            <a:endParaRPr lang="en-CA" sz="1200" dirty="0"/>
-          </a:p>
-        </p:txBody>
-      </p:sp>
-      <p:cxnSp>
-        <p:nvCxnSpPr>
-          <p:cNvPr id="28" name="Straight Arrow Connector 27"/>
-          <p:cNvCxnSpPr>
-            <a:stCxn id="55" idx="0"/>
-            <a:endCxn id="27" idx="2"/>
-          </p:cNvCxnSpPr>
-          <p:nvPr/>
-        </p:nvCxnSpPr>
-        <p:spPr>
-          <a:xfrm rot="5400000" flipH="1" flipV="1">
-            <a:off x="1509438" y="1288208"/>
-            <a:ext cx="1508951" cy="1058122"/>
-          </a:xfrm>
-          <a:prstGeom prst="straightConnector1">
-            <a:avLst/>
-          </a:prstGeom>
-          <a:ln>
-            <a:tailEnd type="arrow"/>
-          </a:ln>
-        </p:spPr>
-        <p:style>
-          <a:lnRef idx="1">
-            <a:schemeClr val="accent1"/>
-          </a:lnRef>
-          <a:fillRef idx="0">
-            <a:schemeClr val="accent1"/>
-          </a:fillRef>
-          <a:effectRef idx="0">
-            <a:schemeClr val="accent1"/>
-          </a:effectRef>
-          <a:fontRef idx="minor">
-            <a:schemeClr val="tx1"/>
-          </a:fontRef>
-        </p:style>
-      </p:cxnSp>
-      <p:sp>
-        <p:nvSpPr>
-          <p:cNvPr id="31" name="TextBox 30"/>
-          <p:cNvSpPr txBox="1"/>
-          <p:nvPr/>
-        </p:nvSpPr>
-        <p:spPr>
-          <a:xfrm>
-            <a:off x="857225" y="785794"/>
-            <a:ext cx="1071570" cy="276999"/>
-          </a:xfrm>
-          <a:prstGeom prst="rect">
-            <a:avLst/>
-          </a:prstGeom>
-          <a:noFill/>
-        </p:spPr>
-        <p:txBody>
-          <a:bodyPr wrap="square" rtlCol="0">
-            <a:spAutoFit/>
-          </a:bodyPr>
-          <a:lstStyle/>
-          <a:p>
-            <a:r>
-              <a:rPr lang="en-CA" sz="1200" dirty="0" smtClean="0"/>
-              <a:t>Sample role</a:t>
-            </a:r>
-            <a:endParaRPr lang="en-CA" sz="1200" dirty="0"/>
-          </a:p>
-        </p:txBody>
-      </p:sp>
-      <p:cxnSp>
-        <p:nvCxnSpPr>
-          <p:cNvPr id="33" name="Straight Arrow Connector 32"/>
-          <p:cNvCxnSpPr>
-            <a:stCxn id="55" idx="0"/>
-            <a:endCxn id="31" idx="2"/>
-          </p:cNvCxnSpPr>
-          <p:nvPr/>
-        </p:nvCxnSpPr>
-        <p:spPr>
-          <a:xfrm rot="16200000" flipV="1">
-            <a:off x="809456" y="1646348"/>
-            <a:ext cx="1508951" cy="341842"/>
-          </a:xfrm>
-          <a:prstGeom prst="straightConnector1">
-            <a:avLst/>
-          </a:prstGeom>
-          <a:ln>
-            <a:tailEnd type="arrow"/>
-          </a:ln>
-        </p:spPr>
-        <p:style>
-          <a:lnRef idx="1">
-            <a:schemeClr val="accent1"/>
-          </a:lnRef>
-          <a:fillRef idx="0">
-            <a:schemeClr val="accent1"/>
-          </a:fillRef>
-          <a:effectRef idx="0">
-            <a:schemeClr val="accent1"/>
-          </a:effectRef>
-          <a:fontRef idx="minor">
-            <a:schemeClr val="tx1"/>
-          </a:fontRef>
-        </p:style>
-      </p:cxnSp>
-      <p:sp>
-        <p:nvSpPr>
-          <p:cNvPr id="36" name="TextBox 35"/>
-          <p:cNvSpPr txBox="1"/>
-          <p:nvPr/>
-        </p:nvSpPr>
-        <p:spPr>
-          <a:xfrm>
-            <a:off x="1643042" y="1571612"/>
-            <a:ext cx="731290" cy="307777"/>
-          </a:xfrm>
-          <a:prstGeom prst="rect">
-            <a:avLst/>
-          </a:prstGeom>
-          <a:noFill/>
-        </p:spPr>
-        <p:txBody>
-          <a:bodyPr wrap="none" rtlCol="0">
-            <a:spAutoFit/>
-          </a:bodyPr>
-          <a:lstStyle/>
-          <a:p>
-            <a:r>
-              <a:rPr lang="en-CA" sz="1400" dirty="0" smtClean="0">
-                <a:solidFill>
-                  <a:schemeClr val="tx2"/>
-                </a:solidFill>
-              </a:rPr>
-              <a:t>realizes</a:t>
-            </a:r>
-            <a:endParaRPr lang="en-CA" sz="1400" dirty="0">
-              <a:solidFill>
-                <a:schemeClr val="tx2"/>
-              </a:solidFill>
-            </a:endParaRPr>
-          </a:p>
-        </p:txBody>
-      </p:sp>
-      <p:sp>
-        <p:nvSpPr>
-          <p:cNvPr id="37" name="TextBox 36"/>
-          <p:cNvSpPr txBox="1"/>
-          <p:nvPr/>
-        </p:nvSpPr>
-        <p:spPr>
-          <a:xfrm>
-            <a:off x="357158" y="2214554"/>
-            <a:ext cx="1314719" cy="307777"/>
-          </a:xfrm>
-          <a:prstGeom prst="rect">
-            <a:avLst/>
-          </a:prstGeom>
-          <a:noFill/>
-        </p:spPr>
-        <p:txBody>
-          <a:bodyPr wrap="none" rtlCol="0">
-            <a:spAutoFit/>
-          </a:bodyPr>
-          <a:lstStyle/>
-          <a:p>
-            <a:r>
-              <a:rPr lang="en-CA" sz="1400" dirty="0" smtClean="0">
-                <a:solidFill>
-                  <a:schemeClr val="tx2"/>
-                </a:solidFill>
-              </a:rPr>
-              <a:t>has participant </a:t>
-            </a:r>
-            <a:endParaRPr lang="en-CA" sz="1400" dirty="0">
-              <a:solidFill>
-                <a:schemeClr val="tx2"/>
-              </a:solidFill>
-            </a:endParaRPr>
-          </a:p>
-        </p:txBody>
-      </p:sp>
-      <p:cxnSp>
-        <p:nvCxnSpPr>
-          <p:cNvPr id="38" name="Straight Arrow Connector 37"/>
-          <p:cNvCxnSpPr>
-            <a:stCxn id="67" idx="3"/>
-            <a:endCxn id="31" idx="2"/>
-          </p:cNvCxnSpPr>
-          <p:nvPr/>
-        </p:nvCxnSpPr>
-        <p:spPr>
-          <a:xfrm flipV="1">
-            <a:off x="1211183" y="1062793"/>
-            <a:ext cx="181827" cy="535220"/>
-          </a:xfrm>
-          <a:prstGeom prst="straightConnector1">
-            <a:avLst/>
-          </a:prstGeom>
-          <a:ln>
-            <a:tailEnd type="arrow"/>
-          </a:ln>
-        </p:spPr>
-        <p:style>
-          <a:lnRef idx="1">
-            <a:schemeClr val="accent1"/>
-          </a:lnRef>
-          <a:fillRef idx="0">
-            <a:schemeClr val="accent1"/>
-          </a:fillRef>
-          <a:effectRef idx="0">
-            <a:schemeClr val="accent1"/>
-          </a:effectRef>
-          <a:fontRef idx="minor">
-            <a:schemeClr val="tx1"/>
-          </a:fontRef>
-        </p:style>
-      </p:cxnSp>
-      <p:sp>
-        <p:nvSpPr>
-          <p:cNvPr id="41" name="TextBox 40"/>
-          <p:cNvSpPr txBox="1"/>
-          <p:nvPr/>
-        </p:nvSpPr>
-        <p:spPr>
-          <a:xfrm>
-            <a:off x="500034" y="1071546"/>
-            <a:ext cx="762068" cy="307777"/>
-          </a:xfrm>
-          <a:prstGeom prst="rect">
-            <a:avLst/>
-          </a:prstGeom>
-          <a:noFill/>
-        </p:spPr>
-        <p:txBody>
-          <a:bodyPr wrap="none" rtlCol="0">
-            <a:spAutoFit/>
-          </a:bodyPr>
-          <a:lstStyle/>
-          <a:p>
-            <a:r>
-              <a:rPr lang="en-CA" sz="1400" dirty="0" smtClean="0">
-                <a:solidFill>
-                  <a:schemeClr val="tx2"/>
-                </a:solidFill>
-              </a:rPr>
-              <a:t>has role</a:t>
-            </a:r>
-            <a:endParaRPr lang="en-CA" sz="1400" dirty="0">
-              <a:solidFill>
-                <a:schemeClr val="tx2"/>
-              </a:solidFill>
-            </a:endParaRPr>
-          </a:p>
-        </p:txBody>
-      </p:sp>
-      <p:sp>
-        <p:nvSpPr>
-          <p:cNvPr id="42" name="TextBox 41"/>
-          <p:cNvSpPr txBox="1"/>
-          <p:nvPr/>
-        </p:nvSpPr>
-        <p:spPr>
-          <a:xfrm>
-            <a:off x="3000364" y="1142984"/>
-            <a:ext cx="762068" cy="307777"/>
-          </a:xfrm>
-          <a:prstGeom prst="rect">
-            <a:avLst/>
-          </a:prstGeom>
-          <a:noFill/>
-        </p:spPr>
-        <p:txBody>
-          <a:bodyPr wrap="none" rtlCol="0">
-            <a:spAutoFit/>
-          </a:bodyPr>
-          <a:lstStyle/>
-          <a:p>
-            <a:r>
-              <a:rPr lang="en-CA" sz="1400" dirty="0" smtClean="0">
-                <a:solidFill>
-                  <a:schemeClr val="tx2"/>
-                </a:solidFill>
-              </a:rPr>
-              <a:t>has role</a:t>
-            </a:r>
-            <a:endParaRPr lang="en-CA" sz="1400" dirty="0">
-              <a:solidFill>
-                <a:schemeClr val="tx2"/>
-              </a:solidFill>
-            </a:endParaRPr>
-          </a:p>
-        </p:txBody>
-      </p:sp>
-      <p:cxnSp>
-        <p:nvCxnSpPr>
-          <p:cNvPr id="43" name="Straight Arrow Connector 42"/>
-          <p:cNvCxnSpPr>
-            <a:endCxn id="27" idx="2"/>
-          </p:cNvCxnSpPr>
-          <p:nvPr/>
-        </p:nvCxnSpPr>
-        <p:spPr>
-          <a:xfrm rot="16200000" flipV="1">
-            <a:off x="2677979" y="1177788"/>
-            <a:ext cx="437382" cy="207392"/>
-          </a:xfrm>
-          <a:prstGeom prst="straightConnector1">
-            <a:avLst/>
-          </a:prstGeom>
-          <a:ln>
-            <a:tailEnd type="arrow"/>
-          </a:ln>
-        </p:spPr>
-        <p:style>
-          <a:lnRef idx="1">
-            <a:schemeClr val="accent1"/>
-          </a:lnRef>
-          <a:fillRef idx="0">
-            <a:schemeClr val="accent1"/>
-          </a:fillRef>
-          <a:effectRef idx="0">
-            <a:schemeClr val="accent1"/>
-          </a:effectRef>
-          <a:fontRef idx="minor">
-            <a:schemeClr val="tx1"/>
-          </a:fontRef>
-        </p:style>
-      </p:cxnSp>
-      <p:cxnSp>
-        <p:nvCxnSpPr>
-          <p:cNvPr id="58" name="Straight Arrow Connector 57"/>
-          <p:cNvCxnSpPr>
-            <a:stCxn id="82" idx="3"/>
-          </p:cNvCxnSpPr>
-          <p:nvPr/>
-        </p:nvCxnSpPr>
-        <p:spPr>
-          <a:xfrm>
-            <a:off x="4899836" y="3812591"/>
-            <a:ext cx="1100924" cy="473665"/>
-          </a:xfrm>
-          <a:prstGeom prst="straightConnector1">
-            <a:avLst/>
-          </a:prstGeom>
-          <a:ln>
-            <a:tailEnd type="arrow"/>
-          </a:ln>
-        </p:spPr>
-        <p:style>
-          <a:lnRef idx="1">
-            <a:schemeClr val="accent1"/>
-          </a:lnRef>
-          <a:fillRef idx="0">
-            <a:schemeClr val="accent1"/>
-          </a:fillRef>
-          <a:effectRef idx="0">
-            <a:schemeClr val="accent1"/>
-          </a:effectRef>
-          <a:fontRef idx="minor">
-            <a:schemeClr val="tx1"/>
-          </a:fontRef>
-        </p:style>
-      </p:cxnSp>
-      <p:sp>
-        <p:nvSpPr>
-          <p:cNvPr id="61" name="TextBox 60"/>
-          <p:cNvSpPr txBox="1"/>
-          <p:nvPr/>
-        </p:nvSpPr>
-        <p:spPr>
-          <a:xfrm>
-            <a:off x="6072198" y="4000504"/>
-            <a:ext cx="1500198" cy="646331"/>
-          </a:xfrm>
-          <a:prstGeom prst="rect">
-            <a:avLst/>
-          </a:prstGeom>
-          <a:noFill/>
-        </p:spPr>
-        <p:txBody>
-          <a:bodyPr wrap="square" rtlCol="0">
-            <a:spAutoFit/>
-          </a:bodyPr>
-          <a:lstStyle/>
-          <a:p>
-            <a:pPr algn="ctr"/>
-            <a:r>
-              <a:rPr lang="en-CA" dirty="0"/>
-              <a:t>o</a:t>
-            </a:r>
-            <a:r>
-              <a:rPr lang="en-CA" dirty="0" smtClean="0"/>
-              <a:t>bjective specification</a:t>
-            </a:r>
-            <a:endParaRPr lang="en-CA" dirty="0"/>
-          </a:p>
-        </p:txBody>
-      </p:sp>
-      <p:sp>
-        <p:nvSpPr>
-          <p:cNvPr id="66" name="TextBox 65"/>
-          <p:cNvSpPr txBox="1"/>
-          <p:nvPr/>
-        </p:nvSpPr>
-        <p:spPr>
-          <a:xfrm>
-            <a:off x="5143504" y="3500438"/>
-            <a:ext cx="1531060" cy="523220"/>
-          </a:xfrm>
-          <a:prstGeom prst="rect">
-            <a:avLst/>
-          </a:prstGeom>
-          <a:noFill/>
-        </p:spPr>
-        <p:txBody>
-          <a:bodyPr wrap="none" rtlCol="0">
-            <a:spAutoFit/>
-          </a:bodyPr>
-          <a:lstStyle/>
-          <a:p>
-            <a:pPr algn="ctr"/>
-            <a:r>
-              <a:rPr lang="en-CA" sz="1400" dirty="0" smtClean="0">
-                <a:solidFill>
-                  <a:schemeClr val="tx2"/>
-                </a:solidFill>
-              </a:rPr>
-              <a:t>achieves</a:t>
-            </a:r>
-          </a:p>
-          <a:p>
-            <a:pPr algn="ctr"/>
-            <a:r>
-              <a:rPr lang="en-CA" sz="1400" dirty="0" smtClean="0">
-                <a:solidFill>
-                  <a:schemeClr val="tx2"/>
-                </a:solidFill>
-              </a:rPr>
-              <a:t> planned objective</a:t>
-            </a:r>
-            <a:endParaRPr lang="en-CA" sz="1400" dirty="0">
-              <a:solidFill>
-                <a:schemeClr val="tx2"/>
-              </a:solidFill>
-            </a:endParaRPr>
-          </a:p>
-        </p:txBody>
-      </p:sp>
-      <p:sp>
-        <p:nvSpPr>
-          <p:cNvPr id="82" name="TextBox 81"/>
-          <p:cNvSpPr txBox="1"/>
-          <p:nvPr/>
-        </p:nvSpPr>
-        <p:spPr>
-          <a:xfrm>
-            <a:off x="3357554" y="3643314"/>
-            <a:ext cx="1542282" cy="338554"/>
-          </a:xfrm>
-          <a:prstGeom prst="rect">
-            <a:avLst/>
-          </a:prstGeom>
-          <a:noFill/>
-        </p:spPr>
-        <p:txBody>
-          <a:bodyPr wrap="none" rtlCol="0">
-            <a:spAutoFit/>
-          </a:bodyPr>
-          <a:lstStyle/>
-          <a:p>
-            <a:r>
-              <a:rPr lang="en-CA" sz="1600" dirty="0" smtClean="0"/>
-              <a:t>planned process</a:t>
-            </a:r>
-            <a:endParaRPr lang="en-CA" sz="1600" dirty="0"/>
-          </a:p>
-        </p:txBody>
-      </p:sp>
-      <p:cxnSp>
-        <p:nvCxnSpPr>
-          <p:cNvPr id="85" name="Straight Arrow Connector 84"/>
-          <p:cNvCxnSpPr>
-            <a:stCxn id="55" idx="2"/>
-            <a:endCxn id="82" idx="0"/>
-          </p:cNvCxnSpPr>
-          <p:nvPr/>
-        </p:nvCxnSpPr>
-        <p:spPr>
-          <a:xfrm rot="16200000" flipH="1">
-            <a:off x="2565265" y="2079884"/>
-            <a:ext cx="733016" cy="2393843"/>
-          </a:xfrm>
-          <a:prstGeom prst="straightConnector1">
-            <a:avLst/>
-          </a:prstGeom>
-          <a:ln>
-            <a:prstDash val="sysDash"/>
-            <a:tailEnd type="arrow"/>
-          </a:ln>
-        </p:spPr>
-        <p:style>
-          <a:lnRef idx="1">
-            <a:schemeClr val="accent1"/>
-          </a:lnRef>
-          <a:fillRef idx="0">
-            <a:schemeClr val="accent1"/>
-          </a:fillRef>
-          <a:effectRef idx="0">
-            <a:schemeClr val="accent1"/>
-          </a:effectRef>
-          <a:fontRef idx="minor">
-            <a:schemeClr val="tx1"/>
-          </a:fontRef>
-        </p:style>
-      </p:cxnSp>
-      <p:cxnSp>
-        <p:nvCxnSpPr>
-          <p:cNvPr id="88" name="Straight Arrow Connector 87"/>
-          <p:cNvCxnSpPr>
-            <a:stCxn id="6" idx="2"/>
-            <a:endCxn id="82" idx="0"/>
-          </p:cNvCxnSpPr>
-          <p:nvPr/>
-        </p:nvCxnSpPr>
-        <p:spPr>
-          <a:xfrm rot="5400000">
-            <a:off x="4967524" y="2174815"/>
-            <a:ext cx="629671" cy="2307327"/>
-          </a:xfrm>
-          <a:prstGeom prst="straightConnector1">
-            <a:avLst/>
-          </a:prstGeom>
-          <a:ln>
-            <a:prstDash val="sysDash"/>
             <a:tailEnd type="arrow"/>
           </a:ln>
         </p:spPr>

--- a/documentation/images/diagrams.pptx
+++ b/documentation/images/diagrams.pptx
@@ -3069,7 +3069,7 @@
         </p:nvSpPr>
         <p:spPr>
           <a:xfrm>
-            <a:off x="1784208" y="1844824"/>
+            <a:off x="1460680" y="1152128"/>
             <a:ext cx="1139992" cy="646331"/>
           </a:xfrm>
           <a:prstGeom prst="rect">
@@ -3106,8 +3106,8 @@
         </p:nvSpPr>
         <p:spPr>
           <a:xfrm>
-            <a:off x="2267744" y="3861048"/>
-            <a:ext cx="1309397" cy="338554"/>
+            <a:off x="2023228" y="3189838"/>
+            <a:ext cx="1001108" cy="338554"/>
           </a:xfrm>
           <a:prstGeom prst="rect">
             <a:avLst/>
@@ -3126,7 +3126,7 @@
                   <a:schemeClr val="tx2"/>
                 </a:solidFill>
               </a:rPr>
-              <a:t>is attribute of</a:t>
+              <a:t>inheres in</a:t>
             </a:r>
             <a:endParaRPr lang="en-CA" sz="1600" dirty="0">
               <a:solidFill>
@@ -3144,7 +3144,7 @@
         </p:nvSpPr>
         <p:spPr>
           <a:xfrm>
-            <a:off x="1907704" y="4437112"/>
+            <a:off x="1512168" y="3744416"/>
             <a:ext cx="1016304" cy="646331"/>
           </a:xfrm>
           <a:prstGeom prst="rect">
@@ -3182,7 +3182,7 @@
         </p:nvSpPr>
         <p:spPr>
           <a:xfrm>
-            <a:off x="2282193" y="2586390"/>
+            <a:off x="2030673" y="1893694"/>
             <a:ext cx="1425711" cy="338554"/>
           </a:xfrm>
           <a:prstGeom prst="rect">
@@ -3220,7 +3220,7 @@
         </p:nvSpPr>
         <p:spPr>
           <a:xfrm>
-            <a:off x="1691680" y="3068960"/>
+            <a:off x="1440160" y="2448272"/>
             <a:ext cx="1081899" cy="646331"/>
           </a:xfrm>
           <a:prstGeom prst="rect">
@@ -3234,6 +3234,7 @@
           </a:bodyPr>
           <a:lstStyle/>
           <a:p>
+            <a:pPr algn="ctr"/>
             <a:r>
               <a:rPr lang="en-CA" dirty="0" smtClean="0"/>
               <a:t>quality </a:t>
@@ -3244,6 +3245,7 @@
             </a:r>
           </a:p>
           <a:p>
+            <a:pPr algn="ctr"/>
             <a:r>
               <a:rPr lang="en-CA" dirty="0" smtClean="0"/>
               <a:t>realizable</a:t>
@@ -3260,7 +3262,7 @@
         </p:nvSpPr>
         <p:spPr>
           <a:xfrm>
-            <a:off x="323528" y="2780928"/>
+            <a:off x="0" y="2088232"/>
             <a:ext cx="1250086" cy="338554"/>
           </a:xfrm>
           <a:prstGeom prst="rect">
@@ -3298,7 +3300,7 @@
         </p:nvSpPr>
         <p:spPr>
           <a:xfrm>
-            <a:off x="2339752" y="1421896"/>
+            <a:off x="2016224" y="729200"/>
             <a:ext cx="1345818" cy="338554"/>
           </a:xfrm>
           <a:prstGeom prst="rect">
@@ -3336,7 +3338,7 @@
         </p:nvSpPr>
         <p:spPr>
           <a:xfrm>
-            <a:off x="1346525" y="692696"/>
+            <a:off x="1022997" y="0"/>
             <a:ext cx="2053960" cy="646331"/>
           </a:xfrm>
           <a:prstGeom prst="rect">
@@ -3377,12 +3379,12 @@
         </p:nvCxnSpPr>
         <p:spPr>
           <a:xfrm rot="10800000">
-            <a:off x="1784208" y="2167990"/>
-            <a:ext cx="123496" cy="2592288"/>
+            <a:off x="1460680" y="1475294"/>
+            <a:ext cx="51488" cy="2592288"/>
           </a:xfrm>
           <a:prstGeom prst="bentConnector3">
             <a:avLst>
-              <a:gd name="adj1" fmla="val 285107"/>
+              <a:gd name="adj1" fmla="val 543987"/>
             </a:avLst>
           </a:prstGeom>
           <a:ln>
@@ -3412,7 +3414,7 @@
         </p:nvCxnSpPr>
         <p:spPr>
           <a:xfrm rot="16200000" flipV="1">
-            <a:off x="2124521" y="1628007"/>
+            <a:off x="1800993" y="863303"/>
             <a:ext cx="432050" cy="1588"/>
           </a:xfrm>
           <a:prstGeom prst="straightConnector1">
@@ -3445,7 +3447,7 @@
         </p:nvCxnSpPr>
         <p:spPr>
           <a:xfrm rot="5400000">
-            <a:off x="2052514" y="2708126"/>
+            <a:off x="1728986" y="2087438"/>
             <a:ext cx="576064" cy="1588"/>
           </a:xfrm>
           <a:prstGeom prst="straightConnector1">
@@ -3478,49 +3480,11 @@
         </p:nvCxnSpPr>
         <p:spPr>
           <a:xfrm rot="5400000">
-            <a:off x="2050926" y="4076278"/>
+            <a:off x="1727398" y="3383582"/>
             <a:ext cx="576064" cy="1588"/>
           </a:xfrm>
           <a:prstGeom prst="straightConnector1">
             <a:avLst/>
-          </a:prstGeom>
-          <a:ln>
-            <a:tailEnd type="arrow"/>
-          </a:ln>
-        </p:spPr>
-        <p:style>
-          <a:lnRef idx="1">
-            <a:schemeClr val="accent1"/>
-          </a:lnRef>
-          <a:fillRef idx="0">
-            <a:schemeClr val="accent1"/>
-          </a:fillRef>
-          <a:effectRef idx="0">
-            <a:schemeClr val="accent1"/>
-          </a:effectRef>
-          <a:fontRef idx="minor">
-            <a:schemeClr val="tx1"/>
-          </a:fontRef>
-        </p:style>
-      </p:cxnSp>
-      <p:cxnSp>
-        <p:nvCxnSpPr>
-          <p:cNvPr id="17" name="Elbow Connector 16"/>
-          <p:cNvCxnSpPr>
-            <a:stCxn id="4" idx="1"/>
-            <a:endCxn id="18" idx="1"/>
-          </p:cNvCxnSpPr>
-          <p:nvPr/>
-        </p:nvCxnSpPr>
-        <p:spPr>
-          <a:xfrm rot="10800000">
-            <a:off x="1691680" y="3392126"/>
-            <a:ext cx="216024" cy="1368152"/>
-          </a:xfrm>
-          <a:prstGeom prst="bentConnector3">
-            <a:avLst>
-              <a:gd name="adj1" fmla="val 161265"/>
-            </a:avLst>
           </a:prstGeom>
           <a:ln>
             <a:tailEnd type="arrow"/>
@@ -3574,7 +3538,7 @@
         </p:nvSpPr>
         <p:spPr>
           <a:xfrm>
-            <a:off x="3347864" y="2852936"/>
+            <a:off x="2592288" y="2304256"/>
             <a:ext cx="1009444" cy="369332"/>
           </a:xfrm>
           <a:prstGeom prst="rect">
@@ -3604,7 +3568,7 @@
         </p:nvSpPr>
         <p:spPr>
           <a:xfrm>
-            <a:off x="3347864" y="1772816"/>
+            <a:off x="2520280" y="1224136"/>
             <a:ext cx="1093569" cy="369332"/>
           </a:xfrm>
           <a:prstGeom prst="rect">
@@ -3634,8 +3598,8 @@
         </p:nvSpPr>
         <p:spPr>
           <a:xfrm>
-            <a:off x="4283968" y="1650286"/>
-            <a:ext cx="1345818" cy="338554"/>
+            <a:off x="3600400" y="1152128"/>
+            <a:ext cx="1099981" cy="584775"/>
           </a:xfrm>
           <a:prstGeom prst="rect">
             <a:avLst/>
@@ -3654,7 +3618,26 @@
                   <a:schemeClr val="tx2"/>
                 </a:solidFill>
               </a:rPr>
-              <a:t>is specified by</a:t>
+              <a:t>is </a:t>
+            </a:r>
+            <a:r>
+              <a:rPr lang="en-CA" sz="1600" dirty="0" smtClean="0">
+                <a:solidFill>
+                  <a:schemeClr val="tx2"/>
+                </a:solidFill>
+              </a:rPr>
+              <a:t>specified</a:t>
+            </a:r>
+          </a:p>
+          <a:p>
+            <a:pPr algn="ctr"/>
+            <a:r>
+              <a:rPr lang="en-CA" sz="1600" dirty="0" smtClean="0">
+                <a:solidFill>
+                  <a:schemeClr val="tx2"/>
+                </a:solidFill>
+              </a:rPr>
+              <a:t>by</a:t>
             </a:r>
             <a:endParaRPr lang="en-CA" sz="1600" dirty="0">
               <a:solidFill>
@@ -3672,7 +3655,7 @@
         </p:nvSpPr>
         <p:spPr>
           <a:xfrm>
-            <a:off x="1763688" y="3068960"/>
+            <a:off x="1080120" y="2232248"/>
             <a:ext cx="1083951" cy="338554"/>
           </a:xfrm>
           <a:prstGeom prst="rect">
@@ -3705,7 +3688,7 @@
         </p:nvSpPr>
         <p:spPr>
           <a:xfrm>
-            <a:off x="1907704" y="1476073"/>
+            <a:off x="1341625" y="1143417"/>
             <a:ext cx="1250663" cy="584775"/>
           </a:xfrm>
           <a:prstGeom prst="rect">
@@ -3750,7 +3733,7 @@
         </p:nvCxnSpPr>
         <p:spPr>
           <a:xfrm rot="16200000" flipV="1">
-            <a:off x="3492674" y="2564110"/>
+            <a:off x="2737098" y="2015430"/>
             <a:ext cx="720080" cy="1588"/>
           </a:xfrm>
           <a:prstGeom prst="straightConnector1">
@@ -3783,7 +3766,7 @@
         </p:nvSpPr>
         <p:spPr>
           <a:xfrm>
-            <a:off x="755576" y="1772816"/>
+            <a:off x="0" y="1224136"/>
             <a:ext cx="1139992" cy="369332"/>
           </a:xfrm>
           <a:prstGeom prst="rect">
@@ -3813,7 +3796,7 @@
         </p:nvCxnSpPr>
         <p:spPr>
           <a:xfrm rot="10800000">
-            <a:off x="1979712" y="1988840"/>
+            <a:off x="1224136" y="1440160"/>
             <a:ext cx="1224136" cy="1588"/>
           </a:xfrm>
           <a:prstGeom prst="bentConnector3">
@@ -3851,7 +3834,7 @@
         </p:nvCxnSpPr>
         <p:spPr>
           <a:xfrm rot="10800000">
-            <a:off x="1325572" y="2142148"/>
+            <a:off x="569996" y="1593468"/>
             <a:ext cx="2022292" cy="895454"/>
           </a:xfrm>
           <a:prstGeom prst="bentConnector2">
@@ -3884,7 +3867,7 @@
         </p:nvSpPr>
         <p:spPr>
           <a:xfrm>
-            <a:off x="5364088" y="1628800"/>
+            <a:off x="4608512" y="1080120"/>
             <a:ext cx="1591077" cy="646331"/>
           </a:xfrm>
           <a:prstGeom prst="rect">
@@ -3922,7 +3905,7 @@
         </p:nvSpPr>
         <p:spPr>
           <a:xfrm>
-            <a:off x="2555776" y="2420888"/>
+            <a:off x="2110566" y="1872208"/>
             <a:ext cx="1345818" cy="338554"/>
           </a:xfrm>
           <a:prstGeom prst="rect">
@@ -3960,8 +3943,8 @@
         </p:nvCxnSpPr>
         <p:spPr>
           <a:xfrm rot="10800000">
-            <a:off x="4499992" y="1988840"/>
-            <a:ext cx="864096" cy="1588"/>
+            <a:off x="3528392" y="1440160"/>
+            <a:ext cx="1152128" cy="1588"/>
           </a:xfrm>
           <a:prstGeom prst="straightConnector1">
             <a:avLst/>
@@ -3996,12 +3979,12 @@
         </p:nvCxnSpPr>
         <p:spPr>
           <a:xfrm rot="5400000" flipH="1">
-            <a:off x="3676108" y="-208387"/>
+            <a:off x="2920532" y="-757067"/>
             <a:ext cx="132983" cy="4834055"/>
           </a:xfrm>
           <a:prstGeom prst="bentConnector3">
             <a:avLst>
-              <a:gd name="adj1" fmla="val -1076648"/>
+              <a:gd name="adj1" fmla="val -929781"/>
             </a:avLst>
           </a:prstGeom>
           <a:ln>
@@ -4033,7 +4016,7 @@
         </p:nvCxnSpPr>
         <p:spPr>
           <a:xfrm rot="10800000" flipV="1">
-            <a:off x="4357308" y="2348880"/>
+            <a:off x="3601732" y="1800200"/>
             <a:ext cx="1510836" cy="688722"/>
           </a:xfrm>
           <a:prstGeom prst="bentConnector3">
@@ -4068,7 +4051,7 @@
         </p:nvSpPr>
         <p:spPr>
           <a:xfrm>
-            <a:off x="4716016" y="2636912"/>
+            <a:off x="3960440" y="2232248"/>
             <a:ext cx="985719" cy="338554"/>
           </a:xfrm>
           <a:prstGeom prst="rect">
@@ -4106,7 +4089,7 @@
         </p:nvSpPr>
         <p:spPr>
           <a:xfrm>
-            <a:off x="3347864" y="3429000"/>
+            <a:off x="3960440" y="2685782"/>
             <a:ext cx="1083951" cy="338554"/>
           </a:xfrm>
           <a:prstGeom prst="rect">
@@ -4142,7 +4125,7 @@
         </p:nvCxnSpPr>
         <p:spPr>
           <a:xfrm rot="16200000" flipV="1">
-            <a:off x="4881882" y="351055"/>
+            <a:off x="4126306" y="-197625"/>
             <a:ext cx="823446" cy="1732044"/>
           </a:xfrm>
           <a:prstGeom prst="bentConnector2">
@@ -4175,7 +4158,7 @@
         </p:nvSpPr>
         <p:spPr>
           <a:xfrm>
-            <a:off x="3347864" y="620688"/>
+            <a:off x="2592288" y="72008"/>
             <a:ext cx="1079719" cy="369332"/>
           </a:xfrm>
           <a:prstGeom prst="rect">
@@ -4205,7 +4188,7 @@
         </p:nvSpPr>
         <p:spPr>
           <a:xfrm>
-            <a:off x="3851920" y="980728"/>
+            <a:off x="3096344" y="504056"/>
             <a:ext cx="1250663" cy="584775"/>
           </a:xfrm>
           <a:prstGeom prst="rect">
@@ -4237,78 +4220,41 @@
                   <a:schemeClr val="tx2"/>
                 </a:solidFill>
               </a:rPr>
-              <a:t> </a:t>
-            </a:r>
+              <a:t> input</a:t>
+            </a:r>
+          </a:p>
+        </p:txBody>
+      </p:sp>
+      <p:sp>
+        <p:nvSpPr>
+          <p:cNvPr id="59" name="TextBox 58"/>
+          <p:cNvSpPr txBox="1"/>
+          <p:nvPr/>
+        </p:nvSpPr>
+        <p:spPr>
+          <a:xfrm>
+            <a:off x="3744416" y="0"/>
+            <a:ext cx="1440160" cy="338554"/>
+          </a:xfrm>
+          <a:prstGeom prst="rect">
+            <a:avLst/>
+          </a:prstGeom>
+          <a:noFill/>
+        </p:spPr>
+        <p:txBody>
+          <a:bodyPr wrap="square" rtlCol="0">
+            <a:spAutoFit/>
+          </a:bodyPr>
+          <a:lstStyle/>
+          <a:p>
+            <a:pPr algn="ctr"/>
             <a:r>
               <a:rPr lang="en-CA" sz="1600" i="1" dirty="0" smtClean="0">
                 <a:solidFill>
                   <a:schemeClr val="tx2"/>
                 </a:solidFill>
               </a:rPr>
-              <a:t>input</a:t>
-            </a:r>
-            <a:endParaRPr lang="en-CA" sz="1600" i="1" dirty="0" smtClean="0">
-              <a:solidFill>
-                <a:schemeClr val="tx2"/>
-              </a:solidFill>
-            </a:endParaRPr>
-          </a:p>
-        </p:txBody>
-      </p:sp>
-      <p:sp>
-        <p:nvSpPr>
-          <p:cNvPr id="59" name="TextBox 58"/>
-          <p:cNvSpPr txBox="1"/>
-          <p:nvPr/>
-        </p:nvSpPr>
-        <p:spPr>
-          <a:xfrm>
-            <a:off x="6228184" y="908720"/>
-            <a:ext cx="663964" cy="584775"/>
-          </a:xfrm>
-          <a:prstGeom prst="rect">
-            <a:avLst/>
-          </a:prstGeom>
-          <a:noFill/>
-        </p:spPr>
-        <p:txBody>
-          <a:bodyPr wrap="none" rtlCol="0">
-            <a:spAutoFit/>
-          </a:bodyPr>
-          <a:lstStyle/>
-          <a:p>
-            <a:pPr algn="ctr"/>
-            <a:r>
-              <a:rPr lang="en-CA" sz="1600" i="1" dirty="0" smtClean="0">
-                <a:solidFill>
-                  <a:schemeClr val="tx2"/>
-                </a:solidFill>
-              </a:rPr>
-              <a:t>has</a:t>
-            </a:r>
-            <a:endParaRPr lang="en-CA" sz="1600" i="1" dirty="0" smtClean="0">
-              <a:solidFill>
-                <a:schemeClr val="tx2"/>
-              </a:solidFill>
-            </a:endParaRPr>
-          </a:p>
-          <a:p>
-            <a:pPr algn="ctr"/>
-            <a:r>
-              <a:rPr lang="en-CA" sz="1600" i="1" dirty="0" smtClean="0">
-                <a:solidFill>
-                  <a:schemeClr val="tx2"/>
-                </a:solidFill>
-              </a:rPr>
-              <a:t> </a:t>
-            </a:r>
-            <a:r>
-              <a:rPr lang="en-CA" sz="1600" i="1" dirty="0" smtClean="0">
-                <a:solidFill>
-                  <a:schemeClr val="tx2"/>
-                </a:solidFill>
-              </a:rPr>
-              <a:t>input</a:t>
+              <a:t>has input</a:t>
             </a:r>
             <a:endParaRPr lang="en-CA" sz="1600" i="1" dirty="0" smtClean="0">
               <a:solidFill>
@@ -4326,8 +4272,8 @@
         </p:nvCxnSpPr>
         <p:spPr>
           <a:xfrm rot="5400000" flipH="1" flipV="1">
-            <a:off x="3527884" y="1376772"/>
-            <a:ext cx="648072" cy="1588"/>
+            <a:off x="2735510" y="792088"/>
+            <a:ext cx="720874" cy="794"/>
           </a:xfrm>
           <a:prstGeom prst="straightConnector1">
             <a:avLst/>
@@ -4384,7 +4330,7 @@
         </p:nvSpPr>
         <p:spPr>
           <a:xfrm>
-            <a:off x="1259632" y="332656"/>
+            <a:off x="833944" y="0"/>
             <a:ext cx="1856086" cy="584775"/>
           </a:xfrm>
           <a:prstGeom prst="rect">
@@ -4400,11 +4346,7 @@
           <a:p>
             <a:r>
               <a:rPr lang="en-CA" sz="1600" dirty="0" smtClean="0"/>
-              <a:t>parameterized </a:t>
-            </a:r>
-            <a:r>
-              <a:rPr lang="en-CA" sz="1600" dirty="0" smtClean="0"/>
-              <a:t>data </a:t>
+              <a:t>parameterized data </a:t>
             </a:r>
           </a:p>
           <a:p>
@@ -4425,7 +4367,7 @@
         </p:nvSpPr>
         <p:spPr>
           <a:xfrm>
-            <a:off x="1565762" y="1866310"/>
+            <a:off x="1140074" y="1533654"/>
             <a:ext cx="1062022" cy="338554"/>
           </a:xfrm>
           <a:prstGeom prst="rect">
@@ -4455,7 +4397,7 @@
         </p:nvSpPr>
         <p:spPr>
           <a:xfrm>
-            <a:off x="827584" y="980728"/>
+            <a:off x="401896" y="648072"/>
             <a:ext cx="570990" cy="523220"/>
           </a:xfrm>
           <a:prstGeom prst="rect">
@@ -4505,7 +4447,7 @@
         </p:nvSpPr>
         <p:spPr>
           <a:xfrm>
-            <a:off x="2895712" y="1033572"/>
+            <a:off x="2470024" y="700916"/>
             <a:ext cx="684803" cy="523220"/>
           </a:xfrm>
           <a:prstGeom prst="rect">
@@ -4555,7 +4497,7 @@
         </p:nvSpPr>
         <p:spPr>
           <a:xfrm>
-            <a:off x="2843808" y="1772816"/>
+            <a:off x="2418120" y="1440160"/>
             <a:ext cx="1034579" cy="338554"/>
           </a:xfrm>
           <a:prstGeom prst="rect">
@@ -4597,7 +4539,7 @@
         </p:nvSpPr>
         <p:spPr>
           <a:xfrm>
-            <a:off x="425688" y="1772816"/>
+            <a:off x="0" y="1440160"/>
             <a:ext cx="977960" cy="338554"/>
           </a:xfrm>
           <a:prstGeom prst="rect">
@@ -4641,7 +4583,7 @@
         </p:nvCxnSpPr>
         <p:spPr>
           <a:xfrm rot="10800000" flipV="1">
-            <a:off x="971600" y="908720"/>
+            <a:off x="545912" y="576064"/>
             <a:ext cx="1080120" cy="864096"/>
           </a:xfrm>
           <a:prstGeom prst="straightConnector1">
@@ -4674,7 +4616,7 @@
         </p:nvSpPr>
         <p:spPr>
           <a:xfrm>
-            <a:off x="1619672" y="1124744"/>
+            <a:off x="1193984" y="792088"/>
             <a:ext cx="953979" cy="523220"/>
           </a:xfrm>
           <a:prstGeom prst="rect">
@@ -4730,7 +4672,7 @@
         </p:nvCxnSpPr>
         <p:spPr>
           <a:xfrm rot="16200000" flipH="1">
-            <a:off x="1764013" y="1341092"/>
+            <a:off x="1338325" y="1008436"/>
             <a:ext cx="855385" cy="8061"/>
           </a:xfrm>
           <a:prstGeom prst="straightConnector1">
@@ -4763,7 +4705,7 @@
         </p:nvCxnSpPr>
         <p:spPr>
           <a:xfrm>
-            <a:off x="2267744" y="908720"/>
+            <a:off x="1842056" y="576064"/>
             <a:ext cx="936104" cy="864096"/>
           </a:xfrm>
           <a:prstGeom prst="straightConnector1">

--- a/documentation/images/diagrams.pptx
+++ b/documentation/images/diagrams.pptx
@@ -8,6 +8,9 @@
     <p:sldId id="257" r:id="rId2"/>
     <p:sldId id="261" r:id="rId3"/>
     <p:sldId id="262" r:id="rId4"/>
+    <p:sldId id="263" r:id="rId5"/>
+    <p:sldId id="264" r:id="rId6"/>
+    <p:sldId id="265" r:id="rId7"/>
   </p:sldIdLst>
   <p:sldSz cx="9144000" cy="6858000" type="screen4x3"/>
   <p:notesSz cx="7315200" cy="9601200"/>
@@ -291,7 +294,7 @@
             <a:fld id="{9222C97E-73C8-43E8-A42B-6C809C4F9F15}" type="datetimeFigureOut">
               <a:rPr lang="en-US" smtClean="0"/>
               <a:pPr/>
-              <a:t>7/5/2010</a:t>
+              <a:t>10/20/2010</a:t>
             </a:fld>
             <a:endParaRPr lang="en-CA"/>
           </a:p>
@@ -458,7 +461,7 @@
             <a:fld id="{9222C97E-73C8-43E8-A42B-6C809C4F9F15}" type="datetimeFigureOut">
               <a:rPr lang="en-US" smtClean="0"/>
               <a:pPr/>
-              <a:t>7/5/2010</a:t>
+              <a:t>10/20/2010</a:t>
             </a:fld>
             <a:endParaRPr lang="en-CA"/>
           </a:p>
@@ -635,7 +638,7 @@
             <a:fld id="{9222C97E-73C8-43E8-A42B-6C809C4F9F15}" type="datetimeFigureOut">
               <a:rPr lang="en-US" smtClean="0"/>
               <a:pPr/>
-              <a:t>7/5/2010</a:t>
+              <a:t>10/20/2010</a:t>
             </a:fld>
             <a:endParaRPr lang="en-CA"/>
           </a:p>
@@ -802,7 +805,7 @@
             <a:fld id="{9222C97E-73C8-43E8-A42B-6C809C4F9F15}" type="datetimeFigureOut">
               <a:rPr lang="en-US" smtClean="0"/>
               <a:pPr/>
-              <a:t>7/5/2010</a:t>
+              <a:t>10/20/2010</a:t>
             </a:fld>
             <a:endParaRPr lang="en-CA"/>
           </a:p>
@@ -1045,7 +1048,7 @@
             <a:fld id="{9222C97E-73C8-43E8-A42B-6C809C4F9F15}" type="datetimeFigureOut">
               <a:rPr lang="en-US" smtClean="0"/>
               <a:pPr/>
-              <a:t>7/5/2010</a:t>
+              <a:t>10/20/2010</a:t>
             </a:fld>
             <a:endParaRPr lang="en-CA"/>
           </a:p>
@@ -1330,7 +1333,7 @@
             <a:fld id="{9222C97E-73C8-43E8-A42B-6C809C4F9F15}" type="datetimeFigureOut">
               <a:rPr lang="en-US" smtClean="0"/>
               <a:pPr/>
-              <a:t>7/5/2010</a:t>
+              <a:t>10/20/2010</a:t>
             </a:fld>
             <a:endParaRPr lang="en-CA"/>
           </a:p>
@@ -1749,7 +1752,7 @@
             <a:fld id="{9222C97E-73C8-43E8-A42B-6C809C4F9F15}" type="datetimeFigureOut">
               <a:rPr lang="en-US" smtClean="0"/>
               <a:pPr/>
-              <a:t>7/5/2010</a:t>
+              <a:t>10/20/2010</a:t>
             </a:fld>
             <a:endParaRPr lang="en-CA"/>
           </a:p>
@@ -1864,7 +1867,7 @@
             <a:fld id="{9222C97E-73C8-43E8-A42B-6C809C4F9F15}" type="datetimeFigureOut">
               <a:rPr lang="en-US" smtClean="0"/>
               <a:pPr/>
-              <a:t>7/5/2010</a:t>
+              <a:t>10/20/2010</a:t>
             </a:fld>
             <a:endParaRPr lang="en-CA"/>
           </a:p>
@@ -1956,7 +1959,7 @@
             <a:fld id="{9222C97E-73C8-43E8-A42B-6C809C4F9F15}" type="datetimeFigureOut">
               <a:rPr lang="en-US" smtClean="0"/>
               <a:pPr/>
-              <a:t>7/5/2010</a:t>
+              <a:t>10/20/2010</a:t>
             </a:fld>
             <a:endParaRPr lang="en-CA"/>
           </a:p>
@@ -2230,7 +2233,7 @@
             <a:fld id="{9222C97E-73C8-43E8-A42B-6C809C4F9F15}" type="datetimeFigureOut">
               <a:rPr lang="en-US" smtClean="0"/>
               <a:pPr/>
-              <a:t>7/5/2010</a:t>
+              <a:t>10/20/2010</a:t>
             </a:fld>
             <a:endParaRPr lang="en-CA"/>
           </a:p>
@@ -2480,7 +2483,7 @@
             <a:fld id="{9222C97E-73C8-43E8-A42B-6C809C4F9F15}" type="datetimeFigureOut">
               <a:rPr lang="en-US" smtClean="0"/>
               <a:pPr/>
-              <a:t>7/5/2010</a:t>
+              <a:t>10/20/2010</a:t>
             </a:fld>
             <a:endParaRPr lang="en-CA"/>
           </a:p>
@@ -2690,7 +2693,7 @@
             <a:fld id="{9222C97E-73C8-43E8-A42B-6C809C4F9F15}" type="datetimeFigureOut">
               <a:rPr lang="en-US" smtClean="0"/>
               <a:pPr/>
-              <a:t>7/5/2010</a:t>
+              <a:t>10/20/2010</a:t>
             </a:fld>
             <a:endParaRPr lang="en-CA"/>
           </a:p>
@@ -3069,7 +3072,7 @@
         </p:nvSpPr>
         <p:spPr>
           <a:xfrm>
-            <a:off x="1460680" y="1152128"/>
+            <a:off x="4067944" y="1340768"/>
             <a:ext cx="1139992" cy="646331"/>
           </a:xfrm>
           <a:prstGeom prst="rect">
@@ -3106,7 +3109,7 @@
         </p:nvSpPr>
         <p:spPr>
           <a:xfrm>
-            <a:off x="2023228" y="3189838"/>
+            <a:off x="4630492" y="3378478"/>
             <a:ext cx="1001108" cy="338554"/>
           </a:xfrm>
           <a:prstGeom prst="rect">
@@ -3144,7 +3147,7 @@
         </p:nvSpPr>
         <p:spPr>
           <a:xfrm>
-            <a:off x="1512168" y="3744416"/>
+            <a:off x="4119432" y="3933056"/>
             <a:ext cx="1016304" cy="646331"/>
           </a:xfrm>
           <a:prstGeom prst="rect">
@@ -3182,7 +3185,7 @@
         </p:nvSpPr>
         <p:spPr>
           <a:xfrm>
-            <a:off x="2030673" y="1893694"/>
+            <a:off x="4637937" y="2082334"/>
             <a:ext cx="1425711" cy="338554"/>
           </a:xfrm>
           <a:prstGeom prst="rect">
@@ -3220,7 +3223,7 @@
         </p:nvSpPr>
         <p:spPr>
           <a:xfrm>
-            <a:off x="1440160" y="2448272"/>
+            <a:off x="4047424" y="2636912"/>
             <a:ext cx="1081899" cy="646331"/>
           </a:xfrm>
           <a:prstGeom prst="rect">
@@ -3262,7 +3265,7 @@
         </p:nvSpPr>
         <p:spPr>
           <a:xfrm>
-            <a:off x="0" y="2088232"/>
+            <a:off x="2607264" y="2276872"/>
             <a:ext cx="1250086" cy="338554"/>
           </a:xfrm>
           <a:prstGeom prst="rect">
@@ -3300,8 +3303,8 @@
         </p:nvSpPr>
         <p:spPr>
           <a:xfrm>
-            <a:off x="2016224" y="729200"/>
-            <a:ext cx="1345818" cy="338554"/>
+            <a:off x="5110058" y="1362254"/>
+            <a:ext cx="1190134" cy="338554"/>
           </a:xfrm>
           <a:prstGeom prst="rect">
             <a:avLst/>
@@ -3320,7 +3323,7 @@
                   <a:schemeClr val="tx2"/>
                 </a:solidFill>
               </a:rPr>
-              <a:t>is specified by</a:t>
+              <a:t>conforms to</a:t>
             </a:r>
             <a:endParaRPr lang="en-CA" sz="1600" dirty="0">
               <a:solidFill>
@@ -3338,7 +3341,7 @@
         </p:nvSpPr>
         <p:spPr>
           <a:xfrm>
-            <a:off x="1022997" y="0"/>
+            <a:off x="6300192" y="1340768"/>
             <a:ext cx="2053960" cy="646331"/>
           </a:xfrm>
           <a:prstGeom prst="rect">
@@ -3379,7 +3382,7 @@
         </p:nvCxnSpPr>
         <p:spPr>
           <a:xfrm rot="10800000">
-            <a:off x="1460680" y="1475294"/>
+            <a:off x="4067944" y="1663934"/>
             <a:ext cx="51488" cy="2592288"/>
           </a:xfrm>
           <a:prstGeom prst="bentConnector3">
@@ -3409,13 +3412,16 @@
       <p:cxnSp>
         <p:nvCxnSpPr>
           <p:cNvPr id="67" name="Straight Arrow Connector 66"/>
-          <p:cNvCxnSpPr/>
+          <p:cNvCxnSpPr>
+            <a:stCxn id="2" idx="3"/>
+            <a:endCxn id="31" idx="1"/>
+          </p:cNvCxnSpPr>
           <p:nvPr/>
         </p:nvCxnSpPr>
         <p:spPr>
-          <a:xfrm rot="16200000" flipV="1">
-            <a:off x="1800993" y="863303"/>
-            <a:ext cx="432050" cy="1588"/>
+          <a:xfrm>
+            <a:off x="5207936" y="1663934"/>
+            <a:ext cx="1092256" cy="1588"/>
           </a:xfrm>
           <a:prstGeom prst="straightConnector1">
             <a:avLst/>
@@ -3447,7 +3453,7 @@
         </p:nvCxnSpPr>
         <p:spPr>
           <a:xfrm rot="5400000">
-            <a:off x="1728986" y="2087438"/>
+            <a:off x="4336250" y="2276078"/>
             <a:ext cx="576064" cy="1588"/>
           </a:xfrm>
           <a:prstGeom prst="straightConnector1">
@@ -3480,7 +3486,7 @@
         </p:nvCxnSpPr>
         <p:spPr>
           <a:xfrm rot="5400000">
-            <a:off x="1727398" y="3383582"/>
+            <a:off x="4334662" y="3572222"/>
             <a:ext cx="576064" cy="1588"/>
           </a:xfrm>
           <a:prstGeom prst="straightConnector1">
@@ -3505,6 +3511,108 @@
           </a:fontRef>
         </p:style>
       </p:cxnSp>
+      <p:sp>
+        <p:nvSpPr>
+          <p:cNvPr id="15" name="TextBox 14"/>
+          <p:cNvSpPr txBox="1"/>
+          <p:nvPr/>
+        </p:nvSpPr>
+        <p:spPr>
+          <a:xfrm>
+            <a:off x="4140353" y="476672"/>
+            <a:ext cx="1079719" cy="369332"/>
+          </a:xfrm>
+          <a:prstGeom prst="rect">
+            <a:avLst/>
+          </a:prstGeom>
+          <a:noFill/>
+        </p:spPr>
+        <p:txBody>
+          <a:bodyPr wrap="none" rtlCol="0">
+            <a:spAutoFit/>
+          </a:bodyPr>
+          <a:lstStyle/>
+          <a:p>
+            <a:pPr algn="ctr"/>
+            <a:r>
+              <a:rPr lang="en-CA" dirty="0" smtClean="0"/>
+              <a:t>data item</a:t>
+            </a:r>
+            <a:endParaRPr lang="en-CA" dirty="0"/>
+          </a:p>
+        </p:txBody>
+      </p:sp>
+      <p:cxnSp>
+        <p:nvCxnSpPr>
+          <p:cNvPr id="17" name="Straight Arrow Connector 16"/>
+          <p:cNvCxnSpPr/>
+          <p:nvPr/>
+        </p:nvCxnSpPr>
+        <p:spPr>
+          <a:xfrm rot="16200000" flipV="1">
+            <a:off x="4392774" y="1087946"/>
+            <a:ext cx="504056" cy="1588"/>
+          </a:xfrm>
+          <a:prstGeom prst="straightConnector1">
+            <a:avLst/>
+          </a:prstGeom>
+          <a:ln>
+            <a:tailEnd type="arrow"/>
+          </a:ln>
+        </p:spPr>
+        <p:style>
+          <a:lnRef idx="1">
+            <a:schemeClr val="accent1"/>
+          </a:lnRef>
+          <a:fillRef idx="0">
+            <a:schemeClr val="accent1"/>
+          </a:fillRef>
+          <a:effectRef idx="0">
+            <a:schemeClr val="accent1"/>
+          </a:effectRef>
+          <a:fontRef idx="minor">
+            <a:schemeClr val="tx1"/>
+          </a:fontRef>
+        </p:style>
+      </p:cxnSp>
+      <p:sp>
+        <p:nvSpPr>
+          <p:cNvPr id="22" name="TextBox 21"/>
+          <p:cNvSpPr txBox="1"/>
+          <p:nvPr/>
+        </p:nvSpPr>
+        <p:spPr>
+          <a:xfrm>
+            <a:off x="4620482" y="908720"/>
+            <a:ext cx="455574" cy="338554"/>
+          </a:xfrm>
+          <a:prstGeom prst="rect">
+            <a:avLst/>
+          </a:prstGeom>
+          <a:noFill/>
+        </p:spPr>
+        <p:txBody>
+          <a:bodyPr wrap="none" rtlCol="0">
+            <a:spAutoFit/>
+          </a:bodyPr>
+          <a:lstStyle/>
+          <a:p>
+            <a:r>
+              <a:rPr lang="en-CA" sz="1600" dirty="0" smtClean="0">
+                <a:solidFill>
+                  <a:schemeClr val="tx2"/>
+                </a:solidFill>
+              </a:rPr>
+              <a:t>is a</a:t>
+            </a:r>
+            <a:endParaRPr lang="en-CA" sz="1600" dirty="0">
+              <a:solidFill>
+                <a:schemeClr val="tx2"/>
+              </a:solidFill>
+            </a:endParaRPr>
+          </a:p>
+        </p:txBody>
+      </p:sp>
     </p:spTree>
   </p:cSld>
   <p:clrMapOvr>
@@ -3618,15 +3726,7 @@
                   <a:schemeClr val="tx2"/>
                 </a:solidFill>
               </a:rPr>
-              <a:t>is </a:t>
-            </a:r>
-            <a:r>
-              <a:rPr lang="en-CA" sz="1600" dirty="0" smtClean="0">
-                <a:solidFill>
-                  <a:schemeClr val="tx2"/>
-                </a:solidFill>
-              </a:rPr>
-              <a:t>specified</a:t>
+              <a:t>is specified</a:t>
             </a:r>
           </a:p>
           <a:p>
@@ -4256,11 +4356,6 @@
               </a:rPr>
               <a:t>has input</a:t>
             </a:r>
-            <a:endParaRPr lang="en-CA" sz="1600" i="1" dirty="0" smtClean="0">
-              <a:solidFill>
-                <a:schemeClr val="tx2"/>
-              </a:solidFill>
-            </a:endParaRPr>
           </a:p>
         </p:txBody>
       </p:sp>
@@ -4330,7 +4425,7 @@
         </p:nvSpPr>
         <p:spPr>
           <a:xfrm>
-            <a:off x="833944" y="0"/>
+            <a:off x="3518256" y="3068960"/>
             <a:ext cx="1856086" cy="584775"/>
           </a:xfrm>
           <a:prstGeom prst="rect">
@@ -4367,8 +4462,8 @@
         </p:nvSpPr>
         <p:spPr>
           <a:xfrm>
-            <a:off x="1140074" y="1533654"/>
-            <a:ext cx="1062022" cy="338554"/>
+            <a:off x="1835696" y="1988840"/>
+            <a:ext cx="1062022" cy="584775"/>
           </a:xfrm>
           <a:prstGeom prst="rect">
             <a:avLst/>
@@ -4381,10 +4476,18 @@
           </a:bodyPr>
           <a:lstStyle/>
           <a:p>
+            <a:pPr algn="ctr"/>
             <a:r>
               <a:rPr lang="en-CA" sz="1600" dirty="0" smtClean="0"/>
               <a:t>parameter</a:t>
             </a:r>
+            <a:br>
+              <a:rPr lang="en-CA" sz="1600" dirty="0" smtClean="0"/>
+            </a:br>
+            <a:r>
+              <a:rPr lang="en-CA" sz="1600" dirty="0" smtClean="0"/>
+              <a:t>data item</a:t>
+            </a:r>
             <a:endParaRPr lang="en-CA" sz="1600" dirty="0"/>
           </a:p>
         </p:txBody>
@@ -4397,7 +4500,7 @@
         </p:nvSpPr>
         <p:spPr>
           <a:xfrm>
-            <a:off x="401896" y="648072"/>
+            <a:off x="2987824" y="1934416"/>
             <a:ext cx="570990" cy="523220"/>
           </a:xfrm>
           <a:prstGeom prst="rect">
@@ -4439,16 +4542,166 @@
           </a:p>
         </p:txBody>
       </p:sp>
-      <p:sp>
-        <p:nvSpPr>
-          <p:cNvPr id="5" name="TextBox 4"/>
+      <p:cxnSp>
+        <p:nvCxnSpPr>
+          <p:cNvPr id="12" name="Straight Arrow Connector 11"/>
+          <p:cNvCxnSpPr/>
+          <p:nvPr/>
+        </p:nvCxnSpPr>
+        <p:spPr>
+          <a:xfrm rot="10800000">
+            <a:off x="2843808" y="2204864"/>
+            <a:ext cx="792088" cy="1588"/>
+          </a:xfrm>
+          <a:prstGeom prst="straightConnector1">
+            <a:avLst/>
+          </a:prstGeom>
+          <a:ln>
+            <a:tailEnd type="arrow"/>
+          </a:ln>
+        </p:spPr>
+        <p:style>
+          <a:lnRef idx="1">
+            <a:schemeClr val="accent1"/>
+          </a:lnRef>
+          <a:fillRef idx="0">
+            <a:schemeClr val="accent1"/>
+          </a:fillRef>
+          <a:effectRef idx="0">
+            <a:schemeClr val="accent1"/>
+          </a:effectRef>
+          <a:fontRef idx="minor">
+            <a:schemeClr val="tx1"/>
+          </a:fontRef>
+        </p:style>
+      </p:cxnSp>
+      <p:sp>
+        <p:nvSpPr>
+          <p:cNvPr id="13" name="TextBox 12"/>
           <p:cNvSpPr txBox="1"/>
           <p:nvPr/>
         </p:nvSpPr>
         <p:spPr>
           <a:xfrm>
-            <a:off x="2470024" y="700916"/>
-            <a:ext cx="684803" cy="523220"/>
+            <a:off x="3563888" y="1988840"/>
+            <a:ext cx="1777410" cy="584775"/>
+          </a:xfrm>
+          <a:prstGeom prst="rect">
+            <a:avLst/>
+          </a:prstGeom>
+          <a:noFill/>
+        </p:spPr>
+        <p:txBody>
+          <a:bodyPr wrap="none" rtlCol="0">
+            <a:spAutoFit/>
+          </a:bodyPr>
+          <a:lstStyle/>
+          <a:p>
+            <a:pPr algn="ctr"/>
+            <a:r>
+              <a:rPr lang="en-CA" sz="1600" dirty="0" smtClean="0"/>
+              <a:t>parameterized </a:t>
+            </a:r>
+            <a:r>
+              <a:rPr lang="en-CA" sz="1600" dirty="0" smtClean="0"/>
+              <a:t/>
+            </a:r>
+            <a:br>
+              <a:rPr lang="en-CA" sz="1600" dirty="0" smtClean="0"/>
+            </a:br>
+            <a:r>
+              <a:rPr lang="en-CA" sz="1600" dirty="0" smtClean="0"/>
+              <a:t>software execution</a:t>
+            </a:r>
+            <a:endParaRPr lang="en-CA" sz="1600" dirty="0"/>
+          </a:p>
+        </p:txBody>
+      </p:sp>
+      <p:cxnSp>
+        <p:nvCxnSpPr>
+          <p:cNvPr id="14" name="Straight Arrow Connector 13"/>
+          <p:cNvCxnSpPr>
+            <a:stCxn id="2" idx="0"/>
+            <a:endCxn id="13" idx="2"/>
+          </p:cNvCxnSpPr>
+          <p:nvPr/>
+        </p:nvCxnSpPr>
+        <p:spPr>
+          <a:xfrm rot="5400000" flipH="1" flipV="1">
+            <a:off x="4201774" y="2818141"/>
+            <a:ext cx="495345" cy="6294"/>
+          </a:xfrm>
+          <a:prstGeom prst="straightConnector1">
+            <a:avLst/>
+          </a:prstGeom>
+          <a:ln>
+            <a:tailEnd type="arrow"/>
+          </a:ln>
+        </p:spPr>
+        <p:style>
+          <a:lnRef idx="1">
+            <a:schemeClr val="accent1"/>
+          </a:lnRef>
+          <a:fillRef idx="0">
+            <a:schemeClr val="accent1"/>
+          </a:fillRef>
+          <a:effectRef idx="0">
+            <a:schemeClr val="accent1"/>
+          </a:effectRef>
+          <a:fontRef idx="minor">
+            <a:schemeClr val="tx1"/>
+          </a:fontRef>
+        </p:style>
+      </p:cxnSp>
+      <p:sp>
+        <p:nvSpPr>
+          <p:cNvPr id="19" name="TextBox 18"/>
+          <p:cNvSpPr txBox="1"/>
+          <p:nvPr/>
+        </p:nvSpPr>
+        <p:spPr>
+          <a:xfrm>
+            <a:off x="4382352" y="2689175"/>
+            <a:ext cx="423514" cy="307777"/>
+          </a:xfrm>
+          <a:prstGeom prst="rect">
+            <a:avLst/>
+          </a:prstGeom>
+          <a:noFill/>
+        </p:spPr>
+        <p:txBody>
+          <a:bodyPr wrap="none" rtlCol="0">
+            <a:spAutoFit/>
+          </a:bodyPr>
+          <a:lstStyle/>
+          <a:p>
+            <a:pPr algn="ctr"/>
+            <a:r>
+              <a:rPr lang="en-CA" sz="1400" dirty="0" smtClean="0">
+                <a:solidFill>
+                  <a:schemeClr val="tx2"/>
+                </a:solidFill>
+              </a:rPr>
+              <a:t>is a</a:t>
+            </a:r>
+            <a:endParaRPr lang="en-CA" sz="1400" dirty="0">
+              <a:solidFill>
+                <a:schemeClr val="tx2"/>
+              </a:solidFill>
+            </a:endParaRPr>
+          </a:p>
+        </p:txBody>
+      </p:sp>
+      <p:sp>
+        <p:nvSpPr>
+          <p:cNvPr id="22" name="TextBox 21"/>
+          <p:cNvSpPr txBox="1"/>
+          <p:nvPr/>
+        </p:nvSpPr>
+        <p:spPr>
+          <a:xfrm>
+            <a:off x="5220072" y="1916832"/>
+            <a:ext cx="684804" cy="523220"/>
           </a:xfrm>
           <a:prstGeom prst="rect">
             <a:avLst/>
@@ -4489,102 +4742,16 @@
           </a:p>
         </p:txBody>
       </p:sp>
-      <p:sp>
-        <p:nvSpPr>
-          <p:cNvPr id="9" name="TextBox 8"/>
-          <p:cNvSpPr txBox="1"/>
-          <p:nvPr/>
-        </p:nvSpPr>
-        <p:spPr>
-          <a:xfrm>
-            <a:off x="2418120" y="1440160"/>
-            <a:ext cx="1034579" cy="338554"/>
-          </a:xfrm>
-          <a:prstGeom prst="rect">
-            <a:avLst/>
-          </a:prstGeom>
-          <a:noFill/>
-        </p:spPr>
-        <p:txBody>
-          <a:bodyPr wrap="none" rtlCol="0">
-            <a:spAutoFit/>
-          </a:bodyPr>
-          <a:lstStyle/>
-          <a:p>
-            <a:r>
-              <a:rPr lang="en-CA" sz="1600" dirty="0" smtClean="0">
-                <a:solidFill>
-                  <a:schemeClr val="accent2">
-                    <a:lumMod val="75000"/>
-                  </a:schemeClr>
-                </a:solidFill>
-              </a:rPr>
-              <a:t>descriptor</a:t>
-            </a:r>
-            <a:endParaRPr lang="en-CA" sz="1600" dirty="0">
-              <a:solidFill>
-                <a:schemeClr val="accent2">
-                  <a:lumMod val="75000"/>
-                </a:schemeClr>
-              </a:solidFill>
-            </a:endParaRPr>
-          </a:p>
-        </p:txBody>
-      </p:sp>
-      <p:sp>
-        <p:nvSpPr>
-          <p:cNvPr id="11" name="TextBox 10"/>
-          <p:cNvSpPr txBox="1"/>
-          <p:nvPr/>
-        </p:nvSpPr>
-        <p:spPr>
-          <a:xfrm>
-            <a:off x="0" y="1440160"/>
-            <a:ext cx="977960" cy="338554"/>
-          </a:xfrm>
-          <a:prstGeom prst="rect">
-            <a:avLst/>
-          </a:prstGeom>
-          <a:noFill/>
-        </p:spPr>
-        <p:txBody>
-          <a:bodyPr wrap="none" rtlCol="0">
-            <a:spAutoFit/>
-          </a:bodyPr>
-          <a:lstStyle/>
-          <a:p>
-            <a:r>
-              <a:rPr lang="en-CA" sz="1600" dirty="0" smtClean="0">
-                <a:solidFill>
-                  <a:schemeClr val="tx1">
-                    <a:lumMod val="50000"/>
-                    <a:lumOff val="50000"/>
-                  </a:schemeClr>
-                </a:solidFill>
-              </a:rPr>
-              <a:t>data item</a:t>
-            </a:r>
-            <a:endParaRPr lang="en-CA" sz="1600" dirty="0">
-              <a:solidFill>
-                <a:schemeClr val="tx1">
-                  <a:lumMod val="50000"/>
-                  <a:lumOff val="50000"/>
-                </a:schemeClr>
-              </a:solidFill>
-            </a:endParaRPr>
-          </a:p>
-        </p:txBody>
-      </p:sp>
       <p:cxnSp>
         <p:nvCxnSpPr>
-          <p:cNvPr id="12" name="Straight Arrow Connector 11"/>
+          <p:cNvPr id="23" name="Straight Arrow Connector 22"/>
           <p:cNvCxnSpPr/>
           <p:nvPr/>
         </p:nvCxnSpPr>
         <p:spPr>
-          <a:xfrm rot="10800000" flipV="1">
-            <a:off x="545912" y="576064"/>
-            <a:ext cx="1080120" cy="864096"/>
+          <a:xfrm>
+            <a:off x="5220072" y="2187280"/>
+            <a:ext cx="792088" cy="1588"/>
           </a:xfrm>
           <a:prstGeom prst="straightConnector1">
             <a:avLst/>
@@ -4610,14 +4777,107 @@
       </p:cxnSp>
       <p:sp>
         <p:nvSpPr>
-          <p:cNvPr id="17" name="TextBox 16"/>
+          <p:cNvPr id="24" name="TextBox 23"/>
           <p:cNvSpPr txBox="1"/>
           <p:nvPr/>
         </p:nvSpPr>
         <p:spPr>
           <a:xfrm>
-            <a:off x="1193984" y="792088"/>
-            <a:ext cx="953979" cy="523220"/>
+            <a:off x="6012160" y="2025680"/>
+            <a:ext cx="977960" cy="338554"/>
+          </a:xfrm>
+          <a:prstGeom prst="rect">
+            <a:avLst/>
+          </a:prstGeom>
+          <a:noFill/>
+        </p:spPr>
+        <p:txBody>
+          <a:bodyPr wrap="none" rtlCol="0">
+            <a:spAutoFit/>
+          </a:bodyPr>
+          <a:lstStyle/>
+          <a:p>
+            <a:pPr algn="ctr"/>
+            <a:r>
+              <a:rPr lang="en-CA" sz="1600" dirty="0" smtClean="0"/>
+              <a:t>data item</a:t>
+            </a:r>
+            <a:endParaRPr lang="en-CA" sz="1600" dirty="0"/>
+          </a:p>
+        </p:txBody>
+      </p:sp>
+      <p:sp>
+        <p:nvSpPr>
+          <p:cNvPr id="28" name="Rectangle 27"/>
+          <p:cNvSpPr/>
+          <p:nvPr/>
+        </p:nvSpPr>
+        <p:spPr>
+          <a:xfrm>
+            <a:off x="3635896" y="1196752"/>
+            <a:ext cx="1777410" cy="338554"/>
+          </a:xfrm>
+          <a:prstGeom prst="rect">
+            <a:avLst/>
+          </a:prstGeom>
+        </p:spPr>
+        <p:txBody>
+          <a:bodyPr wrap="none">
+            <a:spAutoFit/>
+          </a:bodyPr>
+          <a:lstStyle/>
+          <a:p>
+            <a:r>
+              <a:rPr lang="en-CA" sz="1600" dirty="0" smtClean="0"/>
+              <a:t>software execution</a:t>
+            </a:r>
+            <a:endParaRPr lang="en-GB" sz="1600" dirty="0"/>
+          </a:p>
+        </p:txBody>
+      </p:sp>
+      <p:cxnSp>
+        <p:nvCxnSpPr>
+          <p:cNvPr id="29" name="Straight Arrow Connector 28"/>
+          <p:cNvCxnSpPr/>
+          <p:nvPr/>
+        </p:nvCxnSpPr>
+        <p:spPr>
+          <a:xfrm rot="5400000" flipH="1" flipV="1">
+            <a:off x="4175398" y="1757766"/>
+            <a:ext cx="495345" cy="6294"/>
+          </a:xfrm>
+          <a:prstGeom prst="straightConnector1">
+            <a:avLst/>
+          </a:prstGeom>
+          <a:ln>
+            <a:tailEnd type="arrow"/>
+          </a:ln>
+        </p:spPr>
+        <p:style>
+          <a:lnRef idx="1">
+            <a:schemeClr val="accent1"/>
+          </a:lnRef>
+          <a:fillRef idx="0">
+            <a:schemeClr val="accent1"/>
+          </a:fillRef>
+          <a:effectRef idx="0">
+            <a:schemeClr val="accent1"/>
+          </a:effectRef>
+          <a:fontRef idx="minor">
+            <a:schemeClr val="tx1"/>
+          </a:fontRef>
+        </p:style>
+      </p:cxnSp>
+      <p:sp>
+        <p:nvSpPr>
+          <p:cNvPr id="30" name="TextBox 29"/>
+          <p:cNvSpPr txBox="1"/>
+          <p:nvPr/>
+        </p:nvSpPr>
+        <p:spPr>
+          <a:xfrm>
+            <a:off x="4355976" y="1628800"/>
+            <a:ext cx="423514" cy="307777"/>
           </a:xfrm>
           <a:prstGeom prst="rect">
             <a:avLst/>
@@ -4637,22 +4897,79 @@
                   <a:schemeClr val="tx2"/>
                 </a:solidFill>
               </a:rPr>
-              <a:t>has input</a:t>
-            </a:r>
-            <a:br>
+              <a:t>is a</a:t>
+            </a:r>
+            <a:endParaRPr lang="en-CA" sz="1400" dirty="0">
+              <a:solidFill>
+                <a:schemeClr val="tx2"/>
+              </a:solidFill>
+            </a:endParaRPr>
+          </a:p>
+        </p:txBody>
+      </p:sp>
+      <p:cxnSp>
+        <p:nvCxnSpPr>
+          <p:cNvPr id="31" name="Straight Arrow Connector 30"/>
+          <p:cNvCxnSpPr/>
+          <p:nvPr/>
+        </p:nvCxnSpPr>
+        <p:spPr>
+          <a:xfrm rot="5400000" flipH="1" flipV="1">
+            <a:off x="4175398" y="965678"/>
+            <a:ext cx="495345" cy="6294"/>
+          </a:xfrm>
+          <a:prstGeom prst="straightConnector1">
+            <a:avLst/>
+          </a:prstGeom>
+          <a:ln>
+            <a:tailEnd type="arrow"/>
+          </a:ln>
+        </p:spPr>
+        <p:style>
+          <a:lnRef idx="1">
+            <a:schemeClr val="accent1"/>
+          </a:lnRef>
+          <a:fillRef idx="0">
+            <a:schemeClr val="accent1"/>
+          </a:fillRef>
+          <a:effectRef idx="0">
+            <a:schemeClr val="accent1"/>
+          </a:effectRef>
+          <a:fontRef idx="minor">
+            <a:schemeClr val="tx1"/>
+          </a:fontRef>
+        </p:style>
+      </p:cxnSp>
+      <p:sp>
+        <p:nvSpPr>
+          <p:cNvPr id="32" name="TextBox 31"/>
+          <p:cNvSpPr txBox="1"/>
+          <p:nvPr/>
+        </p:nvSpPr>
+        <p:spPr>
+          <a:xfrm>
+            <a:off x="4355976" y="836712"/>
+            <a:ext cx="423514" cy="307777"/>
+          </a:xfrm>
+          <a:prstGeom prst="rect">
+            <a:avLst/>
+          </a:prstGeom>
+          <a:noFill/>
+        </p:spPr>
+        <p:txBody>
+          <a:bodyPr wrap="none" rtlCol="0">
+            <a:spAutoFit/>
+          </a:bodyPr>
+          <a:lstStyle/>
+          <a:p>
+            <a:pPr algn="ctr"/>
+            <a:r>
               <a:rPr lang="en-CA" sz="1400" dirty="0" smtClean="0">
                 <a:solidFill>
                   <a:schemeClr val="tx2"/>
                 </a:solidFill>
               </a:rPr>
-            </a:br>
-            <a:r>
-              <a:rPr lang="en-CA" sz="1400" dirty="0" smtClean="0">
-                <a:solidFill>
-                  <a:schemeClr val="tx2"/>
-                </a:solidFill>
-              </a:rPr>
-              <a:t>parameter</a:t>
+              <a:t>is a</a:t>
             </a:r>
             <a:endParaRPr lang="en-CA" sz="1400" dirty="0">
               <a:solidFill>
@@ -4662,18 +4979,240 @@
           </a:p>
         </p:txBody>
       </p:sp>
+      <p:sp>
+        <p:nvSpPr>
+          <p:cNvPr id="33" name="Rectangle 32"/>
+          <p:cNvSpPr/>
+          <p:nvPr/>
+        </p:nvSpPr>
+        <p:spPr>
+          <a:xfrm>
+            <a:off x="4040705" y="404664"/>
+            <a:ext cx="819327" cy="338554"/>
+          </a:xfrm>
+          <a:prstGeom prst="rect">
+            <a:avLst/>
+          </a:prstGeom>
+        </p:spPr>
+        <p:txBody>
+          <a:bodyPr wrap="none">
+            <a:spAutoFit/>
+          </a:bodyPr>
+          <a:lstStyle/>
+          <a:p>
+            <a:r>
+              <a:rPr lang="en-CA" sz="1600" dirty="0" smtClean="0"/>
+              <a:t>process</a:t>
+            </a:r>
+            <a:endParaRPr lang="en-GB" sz="1600" dirty="0"/>
+          </a:p>
+        </p:txBody>
+      </p:sp>
+    </p:spTree>
+  </p:cSld>
+  <p:clrMapOvr>
+    <a:masterClrMapping/>
+  </p:clrMapOvr>
+</p:sld>
+</file>
+
+<file path=ppt/slides/slide4.xml><?xml version="1.0" encoding="utf-8"?>
+<p:sld xmlns:a="http://schemas.openxmlformats.org/drawingml/2006/main" xmlns:r="http://schemas.openxmlformats.org/officeDocument/2006/relationships" xmlns:p="http://schemas.openxmlformats.org/presentationml/2006/main">
+  <p:cSld>
+    <p:spTree>
+      <p:nvGrpSpPr>
+        <p:cNvPr id="1" name=""/>
+        <p:cNvGrpSpPr/>
+        <p:nvPr/>
+      </p:nvGrpSpPr>
+      <p:grpSpPr>
+        <a:xfrm>
+          <a:off x="0" y="0"/>
+          <a:ext cx="0" cy="0"/>
+          <a:chOff x="0" y="0"/>
+          <a:chExt cx="0" cy="0"/>
+        </a:xfrm>
+      </p:grpSpPr>
+      <p:sp>
+        <p:nvSpPr>
+          <p:cNvPr id="2" name="TextBox 1"/>
+          <p:cNvSpPr txBox="1"/>
+          <p:nvPr/>
+        </p:nvSpPr>
+        <p:spPr>
+          <a:xfrm>
+            <a:off x="4860032" y="1412776"/>
+            <a:ext cx="1906869" cy="369332"/>
+          </a:xfrm>
+          <a:prstGeom prst="rect">
+            <a:avLst/>
+          </a:prstGeom>
+          <a:noFill/>
+        </p:spPr>
+        <p:txBody>
+          <a:bodyPr wrap="none" rtlCol="0">
+            <a:spAutoFit/>
+          </a:bodyPr>
+          <a:lstStyle/>
+          <a:p>
+            <a:r>
+              <a:rPr lang="en-CA" dirty="0" smtClean="0"/>
+              <a:t>numeric data item</a:t>
+            </a:r>
+            <a:endParaRPr lang="en-CA" dirty="0"/>
+          </a:p>
+        </p:txBody>
+      </p:sp>
+      <p:sp>
+        <p:nvSpPr>
+          <p:cNvPr id="5" name="TextBox 4"/>
+          <p:cNvSpPr txBox="1"/>
+          <p:nvPr/>
+        </p:nvSpPr>
+        <p:spPr>
+          <a:xfrm>
+            <a:off x="5666569" y="1866310"/>
+            <a:ext cx="1190134" cy="338554"/>
+          </a:xfrm>
+          <a:prstGeom prst="rect">
+            <a:avLst/>
+          </a:prstGeom>
+          <a:noFill/>
+        </p:spPr>
+        <p:txBody>
+          <a:bodyPr wrap="none" rtlCol="0">
+            <a:spAutoFit/>
+          </a:bodyPr>
+          <a:lstStyle/>
+          <a:p>
+            <a:r>
+              <a:rPr lang="en-CA" sz="1600" dirty="0" smtClean="0">
+                <a:solidFill>
+                  <a:schemeClr val="tx2"/>
+                </a:solidFill>
+              </a:rPr>
+              <a:t>conforms to</a:t>
+            </a:r>
+            <a:endParaRPr lang="en-CA" sz="1600" dirty="0">
+              <a:solidFill>
+                <a:schemeClr val="tx2"/>
+              </a:solidFill>
+            </a:endParaRPr>
+          </a:p>
+        </p:txBody>
+      </p:sp>
+      <p:sp>
+        <p:nvSpPr>
+          <p:cNvPr id="6" name="TextBox 5"/>
+          <p:cNvSpPr txBox="1"/>
+          <p:nvPr/>
+        </p:nvSpPr>
+        <p:spPr>
+          <a:xfrm>
+            <a:off x="3942482" y="2420888"/>
+            <a:ext cx="3349058" cy="369332"/>
+          </a:xfrm>
+          <a:prstGeom prst="rect">
+            <a:avLst/>
+          </a:prstGeom>
+          <a:noFill/>
+        </p:spPr>
+        <p:txBody>
+          <a:bodyPr wrap="none" rtlCol="0">
+            <a:spAutoFit/>
+          </a:bodyPr>
+          <a:lstStyle/>
+          <a:p>
+            <a:pPr algn="ctr"/>
+            <a:r>
+              <a:rPr lang="en-CA" dirty="0" smtClean="0"/>
+              <a:t>numeric data format specification</a:t>
+            </a:r>
+            <a:endParaRPr lang="en-CA" dirty="0"/>
+          </a:p>
+        </p:txBody>
+      </p:sp>
+      <p:sp>
+        <p:nvSpPr>
+          <p:cNvPr id="8" name="TextBox 7"/>
+          <p:cNvSpPr txBox="1"/>
+          <p:nvPr/>
+        </p:nvSpPr>
+        <p:spPr>
+          <a:xfrm>
+            <a:off x="4860032" y="908720"/>
+            <a:ext cx="455574" cy="338554"/>
+          </a:xfrm>
+          <a:prstGeom prst="rect">
+            <a:avLst/>
+          </a:prstGeom>
+          <a:noFill/>
+        </p:spPr>
+        <p:txBody>
+          <a:bodyPr wrap="none" rtlCol="0">
+            <a:spAutoFit/>
+          </a:bodyPr>
+          <a:lstStyle/>
+          <a:p>
+            <a:r>
+              <a:rPr lang="en-CA" sz="1600" dirty="0" smtClean="0">
+                <a:solidFill>
+                  <a:schemeClr val="tx2"/>
+                </a:solidFill>
+              </a:rPr>
+              <a:t>is a</a:t>
+            </a:r>
+            <a:endParaRPr lang="en-CA" sz="1600" dirty="0">
+              <a:solidFill>
+                <a:schemeClr val="tx2"/>
+              </a:solidFill>
+            </a:endParaRPr>
+          </a:p>
+        </p:txBody>
+      </p:sp>
+      <p:sp>
+        <p:nvSpPr>
+          <p:cNvPr id="9" name="TextBox 8"/>
+          <p:cNvSpPr txBox="1"/>
+          <p:nvPr/>
+        </p:nvSpPr>
+        <p:spPr>
+          <a:xfrm>
+            <a:off x="3491880" y="548680"/>
+            <a:ext cx="1079719" cy="369332"/>
+          </a:xfrm>
+          <a:prstGeom prst="rect">
+            <a:avLst/>
+          </a:prstGeom>
+          <a:noFill/>
+        </p:spPr>
+        <p:txBody>
+          <a:bodyPr wrap="none" rtlCol="0">
+            <a:spAutoFit/>
+          </a:bodyPr>
+          <a:lstStyle/>
+          <a:p>
+            <a:pPr algn="ctr"/>
+            <a:r>
+              <a:rPr lang="en-CA" dirty="0" smtClean="0"/>
+              <a:t>data item</a:t>
+            </a:r>
+            <a:endParaRPr lang="en-CA" dirty="0"/>
+          </a:p>
+        </p:txBody>
+      </p:sp>
       <p:cxnSp>
         <p:nvCxnSpPr>
-          <p:cNvPr id="21" name="Straight Arrow Connector 20"/>
+          <p:cNvPr id="11" name="Straight Arrow Connector 10"/>
           <p:cNvCxnSpPr>
-            <a:stCxn id="2" idx="2"/>
+            <a:endCxn id="9" idx="2"/>
           </p:cNvCxnSpPr>
           <p:nvPr/>
         </p:nvCxnSpPr>
         <p:spPr>
-          <a:xfrm rot="16200000" flipH="1">
-            <a:off x="1338325" y="1008436"/>
-            <a:ext cx="855385" cy="8061"/>
+          <a:xfrm rot="10800000">
+            <a:off x="4031740" y="918012"/>
+            <a:ext cx="1621968" cy="485646"/>
           </a:xfrm>
           <a:prstGeom prst="straightConnector1">
             <a:avLst/>
@@ -4699,14 +5238,14 @@
       </p:cxnSp>
       <p:cxnSp>
         <p:nvCxnSpPr>
-          <p:cNvPr id="26" name="Straight Arrow Connector 25"/>
+          <p:cNvPr id="12" name="Straight Arrow Connector 11"/>
           <p:cNvCxnSpPr/>
           <p:nvPr/>
         </p:nvCxnSpPr>
         <p:spPr>
-          <a:xfrm>
-            <a:off x="1842056" y="576064"/>
-            <a:ext cx="936104" cy="864096"/>
+          <a:xfrm rot="5400000">
+            <a:off x="5364882" y="2060054"/>
+            <a:ext cx="576064" cy="1588"/>
           </a:xfrm>
           <a:prstGeom prst="straightConnector1">
             <a:avLst/>
@@ -4730,6 +5269,1640 @@
           </a:fontRef>
         </p:style>
       </p:cxnSp>
+      <p:sp>
+        <p:nvSpPr>
+          <p:cNvPr id="15" name="TextBox 14"/>
+          <p:cNvSpPr txBox="1"/>
+          <p:nvPr/>
+        </p:nvSpPr>
+        <p:spPr>
+          <a:xfrm>
+            <a:off x="5076056" y="2852936"/>
+            <a:ext cx="455574" cy="338554"/>
+          </a:xfrm>
+          <a:prstGeom prst="rect">
+            <a:avLst/>
+          </a:prstGeom>
+          <a:noFill/>
+        </p:spPr>
+        <p:txBody>
+          <a:bodyPr wrap="none" rtlCol="0">
+            <a:spAutoFit/>
+          </a:bodyPr>
+          <a:lstStyle/>
+          <a:p>
+            <a:r>
+              <a:rPr lang="en-CA" sz="1600" dirty="0" smtClean="0">
+                <a:solidFill>
+                  <a:schemeClr val="tx2"/>
+                </a:solidFill>
+              </a:rPr>
+              <a:t>is a</a:t>
+            </a:r>
+            <a:endParaRPr lang="en-CA" sz="1600" dirty="0">
+              <a:solidFill>
+                <a:schemeClr val="tx2"/>
+              </a:solidFill>
+            </a:endParaRPr>
+          </a:p>
+        </p:txBody>
+      </p:sp>
+      <p:sp>
+        <p:nvSpPr>
+          <p:cNvPr id="16" name="TextBox 15"/>
+          <p:cNvSpPr txBox="1"/>
+          <p:nvPr/>
+        </p:nvSpPr>
+        <p:spPr>
+          <a:xfrm>
+            <a:off x="2771800" y="3284984"/>
+            <a:ext cx="2521909" cy="369332"/>
+          </a:xfrm>
+          <a:prstGeom prst="rect">
+            <a:avLst/>
+          </a:prstGeom>
+          <a:noFill/>
+        </p:spPr>
+        <p:txBody>
+          <a:bodyPr wrap="none" rtlCol="0">
+            <a:spAutoFit/>
+          </a:bodyPr>
+          <a:lstStyle/>
+          <a:p>
+            <a:pPr algn="ctr"/>
+            <a:r>
+              <a:rPr lang="en-CA" dirty="0" smtClean="0"/>
+              <a:t>data format specification</a:t>
+            </a:r>
+            <a:endParaRPr lang="en-CA" dirty="0"/>
+          </a:p>
+        </p:txBody>
+      </p:sp>
+      <p:cxnSp>
+        <p:nvCxnSpPr>
+          <p:cNvPr id="17" name="Straight Arrow Connector 16"/>
+          <p:cNvCxnSpPr>
+            <a:stCxn id="16" idx="0"/>
+          </p:cNvCxnSpPr>
+          <p:nvPr/>
+        </p:nvCxnSpPr>
+        <p:spPr>
+          <a:xfrm rot="5400000" flipH="1" flipV="1">
+            <a:off x="4586664" y="2217899"/>
+            <a:ext cx="513176" cy="1620994"/>
+          </a:xfrm>
+          <a:prstGeom prst="straightConnector1">
+            <a:avLst/>
+          </a:prstGeom>
+          <a:ln>
+            <a:tailEnd type="arrow"/>
+          </a:ln>
+        </p:spPr>
+        <p:style>
+          <a:lnRef idx="1">
+            <a:schemeClr val="accent1"/>
+          </a:lnRef>
+          <a:fillRef idx="0">
+            <a:schemeClr val="accent1"/>
+          </a:fillRef>
+          <a:effectRef idx="0">
+            <a:schemeClr val="accent1"/>
+          </a:effectRef>
+          <a:fontRef idx="minor">
+            <a:schemeClr val="tx1"/>
+          </a:fontRef>
+        </p:style>
+      </p:cxnSp>
+      <p:sp>
+        <p:nvSpPr>
+          <p:cNvPr id="18" name="TextBox 17"/>
+          <p:cNvSpPr txBox="1"/>
+          <p:nvPr/>
+        </p:nvSpPr>
+        <p:spPr>
+          <a:xfrm>
+            <a:off x="1529110" y="1412776"/>
+            <a:ext cx="1781385" cy="369332"/>
+          </a:xfrm>
+          <a:prstGeom prst="rect">
+            <a:avLst/>
+          </a:prstGeom>
+          <a:noFill/>
+        </p:spPr>
+        <p:txBody>
+          <a:bodyPr wrap="none" rtlCol="0">
+            <a:spAutoFit/>
+          </a:bodyPr>
+          <a:lstStyle/>
+          <a:p>
+            <a:r>
+              <a:rPr lang="en-CA" dirty="0" smtClean="0"/>
+              <a:t>textual data item</a:t>
+            </a:r>
+            <a:endParaRPr lang="en-CA" dirty="0"/>
+          </a:p>
+        </p:txBody>
+      </p:sp>
+      <p:sp>
+        <p:nvSpPr>
+          <p:cNvPr id="19" name="TextBox 18"/>
+          <p:cNvSpPr txBox="1"/>
+          <p:nvPr/>
+        </p:nvSpPr>
+        <p:spPr>
+          <a:xfrm>
+            <a:off x="2335647" y="1866310"/>
+            <a:ext cx="1190134" cy="338554"/>
+          </a:xfrm>
+          <a:prstGeom prst="rect">
+            <a:avLst/>
+          </a:prstGeom>
+          <a:noFill/>
+        </p:spPr>
+        <p:txBody>
+          <a:bodyPr wrap="none" rtlCol="0">
+            <a:spAutoFit/>
+          </a:bodyPr>
+          <a:lstStyle/>
+          <a:p>
+            <a:r>
+              <a:rPr lang="en-CA" sz="1600" dirty="0" smtClean="0">
+                <a:solidFill>
+                  <a:schemeClr val="tx2"/>
+                </a:solidFill>
+              </a:rPr>
+              <a:t>conforms to</a:t>
+            </a:r>
+            <a:endParaRPr lang="en-CA" sz="1600" dirty="0">
+              <a:solidFill>
+                <a:schemeClr val="tx2"/>
+              </a:solidFill>
+            </a:endParaRPr>
+          </a:p>
+        </p:txBody>
+      </p:sp>
+      <p:sp>
+        <p:nvSpPr>
+          <p:cNvPr id="20" name="TextBox 19"/>
+          <p:cNvSpPr txBox="1"/>
+          <p:nvPr/>
+        </p:nvSpPr>
+        <p:spPr>
+          <a:xfrm>
+            <a:off x="674303" y="2420888"/>
+            <a:ext cx="3223575" cy="369332"/>
+          </a:xfrm>
+          <a:prstGeom prst="rect">
+            <a:avLst/>
+          </a:prstGeom>
+          <a:noFill/>
+        </p:spPr>
+        <p:txBody>
+          <a:bodyPr wrap="none" rtlCol="0">
+            <a:spAutoFit/>
+          </a:bodyPr>
+          <a:lstStyle/>
+          <a:p>
+            <a:pPr algn="ctr"/>
+            <a:r>
+              <a:rPr lang="en-CA" dirty="0" smtClean="0"/>
+              <a:t>textual data format specification</a:t>
+            </a:r>
+            <a:endParaRPr lang="en-CA" dirty="0"/>
+          </a:p>
+        </p:txBody>
+      </p:sp>
+      <p:cxnSp>
+        <p:nvCxnSpPr>
+          <p:cNvPr id="21" name="Straight Arrow Connector 20"/>
+          <p:cNvCxnSpPr/>
+          <p:nvPr/>
+        </p:nvCxnSpPr>
+        <p:spPr>
+          <a:xfrm rot="5400000">
+            <a:off x="2033960" y="2060054"/>
+            <a:ext cx="576064" cy="1588"/>
+          </a:xfrm>
+          <a:prstGeom prst="straightConnector1">
+            <a:avLst/>
+          </a:prstGeom>
+          <a:ln>
+            <a:tailEnd type="arrow"/>
+          </a:ln>
+        </p:spPr>
+        <p:style>
+          <a:lnRef idx="1">
+            <a:schemeClr val="accent1"/>
+          </a:lnRef>
+          <a:fillRef idx="0">
+            <a:schemeClr val="accent1"/>
+          </a:fillRef>
+          <a:effectRef idx="0">
+            <a:schemeClr val="accent1"/>
+          </a:effectRef>
+          <a:fontRef idx="minor">
+            <a:schemeClr val="tx1"/>
+          </a:fontRef>
+        </p:style>
+      </p:cxnSp>
+      <p:sp>
+        <p:nvSpPr>
+          <p:cNvPr id="22" name="TextBox 21"/>
+          <p:cNvSpPr txBox="1"/>
+          <p:nvPr/>
+        </p:nvSpPr>
+        <p:spPr>
+          <a:xfrm>
+            <a:off x="2604258" y="2924944"/>
+            <a:ext cx="455574" cy="338554"/>
+          </a:xfrm>
+          <a:prstGeom prst="rect">
+            <a:avLst/>
+          </a:prstGeom>
+          <a:noFill/>
+        </p:spPr>
+        <p:txBody>
+          <a:bodyPr wrap="none" rtlCol="0">
+            <a:spAutoFit/>
+          </a:bodyPr>
+          <a:lstStyle/>
+          <a:p>
+            <a:r>
+              <a:rPr lang="en-CA" sz="1600" dirty="0" smtClean="0">
+                <a:solidFill>
+                  <a:schemeClr val="tx2"/>
+                </a:solidFill>
+              </a:rPr>
+              <a:t>is a</a:t>
+            </a:r>
+            <a:endParaRPr lang="en-CA" sz="1600" dirty="0">
+              <a:solidFill>
+                <a:schemeClr val="tx2"/>
+              </a:solidFill>
+            </a:endParaRPr>
+          </a:p>
+        </p:txBody>
+      </p:sp>
+      <p:cxnSp>
+        <p:nvCxnSpPr>
+          <p:cNvPr id="24" name="Straight Arrow Connector 23"/>
+          <p:cNvCxnSpPr>
+            <a:stCxn id="16" idx="0"/>
+          </p:cNvCxnSpPr>
+          <p:nvPr/>
+        </p:nvCxnSpPr>
+        <p:spPr>
+          <a:xfrm rot="16200000" flipV="1">
+            <a:off x="2957207" y="2209436"/>
+            <a:ext cx="441168" cy="1709928"/>
+          </a:xfrm>
+          <a:prstGeom prst="straightConnector1">
+            <a:avLst/>
+          </a:prstGeom>
+          <a:ln>
+            <a:tailEnd type="arrow"/>
+          </a:ln>
+        </p:spPr>
+        <p:style>
+          <a:lnRef idx="1">
+            <a:schemeClr val="accent1"/>
+          </a:lnRef>
+          <a:fillRef idx="0">
+            <a:schemeClr val="accent1"/>
+          </a:fillRef>
+          <a:effectRef idx="0">
+            <a:schemeClr val="accent1"/>
+          </a:effectRef>
+          <a:fontRef idx="minor">
+            <a:schemeClr val="tx1"/>
+          </a:fontRef>
+        </p:style>
+      </p:cxnSp>
+      <p:sp>
+        <p:nvSpPr>
+          <p:cNvPr id="26" name="TextBox 25"/>
+          <p:cNvSpPr txBox="1"/>
+          <p:nvPr/>
+        </p:nvSpPr>
+        <p:spPr>
+          <a:xfrm>
+            <a:off x="2627784" y="980728"/>
+            <a:ext cx="455574" cy="338554"/>
+          </a:xfrm>
+          <a:prstGeom prst="rect">
+            <a:avLst/>
+          </a:prstGeom>
+          <a:noFill/>
+        </p:spPr>
+        <p:txBody>
+          <a:bodyPr wrap="none" rtlCol="0">
+            <a:spAutoFit/>
+          </a:bodyPr>
+          <a:lstStyle/>
+          <a:p>
+            <a:r>
+              <a:rPr lang="en-CA" sz="1600" dirty="0" smtClean="0">
+                <a:solidFill>
+                  <a:schemeClr val="tx2"/>
+                </a:solidFill>
+              </a:rPr>
+              <a:t>is a</a:t>
+            </a:r>
+            <a:endParaRPr lang="en-CA" sz="1600" dirty="0">
+              <a:solidFill>
+                <a:schemeClr val="tx2"/>
+              </a:solidFill>
+            </a:endParaRPr>
+          </a:p>
+        </p:txBody>
+      </p:sp>
+      <p:cxnSp>
+        <p:nvCxnSpPr>
+          <p:cNvPr id="27" name="Straight Arrow Connector 26"/>
+          <p:cNvCxnSpPr>
+            <a:endCxn id="9" idx="2"/>
+          </p:cNvCxnSpPr>
+          <p:nvPr/>
+        </p:nvCxnSpPr>
+        <p:spPr>
+          <a:xfrm flipV="1">
+            <a:off x="2555776" y="918012"/>
+            <a:ext cx="1475964" cy="494764"/>
+          </a:xfrm>
+          <a:prstGeom prst="straightConnector1">
+            <a:avLst/>
+          </a:prstGeom>
+          <a:ln>
+            <a:tailEnd type="arrow"/>
+          </a:ln>
+        </p:spPr>
+        <p:style>
+          <a:lnRef idx="1">
+            <a:schemeClr val="accent1"/>
+          </a:lnRef>
+          <a:fillRef idx="0">
+            <a:schemeClr val="accent1"/>
+          </a:fillRef>
+          <a:effectRef idx="0">
+            <a:schemeClr val="accent1"/>
+          </a:effectRef>
+          <a:fontRef idx="minor">
+            <a:schemeClr val="tx1"/>
+          </a:fontRef>
+        </p:style>
+      </p:cxnSp>
+    </p:spTree>
+  </p:cSld>
+  <p:clrMapOvr>
+    <a:masterClrMapping/>
+  </p:clrMapOvr>
+</p:sld>
+</file>
+
+<file path=ppt/slides/slide5.xml><?xml version="1.0" encoding="utf-8"?>
+<p:sld xmlns:a="http://schemas.openxmlformats.org/drawingml/2006/main" xmlns:r="http://schemas.openxmlformats.org/officeDocument/2006/relationships" xmlns:p="http://schemas.openxmlformats.org/presentationml/2006/main">
+  <p:cSld>
+    <p:spTree>
+      <p:nvGrpSpPr>
+        <p:cNvPr id="1" name=""/>
+        <p:cNvGrpSpPr/>
+        <p:nvPr/>
+      </p:nvGrpSpPr>
+      <p:grpSpPr>
+        <a:xfrm>
+          <a:off x="0" y="0"/>
+          <a:ext cx="0" cy="0"/>
+          <a:chOff x="0" y="0"/>
+          <a:chExt cx="0" cy="0"/>
+        </a:xfrm>
+      </p:grpSpPr>
+      <p:sp>
+        <p:nvSpPr>
+          <p:cNvPr id="2" name="TextBox 1"/>
+          <p:cNvSpPr txBox="1"/>
+          <p:nvPr/>
+        </p:nvSpPr>
+        <p:spPr>
+          <a:xfrm>
+            <a:off x="2520280" y="2204864"/>
+            <a:ext cx="1070678" cy="1292662"/>
+          </a:xfrm>
+          <a:prstGeom prst="rect">
+            <a:avLst/>
+          </a:prstGeom>
+          <a:noFill/>
+        </p:spPr>
+        <p:txBody>
+          <a:bodyPr wrap="none" rtlCol="0">
+            <a:spAutoFit/>
+          </a:bodyPr>
+          <a:lstStyle/>
+          <a:p>
+            <a:pPr algn="ctr"/>
+            <a:r>
+              <a:rPr lang="en-CA" dirty="0" smtClean="0"/>
+              <a:t>software</a:t>
+            </a:r>
+            <a:br>
+              <a:rPr lang="en-CA" dirty="0" smtClean="0"/>
+            </a:br>
+            <a:r>
+              <a:rPr lang="en-CA" dirty="0" smtClean="0"/>
+              <a:t>module </a:t>
+            </a:r>
+            <a:br>
+              <a:rPr lang="en-CA" dirty="0" smtClean="0"/>
+            </a:br>
+            <a:r>
+              <a:rPr lang="en-CA" sz="1400" i="1" dirty="0" smtClean="0"/>
+              <a:t>to calculate </a:t>
+            </a:r>
+            <a:br>
+              <a:rPr lang="en-CA" sz="1400" i="1" dirty="0" smtClean="0"/>
+            </a:br>
+            <a:r>
+              <a:rPr lang="en-CA" sz="1400" i="1" dirty="0" smtClean="0"/>
+              <a:t>a chemical </a:t>
+            </a:r>
+            <a:br>
+              <a:rPr lang="en-CA" sz="1400" i="1" dirty="0" smtClean="0"/>
+            </a:br>
+            <a:r>
+              <a:rPr lang="en-CA" sz="1400" i="1" dirty="0" smtClean="0"/>
+              <a:t>descriptor</a:t>
+            </a:r>
+            <a:endParaRPr lang="en-CA" dirty="0"/>
+          </a:p>
+        </p:txBody>
+      </p:sp>
+      <p:sp>
+        <p:nvSpPr>
+          <p:cNvPr id="3" name="TextBox 2"/>
+          <p:cNvSpPr txBox="1"/>
+          <p:nvPr/>
+        </p:nvSpPr>
+        <p:spPr>
+          <a:xfrm>
+            <a:off x="2520280" y="548680"/>
+            <a:ext cx="1146468" cy="1015663"/>
+          </a:xfrm>
+          <a:prstGeom prst="rect">
+            <a:avLst/>
+          </a:prstGeom>
+          <a:noFill/>
+        </p:spPr>
+        <p:txBody>
+          <a:bodyPr wrap="none" rtlCol="0">
+            <a:spAutoFit/>
+          </a:bodyPr>
+          <a:lstStyle/>
+          <a:p>
+            <a:pPr algn="ctr"/>
+            <a:r>
+              <a:rPr lang="en-CA" dirty="0" smtClean="0"/>
+              <a:t>algorithm </a:t>
+            </a:r>
+            <a:br>
+              <a:rPr lang="en-CA" dirty="0" smtClean="0"/>
+            </a:br>
+            <a:r>
+              <a:rPr lang="en-CA" sz="1400" i="1" dirty="0" smtClean="0"/>
+              <a:t>to calculate</a:t>
+            </a:r>
+            <a:br>
+              <a:rPr lang="en-CA" sz="1400" i="1" dirty="0" smtClean="0"/>
+            </a:br>
+            <a:r>
+              <a:rPr lang="en-CA" sz="1400" i="1" dirty="0" smtClean="0"/>
+              <a:t>a chemical </a:t>
+            </a:r>
+            <a:br>
+              <a:rPr lang="en-CA" sz="1400" i="1" dirty="0" smtClean="0"/>
+            </a:br>
+            <a:r>
+              <a:rPr lang="en-CA" sz="1400" i="1" dirty="0" smtClean="0"/>
+              <a:t>descriptor</a:t>
+            </a:r>
+            <a:endParaRPr lang="en-CA" dirty="0"/>
+          </a:p>
+        </p:txBody>
+      </p:sp>
+      <p:sp>
+        <p:nvSpPr>
+          <p:cNvPr id="6" name="TextBox 5"/>
+          <p:cNvSpPr txBox="1"/>
+          <p:nvPr/>
+        </p:nvSpPr>
+        <p:spPr>
+          <a:xfrm>
+            <a:off x="1219643" y="467961"/>
+            <a:ext cx="1250663" cy="584775"/>
+          </a:xfrm>
+          <a:prstGeom prst="rect">
+            <a:avLst/>
+          </a:prstGeom>
+          <a:noFill/>
+        </p:spPr>
+        <p:txBody>
+          <a:bodyPr wrap="none" rtlCol="0">
+            <a:spAutoFit/>
+          </a:bodyPr>
+          <a:lstStyle/>
+          <a:p>
+            <a:pPr algn="ctr"/>
+            <a:r>
+              <a:rPr lang="en-CA" sz="1600" i="1" dirty="0" smtClean="0">
+                <a:solidFill>
+                  <a:schemeClr val="tx2"/>
+                </a:solidFill>
+              </a:rPr>
+              <a:t>has specified</a:t>
+            </a:r>
+          </a:p>
+          <a:p>
+            <a:pPr algn="ctr"/>
+            <a:r>
+              <a:rPr lang="en-CA" sz="1600" i="1" dirty="0" smtClean="0">
+                <a:solidFill>
+                  <a:schemeClr val="tx2"/>
+                </a:solidFill>
+              </a:rPr>
+              <a:t> output</a:t>
+            </a:r>
+          </a:p>
+        </p:txBody>
+      </p:sp>
+      <p:cxnSp>
+        <p:nvCxnSpPr>
+          <p:cNvPr id="7" name="Straight Arrow Connector 6"/>
+          <p:cNvCxnSpPr/>
+          <p:nvPr/>
+        </p:nvCxnSpPr>
+        <p:spPr>
+          <a:xfrm rot="16200000" flipV="1">
+            <a:off x="2665090" y="1916038"/>
+            <a:ext cx="720080" cy="1588"/>
+          </a:xfrm>
+          <a:prstGeom prst="straightConnector1">
+            <a:avLst/>
+          </a:prstGeom>
+          <a:ln>
+            <a:tailEnd type="arrow"/>
+          </a:ln>
+        </p:spPr>
+        <p:style>
+          <a:lnRef idx="1">
+            <a:schemeClr val="accent1"/>
+          </a:lnRef>
+          <a:fillRef idx="0">
+            <a:schemeClr val="accent1"/>
+          </a:fillRef>
+          <a:effectRef idx="0">
+            <a:schemeClr val="accent1"/>
+          </a:effectRef>
+          <a:fontRef idx="minor">
+            <a:schemeClr val="tx1"/>
+          </a:fontRef>
+        </p:style>
+      </p:cxnSp>
+      <p:cxnSp>
+        <p:nvCxnSpPr>
+          <p:cNvPr id="8" name="Shape 8"/>
+          <p:cNvCxnSpPr/>
+          <p:nvPr/>
+        </p:nvCxnSpPr>
+        <p:spPr>
+          <a:xfrm rot="10800000">
+            <a:off x="1187624" y="748337"/>
+            <a:ext cx="1224136" cy="1588"/>
+          </a:xfrm>
+          <a:prstGeom prst="bentConnector3">
+            <a:avLst>
+              <a:gd name="adj1" fmla="val 50000"/>
+            </a:avLst>
+          </a:prstGeom>
+          <a:ln>
+            <a:tailEnd type="arrow"/>
+          </a:ln>
+        </p:spPr>
+        <p:style>
+          <a:lnRef idx="1">
+            <a:schemeClr val="accent1"/>
+          </a:lnRef>
+          <a:fillRef idx="0">
+            <a:schemeClr val="accent1"/>
+          </a:fillRef>
+          <a:effectRef idx="0">
+            <a:schemeClr val="accent1"/>
+          </a:effectRef>
+          <a:fontRef idx="minor">
+            <a:schemeClr val="tx1"/>
+          </a:fontRef>
+        </p:style>
+      </p:cxnSp>
+      <p:sp>
+        <p:nvSpPr>
+          <p:cNvPr id="11" name="TextBox 10"/>
+          <p:cNvSpPr txBox="1"/>
+          <p:nvPr/>
+        </p:nvSpPr>
+        <p:spPr>
+          <a:xfrm>
+            <a:off x="2952328" y="1772816"/>
+            <a:ext cx="1190134" cy="338554"/>
+          </a:xfrm>
+          <a:prstGeom prst="rect">
+            <a:avLst/>
+          </a:prstGeom>
+          <a:noFill/>
+        </p:spPr>
+        <p:txBody>
+          <a:bodyPr wrap="none" rtlCol="0">
+            <a:spAutoFit/>
+          </a:bodyPr>
+          <a:lstStyle/>
+          <a:p>
+            <a:r>
+              <a:rPr lang="en-CA" sz="1600" dirty="0" smtClean="0">
+                <a:solidFill>
+                  <a:schemeClr val="tx2"/>
+                </a:solidFill>
+              </a:rPr>
+              <a:t>conforms to</a:t>
+            </a:r>
+            <a:endParaRPr lang="en-CA" sz="1600" dirty="0">
+              <a:solidFill>
+                <a:schemeClr val="tx2"/>
+              </a:solidFill>
+            </a:endParaRPr>
+          </a:p>
+        </p:txBody>
+      </p:sp>
+      <p:sp>
+        <p:nvSpPr>
+          <p:cNvPr id="21" name="TextBox 20"/>
+          <p:cNvSpPr txBox="1"/>
+          <p:nvPr/>
+        </p:nvSpPr>
+        <p:spPr>
+          <a:xfrm>
+            <a:off x="107504" y="449288"/>
+            <a:ext cx="1139992" cy="646331"/>
+          </a:xfrm>
+          <a:prstGeom prst="rect">
+            <a:avLst/>
+          </a:prstGeom>
+          <a:noFill/>
+        </p:spPr>
+        <p:txBody>
+          <a:bodyPr wrap="none" rtlCol="0">
+            <a:spAutoFit/>
+          </a:bodyPr>
+          <a:lstStyle/>
+          <a:p>
+            <a:r>
+              <a:rPr lang="en-CA" dirty="0" smtClean="0"/>
+              <a:t>chemical </a:t>
+            </a:r>
+            <a:br>
+              <a:rPr lang="en-CA" dirty="0" smtClean="0"/>
+            </a:br>
+            <a:r>
+              <a:rPr lang="en-CA" dirty="0" smtClean="0"/>
+              <a:t>descriptor</a:t>
+            </a:r>
+            <a:endParaRPr lang="en-CA" dirty="0"/>
+          </a:p>
+        </p:txBody>
+      </p:sp>
+      <p:cxnSp>
+        <p:nvCxnSpPr>
+          <p:cNvPr id="22" name="Straight Arrow Connector 21"/>
+          <p:cNvCxnSpPr/>
+          <p:nvPr/>
+        </p:nvCxnSpPr>
+        <p:spPr>
+          <a:xfrm>
+            <a:off x="3744416" y="2564904"/>
+            <a:ext cx="1368152" cy="1588"/>
+          </a:xfrm>
+          <a:prstGeom prst="straightConnector1">
+            <a:avLst/>
+          </a:prstGeom>
+          <a:ln>
+            <a:tailEnd type="arrow"/>
+          </a:ln>
+        </p:spPr>
+        <p:style>
+          <a:lnRef idx="1">
+            <a:schemeClr val="accent1"/>
+          </a:lnRef>
+          <a:fillRef idx="0">
+            <a:schemeClr val="accent1"/>
+          </a:fillRef>
+          <a:effectRef idx="0">
+            <a:schemeClr val="accent1"/>
+          </a:effectRef>
+          <a:fontRef idx="minor">
+            <a:schemeClr val="tx1"/>
+          </a:fontRef>
+        </p:style>
+      </p:cxnSp>
+      <p:sp>
+        <p:nvSpPr>
+          <p:cNvPr id="23" name="TextBox 22"/>
+          <p:cNvSpPr txBox="1"/>
+          <p:nvPr/>
+        </p:nvSpPr>
+        <p:spPr>
+          <a:xfrm>
+            <a:off x="5653136" y="1613857"/>
+            <a:ext cx="1250663" cy="584775"/>
+          </a:xfrm>
+          <a:prstGeom prst="rect">
+            <a:avLst/>
+          </a:prstGeom>
+          <a:noFill/>
+        </p:spPr>
+        <p:txBody>
+          <a:bodyPr wrap="none" rtlCol="0">
+            <a:spAutoFit/>
+          </a:bodyPr>
+          <a:lstStyle/>
+          <a:p>
+            <a:pPr algn="ctr"/>
+            <a:r>
+              <a:rPr lang="en-CA" sz="1600" i="1" dirty="0" smtClean="0">
+                <a:solidFill>
+                  <a:schemeClr val="tx2"/>
+                </a:solidFill>
+              </a:rPr>
+              <a:t>has specified</a:t>
+            </a:r>
+          </a:p>
+          <a:p>
+            <a:pPr algn="ctr"/>
+            <a:r>
+              <a:rPr lang="en-CA" sz="1600" i="1" dirty="0" smtClean="0">
+                <a:solidFill>
+                  <a:schemeClr val="tx2"/>
+                </a:solidFill>
+              </a:rPr>
+              <a:t> input</a:t>
+            </a:r>
+          </a:p>
+        </p:txBody>
+      </p:sp>
+      <p:cxnSp>
+        <p:nvCxnSpPr>
+          <p:cNvPr id="24" name="Straight Arrow Connector 23"/>
+          <p:cNvCxnSpPr/>
+          <p:nvPr/>
+        </p:nvCxnSpPr>
+        <p:spPr>
+          <a:xfrm rot="5400000" flipH="1" flipV="1">
+            <a:off x="5292302" y="1901889"/>
+            <a:ext cx="720874" cy="794"/>
+          </a:xfrm>
+          <a:prstGeom prst="straightConnector1">
+            <a:avLst/>
+          </a:prstGeom>
+          <a:ln>
+            <a:tailEnd type="arrow"/>
+          </a:ln>
+        </p:spPr>
+        <p:style>
+          <a:lnRef idx="1">
+            <a:schemeClr val="accent1"/>
+          </a:lnRef>
+          <a:fillRef idx="0">
+            <a:schemeClr val="accent1"/>
+          </a:fillRef>
+          <a:effectRef idx="0">
+            <a:schemeClr val="accent1"/>
+          </a:effectRef>
+          <a:fontRef idx="minor">
+            <a:schemeClr val="tx1"/>
+          </a:fontRef>
+        </p:style>
+      </p:cxnSp>
+      <p:sp>
+        <p:nvSpPr>
+          <p:cNvPr id="25" name="TextBox 24"/>
+          <p:cNvSpPr txBox="1"/>
+          <p:nvPr/>
+        </p:nvSpPr>
+        <p:spPr>
+          <a:xfrm>
+            <a:off x="5112568" y="938401"/>
+            <a:ext cx="1224566" cy="646331"/>
+          </a:xfrm>
+          <a:prstGeom prst="rect">
+            <a:avLst/>
+          </a:prstGeom>
+          <a:noFill/>
+        </p:spPr>
+        <p:txBody>
+          <a:bodyPr wrap="none" rtlCol="0">
+            <a:spAutoFit/>
+          </a:bodyPr>
+          <a:lstStyle/>
+          <a:p>
+            <a:r>
+              <a:rPr lang="en-CA" dirty="0" smtClean="0"/>
+              <a:t>parameter </a:t>
+            </a:r>
+            <a:br>
+              <a:rPr lang="en-CA" dirty="0" smtClean="0"/>
+            </a:br>
+            <a:r>
+              <a:rPr lang="en-CA" dirty="0" smtClean="0"/>
+              <a:t>data item</a:t>
+            </a:r>
+            <a:endParaRPr lang="en-CA" dirty="0"/>
+          </a:p>
+        </p:txBody>
+      </p:sp>
+      <p:sp>
+        <p:nvSpPr>
+          <p:cNvPr id="26" name="TextBox 25"/>
+          <p:cNvSpPr txBox="1"/>
+          <p:nvPr/>
+        </p:nvSpPr>
+        <p:spPr>
+          <a:xfrm>
+            <a:off x="5184576" y="2234545"/>
+            <a:ext cx="1009444" cy="646331"/>
+          </a:xfrm>
+          <a:prstGeom prst="rect">
+            <a:avLst/>
+          </a:prstGeom>
+          <a:noFill/>
+        </p:spPr>
+        <p:txBody>
+          <a:bodyPr wrap="none" rtlCol="0">
+            <a:spAutoFit/>
+          </a:bodyPr>
+          <a:lstStyle/>
+          <a:p>
+            <a:r>
+              <a:rPr lang="en-CA" dirty="0" smtClean="0"/>
+              <a:t>software</a:t>
+            </a:r>
+            <a:br>
+              <a:rPr lang="en-CA" dirty="0" smtClean="0"/>
+            </a:br>
+            <a:r>
+              <a:rPr lang="en-CA" dirty="0" smtClean="0"/>
+              <a:t>method</a:t>
+            </a:r>
+            <a:endParaRPr lang="en-CA" dirty="0"/>
+          </a:p>
+        </p:txBody>
+      </p:sp>
+      <p:sp>
+        <p:nvSpPr>
+          <p:cNvPr id="29" name="TextBox 28"/>
+          <p:cNvSpPr txBox="1"/>
+          <p:nvPr/>
+        </p:nvSpPr>
+        <p:spPr>
+          <a:xfrm>
+            <a:off x="3932769" y="2492896"/>
+            <a:ext cx="873958" cy="338554"/>
+          </a:xfrm>
+          <a:prstGeom prst="rect">
+            <a:avLst/>
+          </a:prstGeom>
+          <a:noFill/>
+        </p:spPr>
+        <p:txBody>
+          <a:bodyPr wrap="none" rtlCol="0">
+            <a:spAutoFit/>
+          </a:bodyPr>
+          <a:lstStyle/>
+          <a:p>
+            <a:pPr algn="ctr"/>
+            <a:r>
+              <a:rPr lang="en-CA" sz="1600" i="1" dirty="0" smtClean="0">
+                <a:solidFill>
+                  <a:schemeClr val="tx2"/>
+                </a:solidFill>
+              </a:rPr>
+              <a:t>has </a:t>
+            </a:r>
+            <a:r>
+              <a:rPr lang="en-CA" sz="1600" i="1" dirty="0" smtClean="0">
+                <a:solidFill>
+                  <a:schemeClr val="tx2"/>
+                </a:solidFill>
+              </a:rPr>
+              <a:t>part</a:t>
+            </a:r>
+            <a:endParaRPr lang="en-CA" sz="1600" i="1" dirty="0" smtClean="0">
+              <a:solidFill>
+                <a:schemeClr val="tx2"/>
+              </a:solidFill>
+            </a:endParaRPr>
+          </a:p>
+        </p:txBody>
+      </p:sp>
+      <p:sp>
+        <p:nvSpPr>
+          <p:cNvPr id="30" name="TextBox 29"/>
+          <p:cNvSpPr txBox="1"/>
+          <p:nvPr/>
+        </p:nvSpPr>
+        <p:spPr>
+          <a:xfrm>
+            <a:off x="4427984" y="2924944"/>
+            <a:ext cx="1250663" cy="584775"/>
+          </a:xfrm>
+          <a:prstGeom prst="rect">
+            <a:avLst/>
+          </a:prstGeom>
+          <a:noFill/>
+        </p:spPr>
+        <p:txBody>
+          <a:bodyPr wrap="none" rtlCol="0">
+            <a:spAutoFit/>
+          </a:bodyPr>
+          <a:lstStyle/>
+          <a:p>
+            <a:pPr algn="ctr"/>
+            <a:r>
+              <a:rPr lang="en-CA" sz="1600" i="1" dirty="0" smtClean="0">
+                <a:solidFill>
+                  <a:schemeClr val="tx2"/>
+                </a:solidFill>
+              </a:rPr>
+              <a:t>has specified</a:t>
+            </a:r>
+          </a:p>
+          <a:p>
+            <a:pPr algn="ctr"/>
+            <a:r>
+              <a:rPr lang="en-CA" sz="1600" i="1" dirty="0" smtClean="0">
+                <a:solidFill>
+                  <a:schemeClr val="tx2"/>
+                </a:solidFill>
+              </a:rPr>
+              <a:t> </a:t>
+            </a:r>
+            <a:r>
+              <a:rPr lang="en-CA" sz="1600" i="1" dirty="0" smtClean="0">
+                <a:solidFill>
+                  <a:schemeClr val="tx2"/>
+                </a:solidFill>
+              </a:rPr>
+              <a:t>output</a:t>
+            </a:r>
+            <a:endParaRPr lang="en-CA" sz="1600" i="1" dirty="0" smtClean="0">
+              <a:solidFill>
+                <a:schemeClr val="tx2"/>
+              </a:solidFill>
+            </a:endParaRPr>
+          </a:p>
+        </p:txBody>
+      </p:sp>
+      <p:cxnSp>
+        <p:nvCxnSpPr>
+          <p:cNvPr id="31" name="Straight Arrow Connector 30"/>
+          <p:cNvCxnSpPr/>
+          <p:nvPr/>
+        </p:nvCxnSpPr>
+        <p:spPr>
+          <a:xfrm rot="5400000">
+            <a:off x="5257775" y="3211785"/>
+            <a:ext cx="719286" cy="1588"/>
+          </a:xfrm>
+          <a:prstGeom prst="straightConnector1">
+            <a:avLst/>
+          </a:prstGeom>
+          <a:ln>
+            <a:tailEnd type="arrow"/>
+          </a:ln>
+        </p:spPr>
+        <p:style>
+          <a:lnRef idx="1">
+            <a:schemeClr val="accent1"/>
+          </a:lnRef>
+          <a:fillRef idx="0">
+            <a:schemeClr val="accent1"/>
+          </a:fillRef>
+          <a:effectRef idx="0">
+            <a:schemeClr val="accent1"/>
+          </a:effectRef>
+          <a:fontRef idx="minor">
+            <a:schemeClr val="tx1"/>
+          </a:fontRef>
+        </p:style>
+      </p:cxnSp>
+      <p:sp>
+        <p:nvSpPr>
+          <p:cNvPr id="32" name="TextBox 31"/>
+          <p:cNvSpPr txBox="1"/>
+          <p:nvPr/>
+        </p:nvSpPr>
+        <p:spPr>
+          <a:xfrm>
+            <a:off x="5112568" y="3502749"/>
+            <a:ext cx="1171667" cy="646331"/>
+          </a:xfrm>
+          <a:prstGeom prst="rect">
+            <a:avLst/>
+          </a:prstGeom>
+          <a:noFill/>
+        </p:spPr>
+        <p:txBody>
+          <a:bodyPr wrap="none" rtlCol="0">
+            <a:spAutoFit/>
+          </a:bodyPr>
+          <a:lstStyle/>
+          <a:p>
+            <a:r>
+              <a:rPr lang="en-CA" dirty="0" smtClean="0"/>
+              <a:t>parameter</a:t>
+            </a:r>
+            <a:br>
+              <a:rPr lang="en-CA" dirty="0" smtClean="0"/>
+            </a:br>
+            <a:r>
+              <a:rPr lang="en-CA" dirty="0" smtClean="0"/>
+              <a:t>data item</a:t>
+            </a:r>
+            <a:endParaRPr lang="en-CA" dirty="0"/>
+          </a:p>
+        </p:txBody>
+      </p:sp>
+      <p:sp>
+        <p:nvSpPr>
+          <p:cNvPr id="34" name="TextBox 33"/>
+          <p:cNvSpPr txBox="1"/>
+          <p:nvPr/>
+        </p:nvSpPr>
+        <p:spPr>
+          <a:xfrm>
+            <a:off x="7380312" y="2348880"/>
+            <a:ext cx="1009444" cy="646331"/>
+          </a:xfrm>
+          <a:prstGeom prst="rect">
+            <a:avLst/>
+          </a:prstGeom>
+          <a:noFill/>
+        </p:spPr>
+        <p:txBody>
+          <a:bodyPr wrap="none" rtlCol="0">
+            <a:spAutoFit/>
+          </a:bodyPr>
+          <a:lstStyle/>
+          <a:p>
+            <a:r>
+              <a:rPr lang="en-CA" dirty="0" smtClean="0"/>
+              <a:t>software</a:t>
+            </a:r>
+            <a:br>
+              <a:rPr lang="en-CA" dirty="0" smtClean="0"/>
+            </a:br>
+            <a:r>
+              <a:rPr lang="en-CA" dirty="0" smtClean="0"/>
+              <a:t>message</a:t>
+            </a:r>
+            <a:endParaRPr lang="en-CA" dirty="0"/>
+          </a:p>
+        </p:txBody>
+      </p:sp>
+      <p:cxnSp>
+        <p:nvCxnSpPr>
+          <p:cNvPr id="35" name="Straight Arrow Connector 34"/>
+          <p:cNvCxnSpPr>
+            <a:stCxn id="26" idx="3"/>
+          </p:cNvCxnSpPr>
+          <p:nvPr/>
+        </p:nvCxnSpPr>
+        <p:spPr>
+          <a:xfrm>
+            <a:off x="6194020" y="2557711"/>
+            <a:ext cx="970268" cy="7193"/>
+          </a:xfrm>
+          <a:prstGeom prst="straightConnector1">
+            <a:avLst/>
+          </a:prstGeom>
+          <a:ln>
+            <a:tailEnd type="arrow"/>
+          </a:ln>
+        </p:spPr>
+        <p:style>
+          <a:lnRef idx="1">
+            <a:schemeClr val="accent1"/>
+          </a:lnRef>
+          <a:fillRef idx="0">
+            <a:schemeClr val="accent1"/>
+          </a:fillRef>
+          <a:effectRef idx="0">
+            <a:schemeClr val="accent1"/>
+          </a:effectRef>
+          <a:fontRef idx="minor">
+            <a:schemeClr val="tx1"/>
+          </a:fontRef>
+        </p:style>
+      </p:cxnSp>
+      <p:sp>
+        <p:nvSpPr>
+          <p:cNvPr id="38" name="TextBox 37"/>
+          <p:cNvSpPr txBox="1"/>
+          <p:nvPr/>
+        </p:nvSpPr>
+        <p:spPr>
+          <a:xfrm>
+            <a:off x="6732240" y="3284984"/>
+            <a:ext cx="997068" cy="646331"/>
+          </a:xfrm>
+          <a:prstGeom prst="rect">
+            <a:avLst/>
+          </a:prstGeom>
+          <a:noFill/>
+        </p:spPr>
+        <p:txBody>
+          <a:bodyPr wrap="none" rtlCol="0">
+            <a:spAutoFit/>
+          </a:bodyPr>
+          <a:lstStyle/>
+          <a:p>
+            <a:r>
+              <a:rPr lang="en-CA" dirty="0" smtClean="0"/>
+              <a:t>error </a:t>
+            </a:r>
+            <a:br>
+              <a:rPr lang="en-CA" dirty="0" smtClean="0"/>
+            </a:br>
+            <a:r>
+              <a:rPr lang="en-CA" dirty="0" smtClean="0"/>
+              <a:t>message</a:t>
+            </a:r>
+            <a:endParaRPr lang="en-CA" dirty="0"/>
+          </a:p>
+        </p:txBody>
+      </p:sp>
+      <p:sp>
+        <p:nvSpPr>
+          <p:cNvPr id="39" name="TextBox 38"/>
+          <p:cNvSpPr txBox="1"/>
+          <p:nvPr/>
+        </p:nvSpPr>
+        <p:spPr>
+          <a:xfrm>
+            <a:off x="7873324" y="3284984"/>
+            <a:ext cx="997068" cy="646331"/>
+          </a:xfrm>
+          <a:prstGeom prst="rect">
+            <a:avLst/>
+          </a:prstGeom>
+          <a:noFill/>
+        </p:spPr>
+        <p:txBody>
+          <a:bodyPr wrap="none" rtlCol="0">
+            <a:spAutoFit/>
+          </a:bodyPr>
+          <a:lstStyle/>
+          <a:p>
+            <a:r>
+              <a:rPr lang="en-CA" dirty="0" smtClean="0"/>
+              <a:t>warning </a:t>
+            </a:r>
+            <a:br>
+              <a:rPr lang="en-CA" dirty="0" smtClean="0"/>
+            </a:br>
+            <a:r>
+              <a:rPr lang="en-CA" dirty="0" smtClean="0"/>
+              <a:t>message</a:t>
+            </a:r>
+            <a:endParaRPr lang="en-CA" dirty="0"/>
+          </a:p>
+        </p:txBody>
+      </p:sp>
+      <p:cxnSp>
+        <p:nvCxnSpPr>
+          <p:cNvPr id="40" name="Straight Arrow Connector 39"/>
+          <p:cNvCxnSpPr>
+            <a:stCxn id="38" idx="0"/>
+            <a:endCxn id="34" idx="2"/>
+          </p:cNvCxnSpPr>
+          <p:nvPr/>
+        </p:nvCxnSpPr>
+        <p:spPr>
+          <a:xfrm rot="5400000" flipH="1" flipV="1">
+            <a:off x="7413018" y="2812968"/>
+            <a:ext cx="289773" cy="654260"/>
+          </a:xfrm>
+          <a:prstGeom prst="straightConnector1">
+            <a:avLst/>
+          </a:prstGeom>
+          <a:ln>
+            <a:tailEnd type="arrow"/>
+          </a:ln>
+        </p:spPr>
+        <p:style>
+          <a:lnRef idx="1">
+            <a:schemeClr val="accent1"/>
+          </a:lnRef>
+          <a:fillRef idx="0">
+            <a:schemeClr val="accent1"/>
+          </a:fillRef>
+          <a:effectRef idx="0">
+            <a:schemeClr val="accent1"/>
+          </a:effectRef>
+          <a:fontRef idx="minor">
+            <a:schemeClr val="tx1"/>
+          </a:fontRef>
+        </p:style>
+      </p:cxnSp>
+      <p:cxnSp>
+        <p:nvCxnSpPr>
+          <p:cNvPr id="45" name="Straight Arrow Connector 44"/>
+          <p:cNvCxnSpPr>
+            <a:stCxn id="39" idx="0"/>
+            <a:endCxn id="34" idx="2"/>
+          </p:cNvCxnSpPr>
+          <p:nvPr/>
+        </p:nvCxnSpPr>
+        <p:spPr>
+          <a:xfrm rot="16200000" flipV="1">
+            <a:off x="7983560" y="2896686"/>
+            <a:ext cx="289773" cy="486824"/>
+          </a:xfrm>
+          <a:prstGeom prst="straightConnector1">
+            <a:avLst/>
+          </a:prstGeom>
+          <a:ln>
+            <a:tailEnd type="arrow"/>
+          </a:ln>
+        </p:spPr>
+        <p:style>
+          <a:lnRef idx="1">
+            <a:schemeClr val="accent1"/>
+          </a:lnRef>
+          <a:fillRef idx="0">
+            <a:schemeClr val="accent1"/>
+          </a:fillRef>
+          <a:effectRef idx="0">
+            <a:schemeClr val="accent1"/>
+          </a:effectRef>
+          <a:fontRef idx="minor">
+            <a:schemeClr val="tx1"/>
+          </a:fontRef>
+        </p:style>
+      </p:cxnSp>
+      <p:sp>
+        <p:nvSpPr>
+          <p:cNvPr id="48" name="TextBox 47"/>
+          <p:cNvSpPr txBox="1"/>
+          <p:nvPr/>
+        </p:nvSpPr>
+        <p:spPr>
+          <a:xfrm>
+            <a:off x="7596336" y="2996952"/>
+            <a:ext cx="463588" cy="338554"/>
+          </a:xfrm>
+          <a:prstGeom prst="rect">
+            <a:avLst/>
+          </a:prstGeom>
+          <a:noFill/>
+        </p:spPr>
+        <p:txBody>
+          <a:bodyPr wrap="none" rtlCol="0">
+            <a:spAutoFit/>
+          </a:bodyPr>
+          <a:lstStyle/>
+          <a:p>
+            <a:pPr algn="ctr"/>
+            <a:r>
+              <a:rPr lang="en-CA" sz="1600" i="1" dirty="0" smtClean="0">
+                <a:solidFill>
+                  <a:schemeClr val="tx2"/>
+                </a:solidFill>
+              </a:rPr>
+              <a:t>is a</a:t>
+            </a:r>
+            <a:endParaRPr lang="en-CA" sz="1600" i="1" dirty="0" smtClean="0">
+              <a:solidFill>
+                <a:schemeClr val="tx2"/>
+              </a:solidFill>
+            </a:endParaRPr>
+          </a:p>
+        </p:txBody>
+      </p:sp>
+      <p:sp>
+        <p:nvSpPr>
+          <p:cNvPr id="50" name="TextBox 49"/>
+          <p:cNvSpPr txBox="1"/>
+          <p:nvPr/>
+        </p:nvSpPr>
+        <p:spPr>
+          <a:xfrm>
+            <a:off x="6084168" y="2276872"/>
+            <a:ext cx="1250663" cy="584775"/>
+          </a:xfrm>
+          <a:prstGeom prst="rect">
+            <a:avLst/>
+          </a:prstGeom>
+          <a:noFill/>
+        </p:spPr>
+        <p:txBody>
+          <a:bodyPr wrap="none" rtlCol="0">
+            <a:spAutoFit/>
+          </a:bodyPr>
+          <a:lstStyle/>
+          <a:p>
+            <a:pPr algn="ctr"/>
+            <a:r>
+              <a:rPr lang="en-CA" sz="1600" i="1" dirty="0" smtClean="0">
+                <a:solidFill>
+                  <a:schemeClr val="tx2"/>
+                </a:solidFill>
+              </a:rPr>
+              <a:t>has specified</a:t>
+            </a:r>
+          </a:p>
+          <a:p>
+            <a:pPr algn="ctr"/>
+            <a:r>
+              <a:rPr lang="en-CA" sz="1600" i="1" dirty="0" smtClean="0">
+                <a:solidFill>
+                  <a:schemeClr val="tx2"/>
+                </a:solidFill>
+              </a:rPr>
+              <a:t> </a:t>
+            </a:r>
+            <a:r>
+              <a:rPr lang="en-CA" sz="1600" i="1" dirty="0" smtClean="0">
+                <a:solidFill>
+                  <a:schemeClr val="tx2"/>
+                </a:solidFill>
+              </a:rPr>
+              <a:t>output</a:t>
+            </a:r>
+            <a:endParaRPr lang="en-CA" sz="1600" i="1" dirty="0" smtClean="0">
+              <a:solidFill>
+                <a:schemeClr val="tx2"/>
+              </a:solidFill>
+            </a:endParaRPr>
+          </a:p>
+        </p:txBody>
+      </p:sp>
+    </p:spTree>
+  </p:cSld>
+  <p:clrMapOvr>
+    <a:masterClrMapping/>
+  </p:clrMapOvr>
+</p:sld>
+</file>
+
+<file path=ppt/slides/slide6.xml><?xml version="1.0" encoding="utf-8"?>
+<p:sld xmlns:a="http://schemas.openxmlformats.org/drawingml/2006/main" xmlns:r="http://schemas.openxmlformats.org/officeDocument/2006/relationships" xmlns:p="http://schemas.openxmlformats.org/presentationml/2006/main">
+  <p:cSld>
+    <p:spTree>
+      <p:nvGrpSpPr>
+        <p:cNvPr id="1" name=""/>
+        <p:cNvGrpSpPr/>
+        <p:nvPr/>
+      </p:nvGrpSpPr>
+      <p:grpSpPr>
+        <a:xfrm>
+          <a:off x="0" y="0"/>
+          <a:ext cx="0" cy="0"/>
+          <a:chOff x="0" y="0"/>
+          <a:chExt cx="0" cy="0"/>
+        </a:xfrm>
+      </p:grpSpPr>
+      <p:pic>
+        <p:nvPicPr>
+          <p:cNvPr id="1029" name="Picture 5"/>
+          <p:cNvPicPr>
+            <a:picLocks noChangeAspect="1" noChangeArrowheads="1"/>
+          </p:cNvPicPr>
+          <p:nvPr/>
+        </p:nvPicPr>
+        <p:blipFill>
+          <a:blip r:embed="rId2" cstate="print"/>
+          <a:srcRect l="9277" t="26837" r="51625" b="42432"/>
+          <a:stretch>
+            <a:fillRect/>
+          </a:stretch>
+        </p:blipFill>
+        <p:spPr bwMode="auto">
+          <a:xfrm>
+            <a:off x="467544" y="476672"/>
+            <a:ext cx="4137434" cy="2435382"/>
+          </a:xfrm>
+          <a:prstGeom prst="rect">
+            <a:avLst/>
+          </a:prstGeom>
+          <a:noFill/>
+          <a:ln w="9525">
+            <a:noFill/>
+            <a:miter lim="800000"/>
+            <a:headEnd/>
+            <a:tailEnd/>
+          </a:ln>
+        </p:spPr>
+      </p:pic>
+      <p:pic>
+        <p:nvPicPr>
+          <p:cNvPr id="1030" name="Picture 6"/>
+          <p:cNvPicPr>
+            <a:picLocks noChangeAspect="1" noChangeArrowheads="1"/>
+          </p:cNvPicPr>
+          <p:nvPr/>
+        </p:nvPicPr>
+        <p:blipFill>
+          <a:blip r:embed="rId2" cstate="print"/>
+          <a:srcRect l="52481" t="48315" r="3887" b="44830"/>
+          <a:stretch>
+            <a:fillRect/>
+          </a:stretch>
+        </p:blipFill>
+        <p:spPr bwMode="auto">
+          <a:xfrm>
+            <a:off x="4067944" y="980728"/>
+            <a:ext cx="4617268" cy="543208"/>
+          </a:xfrm>
+          <a:prstGeom prst="rect">
+            <a:avLst/>
+          </a:prstGeom>
+          <a:noFill/>
+          <a:ln w="9525">
+            <a:noFill/>
+            <a:miter lim="800000"/>
+            <a:headEnd/>
+            <a:tailEnd/>
+          </a:ln>
+        </p:spPr>
+      </p:pic>
+      <p:sp>
+        <p:nvSpPr>
+          <p:cNvPr id="7" name="Right Arrow 6"/>
+          <p:cNvSpPr/>
+          <p:nvPr/>
+        </p:nvSpPr>
+        <p:spPr>
+          <a:xfrm>
+            <a:off x="3635896" y="980728"/>
+            <a:ext cx="360040" cy="504056"/>
+          </a:xfrm>
+          <a:prstGeom prst="rightArrow">
+            <a:avLst/>
+          </a:prstGeom>
+        </p:spPr>
+        <p:style>
+          <a:lnRef idx="2">
+            <a:schemeClr val="accent1">
+              <a:shade val="50000"/>
+            </a:schemeClr>
+          </a:lnRef>
+          <a:fillRef idx="1">
+            <a:schemeClr val="accent1"/>
+          </a:fillRef>
+          <a:effectRef idx="0">
+            <a:schemeClr val="accent1"/>
+          </a:effectRef>
+          <a:fontRef idx="minor">
+            <a:schemeClr val="lt1"/>
+          </a:fontRef>
+        </p:style>
+        <p:txBody>
+          <a:bodyPr rtlCol="0" anchor="ctr"/>
+          <a:lstStyle/>
+          <a:p>
+            <a:pPr algn="ctr"/>
+            <a:endParaRPr lang="en-GB"/>
+          </a:p>
+        </p:txBody>
+      </p:sp>
+      <p:sp>
+        <p:nvSpPr>
+          <p:cNvPr id="8" name="Down Arrow 7"/>
+          <p:cNvSpPr/>
+          <p:nvPr/>
+        </p:nvSpPr>
+        <p:spPr>
+          <a:xfrm>
+            <a:off x="5364088" y="1628800"/>
+            <a:ext cx="864096" cy="504056"/>
+          </a:xfrm>
+          <a:prstGeom prst="downArrow">
+            <a:avLst/>
+          </a:prstGeom>
+        </p:spPr>
+        <p:style>
+          <a:lnRef idx="2">
+            <a:schemeClr val="accent1">
+              <a:shade val="50000"/>
+            </a:schemeClr>
+          </a:lnRef>
+          <a:fillRef idx="1">
+            <a:schemeClr val="accent1"/>
+          </a:fillRef>
+          <a:effectRef idx="0">
+            <a:schemeClr val="accent1"/>
+          </a:effectRef>
+          <a:fontRef idx="minor">
+            <a:schemeClr val="lt1"/>
+          </a:fontRef>
+        </p:style>
+        <p:txBody>
+          <a:bodyPr rtlCol="0" anchor="ctr"/>
+          <a:lstStyle/>
+          <a:p>
+            <a:pPr algn="ctr"/>
+            <a:endParaRPr lang="en-GB"/>
+          </a:p>
+        </p:txBody>
+      </p:sp>
+      <p:sp>
+        <p:nvSpPr>
+          <p:cNvPr id="9" name="TextBox 8"/>
+          <p:cNvSpPr txBox="1"/>
+          <p:nvPr/>
+        </p:nvSpPr>
+        <p:spPr>
+          <a:xfrm>
+            <a:off x="6328175" y="1412776"/>
+            <a:ext cx="1700209" cy="923330"/>
+          </a:xfrm>
+          <a:prstGeom prst="rect">
+            <a:avLst/>
+          </a:prstGeom>
+          <a:noFill/>
+        </p:spPr>
+        <p:txBody>
+          <a:bodyPr wrap="none" rtlCol="0">
+            <a:spAutoFit/>
+          </a:bodyPr>
+          <a:lstStyle/>
+          <a:p>
+            <a:r>
+              <a:rPr lang="en-GB" dirty="0" smtClean="0"/>
+              <a:t>after executing</a:t>
+            </a:r>
+            <a:br>
+              <a:rPr lang="en-GB" dirty="0" smtClean="0"/>
+            </a:br>
+            <a:r>
+              <a:rPr lang="en-GB" dirty="0" smtClean="0"/>
+              <a:t>a </a:t>
+            </a:r>
+            <a:r>
+              <a:rPr lang="en-GB" dirty="0" err="1" smtClean="0"/>
+              <a:t>reasoner</a:t>
+            </a:r>
+            <a:r>
+              <a:rPr lang="en-GB" dirty="0" smtClean="0"/>
+              <a:t/>
+            </a:r>
+            <a:br>
+              <a:rPr lang="en-GB" dirty="0" smtClean="0"/>
+            </a:br>
+            <a:r>
+              <a:rPr lang="en-GB" dirty="0" smtClean="0"/>
+              <a:t>for classification</a:t>
+            </a:r>
+            <a:endParaRPr lang="en-GB" dirty="0"/>
+          </a:p>
+        </p:txBody>
+      </p:sp>
+      <p:pic>
+        <p:nvPicPr>
+          <p:cNvPr id="1031" name="Picture 7"/>
+          <p:cNvPicPr>
+            <a:picLocks noChangeAspect="1" noChangeArrowheads="1"/>
+          </p:cNvPicPr>
+          <p:nvPr/>
+        </p:nvPicPr>
+        <p:blipFill>
+          <a:blip r:embed="rId3" cstate="print"/>
+          <a:srcRect l="9172" t="34553" r="53403" b="49091"/>
+          <a:stretch>
+            <a:fillRect/>
+          </a:stretch>
+        </p:blipFill>
+        <p:spPr bwMode="auto">
+          <a:xfrm>
+            <a:off x="4355976" y="2420888"/>
+            <a:ext cx="3960440" cy="1296144"/>
+          </a:xfrm>
+          <a:prstGeom prst="rect">
+            <a:avLst/>
+          </a:prstGeom>
+          <a:noFill/>
+          <a:ln w="9525">
+            <a:noFill/>
+            <a:miter lim="800000"/>
+            <a:headEnd/>
+            <a:tailEnd/>
+          </a:ln>
+        </p:spPr>
+      </p:pic>
     </p:spTree>
   </p:cSld>
   <p:clrMapOvr>

--- a/documentation/images/diagrams.pptx
+++ b/documentation/images/diagrams.pptx
@@ -294,7 +294,7 @@
             <a:fld id="{9222C97E-73C8-43E8-A42B-6C809C4F9F15}" type="datetimeFigureOut">
               <a:rPr lang="en-US" smtClean="0"/>
               <a:pPr/>
-              <a:t>10/20/2010</a:t>
+              <a:t>11/15/2010</a:t>
             </a:fld>
             <a:endParaRPr lang="en-CA"/>
           </a:p>
@@ -461,7 +461,7 @@
             <a:fld id="{9222C97E-73C8-43E8-A42B-6C809C4F9F15}" type="datetimeFigureOut">
               <a:rPr lang="en-US" smtClean="0"/>
               <a:pPr/>
-              <a:t>10/20/2010</a:t>
+              <a:t>11/15/2010</a:t>
             </a:fld>
             <a:endParaRPr lang="en-CA"/>
           </a:p>
@@ -638,7 +638,7 @@
             <a:fld id="{9222C97E-73C8-43E8-A42B-6C809C4F9F15}" type="datetimeFigureOut">
               <a:rPr lang="en-US" smtClean="0"/>
               <a:pPr/>
-              <a:t>10/20/2010</a:t>
+              <a:t>11/15/2010</a:t>
             </a:fld>
             <a:endParaRPr lang="en-CA"/>
           </a:p>
@@ -805,7 +805,7 @@
             <a:fld id="{9222C97E-73C8-43E8-A42B-6C809C4F9F15}" type="datetimeFigureOut">
               <a:rPr lang="en-US" smtClean="0"/>
               <a:pPr/>
-              <a:t>10/20/2010</a:t>
+              <a:t>11/15/2010</a:t>
             </a:fld>
             <a:endParaRPr lang="en-CA"/>
           </a:p>
@@ -1048,7 +1048,7 @@
             <a:fld id="{9222C97E-73C8-43E8-A42B-6C809C4F9F15}" type="datetimeFigureOut">
               <a:rPr lang="en-US" smtClean="0"/>
               <a:pPr/>
-              <a:t>10/20/2010</a:t>
+              <a:t>11/15/2010</a:t>
             </a:fld>
             <a:endParaRPr lang="en-CA"/>
           </a:p>
@@ -1333,7 +1333,7 @@
             <a:fld id="{9222C97E-73C8-43E8-A42B-6C809C4F9F15}" type="datetimeFigureOut">
               <a:rPr lang="en-US" smtClean="0"/>
               <a:pPr/>
-              <a:t>10/20/2010</a:t>
+              <a:t>11/15/2010</a:t>
             </a:fld>
             <a:endParaRPr lang="en-CA"/>
           </a:p>
@@ -1752,7 +1752,7 @@
             <a:fld id="{9222C97E-73C8-43E8-A42B-6C809C4F9F15}" type="datetimeFigureOut">
               <a:rPr lang="en-US" smtClean="0"/>
               <a:pPr/>
-              <a:t>10/20/2010</a:t>
+              <a:t>11/15/2010</a:t>
             </a:fld>
             <a:endParaRPr lang="en-CA"/>
           </a:p>
@@ -1867,7 +1867,7 @@
             <a:fld id="{9222C97E-73C8-43E8-A42B-6C809C4F9F15}" type="datetimeFigureOut">
               <a:rPr lang="en-US" smtClean="0"/>
               <a:pPr/>
-              <a:t>10/20/2010</a:t>
+              <a:t>11/15/2010</a:t>
             </a:fld>
             <a:endParaRPr lang="en-CA"/>
           </a:p>
@@ -1959,7 +1959,7 @@
             <a:fld id="{9222C97E-73C8-43E8-A42B-6C809C4F9F15}" type="datetimeFigureOut">
               <a:rPr lang="en-US" smtClean="0"/>
               <a:pPr/>
-              <a:t>10/20/2010</a:t>
+              <a:t>11/15/2010</a:t>
             </a:fld>
             <a:endParaRPr lang="en-CA"/>
           </a:p>
@@ -2233,7 +2233,7 @@
             <a:fld id="{9222C97E-73C8-43E8-A42B-6C809C4F9F15}" type="datetimeFigureOut">
               <a:rPr lang="en-US" smtClean="0"/>
               <a:pPr/>
-              <a:t>10/20/2010</a:t>
+              <a:t>11/15/2010</a:t>
             </a:fld>
             <a:endParaRPr lang="en-CA"/>
           </a:p>
@@ -2483,7 +2483,7 @@
             <a:fld id="{9222C97E-73C8-43E8-A42B-6C809C4F9F15}" type="datetimeFigureOut">
               <a:rPr lang="en-US" smtClean="0"/>
               <a:pPr/>
-              <a:t>10/20/2010</a:t>
+              <a:t>11/15/2010</a:t>
             </a:fld>
             <a:endParaRPr lang="en-CA"/>
           </a:p>
@@ -2693,7 +2693,7 @@
             <a:fld id="{9222C97E-73C8-43E8-A42B-6C809C4F9F15}" type="datetimeFigureOut">
               <a:rPr lang="en-US" smtClean="0"/>
               <a:pPr/>
-              <a:t>10/20/2010</a:t>
+              <a:t>11/15/2010</a:t>
             </a:fld>
             <a:endParaRPr lang="en-CA"/>
           </a:p>
@@ -3066,6 +3066,196 @@
       </p:grpSpPr>
       <p:sp>
         <p:nvSpPr>
+          <p:cNvPr id="25" name="Rounded Rectangle 24"/>
+          <p:cNvSpPr/>
+          <p:nvPr/>
+        </p:nvSpPr>
+        <p:spPr>
+          <a:xfrm>
+            <a:off x="4211960" y="3933056"/>
+            <a:ext cx="1008112" cy="648072"/>
+          </a:xfrm>
+          <a:prstGeom prst="roundRect">
+            <a:avLst/>
+          </a:prstGeom>
+        </p:spPr>
+        <p:style>
+          <a:lnRef idx="1">
+            <a:schemeClr val="accent5"/>
+          </a:lnRef>
+          <a:fillRef idx="3">
+            <a:schemeClr val="accent5"/>
+          </a:fillRef>
+          <a:effectRef idx="2">
+            <a:schemeClr val="accent5"/>
+          </a:effectRef>
+          <a:fontRef idx="minor">
+            <a:schemeClr val="lt1"/>
+          </a:fontRef>
+        </p:style>
+        <p:txBody>
+          <a:bodyPr rtlCol="0" anchor="ctr"/>
+          <a:lstStyle/>
+          <a:p>
+            <a:pPr algn="ctr"/>
+            <a:endParaRPr lang="en-GB"/>
+          </a:p>
+        </p:txBody>
+      </p:sp>
+      <p:sp>
+        <p:nvSpPr>
+          <p:cNvPr id="24" name="Rounded Rectangle 23"/>
+          <p:cNvSpPr/>
+          <p:nvPr/>
+        </p:nvSpPr>
+        <p:spPr>
+          <a:xfrm>
+            <a:off x="4139952" y="2636912"/>
+            <a:ext cx="1080120" cy="648072"/>
+          </a:xfrm>
+          <a:prstGeom prst="roundRect">
+            <a:avLst/>
+          </a:prstGeom>
+        </p:spPr>
+        <p:style>
+          <a:lnRef idx="1">
+            <a:schemeClr val="accent5"/>
+          </a:lnRef>
+          <a:fillRef idx="3">
+            <a:schemeClr val="accent5"/>
+          </a:fillRef>
+          <a:effectRef idx="2">
+            <a:schemeClr val="accent5"/>
+          </a:effectRef>
+          <a:fontRef idx="minor">
+            <a:schemeClr val="lt1"/>
+          </a:fontRef>
+        </p:style>
+        <p:txBody>
+          <a:bodyPr rtlCol="0" anchor="ctr"/>
+          <a:lstStyle/>
+          <a:p>
+            <a:pPr algn="ctr"/>
+            <a:endParaRPr lang="en-GB"/>
+          </a:p>
+        </p:txBody>
+      </p:sp>
+      <p:sp>
+        <p:nvSpPr>
+          <p:cNvPr id="23" name="Rounded Rectangle 22"/>
+          <p:cNvSpPr/>
+          <p:nvPr/>
+        </p:nvSpPr>
+        <p:spPr>
+          <a:xfrm>
+            <a:off x="6300192" y="1340768"/>
+            <a:ext cx="2016224" cy="648072"/>
+          </a:xfrm>
+          <a:prstGeom prst="roundRect">
+            <a:avLst/>
+          </a:prstGeom>
+        </p:spPr>
+        <p:style>
+          <a:lnRef idx="1">
+            <a:schemeClr val="accent5"/>
+          </a:lnRef>
+          <a:fillRef idx="3">
+            <a:schemeClr val="accent5"/>
+          </a:fillRef>
+          <a:effectRef idx="2">
+            <a:schemeClr val="accent5"/>
+          </a:effectRef>
+          <a:fontRef idx="minor">
+            <a:schemeClr val="lt1"/>
+          </a:fontRef>
+        </p:style>
+        <p:txBody>
+          <a:bodyPr rtlCol="0" anchor="ctr"/>
+          <a:lstStyle/>
+          <a:p>
+            <a:pPr algn="ctr"/>
+            <a:endParaRPr lang="en-GB"/>
+          </a:p>
+        </p:txBody>
+      </p:sp>
+      <p:sp>
+        <p:nvSpPr>
+          <p:cNvPr id="21" name="Rounded Rectangle 20"/>
+          <p:cNvSpPr/>
+          <p:nvPr/>
+        </p:nvSpPr>
+        <p:spPr>
+          <a:xfrm>
+            <a:off x="4067944" y="476672"/>
+            <a:ext cx="1152128" cy="360040"/>
+          </a:xfrm>
+          <a:prstGeom prst="roundRect">
+            <a:avLst/>
+          </a:prstGeom>
+        </p:spPr>
+        <p:style>
+          <a:lnRef idx="1">
+            <a:schemeClr val="accent5"/>
+          </a:lnRef>
+          <a:fillRef idx="3">
+            <a:schemeClr val="accent5"/>
+          </a:fillRef>
+          <a:effectRef idx="2">
+            <a:schemeClr val="accent5"/>
+          </a:effectRef>
+          <a:fontRef idx="minor">
+            <a:schemeClr val="lt1"/>
+          </a:fontRef>
+        </p:style>
+        <p:txBody>
+          <a:bodyPr rtlCol="0" anchor="ctr"/>
+          <a:lstStyle/>
+          <a:p>
+            <a:pPr algn="ctr"/>
+            <a:endParaRPr lang="en-GB"/>
+          </a:p>
+        </p:txBody>
+      </p:sp>
+      <p:sp>
+        <p:nvSpPr>
+          <p:cNvPr id="20" name="Rounded Rectangle 19"/>
+          <p:cNvSpPr/>
+          <p:nvPr/>
+        </p:nvSpPr>
+        <p:spPr>
+          <a:xfrm>
+            <a:off x="4051021" y="1373819"/>
+            <a:ext cx="1152128" cy="576064"/>
+          </a:xfrm>
+          <a:prstGeom prst="roundRect">
+            <a:avLst/>
+          </a:prstGeom>
+        </p:spPr>
+        <p:style>
+          <a:lnRef idx="1">
+            <a:schemeClr val="accent5"/>
+          </a:lnRef>
+          <a:fillRef idx="3">
+            <a:schemeClr val="accent5"/>
+          </a:fillRef>
+          <a:effectRef idx="2">
+            <a:schemeClr val="accent5"/>
+          </a:effectRef>
+          <a:fontRef idx="minor">
+            <a:schemeClr val="lt1"/>
+          </a:fontRef>
+        </p:style>
+        <p:txBody>
+          <a:bodyPr rtlCol="0" anchor="ctr"/>
+          <a:lstStyle/>
+          <a:p>
+            <a:pPr algn="ctr"/>
+            <a:endParaRPr lang="en-GB"/>
+          </a:p>
+        </p:txBody>
+      </p:sp>
+      <p:sp>
+        <p:nvSpPr>
           <p:cNvPr id="2" name="TextBox 1"/>
           <p:cNvSpPr txBox="1"/>
           <p:nvPr/>
@@ -3147,7 +3337,7 @@
         </p:nvSpPr>
         <p:spPr>
           <a:xfrm>
-            <a:off x="4119432" y="3933056"/>
+            <a:off x="4191440" y="3933056"/>
             <a:ext cx="1016304" cy="646331"/>
           </a:xfrm>
           <a:prstGeom prst="rect">
@@ -3223,7 +3413,7 @@
         </p:nvSpPr>
         <p:spPr>
           <a:xfrm>
-            <a:off x="4047424" y="2636912"/>
+            <a:off x="4119432" y="2636912"/>
             <a:ext cx="1081899" cy="646331"/>
           </a:xfrm>
           <a:prstGeom prst="rect">
@@ -3383,11 +3573,11 @@
         <p:spPr>
           <a:xfrm rot="10800000">
             <a:off x="4067944" y="1663934"/>
-            <a:ext cx="51488" cy="2592288"/>
+            <a:ext cx="123496" cy="2592288"/>
           </a:xfrm>
           <a:prstGeom prst="bentConnector3">
             <a:avLst>
-              <a:gd name="adj1" fmla="val 543987"/>
+              <a:gd name="adj1" fmla="val 285107"/>
             </a:avLst>
           </a:prstGeom>
           <a:ln>
@@ -3448,13 +3638,16 @@
       <p:cxnSp>
         <p:nvCxnSpPr>
           <p:cNvPr id="68" name="Straight Arrow Connector 67"/>
-          <p:cNvCxnSpPr/>
+          <p:cNvCxnSpPr>
+            <a:stCxn id="2" idx="2"/>
+            <a:endCxn id="18" idx="0"/>
+          </p:cNvCxnSpPr>
           <p:nvPr/>
         </p:nvCxnSpPr>
         <p:spPr>
-          <a:xfrm rot="5400000">
-            <a:off x="4336250" y="2276078"/>
-            <a:ext cx="576064" cy="1588"/>
+          <a:xfrm rot="16200000" flipH="1">
+            <a:off x="4324255" y="2300784"/>
+            <a:ext cx="649813" cy="22442"/>
           </a:xfrm>
           <a:prstGeom prst="straightConnector1">
             <a:avLst/>
@@ -3481,13 +3674,15 @@
       <p:cxnSp>
         <p:nvCxnSpPr>
           <p:cNvPr id="69" name="Straight Arrow Connector 68"/>
-          <p:cNvCxnSpPr/>
+          <p:cNvCxnSpPr>
+            <a:endCxn id="4" idx="0"/>
+          </p:cNvCxnSpPr>
           <p:nvPr/>
         </p:nvCxnSpPr>
         <p:spPr>
-          <a:xfrm rot="5400000">
-            <a:off x="4334662" y="3572222"/>
-            <a:ext cx="576064" cy="1588"/>
+          <a:xfrm rot="16200000" flipH="1">
+            <a:off x="4373508" y="3606972"/>
+            <a:ext cx="648072" cy="4096"/>
           </a:xfrm>
           <a:prstGeom prst="straightConnector1">
             <a:avLst/>
@@ -4419,6 +4614,234 @@
       </p:grpSpPr>
       <p:sp>
         <p:nvSpPr>
+          <p:cNvPr id="54" name="Rounded Rectangle 53"/>
+          <p:cNvSpPr/>
+          <p:nvPr/>
+        </p:nvSpPr>
+        <p:spPr>
+          <a:xfrm>
+            <a:off x="3563888" y="3068960"/>
+            <a:ext cx="1728192" cy="576064"/>
+          </a:xfrm>
+          <a:prstGeom prst="roundRect">
+            <a:avLst/>
+          </a:prstGeom>
+        </p:spPr>
+        <p:style>
+          <a:lnRef idx="1">
+            <a:schemeClr val="accent5"/>
+          </a:lnRef>
+          <a:fillRef idx="3">
+            <a:schemeClr val="accent5"/>
+          </a:fillRef>
+          <a:effectRef idx="2">
+            <a:schemeClr val="accent5"/>
+          </a:effectRef>
+          <a:fontRef idx="minor">
+            <a:schemeClr val="lt1"/>
+          </a:fontRef>
+        </p:style>
+        <p:txBody>
+          <a:bodyPr rtlCol="0" anchor="ctr"/>
+          <a:lstStyle/>
+          <a:p>
+            <a:pPr algn="ctr"/>
+            <a:endParaRPr lang="en-GB"/>
+          </a:p>
+        </p:txBody>
+      </p:sp>
+      <p:sp>
+        <p:nvSpPr>
+          <p:cNvPr id="53" name="Rounded Rectangle 52"/>
+          <p:cNvSpPr/>
+          <p:nvPr/>
+        </p:nvSpPr>
+        <p:spPr>
+          <a:xfrm>
+            <a:off x="1835696" y="1988840"/>
+            <a:ext cx="1008112" cy="576064"/>
+          </a:xfrm>
+          <a:prstGeom prst="roundRect">
+            <a:avLst/>
+          </a:prstGeom>
+        </p:spPr>
+        <p:style>
+          <a:lnRef idx="1">
+            <a:schemeClr val="accent5"/>
+          </a:lnRef>
+          <a:fillRef idx="3">
+            <a:schemeClr val="accent5"/>
+          </a:fillRef>
+          <a:effectRef idx="2">
+            <a:schemeClr val="accent5"/>
+          </a:effectRef>
+          <a:fontRef idx="minor">
+            <a:schemeClr val="lt1"/>
+          </a:fontRef>
+        </p:style>
+        <p:txBody>
+          <a:bodyPr rtlCol="0" anchor="ctr"/>
+          <a:lstStyle/>
+          <a:p>
+            <a:pPr algn="ctr"/>
+            <a:endParaRPr lang="en-GB"/>
+          </a:p>
+        </p:txBody>
+      </p:sp>
+      <p:sp>
+        <p:nvSpPr>
+          <p:cNvPr id="52" name="Rounded Rectangle 51"/>
+          <p:cNvSpPr/>
+          <p:nvPr/>
+        </p:nvSpPr>
+        <p:spPr>
+          <a:xfrm>
+            <a:off x="6012160" y="2021891"/>
+            <a:ext cx="936104" cy="360040"/>
+          </a:xfrm>
+          <a:prstGeom prst="roundRect">
+            <a:avLst/>
+          </a:prstGeom>
+        </p:spPr>
+        <p:style>
+          <a:lnRef idx="1">
+            <a:schemeClr val="accent5"/>
+          </a:lnRef>
+          <a:fillRef idx="3">
+            <a:schemeClr val="accent5"/>
+          </a:fillRef>
+          <a:effectRef idx="2">
+            <a:schemeClr val="accent5"/>
+          </a:effectRef>
+          <a:fontRef idx="minor">
+            <a:schemeClr val="lt1"/>
+          </a:fontRef>
+        </p:style>
+        <p:txBody>
+          <a:bodyPr rtlCol="0" anchor="ctr"/>
+          <a:lstStyle/>
+          <a:p>
+            <a:pPr algn="ctr"/>
+            <a:endParaRPr lang="en-GB"/>
+          </a:p>
+        </p:txBody>
+      </p:sp>
+      <p:sp>
+        <p:nvSpPr>
+          <p:cNvPr id="51" name="Rounded Rectangle 50"/>
+          <p:cNvSpPr/>
+          <p:nvPr/>
+        </p:nvSpPr>
+        <p:spPr>
+          <a:xfrm>
+            <a:off x="3635896" y="1988840"/>
+            <a:ext cx="1656184" cy="576064"/>
+          </a:xfrm>
+          <a:prstGeom prst="roundRect">
+            <a:avLst/>
+          </a:prstGeom>
+        </p:spPr>
+        <p:style>
+          <a:lnRef idx="1">
+            <a:schemeClr val="accent5"/>
+          </a:lnRef>
+          <a:fillRef idx="3">
+            <a:schemeClr val="accent5"/>
+          </a:fillRef>
+          <a:effectRef idx="2">
+            <a:schemeClr val="accent5"/>
+          </a:effectRef>
+          <a:fontRef idx="minor">
+            <a:schemeClr val="lt1"/>
+          </a:fontRef>
+        </p:style>
+        <p:txBody>
+          <a:bodyPr rtlCol="0" anchor="ctr"/>
+          <a:lstStyle/>
+          <a:p>
+            <a:pPr algn="ctr"/>
+            <a:endParaRPr lang="en-GB"/>
+          </a:p>
+        </p:txBody>
+      </p:sp>
+      <p:sp>
+        <p:nvSpPr>
+          <p:cNvPr id="49" name="Rounded Rectangle 48"/>
+          <p:cNvSpPr/>
+          <p:nvPr/>
+        </p:nvSpPr>
+        <p:spPr>
+          <a:xfrm>
+            <a:off x="3635896" y="1196752"/>
+            <a:ext cx="1728192" cy="360040"/>
+          </a:xfrm>
+          <a:prstGeom prst="roundRect">
+            <a:avLst/>
+          </a:prstGeom>
+        </p:spPr>
+        <p:style>
+          <a:lnRef idx="1">
+            <a:schemeClr val="accent5"/>
+          </a:lnRef>
+          <a:fillRef idx="3">
+            <a:schemeClr val="accent5"/>
+          </a:fillRef>
+          <a:effectRef idx="2">
+            <a:schemeClr val="accent5"/>
+          </a:effectRef>
+          <a:fontRef idx="minor">
+            <a:schemeClr val="lt1"/>
+          </a:fontRef>
+        </p:style>
+        <p:txBody>
+          <a:bodyPr rtlCol="0" anchor="ctr"/>
+          <a:lstStyle/>
+          <a:p>
+            <a:pPr algn="ctr"/>
+            <a:endParaRPr lang="en-GB"/>
+          </a:p>
+        </p:txBody>
+      </p:sp>
+      <p:sp>
+        <p:nvSpPr>
+          <p:cNvPr id="48" name="Rounded Rectangle 47"/>
+          <p:cNvSpPr/>
+          <p:nvPr/>
+        </p:nvSpPr>
+        <p:spPr>
+          <a:xfrm>
+            <a:off x="4034893" y="404664"/>
+            <a:ext cx="792088" cy="360040"/>
+          </a:xfrm>
+          <a:prstGeom prst="roundRect">
+            <a:avLst/>
+          </a:prstGeom>
+        </p:spPr>
+        <p:style>
+          <a:lnRef idx="1">
+            <a:schemeClr val="accent5"/>
+          </a:lnRef>
+          <a:fillRef idx="3">
+            <a:schemeClr val="accent5"/>
+          </a:fillRef>
+          <a:effectRef idx="2">
+            <a:schemeClr val="accent5"/>
+          </a:effectRef>
+          <a:fontRef idx="minor">
+            <a:schemeClr val="lt1"/>
+          </a:fontRef>
+        </p:style>
+        <p:txBody>
+          <a:bodyPr rtlCol="0" anchor="ctr"/>
+          <a:lstStyle/>
+          <a:p>
+            <a:pPr algn="ctr"/>
+            <a:endParaRPr lang="en-GB"/>
+          </a:p>
+        </p:txBody>
+      </p:sp>
+      <p:sp>
+        <p:nvSpPr>
           <p:cNvPr id="2" name="TextBox 1"/>
           <p:cNvSpPr txBox="1"/>
           <p:nvPr/>
@@ -4601,10 +5024,6 @@
             <a:r>
               <a:rPr lang="en-CA" sz="1600" dirty="0" smtClean="0"/>
               <a:t>parameterized </a:t>
-            </a:r>
-            <a:r>
-              <a:rPr lang="en-CA" sz="1600" dirty="0" smtClean="0"/>
-              <a:t/>
             </a:r>
             <a:br>
               <a:rPr lang="en-CA" sz="1600" dirty="0" smtClean="0"/>
@@ -5035,13 +5454,241 @@
       </p:grpSpPr>
       <p:sp>
         <p:nvSpPr>
+          <p:cNvPr id="34" name="Rounded Rectangle 33"/>
+          <p:cNvSpPr/>
+          <p:nvPr/>
+        </p:nvSpPr>
+        <p:spPr>
+          <a:xfrm>
+            <a:off x="4572000" y="1196752"/>
+            <a:ext cx="1800200" cy="360040"/>
+          </a:xfrm>
+          <a:prstGeom prst="roundRect">
+            <a:avLst/>
+          </a:prstGeom>
+        </p:spPr>
+        <p:style>
+          <a:lnRef idx="1">
+            <a:schemeClr val="accent5"/>
+          </a:lnRef>
+          <a:fillRef idx="3">
+            <a:schemeClr val="accent5"/>
+          </a:fillRef>
+          <a:effectRef idx="2">
+            <a:schemeClr val="accent5"/>
+          </a:effectRef>
+          <a:fontRef idx="minor">
+            <a:schemeClr val="lt1"/>
+          </a:fontRef>
+        </p:style>
+        <p:txBody>
+          <a:bodyPr rtlCol="0" anchor="ctr"/>
+          <a:lstStyle/>
+          <a:p>
+            <a:pPr algn="ctr"/>
+            <a:endParaRPr lang="en-GB"/>
+          </a:p>
+        </p:txBody>
+      </p:sp>
+      <p:sp>
+        <p:nvSpPr>
+          <p:cNvPr id="35" name="Rounded Rectangle 34"/>
+          <p:cNvSpPr/>
+          <p:nvPr/>
+        </p:nvSpPr>
+        <p:spPr>
+          <a:xfrm>
+            <a:off x="1835696" y="1196752"/>
+            <a:ext cx="1728192" cy="360040"/>
+          </a:xfrm>
+          <a:prstGeom prst="roundRect">
+            <a:avLst/>
+          </a:prstGeom>
+        </p:spPr>
+        <p:style>
+          <a:lnRef idx="1">
+            <a:schemeClr val="accent5"/>
+          </a:lnRef>
+          <a:fillRef idx="3">
+            <a:schemeClr val="accent5"/>
+          </a:fillRef>
+          <a:effectRef idx="2">
+            <a:schemeClr val="accent5"/>
+          </a:effectRef>
+          <a:fontRef idx="minor">
+            <a:schemeClr val="lt1"/>
+          </a:fontRef>
+        </p:style>
+        <p:txBody>
+          <a:bodyPr rtlCol="0" anchor="ctr"/>
+          <a:lstStyle/>
+          <a:p>
+            <a:pPr algn="ctr"/>
+            <a:endParaRPr lang="en-GB"/>
+          </a:p>
+        </p:txBody>
+      </p:sp>
+      <p:sp>
+        <p:nvSpPr>
+          <p:cNvPr id="36" name="Rounded Rectangle 35"/>
+          <p:cNvSpPr/>
+          <p:nvPr/>
+        </p:nvSpPr>
+        <p:spPr>
+          <a:xfrm>
+            <a:off x="4139952" y="2204864"/>
+            <a:ext cx="2448272" cy="648072"/>
+          </a:xfrm>
+          <a:prstGeom prst="roundRect">
+            <a:avLst/>
+          </a:prstGeom>
+        </p:spPr>
+        <p:style>
+          <a:lnRef idx="1">
+            <a:schemeClr val="accent5"/>
+          </a:lnRef>
+          <a:fillRef idx="3">
+            <a:schemeClr val="accent5"/>
+          </a:fillRef>
+          <a:effectRef idx="2">
+            <a:schemeClr val="accent5"/>
+          </a:effectRef>
+          <a:fontRef idx="minor">
+            <a:schemeClr val="lt1"/>
+          </a:fontRef>
+        </p:style>
+        <p:txBody>
+          <a:bodyPr rtlCol="0" anchor="ctr"/>
+          <a:lstStyle/>
+          <a:p>
+            <a:pPr algn="ctr"/>
+            <a:endParaRPr lang="en-GB"/>
+          </a:p>
+        </p:txBody>
+      </p:sp>
+      <p:sp>
+        <p:nvSpPr>
+          <p:cNvPr id="37" name="Rounded Rectangle 36"/>
+          <p:cNvSpPr/>
+          <p:nvPr/>
+        </p:nvSpPr>
+        <p:spPr>
+          <a:xfrm>
+            <a:off x="1331640" y="2204864"/>
+            <a:ext cx="2448272" cy="648072"/>
+          </a:xfrm>
+          <a:prstGeom prst="roundRect">
+            <a:avLst/>
+          </a:prstGeom>
+        </p:spPr>
+        <p:style>
+          <a:lnRef idx="1">
+            <a:schemeClr val="accent5"/>
+          </a:lnRef>
+          <a:fillRef idx="3">
+            <a:schemeClr val="accent5"/>
+          </a:fillRef>
+          <a:effectRef idx="2">
+            <a:schemeClr val="accent5"/>
+          </a:effectRef>
+          <a:fontRef idx="minor">
+            <a:schemeClr val="lt1"/>
+          </a:fontRef>
+        </p:style>
+        <p:txBody>
+          <a:bodyPr rtlCol="0" anchor="ctr"/>
+          <a:lstStyle/>
+          <a:p>
+            <a:pPr algn="ctr"/>
+            <a:endParaRPr lang="en-GB"/>
+          </a:p>
+        </p:txBody>
+      </p:sp>
+      <p:sp>
+        <p:nvSpPr>
+          <p:cNvPr id="38" name="Rounded Rectangle 37"/>
+          <p:cNvSpPr/>
+          <p:nvPr/>
+        </p:nvSpPr>
+        <p:spPr>
+          <a:xfrm>
+            <a:off x="2771800" y="3284984"/>
+            <a:ext cx="2448272" cy="360040"/>
+          </a:xfrm>
+          <a:prstGeom prst="roundRect">
+            <a:avLst/>
+          </a:prstGeom>
+        </p:spPr>
+        <p:style>
+          <a:lnRef idx="1">
+            <a:schemeClr val="accent5"/>
+          </a:lnRef>
+          <a:fillRef idx="3">
+            <a:schemeClr val="accent5"/>
+          </a:fillRef>
+          <a:effectRef idx="2">
+            <a:schemeClr val="accent5"/>
+          </a:effectRef>
+          <a:fontRef idx="minor">
+            <a:schemeClr val="lt1"/>
+          </a:fontRef>
+        </p:style>
+        <p:txBody>
+          <a:bodyPr rtlCol="0" anchor="ctr"/>
+          <a:lstStyle/>
+          <a:p>
+            <a:pPr algn="ctr"/>
+            <a:endParaRPr lang="en-GB"/>
+          </a:p>
+        </p:txBody>
+      </p:sp>
+      <p:sp>
+        <p:nvSpPr>
+          <p:cNvPr id="33" name="Rounded Rectangle 32"/>
+          <p:cNvSpPr/>
+          <p:nvPr/>
+        </p:nvSpPr>
+        <p:spPr>
+          <a:xfrm>
+            <a:off x="3452923" y="548680"/>
+            <a:ext cx="1152128" cy="360040"/>
+          </a:xfrm>
+          <a:prstGeom prst="roundRect">
+            <a:avLst/>
+          </a:prstGeom>
+        </p:spPr>
+        <p:style>
+          <a:lnRef idx="1">
+            <a:schemeClr val="accent5"/>
+          </a:lnRef>
+          <a:fillRef idx="3">
+            <a:schemeClr val="accent5"/>
+          </a:fillRef>
+          <a:effectRef idx="2">
+            <a:schemeClr val="accent5"/>
+          </a:effectRef>
+          <a:fontRef idx="minor">
+            <a:schemeClr val="lt1"/>
+          </a:fontRef>
+        </p:style>
+        <p:txBody>
+          <a:bodyPr rtlCol="0" anchor="ctr"/>
+          <a:lstStyle/>
+          <a:p>
+            <a:pPr algn="ctr"/>
+            <a:endParaRPr lang="en-GB"/>
+          </a:p>
+        </p:txBody>
+      </p:sp>
+      <p:sp>
+        <p:nvSpPr>
           <p:cNvPr id="2" name="TextBox 1"/>
           <p:cNvSpPr txBox="1"/>
           <p:nvPr/>
         </p:nvSpPr>
         <p:spPr>
           <a:xfrm>
-            <a:off x="4860032" y="1412776"/>
+            <a:off x="4571919" y="1196752"/>
             <a:ext cx="1906869" cy="369332"/>
           </a:xfrm>
           <a:prstGeom prst="rect">
@@ -5071,7 +5718,7 @@
         </p:nvSpPr>
         <p:spPr>
           <a:xfrm>
-            <a:off x="5666569" y="1866310"/>
+            <a:off x="5378456" y="1722294"/>
             <a:ext cx="1190134" cy="338554"/>
           </a:xfrm>
           <a:prstGeom prst="rect">
@@ -5109,8 +5756,8 @@
         </p:nvSpPr>
         <p:spPr>
           <a:xfrm>
-            <a:off x="3942482" y="2420888"/>
-            <a:ext cx="3349058" cy="369332"/>
+            <a:off x="4067944" y="2204864"/>
+            <a:ext cx="2521908" cy="646331"/>
           </a:xfrm>
           <a:prstGeom prst="rect">
             <a:avLst/>
@@ -5126,7 +5773,22 @@
             <a:pPr algn="ctr"/>
             <a:r>
               <a:rPr lang="en-CA" dirty="0" smtClean="0"/>
-              <a:t>numeric data format specification</a:t>
+              <a:t>numeric </a:t>
+            </a:r>
+            <a:r>
+              <a:rPr lang="en-CA" dirty="0" smtClean="0"/>
+              <a:t/>
+            </a:r>
+            <a:br>
+              <a:rPr lang="en-CA" dirty="0" smtClean="0"/>
+            </a:br>
+            <a:r>
+              <a:rPr lang="en-CA" dirty="0" smtClean="0"/>
+              <a:t>data </a:t>
+            </a:r>
+            <a:r>
+              <a:rPr lang="en-CA" dirty="0" smtClean="0"/>
+              <a:t>format specification</a:t>
             </a:r>
             <a:endParaRPr lang="en-CA" dirty="0"/>
           </a:p>
@@ -5140,7 +5802,7 @@
         </p:nvSpPr>
         <p:spPr>
           <a:xfrm>
-            <a:off x="4860032" y="908720"/>
+            <a:off x="4571919" y="858198"/>
             <a:ext cx="455574" cy="338554"/>
           </a:xfrm>
           <a:prstGeom prst="rect">
@@ -5185,6 +5847,9 @@
             <a:avLst/>
           </a:prstGeom>
           <a:noFill/>
+          <a:ln w="6350">
+            <a:noFill/>
+          </a:ln>
         </p:spPr>
         <p:txBody>
           <a:bodyPr wrap="none" rtlCol="0">
@@ -5205,14 +5870,15 @@
         <p:nvCxnSpPr>
           <p:cNvPr id="11" name="Straight Arrow Connector 10"/>
           <p:cNvCxnSpPr>
+            <a:stCxn id="8" idx="2"/>
             <a:endCxn id="9" idx="2"/>
           </p:cNvCxnSpPr>
           <p:nvPr/>
         </p:nvCxnSpPr>
         <p:spPr>
-          <a:xfrm rot="10800000">
-            <a:off x="4031740" y="918012"/>
-            <a:ext cx="1621968" cy="485646"/>
+          <a:xfrm rot="5400000" flipH="1">
+            <a:off x="4276353" y="673399"/>
+            <a:ext cx="278740" cy="767966"/>
           </a:xfrm>
           <a:prstGeom prst="straightConnector1">
             <a:avLst/>
@@ -5244,7 +5910,7 @@
         </p:nvCxnSpPr>
         <p:spPr>
           <a:xfrm rot="5400000">
-            <a:off x="5364882" y="2060054"/>
+            <a:off x="5076769" y="1916038"/>
             <a:ext cx="576064" cy="1588"/>
           </a:xfrm>
           <a:prstGeom prst="straightConnector1">
@@ -5277,7 +5943,7 @@
         </p:nvSpPr>
         <p:spPr>
           <a:xfrm>
-            <a:off x="5076056" y="2852936"/>
+            <a:off x="4620482" y="2946430"/>
             <a:ext cx="455574" cy="338554"/>
           </a:xfrm>
           <a:prstGeom prst="rect">
@@ -5348,14 +6014,15 @@
         </p:nvCxnSpPr>
         <p:spPr>
           <a:xfrm rot="5400000" flipH="1" flipV="1">
-            <a:off x="4586664" y="2217899"/>
-            <a:ext cx="513176" cy="1620994"/>
+            <a:off x="4302377" y="2583314"/>
+            <a:ext cx="432048" cy="971293"/>
           </a:xfrm>
           <a:prstGeom prst="straightConnector1">
             <a:avLst/>
           </a:prstGeom>
           <a:ln>
-            <a:tailEnd type="arrow"/>
+            <a:headEnd type="arrow" w="med" len="med"/>
+            <a:tailEnd type="none" w="med" len="med"/>
           </a:ln>
         </p:spPr>
         <p:style>
@@ -5381,7 +6048,7 @@
         </p:nvSpPr>
         <p:spPr>
           <a:xfrm>
-            <a:off x="1529110" y="1412776"/>
+            <a:off x="1835614" y="1196752"/>
             <a:ext cx="1781385" cy="369332"/>
           </a:xfrm>
           <a:prstGeom prst="rect">
@@ -5411,7 +6078,7 @@
         </p:nvSpPr>
         <p:spPr>
           <a:xfrm>
-            <a:off x="2335647" y="1866310"/>
+            <a:off x="2642151" y="1722294"/>
             <a:ext cx="1190134" cy="338554"/>
           </a:xfrm>
           <a:prstGeom prst="rect">
@@ -5449,8 +6116,8 @@
         </p:nvSpPr>
         <p:spPr>
           <a:xfrm>
-            <a:off x="674303" y="2420888"/>
-            <a:ext cx="3223575" cy="369332"/>
+            <a:off x="1331640" y="2204864"/>
+            <a:ext cx="2521909" cy="646331"/>
           </a:xfrm>
           <a:prstGeom prst="rect">
             <a:avLst/>
@@ -5466,7 +6133,18 @@
             <a:pPr algn="ctr"/>
             <a:r>
               <a:rPr lang="en-CA" dirty="0" smtClean="0"/>
-              <a:t>textual data format specification</a:t>
+              <a:t>textual </a:t>
+            </a:r>
+            <a:r>
+              <a:rPr lang="en-CA" dirty="0" smtClean="0"/>
+              <a:t/>
+            </a:r>
+            <a:br>
+              <a:rPr lang="en-CA" dirty="0" smtClean="0"/>
+            </a:br>
+            <a:r>
+              <a:rPr lang="en-CA" dirty="0" smtClean="0"/>
+              <a:t>data format specification</a:t>
             </a:r>
             <a:endParaRPr lang="en-CA" dirty="0"/>
           </a:p>
@@ -5480,7 +6158,7 @@
         </p:nvCxnSpPr>
         <p:spPr>
           <a:xfrm rot="5400000">
-            <a:off x="2033960" y="2060054"/>
+            <a:off x="2340464" y="1916038"/>
             <a:ext cx="576064" cy="1588"/>
           </a:xfrm>
           <a:prstGeom prst="straightConnector1">
@@ -5513,7 +6191,7 @@
         </p:nvSpPr>
         <p:spPr>
           <a:xfrm>
-            <a:off x="2604258" y="2924944"/>
+            <a:off x="2964298" y="2924944"/>
             <a:ext cx="455574" cy="338554"/>
           </a:xfrm>
           <a:prstGeom prst="rect">
@@ -5553,14 +6231,15 @@
         </p:nvCxnSpPr>
         <p:spPr>
           <a:xfrm rot="16200000" flipV="1">
-            <a:off x="2957207" y="2209436"/>
-            <a:ext cx="441168" cy="1709928"/>
+            <a:off x="3366274" y="2618502"/>
+            <a:ext cx="432048" cy="900915"/>
           </a:xfrm>
           <a:prstGeom prst="straightConnector1">
             <a:avLst/>
           </a:prstGeom>
           <a:ln>
-            <a:tailEnd type="arrow"/>
+            <a:headEnd type="arrow" w="med" len="med"/>
+            <a:tailEnd type="none" w="med" len="med"/>
           </a:ln>
         </p:spPr>
         <p:style>
@@ -5586,7 +6265,7 @@
         </p:nvSpPr>
         <p:spPr>
           <a:xfrm>
-            <a:off x="2627784" y="980728"/>
+            <a:off x="3054778" y="858198"/>
             <a:ext cx="455574" cy="338554"/>
           </a:xfrm>
           <a:prstGeom prst="rect">
@@ -5620,14 +6299,15 @@
         <p:nvCxnSpPr>
           <p:cNvPr id="27" name="Straight Arrow Connector 26"/>
           <p:cNvCxnSpPr>
+            <a:stCxn id="26" idx="2"/>
             <a:endCxn id="9" idx="2"/>
           </p:cNvCxnSpPr>
           <p:nvPr/>
         </p:nvCxnSpPr>
         <p:spPr>
-          <a:xfrm flipV="1">
-            <a:off x="2555776" y="918012"/>
-            <a:ext cx="1475964" cy="494764"/>
+          <a:xfrm rot="5400000" flipH="1" flipV="1">
+            <a:off x="3517782" y="682794"/>
+            <a:ext cx="278740" cy="749175"/>
           </a:xfrm>
           <a:prstGeom prst="straightConnector1">
             <a:avLst/>
@@ -5678,6 +6358,348 @@
       </p:grpSpPr>
       <p:sp>
         <p:nvSpPr>
+          <p:cNvPr id="44" name="Rounded Rectangle 43"/>
+          <p:cNvSpPr/>
+          <p:nvPr/>
+        </p:nvSpPr>
+        <p:spPr>
+          <a:xfrm>
+            <a:off x="7823377" y="3345975"/>
+            <a:ext cx="1008112" cy="576064"/>
+          </a:xfrm>
+          <a:prstGeom prst="roundRect">
+            <a:avLst/>
+          </a:prstGeom>
+        </p:spPr>
+        <p:style>
+          <a:lnRef idx="1">
+            <a:schemeClr val="accent5"/>
+          </a:lnRef>
+          <a:fillRef idx="3">
+            <a:schemeClr val="accent5"/>
+          </a:fillRef>
+          <a:effectRef idx="2">
+            <a:schemeClr val="accent5"/>
+          </a:effectRef>
+          <a:fontRef idx="minor">
+            <a:schemeClr val="lt1"/>
+          </a:fontRef>
+        </p:style>
+        <p:txBody>
+          <a:bodyPr rtlCol="0" anchor="ctr"/>
+          <a:lstStyle/>
+          <a:p>
+            <a:pPr algn="ctr"/>
+            <a:endParaRPr lang="en-GB"/>
+          </a:p>
+        </p:txBody>
+      </p:sp>
+      <p:sp>
+        <p:nvSpPr>
+          <p:cNvPr id="43" name="Rounded Rectangle 42"/>
+          <p:cNvSpPr/>
+          <p:nvPr/>
+        </p:nvSpPr>
+        <p:spPr>
+          <a:xfrm>
+            <a:off x="6671249" y="3345975"/>
+            <a:ext cx="1008112" cy="576064"/>
+          </a:xfrm>
+          <a:prstGeom prst="roundRect">
+            <a:avLst/>
+          </a:prstGeom>
+        </p:spPr>
+        <p:style>
+          <a:lnRef idx="1">
+            <a:schemeClr val="accent5"/>
+          </a:lnRef>
+          <a:fillRef idx="3">
+            <a:schemeClr val="accent5"/>
+          </a:fillRef>
+          <a:effectRef idx="2">
+            <a:schemeClr val="accent5"/>
+          </a:effectRef>
+          <a:fontRef idx="minor">
+            <a:schemeClr val="lt1"/>
+          </a:fontRef>
+        </p:style>
+        <p:txBody>
+          <a:bodyPr rtlCol="0" anchor="ctr"/>
+          <a:lstStyle/>
+          <a:p>
+            <a:pPr algn="ctr"/>
+            <a:endParaRPr lang="en-GB"/>
+          </a:p>
+        </p:txBody>
+      </p:sp>
+      <p:sp>
+        <p:nvSpPr>
+          <p:cNvPr id="42" name="Rounded Rectangle 41"/>
+          <p:cNvSpPr/>
+          <p:nvPr/>
+        </p:nvSpPr>
+        <p:spPr>
+          <a:xfrm>
+            <a:off x="5076056" y="3573016"/>
+            <a:ext cx="1152128" cy="288032"/>
+          </a:xfrm>
+          <a:prstGeom prst="roundRect">
+            <a:avLst/>
+          </a:prstGeom>
+        </p:spPr>
+        <p:style>
+          <a:lnRef idx="1">
+            <a:schemeClr val="accent5"/>
+          </a:lnRef>
+          <a:fillRef idx="3">
+            <a:schemeClr val="accent5"/>
+          </a:fillRef>
+          <a:effectRef idx="2">
+            <a:schemeClr val="accent5"/>
+          </a:effectRef>
+          <a:fontRef idx="minor">
+            <a:schemeClr val="lt1"/>
+          </a:fontRef>
+        </p:style>
+        <p:txBody>
+          <a:bodyPr rtlCol="0" anchor="ctr"/>
+          <a:lstStyle/>
+          <a:p>
+            <a:pPr algn="ctr"/>
+            <a:endParaRPr lang="en-GB"/>
+          </a:p>
+        </p:txBody>
+      </p:sp>
+      <p:sp>
+        <p:nvSpPr>
+          <p:cNvPr id="41" name="Rounded Rectangle 40"/>
+          <p:cNvSpPr/>
+          <p:nvPr/>
+        </p:nvSpPr>
+        <p:spPr>
+          <a:xfrm>
+            <a:off x="7308304" y="2376820"/>
+            <a:ext cx="1152128" cy="576064"/>
+          </a:xfrm>
+          <a:prstGeom prst="roundRect">
+            <a:avLst/>
+          </a:prstGeom>
+        </p:spPr>
+        <p:style>
+          <a:lnRef idx="1">
+            <a:schemeClr val="accent5"/>
+          </a:lnRef>
+          <a:fillRef idx="3">
+            <a:schemeClr val="accent5"/>
+          </a:fillRef>
+          <a:effectRef idx="2">
+            <a:schemeClr val="accent5"/>
+          </a:effectRef>
+          <a:fontRef idx="minor">
+            <a:schemeClr val="lt1"/>
+          </a:fontRef>
+        </p:style>
+        <p:txBody>
+          <a:bodyPr rtlCol="0" anchor="ctr"/>
+          <a:lstStyle/>
+          <a:p>
+            <a:pPr algn="ctr"/>
+            <a:endParaRPr lang="en-GB"/>
+          </a:p>
+        </p:txBody>
+      </p:sp>
+      <p:sp>
+        <p:nvSpPr>
+          <p:cNvPr id="37" name="Rounded Rectangle 36"/>
+          <p:cNvSpPr/>
+          <p:nvPr/>
+        </p:nvSpPr>
+        <p:spPr>
+          <a:xfrm>
+            <a:off x="5148064" y="2276872"/>
+            <a:ext cx="1008112" cy="576064"/>
+          </a:xfrm>
+          <a:prstGeom prst="roundRect">
+            <a:avLst/>
+          </a:prstGeom>
+        </p:spPr>
+        <p:style>
+          <a:lnRef idx="1">
+            <a:schemeClr val="accent5"/>
+          </a:lnRef>
+          <a:fillRef idx="3">
+            <a:schemeClr val="accent5"/>
+          </a:fillRef>
+          <a:effectRef idx="2">
+            <a:schemeClr val="accent5"/>
+          </a:effectRef>
+          <a:fontRef idx="minor">
+            <a:schemeClr val="lt1"/>
+          </a:fontRef>
+        </p:style>
+        <p:txBody>
+          <a:bodyPr rtlCol="0" anchor="ctr"/>
+          <a:lstStyle/>
+          <a:p>
+            <a:pPr algn="ctr"/>
+            <a:endParaRPr lang="en-GB"/>
+          </a:p>
+        </p:txBody>
+      </p:sp>
+      <p:sp>
+        <p:nvSpPr>
+          <p:cNvPr id="36" name="Rounded Rectangle 35"/>
+          <p:cNvSpPr/>
+          <p:nvPr/>
+        </p:nvSpPr>
+        <p:spPr>
+          <a:xfrm>
+            <a:off x="5103996" y="908720"/>
+            <a:ext cx="1152128" cy="648072"/>
+          </a:xfrm>
+          <a:prstGeom prst="roundRect">
+            <a:avLst/>
+          </a:prstGeom>
+        </p:spPr>
+        <p:style>
+          <a:lnRef idx="1">
+            <a:schemeClr val="accent5"/>
+          </a:lnRef>
+          <a:fillRef idx="3">
+            <a:schemeClr val="accent5"/>
+          </a:fillRef>
+          <a:effectRef idx="2">
+            <a:schemeClr val="accent5"/>
+          </a:effectRef>
+          <a:fontRef idx="minor">
+            <a:schemeClr val="lt1"/>
+          </a:fontRef>
+        </p:style>
+        <p:txBody>
+          <a:bodyPr rtlCol="0" anchor="ctr"/>
+          <a:lstStyle/>
+          <a:p>
+            <a:pPr algn="ctr"/>
+            <a:endParaRPr lang="en-GB"/>
+          </a:p>
+        </p:txBody>
+      </p:sp>
+      <p:sp>
+        <p:nvSpPr>
+          <p:cNvPr id="33" name="Rounded Rectangle 32"/>
+          <p:cNvSpPr/>
+          <p:nvPr/>
+        </p:nvSpPr>
+        <p:spPr>
+          <a:xfrm>
+            <a:off x="2483768" y="2254838"/>
+            <a:ext cx="1152128" cy="1224136"/>
+          </a:xfrm>
+          <a:prstGeom prst="roundRect">
+            <a:avLst/>
+          </a:prstGeom>
+        </p:spPr>
+        <p:style>
+          <a:lnRef idx="1">
+            <a:schemeClr val="accent5"/>
+          </a:lnRef>
+          <a:fillRef idx="3">
+            <a:schemeClr val="accent5"/>
+          </a:fillRef>
+          <a:effectRef idx="2">
+            <a:schemeClr val="accent5"/>
+          </a:effectRef>
+          <a:fontRef idx="minor">
+            <a:schemeClr val="lt1"/>
+          </a:fontRef>
+        </p:style>
+        <p:txBody>
+          <a:bodyPr rtlCol="0" anchor="ctr"/>
+          <a:lstStyle/>
+          <a:p>
+            <a:pPr algn="ctr"/>
+            <a:endParaRPr lang="en-GB"/>
+          </a:p>
+        </p:txBody>
+      </p:sp>
+      <p:sp>
+        <p:nvSpPr>
+          <p:cNvPr id="28" name="Rounded Rectangle 27"/>
+          <p:cNvSpPr/>
+          <p:nvPr/>
+        </p:nvSpPr>
+        <p:spPr>
+          <a:xfrm>
+            <a:off x="2483768" y="548680"/>
+            <a:ext cx="1152128" cy="1008112"/>
+          </a:xfrm>
+          <a:prstGeom prst="roundRect">
+            <a:avLst/>
+          </a:prstGeom>
+        </p:spPr>
+        <p:style>
+          <a:lnRef idx="1">
+            <a:schemeClr val="accent5"/>
+          </a:lnRef>
+          <a:fillRef idx="3">
+            <a:schemeClr val="accent5"/>
+          </a:fillRef>
+          <a:effectRef idx="2">
+            <a:schemeClr val="accent5"/>
+          </a:effectRef>
+          <a:fontRef idx="minor">
+            <a:schemeClr val="lt1"/>
+          </a:fontRef>
+        </p:style>
+        <p:txBody>
+          <a:bodyPr rtlCol="0" anchor="ctr"/>
+          <a:lstStyle/>
+          <a:p>
+            <a:pPr algn="ctr"/>
+            <a:endParaRPr lang="en-GB"/>
+          </a:p>
+        </p:txBody>
+      </p:sp>
+      <p:sp>
+        <p:nvSpPr>
+          <p:cNvPr id="27" name="Rounded Rectangle 26"/>
+          <p:cNvSpPr/>
+          <p:nvPr/>
+        </p:nvSpPr>
+        <p:spPr>
+          <a:xfrm>
+            <a:off x="107504" y="476672"/>
+            <a:ext cx="1080120" cy="576064"/>
+          </a:xfrm>
+          <a:prstGeom prst="roundRect">
+            <a:avLst/>
+          </a:prstGeom>
+        </p:spPr>
+        <p:style>
+          <a:lnRef idx="1">
+            <a:schemeClr val="accent5"/>
+          </a:lnRef>
+          <a:fillRef idx="3">
+            <a:schemeClr val="accent5"/>
+          </a:fillRef>
+          <a:effectRef idx="2">
+            <a:schemeClr val="accent5"/>
+          </a:effectRef>
+          <a:fontRef idx="minor">
+            <a:schemeClr val="lt1"/>
+          </a:fontRef>
+        </p:style>
+        <p:txBody>
+          <a:bodyPr rtlCol="0" anchor="ctr"/>
+          <a:lstStyle/>
+          <a:p>
+            <a:pPr algn="ctr"/>
+            <a:endParaRPr lang="en-GB"/>
+          </a:p>
+        </p:txBody>
+      </p:sp>
+      <p:sp>
+        <p:nvSpPr>
           <p:cNvPr id="2" name="TextBox 1"/>
           <p:cNvSpPr txBox="1"/>
           <p:nvPr/>
@@ -6189,21 +7211,8 @@
                   <a:schemeClr val="tx2"/>
                 </a:solidFill>
               </a:rPr>
-              <a:t>has </a:t>
-            </a:r>
-            <a:r>
-              <a:rPr lang="en-CA" sz="1600" i="1" dirty="0" smtClean="0">
-                <a:solidFill>
-                  <a:schemeClr val="tx2"/>
-                </a:solidFill>
-              </a:rPr>
-              <a:t>part</a:t>
-            </a:r>
-            <a:endParaRPr lang="en-CA" sz="1600" i="1" dirty="0" smtClean="0">
-              <a:solidFill>
-                <a:schemeClr val="tx2"/>
-              </a:solidFill>
-            </a:endParaRPr>
+              <a:t>has part</a:t>
+            </a:r>
           </a:p>
         </p:txBody>
       </p:sp>
@@ -6247,21 +7256,8 @@
                   <a:schemeClr val="tx2"/>
                 </a:solidFill>
               </a:rPr>
-              <a:t> </a:t>
-            </a:r>
-            <a:r>
-              <a:rPr lang="en-CA" sz="1600" i="1" dirty="0" smtClean="0">
-                <a:solidFill>
-                  <a:schemeClr val="tx2"/>
-                </a:solidFill>
-              </a:rPr>
-              <a:t>output</a:t>
-            </a:r>
-            <a:endParaRPr lang="en-CA" sz="1600" i="1" dirty="0" smtClean="0">
-              <a:solidFill>
-                <a:schemeClr val="tx2"/>
-              </a:solidFill>
-            </a:endParaRPr>
+              <a:t> output</a:t>
+            </a:r>
           </a:p>
         </p:txBody>
       </p:sp>
@@ -6307,7 +7303,7 @@
         <p:spPr>
           <a:xfrm>
             <a:off x="5112568" y="3502749"/>
-            <a:ext cx="1171667" cy="646331"/>
+            <a:ext cx="1079719" cy="369332"/>
           </a:xfrm>
           <a:prstGeom prst="rect">
             <a:avLst/>
@@ -6322,14 +7318,11 @@
           <a:p>
             <a:r>
               <a:rPr lang="en-CA" dirty="0" smtClean="0"/>
-              <a:t>parameter</a:t>
-            </a:r>
-            <a:br>
+              <a:t>data </a:t>
+            </a:r>
+            <a:r>
               <a:rPr lang="en-CA" dirty="0" smtClean="0"/>
-            </a:br>
-            <a:r>
-              <a:rPr lang="en-CA" dirty="0" smtClean="0"/>
-              <a:t>data item</a:t>
+              <a:t>item</a:t>
             </a:r>
             <a:endParaRPr lang="en-CA" dirty="0"/>
           </a:p>
@@ -6584,11 +7577,6 @@
               </a:rPr>
               <a:t>is a</a:t>
             </a:r>
-            <a:endParaRPr lang="en-CA" sz="1600" i="1" dirty="0" smtClean="0">
-              <a:solidFill>
-                <a:schemeClr val="tx2"/>
-              </a:solidFill>
-            </a:endParaRPr>
           </a:p>
         </p:txBody>
       </p:sp>
@@ -6632,21 +7620,8 @@
                   <a:schemeClr val="tx2"/>
                 </a:solidFill>
               </a:rPr>
-              <a:t> </a:t>
-            </a:r>
-            <a:r>
-              <a:rPr lang="en-CA" sz="1600" i="1" dirty="0" smtClean="0">
-                <a:solidFill>
-                  <a:schemeClr val="tx2"/>
-                </a:solidFill>
-              </a:rPr>
-              <a:t>output</a:t>
-            </a:r>
-            <a:endParaRPr lang="en-CA" sz="1600" i="1" dirty="0" smtClean="0">
-              <a:solidFill>
-                <a:schemeClr val="tx2"/>
-              </a:solidFill>
-            </a:endParaRPr>
+              <a:t> output</a:t>
+            </a:r>
           </a:p>
         </p:txBody>
       </p:sp>

--- a/documentation/images/diagrams.pptx
+++ b/documentation/images/diagrams.pptx
@@ -294,7 +294,7 @@
             <a:fld id="{9222C97E-73C8-43E8-A42B-6C809C4F9F15}" type="datetimeFigureOut">
               <a:rPr lang="en-US" smtClean="0"/>
               <a:pPr/>
-              <a:t>11/15/2010</a:t>
+              <a:t>5/27/2011</a:t>
             </a:fld>
             <a:endParaRPr lang="en-CA"/>
           </a:p>
@@ -461,7 +461,7 @@
             <a:fld id="{9222C97E-73C8-43E8-A42B-6C809C4F9F15}" type="datetimeFigureOut">
               <a:rPr lang="en-US" smtClean="0"/>
               <a:pPr/>
-              <a:t>11/15/2010</a:t>
+              <a:t>5/27/2011</a:t>
             </a:fld>
             <a:endParaRPr lang="en-CA"/>
           </a:p>
@@ -638,7 +638,7 @@
             <a:fld id="{9222C97E-73C8-43E8-A42B-6C809C4F9F15}" type="datetimeFigureOut">
               <a:rPr lang="en-US" smtClean="0"/>
               <a:pPr/>
-              <a:t>11/15/2010</a:t>
+              <a:t>5/27/2011</a:t>
             </a:fld>
             <a:endParaRPr lang="en-CA"/>
           </a:p>
@@ -805,7 +805,7 @@
             <a:fld id="{9222C97E-73C8-43E8-A42B-6C809C4F9F15}" type="datetimeFigureOut">
               <a:rPr lang="en-US" smtClean="0"/>
               <a:pPr/>
-              <a:t>11/15/2010</a:t>
+              <a:t>5/27/2011</a:t>
             </a:fld>
             <a:endParaRPr lang="en-CA"/>
           </a:p>
@@ -1048,7 +1048,7 @@
             <a:fld id="{9222C97E-73C8-43E8-A42B-6C809C4F9F15}" type="datetimeFigureOut">
               <a:rPr lang="en-US" smtClean="0"/>
               <a:pPr/>
-              <a:t>11/15/2010</a:t>
+              <a:t>5/27/2011</a:t>
             </a:fld>
             <a:endParaRPr lang="en-CA"/>
           </a:p>
@@ -1333,7 +1333,7 @@
             <a:fld id="{9222C97E-73C8-43E8-A42B-6C809C4F9F15}" type="datetimeFigureOut">
               <a:rPr lang="en-US" smtClean="0"/>
               <a:pPr/>
-              <a:t>11/15/2010</a:t>
+              <a:t>5/27/2011</a:t>
             </a:fld>
             <a:endParaRPr lang="en-CA"/>
           </a:p>
@@ -1752,7 +1752,7 @@
             <a:fld id="{9222C97E-73C8-43E8-A42B-6C809C4F9F15}" type="datetimeFigureOut">
               <a:rPr lang="en-US" smtClean="0"/>
               <a:pPr/>
-              <a:t>11/15/2010</a:t>
+              <a:t>5/27/2011</a:t>
             </a:fld>
             <a:endParaRPr lang="en-CA"/>
           </a:p>
@@ -1867,7 +1867,7 @@
             <a:fld id="{9222C97E-73C8-43E8-A42B-6C809C4F9F15}" type="datetimeFigureOut">
               <a:rPr lang="en-US" smtClean="0"/>
               <a:pPr/>
-              <a:t>11/15/2010</a:t>
+              <a:t>5/27/2011</a:t>
             </a:fld>
             <a:endParaRPr lang="en-CA"/>
           </a:p>
@@ -1959,7 +1959,7 @@
             <a:fld id="{9222C97E-73C8-43E8-A42B-6C809C4F9F15}" type="datetimeFigureOut">
               <a:rPr lang="en-US" smtClean="0"/>
               <a:pPr/>
-              <a:t>11/15/2010</a:t>
+              <a:t>5/27/2011</a:t>
             </a:fld>
             <a:endParaRPr lang="en-CA"/>
           </a:p>
@@ -2233,7 +2233,7 @@
             <a:fld id="{9222C97E-73C8-43E8-A42B-6C809C4F9F15}" type="datetimeFigureOut">
               <a:rPr lang="en-US" smtClean="0"/>
               <a:pPr/>
-              <a:t>11/15/2010</a:t>
+              <a:t>5/27/2011</a:t>
             </a:fld>
             <a:endParaRPr lang="en-CA"/>
           </a:p>
@@ -2483,7 +2483,7 @@
             <a:fld id="{9222C97E-73C8-43E8-A42B-6C809C4F9F15}" type="datetimeFigureOut">
               <a:rPr lang="en-US" smtClean="0"/>
               <a:pPr/>
-              <a:t>11/15/2010</a:t>
+              <a:t>5/27/2011</a:t>
             </a:fld>
             <a:endParaRPr lang="en-CA"/>
           </a:p>
@@ -2693,7 +2693,7 @@
             <a:fld id="{9222C97E-73C8-43E8-A42B-6C809C4F9F15}" type="datetimeFigureOut">
               <a:rPr lang="en-US" smtClean="0"/>
               <a:pPr/>
-              <a:t>11/15/2010</a:t>
+              <a:t>5/27/2011</a:t>
             </a:fld>
             <a:endParaRPr lang="en-CA"/>
           </a:p>
@@ -3395,7 +3395,23 @@
                   <a:schemeClr val="tx2"/>
                 </a:solidFill>
               </a:rPr>
-              <a:t>is descriptor of</a:t>
+              <a:t>is </a:t>
+            </a:r>
+            <a:r>
+              <a:rPr lang="en-CA" sz="1600" dirty="0" smtClean="0">
+                <a:solidFill>
+                  <a:schemeClr val="tx2"/>
+                </a:solidFill>
+              </a:rPr>
+              <a:t>descriptor </a:t>
+            </a:r>
+            <a:r>
+              <a:rPr lang="en-CA" sz="1600" dirty="0" smtClean="0">
+                <a:solidFill>
+                  <a:schemeClr val="tx2"/>
+                </a:solidFill>
+              </a:rPr>
+              <a:t>of</a:t>
             </a:r>
             <a:endParaRPr lang="en-CA" sz="1600" dirty="0">
               <a:solidFill>
@@ -5775,20 +5791,12 @@
               <a:rPr lang="en-CA" dirty="0" smtClean="0"/>
               <a:t>numeric </a:t>
             </a:r>
-            <a:r>
-              <a:rPr lang="en-CA" dirty="0" smtClean="0"/>
-              <a:t/>
-            </a:r>
             <a:br>
               <a:rPr lang="en-CA" dirty="0" smtClean="0"/>
             </a:br>
             <a:r>
               <a:rPr lang="en-CA" dirty="0" smtClean="0"/>
-              <a:t>data </a:t>
-            </a:r>
-            <a:r>
-              <a:rPr lang="en-CA" dirty="0" smtClean="0"/>
-              <a:t>format specification</a:t>
+              <a:t>data format specification</a:t>
             </a:r>
             <a:endParaRPr lang="en-CA" dirty="0"/>
           </a:p>
@@ -6134,10 +6142,6 @@
             <a:r>
               <a:rPr lang="en-CA" dirty="0" smtClean="0"/>
               <a:t>textual </a:t>
-            </a:r>
-            <a:r>
-              <a:rPr lang="en-CA" dirty="0" smtClean="0"/>
-              <a:t/>
             </a:r>
             <a:br>
               <a:rPr lang="en-CA" dirty="0" smtClean="0"/>
@@ -7318,11 +7322,7 @@
           <a:p>
             <a:r>
               <a:rPr lang="en-CA" dirty="0" smtClean="0"/>
-              <a:t>data </a:t>
-            </a:r>
-            <a:r>
-              <a:rPr lang="en-CA" dirty="0" smtClean="0"/>
-              <a:t>item</a:t>
+              <a:t>data item</a:t>
             </a:r>
             <a:endParaRPr lang="en-CA" dirty="0"/>
           </a:p>
